--- a/MSIM741_slides_BARBACHEM_COOGAN.pptx
+++ b/MSIM741_slides_BARBACHEM_COOGAN.pptx
@@ -3133,6 +3133,10 @@
           <a:bodyPr/>
           <a:lstStyle/>
           <a:p>
+            <a:r>
+              <a:rPr lang="en-US" smtClean="0"/>
+              <a:t>test</a:t>
+            </a:r>
             <a:endParaRPr lang="en-US"/>
           </a:p>
         </p:txBody>

--- a/MSIM741_slides_BARBACHEM_COOGAN.pptx
+++ b/MSIM741_slides_BARBACHEM_COOGAN.pptx
@@ -2,10 +2,25 @@
 <file path=ppt/presentation.xml><?xml version="1.0" encoding="utf-8"?>
 <p:presentation xmlns:a="http://schemas.openxmlformats.org/drawingml/2006/main" xmlns:r="http://schemas.openxmlformats.org/officeDocument/2006/relationships" xmlns:p="http://schemas.openxmlformats.org/presentationml/2006/main" saveSubsetFonts="1" autoCompressPictures="0">
   <p:sldMasterIdLst>
-    <p:sldMasterId id="2147483648" r:id="rId1"/>
+    <p:sldMasterId id="2147483660" r:id="rId1"/>
   </p:sldMasterIdLst>
+  <p:notesMasterIdLst>
+    <p:notesMasterId r:id="rId15"/>
+  </p:notesMasterIdLst>
   <p:sldIdLst>
     <p:sldId id="256" r:id="rId2"/>
+    <p:sldId id="257" r:id="rId3"/>
+    <p:sldId id="258" r:id="rId4"/>
+    <p:sldId id="265" r:id="rId5"/>
+    <p:sldId id="266" r:id="rId6"/>
+    <p:sldId id="267" r:id="rId7"/>
+    <p:sldId id="259" r:id="rId8"/>
+    <p:sldId id="260" r:id="rId9"/>
+    <p:sldId id="261" r:id="rId10"/>
+    <p:sldId id="268" r:id="rId11"/>
+    <p:sldId id="262" r:id="rId12"/>
+    <p:sldId id="263" r:id="rId13"/>
+    <p:sldId id="264" r:id="rId14"/>
   </p:sldIdLst>
   <p:sldSz cx="9144000" cy="6858000" type="screen4x3"/>
   <p:notesSz cx="6858000" cy="9144000"/>
@@ -104,7 +119,633 @@
       </a:defRPr>
     </a:lvl9pPr>
   </p:defaultTextStyle>
+  <p:extLst>
+    <p:ext uri="{EFAFB233-063F-42B5-8137-9DF3F51BA10A}">
+      <p15:sldGuideLst xmlns:p15="http://schemas.microsoft.com/office/powerpoint/2012/main">
+        <p15:guide id="1" orient="horz" pos="2160">
+          <p15:clr>
+            <a:srgbClr val="A4A3A4"/>
+          </p15:clr>
+        </p15:guide>
+        <p15:guide id="2" pos="2880">
+          <p15:clr>
+            <a:srgbClr val="A4A3A4"/>
+          </p15:clr>
+        </p15:guide>
+      </p15:sldGuideLst>
+    </p:ext>
+  </p:extLst>
 </p:presentation>
+</file>
+
+<file path=ppt/notesMasters/notesMaster1.xml><?xml version="1.0" encoding="utf-8"?>
+<p:notesMaster xmlns:a="http://schemas.openxmlformats.org/drawingml/2006/main" xmlns:r="http://schemas.openxmlformats.org/officeDocument/2006/relationships" xmlns:p="http://schemas.openxmlformats.org/presentationml/2006/main">
+  <p:cSld>
+    <p:bg>
+      <p:bgRef idx="1001">
+        <a:schemeClr val="bg1"/>
+      </p:bgRef>
+    </p:bg>
+    <p:spTree>
+      <p:nvGrpSpPr>
+        <p:cNvPr id="1" name=""/>
+        <p:cNvGrpSpPr/>
+        <p:nvPr/>
+      </p:nvGrpSpPr>
+      <p:grpSpPr>
+        <a:xfrm>
+          <a:off x="0" y="0"/>
+          <a:ext cx="0" cy="0"/>
+          <a:chOff x="0" y="0"/>
+          <a:chExt cx="0" cy="0"/>
+        </a:xfrm>
+      </p:grpSpPr>
+      <p:sp>
+        <p:nvSpPr>
+          <p:cNvPr id="2" name="Header Placeholder 1"/>
+          <p:cNvSpPr>
+            <a:spLocks noGrp="1"/>
+          </p:cNvSpPr>
+          <p:nvPr>
+            <p:ph type="hdr" sz="quarter"/>
+          </p:nvPr>
+        </p:nvSpPr>
+        <p:spPr>
+          <a:xfrm>
+            <a:off x="0" y="0"/>
+            <a:ext cx="2971800" cy="458788"/>
+          </a:xfrm>
+          <a:prstGeom prst="rect">
+            <a:avLst/>
+          </a:prstGeom>
+        </p:spPr>
+        <p:txBody>
+          <a:bodyPr vert="horz" lIns="91440" tIns="45720" rIns="91440" bIns="45720" rtlCol="0"/>
+          <a:lstStyle>
+            <a:lvl1pPr algn="l">
+              <a:defRPr sz="1200"/>
+            </a:lvl1pPr>
+          </a:lstStyle>
+          <a:p>
+            <a:endParaRPr lang="en-US"/>
+          </a:p>
+        </p:txBody>
+      </p:sp>
+      <p:sp>
+        <p:nvSpPr>
+          <p:cNvPr id="3" name="Date Placeholder 2"/>
+          <p:cNvSpPr>
+            <a:spLocks noGrp="1"/>
+          </p:cNvSpPr>
+          <p:nvPr>
+            <p:ph type="dt" idx="1"/>
+          </p:nvPr>
+        </p:nvSpPr>
+        <p:spPr>
+          <a:xfrm>
+            <a:off x="3884613" y="0"/>
+            <a:ext cx="2971800" cy="458788"/>
+          </a:xfrm>
+          <a:prstGeom prst="rect">
+            <a:avLst/>
+          </a:prstGeom>
+        </p:spPr>
+        <p:txBody>
+          <a:bodyPr vert="horz" lIns="91440" tIns="45720" rIns="91440" bIns="45720" rtlCol="0"/>
+          <a:lstStyle>
+            <a:lvl1pPr algn="r">
+              <a:defRPr sz="1200"/>
+            </a:lvl1pPr>
+          </a:lstStyle>
+          <a:p>
+            <a:fld id="{7DD70E8B-17DE-4AB4-B5F7-EE40E5D54983}" type="datetimeFigureOut">
+              <a:rPr lang="en-US" smtClean="0"/>
+              <a:t>11/28/2015</a:t>
+            </a:fld>
+            <a:endParaRPr lang="en-US"/>
+          </a:p>
+        </p:txBody>
+      </p:sp>
+      <p:sp>
+        <p:nvSpPr>
+          <p:cNvPr id="4" name="Slide Image Placeholder 3"/>
+          <p:cNvSpPr>
+            <a:spLocks noGrp="1" noRot="1" noChangeAspect="1"/>
+          </p:cNvSpPr>
+          <p:nvPr>
+            <p:ph type="sldImg" idx="2"/>
+          </p:nvPr>
+        </p:nvSpPr>
+        <p:spPr>
+          <a:xfrm>
+            <a:off x="1371600" y="1143000"/>
+            <a:ext cx="4114800" cy="3086100"/>
+          </a:xfrm>
+          <a:prstGeom prst="rect">
+            <a:avLst/>
+          </a:prstGeom>
+          <a:noFill/>
+          <a:ln w="12700">
+            <a:solidFill>
+              <a:prstClr val="black"/>
+            </a:solidFill>
+          </a:ln>
+        </p:spPr>
+        <p:txBody>
+          <a:bodyPr vert="horz" lIns="91440" tIns="45720" rIns="91440" bIns="45720" rtlCol="0" anchor="ctr"/>
+          <a:lstStyle/>
+          <a:p>
+            <a:endParaRPr lang="en-US"/>
+          </a:p>
+        </p:txBody>
+      </p:sp>
+      <p:sp>
+        <p:nvSpPr>
+          <p:cNvPr id="5" name="Notes Placeholder 4"/>
+          <p:cNvSpPr>
+            <a:spLocks noGrp="1"/>
+          </p:cNvSpPr>
+          <p:nvPr>
+            <p:ph type="body" sz="quarter" idx="3"/>
+          </p:nvPr>
+        </p:nvSpPr>
+        <p:spPr>
+          <a:xfrm>
+            <a:off x="685800" y="4400550"/>
+            <a:ext cx="5486400" cy="3600450"/>
+          </a:xfrm>
+          <a:prstGeom prst="rect">
+            <a:avLst/>
+          </a:prstGeom>
+        </p:spPr>
+        <p:txBody>
+          <a:bodyPr vert="horz" lIns="91440" tIns="45720" rIns="91440" bIns="45720" rtlCol="0"/>
+          <a:lstStyle/>
+          <a:p>
+            <a:pPr lvl="0"/>
+            <a:r>
+              <a:rPr lang="en-US" smtClean="0"/>
+              <a:t>Click to edit Master text styles</a:t>
+            </a:r>
+          </a:p>
+          <a:p>
+            <a:pPr lvl="1"/>
+            <a:r>
+              <a:rPr lang="en-US" smtClean="0"/>
+              <a:t>Second level</a:t>
+            </a:r>
+          </a:p>
+          <a:p>
+            <a:pPr lvl="2"/>
+            <a:r>
+              <a:rPr lang="en-US" smtClean="0"/>
+              <a:t>Third level</a:t>
+            </a:r>
+          </a:p>
+          <a:p>
+            <a:pPr lvl="3"/>
+            <a:r>
+              <a:rPr lang="en-US" smtClean="0"/>
+              <a:t>Fourth level</a:t>
+            </a:r>
+          </a:p>
+          <a:p>
+            <a:pPr lvl="4"/>
+            <a:r>
+              <a:rPr lang="en-US" smtClean="0"/>
+              <a:t>Fifth level</a:t>
+            </a:r>
+            <a:endParaRPr lang="en-US"/>
+          </a:p>
+        </p:txBody>
+      </p:sp>
+      <p:sp>
+        <p:nvSpPr>
+          <p:cNvPr id="6" name="Footer Placeholder 5"/>
+          <p:cNvSpPr>
+            <a:spLocks noGrp="1"/>
+          </p:cNvSpPr>
+          <p:nvPr>
+            <p:ph type="ftr" sz="quarter" idx="4"/>
+          </p:nvPr>
+        </p:nvSpPr>
+        <p:spPr>
+          <a:xfrm>
+            <a:off x="0" y="8685213"/>
+            <a:ext cx="2971800" cy="458787"/>
+          </a:xfrm>
+          <a:prstGeom prst="rect">
+            <a:avLst/>
+          </a:prstGeom>
+        </p:spPr>
+        <p:txBody>
+          <a:bodyPr vert="horz" lIns="91440" tIns="45720" rIns="91440" bIns="45720" rtlCol="0" anchor="b"/>
+          <a:lstStyle>
+            <a:lvl1pPr algn="l">
+              <a:defRPr sz="1200"/>
+            </a:lvl1pPr>
+          </a:lstStyle>
+          <a:p>
+            <a:endParaRPr lang="en-US"/>
+          </a:p>
+        </p:txBody>
+      </p:sp>
+      <p:sp>
+        <p:nvSpPr>
+          <p:cNvPr id="7" name="Slide Number Placeholder 6"/>
+          <p:cNvSpPr>
+            <a:spLocks noGrp="1"/>
+          </p:cNvSpPr>
+          <p:nvPr>
+            <p:ph type="sldNum" sz="quarter" idx="5"/>
+          </p:nvPr>
+        </p:nvSpPr>
+        <p:spPr>
+          <a:xfrm>
+            <a:off x="3884613" y="8685213"/>
+            <a:ext cx="2971800" cy="458787"/>
+          </a:xfrm>
+          <a:prstGeom prst="rect">
+            <a:avLst/>
+          </a:prstGeom>
+        </p:spPr>
+        <p:txBody>
+          <a:bodyPr vert="horz" lIns="91440" tIns="45720" rIns="91440" bIns="45720" rtlCol="0" anchor="b"/>
+          <a:lstStyle>
+            <a:lvl1pPr algn="r">
+              <a:defRPr sz="1200"/>
+            </a:lvl1pPr>
+          </a:lstStyle>
+          <a:p>
+            <a:fld id="{040382CF-E665-4BCB-92D9-2442325D20B9}" type="slidenum">
+              <a:rPr lang="en-US" smtClean="0"/>
+              <a:t>‹#›</a:t>
+            </a:fld>
+            <a:endParaRPr lang="en-US"/>
+          </a:p>
+        </p:txBody>
+      </p:sp>
+    </p:spTree>
+    <p:extLst>
+      <p:ext uri="{BB962C8B-B14F-4D97-AF65-F5344CB8AC3E}">
+        <p14:creationId xmlns:p14="http://schemas.microsoft.com/office/powerpoint/2010/main" val="2361344803"/>
+      </p:ext>
+    </p:extLst>
+  </p:cSld>
+  <p:clrMap bg1="lt1" tx1="dk1" bg2="lt2" tx2="dk2" accent1="accent1" accent2="accent2" accent3="accent3" accent4="accent4" accent5="accent5" accent6="accent6" hlink="hlink" folHlink="folHlink"/>
+  <p:notesStyle>
+    <a:lvl1pPr marL="0" algn="l" defTabSz="914400" rtl="0" eaLnBrk="1" latinLnBrk="0" hangingPunct="1">
+      <a:defRPr sz="1200" kern="1200">
+        <a:solidFill>
+          <a:schemeClr val="tx1"/>
+        </a:solidFill>
+        <a:latin typeface="+mn-lt"/>
+        <a:ea typeface="+mn-ea"/>
+        <a:cs typeface="+mn-cs"/>
+      </a:defRPr>
+    </a:lvl1pPr>
+    <a:lvl2pPr marL="457200" algn="l" defTabSz="914400" rtl="0" eaLnBrk="1" latinLnBrk="0" hangingPunct="1">
+      <a:defRPr sz="1200" kern="1200">
+        <a:solidFill>
+          <a:schemeClr val="tx1"/>
+        </a:solidFill>
+        <a:latin typeface="+mn-lt"/>
+        <a:ea typeface="+mn-ea"/>
+        <a:cs typeface="+mn-cs"/>
+      </a:defRPr>
+    </a:lvl2pPr>
+    <a:lvl3pPr marL="914400" algn="l" defTabSz="914400" rtl="0" eaLnBrk="1" latinLnBrk="0" hangingPunct="1">
+      <a:defRPr sz="1200" kern="1200">
+        <a:solidFill>
+          <a:schemeClr val="tx1"/>
+        </a:solidFill>
+        <a:latin typeface="+mn-lt"/>
+        <a:ea typeface="+mn-ea"/>
+        <a:cs typeface="+mn-cs"/>
+      </a:defRPr>
+    </a:lvl3pPr>
+    <a:lvl4pPr marL="1371600" algn="l" defTabSz="914400" rtl="0" eaLnBrk="1" latinLnBrk="0" hangingPunct="1">
+      <a:defRPr sz="1200" kern="1200">
+        <a:solidFill>
+          <a:schemeClr val="tx1"/>
+        </a:solidFill>
+        <a:latin typeface="+mn-lt"/>
+        <a:ea typeface="+mn-ea"/>
+        <a:cs typeface="+mn-cs"/>
+      </a:defRPr>
+    </a:lvl4pPr>
+    <a:lvl5pPr marL="1828800" algn="l" defTabSz="914400" rtl="0" eaLnBrk="1" latinLnBrk="0" hangingPunct="1">
+      <a:defRPr sz="1200" kern="1200">
+        <a:solidFill>
+          <a:schemeClr val="tx1"/>
+        </a:solidFill>
+        <a:latin typeface="+mn-lt"/>
+        <a:ea typeface="+mn-ea"/>
+        <a:cs typeface="+mn-cs"/>
+      </a:defRPr>
+    </a:lvl5pPr>
+    <a:lvl6pPr marL="2286000" algn="l" defTabSz="914400" rtl="0" eaLnBrk="1" latinLnBrk="0" hangingPunct="1">
+      <a:defRPr sz="1200" kern="1200">
+        <a:solidFill>
+          <a:schemeClr val="tx1"/>
+        </a:solidFill>
+        <a:latin typeface="+mn-lt"/>
+        <a:ea typeface="+mn-ea"/>
+        <a:cs typeface="+mn-cs"/>
+      </a:defRPr>
+    </a:lvl6pPr>
+    <a:lvl7pPr marL="2743200" algn="l" defTabSz="914400" rtl="0" eaLnBrk="1" latinLnBrk="0" hangingPunct="1">
+      <a:defRPr sz="1200" kern="1200">
+        <a:solidFill>
+          <a:schemeClr val="tx1"/>
+        </a:solidFill>
+        <a:latin typeface="+mn-lt"/>
+        <a:ea typeface="+mn-ea"/>
+        <a:cs typeface="+mn-cs"/>
+      </a:defRPr>
+    </a:lvl7pPr>
+    <a:lvl8pPr marL="3200400" algn="l" defTabSz="914400" rtl="0" eaLnBrk="1" latinLnBrk="0" hangingPunct="1">
+      <a:defRPr sz="1200" kern="1200">
+        <a:solidFill>
+          <a:schemeClr val="tx1"/>
+        </a:solidFill>
+        <a:latin typeface="+mn-lt"/>
+        <a:ea typeface="+mn-ea"/>
+        <a:cs typeface="+mn-cs"/>
+      </a:defRPr>
+    </a:lvl8pPr>
+    <a:lvl9pPr marL="3657600" algn="l" defTabSz="914400" rtl="0" eaLnBrk="1" latinLnBrk="0" hangingPunct="1">
+      <a:defRPr sz="1200" kern="1200">
+        <a:solidFill>
+          <a:schemeClr val="tx1"/>
+        </a:solidFill>
+        <a:latin typeface="+mn-lt"/>
+        <a:ea typeface="+mn-ea"/>
+        <a:cs typeface="+mn-cs"/>
+      </a:defRPr>
+    </a:lvl9pPr>
+  </p:notesStyle>
+</p:notesMaster>
+</file>
+
+<file path=ppt/notesSlides/notesSlide1.xml><?xml version="1.0" encoding="utf-8"?>
+<p:notes xmlns:a="http://schemas.openxmlformats.org/drawingml/2006/main" xmlns:r="http://schemas.openxmlformats.org/officeDocument/2006/relationships" xmlns:p="http://schemas.openxmlformats.org/presentationml/2006/main">
+  <p:cSld>
+    <p:spTree>
+      <p:nvGrpSpPr>
+        <p:cNvPr id="1" name=""/>
+        <p:cNvGrpSpPr/>
+        <p:nvPr/>
+      </p:nvGrpSpPr>
+      <p:grpSpPr>
+        <a:xfrm>
+          <a:off x="0" y="0"/>
+          <a:ext cx="0" cy="0"/>
+          <a:chOff x="0" y="0"/>
+          <a:chExt cx="0" cy="0"/>
+        </a:xfrm>
+      </p:grpSpPr>
+      <p:sp>
+        <p:nvSpPr>
+          <p:cNvPr id="2" name="Slide Image Placeholder 1"/>
+          <p:cNvSpPr>
+            <a:spLocks noGrp="1" noRot="1" noChangeAspect="1"/>
+          </p:cNvSpPr>
+          <p:nvPr>
+            <p:ph type="sldImg"/>
+          </p:nvPr>
+        </p:nvSpPr>
+        <p:spPr/>
+      </p:sp>
+      <p:sp>
+        <p:nvSpPr>
+          <p:cNvPr id="3" name="Notes Placeholder 2"/>
+          <p:cNvSpPr>
+            <a:spLocks noGrp="1"/>
+          </p:cNvSpPr>
+          <p:nvPr>
+            <p:ph type="body" idx="1"/>
+          </p:nvPr>
+        </p:nvSpPr>
+        <p:spPr/>
+        <p:txBody>
+          <a:bodyPr/>
+          <a:lstStyle/>
+          <a:p>
+            <a:r>
+              <a:rPr lang="en-US" dirty="0" smtClean="0"/>
+              <a:t>The colorblind individuals will be most effected because it will level the field of data</a:t>
+            </a:r>
+            <a:r>
+              <a:rPr lang="en-US" baseline="0" dirty="0" smtClean="0"/>
+              <a:t> interpretation if all users see the same information. All users will be effected by the ability to dynamically change the colors, because it will provide the option of finding new colors if the current color pattern is not what they want to see.</a:t>
+            </a:r>
+            <a:endParaRPr lang="en-US" dirty="0"/>
+          </a:p>
+        </p:txBody>
+      </p:sp>
+      <p:sp>
+        <p:nvSpPr>
+          <p:cNvPr id="4" name="Slide Number Placeholder 3"/>
+          <p:cNvSpPr>
+            <a:spLocks noGrp="1"/>
+          </p:cNvSpPr>
+          <p:nvPr>
+            <p:ph type="sldNum" sz="quarter" idx="10"/>
+          </p:nvPr>
+        </p:nvSpPr>
+        <p:spPr/>
+        <p:txBody>
+          <a:bodyPr/>
+          <a:lstStyle/>
+          <a:p>
+            <a:fld id="{040382CF-E665-4BCB-92D9-2442325D20B9}" type="slidenum">
+              <a:rPr lang="en-US" smtClean="0"/>
+              <a:t>7</a:t>
+            </a:fld>
+            <a:endParaRPr lang="en-US"/>
+          </a:p>
+        </p:txBody>
+      </p:sp>
+    </p:spTree>
+    <p:extLst>
+      <p:ext uri="{BB962C8B-B14F-4D97-AF65-F5344CB8AC3E}">
+        <p14:creationId xmlns:p14="http://schemas.microsoft.com/office/powerpoint/2010/main" val="550728007"/>
+      </p:ext>
+    </p:extLst>
+  </p:cSld>
+  <p:clrMapOvr>
+    <a:masterClrMapping/>
+  </p:clrMapOvr>
+</p:notes>
+</file>
+
+<file path=ppt/notesSlides/notesSlide2.xml><?xml version="1.0" encoding="utf-8"?>
+<p:notes xmlns:a="http://schemas.openxmlformats.org/drawingml/2006/main" xmlns:r="http://schemas.openxmlformats.org/officeDocument/2006/relationships" xmlns:p="http://schemas.openxmlformats.org/presentationml/2006/main">
+  <p:cSld>
+    <p:spTree>
+      <p:nvGrpSpPr>
+        <p:cNvPr id="1" name=""/>
+        <p:cNvGrpSpPr/>
+        <p:nvPr/>
+      </p:nvGrpSpPr>
+      <p:grpSpPr>
+        <a:xfrm>
+          <a:off x="0" y="0"/>
+          <a:ext cx="0" cy="0"/>
+          <a:chOff x="0" y="0"/>
+          <a:chExt cx="0" cy="0"/>
+        </a:xfrm>
+      </p:grpSpPr>
+      <p:sp>
+        <p:nvSpPr>
+          <p:cNvPr id="2" name="Slide Image Placeholder 1"/>
+          <p:cNvSpPr>
+            <a:spLocks noGrp="1" noRot="1" noChangeAspect="1"/>
+          </p:cNvSpPr>
+          <p:nvPr>
+            <p:ph type="sldImg"/>
+          </p:nvPr>
+        </p:nvSpPr>
+        <p:spPr/>
+      </p:sp>
+      <p:sp>
+        <p:nvSpPr>
+          <p:cNvPr id="3" name="Notes Placeholder 2"/>
+          <p:cNvSpPr>
+            <a:spLocks noGrp="1"/>
+          </p:cNvSpPr>
+          <p:nvPr>
+            <p:ph type="body" idx="1"/>
+          </p:nvPr>
+        </p:nvSpPr>
+        <p:spPr/>
+        <p:txBody>
+          <a:bodyPr/>
+          <a:lstStyle/>
+          <a:p>
+            <a:endParaRPr lang="en-US" dirty="0"/>
+          </a:p>
+        </p:txBody>
+      </p:sp>
+      <p:sp>
+        <p:nvSpPr>
+          <p:cNvPr id="4" name="Slide Number Placeholder 3"/>
+          <p:cNvSpPr>
+            <a:spLocks noGrp="1"/>
+          </p:cNvSpPr>
+          <p:nvPr>
+            <p:ph type="sldNum" sz="quarter" idx="10"/>
+          </p:nvPr>
+        </p:nvSpPr>
+        <p:spPr/>
+        <p:txBody>
+          <a:bodyPr/>
+          <a:lstStyle/>
+          <a:p>
+            <a:fld id="{040382CF-E665-4BCB-92D9-2442325D20B9}" type="slidenum">
+              <a:rPr lang="en-US" smtClean="0"/>
+              <a:t>9</a:t>
+            </a:fld>
+            <a:endParaRPr lang="en-US"/>
+          </a:p>
+        </p:txBody>
+      </p:sp>
+    </p:spTree>
+    <p:extLst>
+      <p:ext uri="{BB962C8B-B14F-4D97-AF65-F5344CB8AC3E}">
+        <p14:creationId xmlns:p14="http://schemas.microsoft.com/office/powerpoint/2010/main" val="2303561233"/>
+      </p:ext>
+    </p:extLst>
+  </p:cSld>
+  <p:clrMapOvr>
+    <a:masterClrMapping/>
+  </p:clrMapOvr>
+</p:notes>
+</file>
+
+<file path=ppt/notesSlides/notesSlide3.xml><?xml version="1.0" encoding="utf-8"?>
+<p:notes xmlns:a="http://schemas.openxmlformats.org/drawingml/2006/main" xmlns:r="http://schemas.openxmlformats.org/officeDocument/2006/relationships" xmlns:p="http://schemas.openxmlformats.org/presentationml/2006/main">
+  <p:cSld>
+    <p:spTree>
+      <p:nvGrpSpPr>
+        <p:cNvPr id="1" name=""/>
+        <p:cNvGrpSpPr/>
+        <p:nvPr/>
+      </p:nvGrpSpPr>
+      <p:grpSpPr>
+        <a:xfrm>
+          <a:off x="0" y="0"/>
+          <a:ext cx="0" cy="0"/>
+          <a:chOff x="0" y="0"/>
+          <a:chExt cx="0" cy="0"/>
+        </a:xfrm>
+      </p:grpSpPr>
+      <p:sp>
+        <p:nvSpPr>
+          <p:cNvPr id="2" name="Slide Image Placeholder 1"/>
+          <p:cNvSpPr>
+            <a:spLocks noGrp="1" noRot="1" noChangeAspect="1"/>
+          </p:cNvSpPr>
+          <p:nvPr>
+            <p:ph type="sldImg"/>
+          </p:nvPr>
+        </p:nvSpPr>
+        <p:spPr/>
+      </p:sp>
+      <p:sp>
+        <p:nvSpPr>
+          <p:cNvPr id="3" name="Notes Placeholder 2"/>
+          <p:cNvSpPr>
+            <a:spLocks noGrp="1"/>
+          </p:cNvSpPr>
+          <p:nvPr>
+            <p:ph type="body" idx="1"/>
+          </p:nvPr>
+        </p:nvSpPr>
+        <p:spPr/>
+        <p:txBody>
+          <a:bodyPr/>
+          <a:lstStyle/>
+          <a:p>
+            <a:endParaRPr lang="en-US" dirty="0"/>
+          </a:p>
+        </p:txBody>
+      </p:sp>
+      <p:sp>
+        <p:nvSpPr>
+          <p:cNvPr id="4" name="Slide Number Placeholder 3"/>
+          <p:cNvSpPr>
+            <a:spLocks noGrp="1"/>
+          </p:cNvSpPr>
+          <p:nvPr>
+            <p:ph type="sldNum" sz="quarter" idx="10"/>
+          </p:nvPr>
+        </p:nvSpPr>
+        <p:spPr/>
+        <p:txBody>
+          <a:bodyPr/>
+          <a:lstStyle/>
+          <a:p>
+            <a:fld id="{040382CF-E665-4BCB-92D9-2442325D20B9}" type="slidenum">
+              <a:rPr lang="en-US" smtClean="0"/>
+              <a:t>11</a:t>
+            </a:fld>
+            <a:endParaRPr lang="en-US"/>
+          </a:p>
+        </p:txBody>
+      </p:sp>
+    </p:spTree>
+    <p:extLst>
+      <p:ext uri="{BB962C8B-B14F-4D97-AF65-F5344CB8AC3E}">
+        <p14:creationId xmlns:p14="http://schemas.microsoft.com/office/powerpoint/2010/main" val="49714348"/>
+      </p:ext>
+    </p:extLst>
+  </p:cSld>
+  <p:clrMapOvr>
+    <a:masterClrMapping/>
+  </p:clrMapOvr>
+</p:notes>
 </file>
 
 <file path=ppt/slideLayouts/slideLayout1.xml><?xml version="1.0" encoding="utf-8"?>
@@ -136,19 +777,23 @@
         </p:nvSpPr>
         <p:spPr>
           <a:xfrm>
-            <a:off x="685800" y="2130425"/>
-            <a:ext cx="7772400" cy="1470025"/>
+            <a:off x="866442" y="1447801"/>
+            <a:ext cx="6620968" cy="3329581"/>
           </a:xfrm>
         </p:spPr>
         <p:txBody>
-          <a:bodyPr/>
-          <a:lstStyle/>
+          <a:bodyPr anchor="b"/>
+          <a:lstStyle>
+            <a:lvl1pPr>
+              <a:defRPr sz="7200"/>
+            </a:lvl1pPr>
+          </a:lstStyle>
           <a:p>
             <a:r>
               <a:rPr lang="en-US" smtClean="0"/>
               <a:t>Click to edit Master title style</a:t>
             </a:r>
-            <a:endParaRPr lang="en-US"/>
+            <a:endParaRPr lang="en-US" dirty="0"/>
           </a:p>
         </p:txBody>
       </p:sp>
@@ -164,19 +809,20 @@
         </p:nvSpPr>
         <p:spPr>
           <a:xfrm>
-            <a:off x="1371600" y="3886200"/>
-            <a:ext cx="6400800" cy="1752600"/>
+            <a:off x="866442" y="4777380"/>
+            <a:ext cx="6620968" cy="861420"/>
           </a:xfrm>
         </p:spPr>
         <p:txBody>
-          <a:bodyPr/>
+          <a:bodyPr anchor="t"/>
           <a:lstStyle>
-            <a:lvl1pPr marL="0" indent="0" algn="ctr">
-              <a:buNone/>
-              <a:defRPr>
+            <a:lvl1pPr marL="0" indent="0" algn="l">
+              <a:buNone/>
+              <a:defRPr cap="all">
                 <a:solidFill>
-                  <a:schemeClr val="tx1">
-                    <a:tint val="75000"/>
+                  <a:schemeClr val="bg2">
+                    <a:lumMod val="40000"/>
+                    <a:lumOff val="60000"/>
                   </a:schemeClr>
                 </a:solidFill>
               </a:defRPr>
@@ -267,7 +913,7 @@
               <a:rPr lang="en-US" smtClean="0"/>
               <a:t>Click to edit Master subtitle style</a:t>
             </a:r>
-            <a:endParaRPr lang="en-US"/>
+            <a:endParaRPr lang="en-US" dirty="0"/>
           </a:p>
         </p:txBody>
       </p:sp>
@@ -288,7 +934,7 @@
           <a:p>
             <a:fld id="{EF89BEDD-2D5A-D245-9D2D-27971D6E2DCC}" type="datetimeFigureOut">
               <a:rPr lang="en-US" smtClean="0"/>
-              <a:t>11/17/15</a:t>
+              <a:t>11/28/2015</a:t>
             </a:fld>
             <a:endParaRPr lang="en-US"/>
           </a:p>
@@ -339,7 +985,7 @@
     </p:spTree>
     <p:extLst>
       <p:ext uri="{BB962C8B-B14F-4D97-AF65-F5344CB8AC3E}">
-        <p14:creationId xmlns:p14="http://schemas.microsoft.com/office/powerpoint/2010/main" val="3307950909"/>
+        <p14:creationId xmlns:p14="http://schemas.microsoft.com/office/powerpoint/2010/main" val="2610591732"/>
       </p:ext>
     </p:extLst>
   </p:cSld>
@@ -350,6 +996,2572 @@
 </file>
 
 <file path=ppt/slideLayouts/slideLayout10.xml><?xml version="1.0" encoding="utf-8"?>
+<p:sldLayout xmlns:a="http://schemas.openxmlformats.org/drawingml/2006/main" xmlns:r="http://schemas.openxmlformats.org/officeDocument/2006/relationships" xmlns:p="http://schemas.openxmlformats.org/presentationml/2006/main" preserve="1">
+  <p:cSld name="Panoramic Picture with Caption">
+    <p:spTree>
+      <p:nvGrpSpPr>
+        <p:cNvPr id="1" name=""/>
+        <p:cNvGrpSpPr/>
+        <p:nvPr/>
+      </p:nvGrpSpPr>
+      <p:grpSpPr>
+        <a:xfrm>
+          <a:off x="0" y="0"/>
+          <a:ext cx="0" cy="0"/>
+          <a:chOff x="0" y="0"/>
+          <a:chExt cx="0" cy="0"/>
+        </a:xfrm>
+      </p:grpSpPr>
+      <p:sp>
+        <p:nvSpPr>
+          <p:cNvPr id="2" name="Title 1"/>
+          <p:cNvSpPr>
+            <a:spLocks noGrp="1"/>
+          </p:cNvSpPr>
+          <p:nvPr>
+            <p:ph type="title"/>
+          </p:nvPr>
+        </p:nvSpPr>
+        <p:spPr>
+          <a:xfrm>
+            <a:off x="866443" y="4800587"/>
+            <a:ext cx="6620967" cy="566738"/>
+          </a:xfrm>
+        </p:spPr>
+        <p:txBody>
+          <a:bodyPr anchor="b">
+            <a:normAutofit/>
+          </a:bodyPr>
+          <a:lstStyle>
+            <a:lvl1pPr algn="l">
+              <a:defRPr sz="2400" b="0"/>
+            </a:lvl1pPr>
+          </a:lstStyle>
+          <a:p>
+            <a:r>
+              <a:rPr lang="en-US" smtClean="0"/>
+              <a:t>Click to edit Master title style</a:t>
+            </a:r>
+            <a:endParaRPr lang="en-US" dirty="0"/>
+          </a:p>
+        </p:txBody>
+      </p:sp>
+      <p:sp>
+        <p:nvSpPr>
+          <p:cNvPr id="3" name="Picture Placeholder 2"/>
+          <p:cNvSpPr>
+            <a:spLocks noGrp="1" noChangeAspect="1"/>
+          </p:cNvSpPr>
+          <p:nvPr>
+            <p:ph type="pic" idx="1"/>
+          </p:nvPr>
+        </p:nvSpPr>
+        <p:spPr>
+          <a:xfrm>
+            <a:off x="866442" y="685800"/>
+            <a:ext cx="6620968" cy="3640666"/>
+          </a:xfrm>
+          <a:prstGeom prst="roundRect">
+            <a:avLst>
+              <a:gd name="adj" fmla="val 1858"/>
+            </a:avLst>
+          </a:prstGeom>
+          <a:effectLst>
+            <a:outerShdw blurRad="50800" dist="50800" dir="5400000" algn="tl" rotWithShape="0">
+              <a:srgbClr val="000000">
+                <a:alpha val="43000"/>
+              </a:srgbClr>
+            </a:outerShdw>
+          </a:effectLst>
+        </p:spPr>
+        <p:txBody>
+          <a:bodyPr anchor="t">
+            <a:normAutofit/>
+          </a:bodyPr>
+          <a:lstStyle>
+            <a:lvl1pPr marL="0" indent="0" algn="ctr">
+              <a:buNone/>
+              <a:defRPr sz="1600"/>
+            </a:lvl1pPr>
+            <a:lvl2pPr marL="457200" indent="0">
+              <a:buNone/>
+              <a:defRPr sz="1600"/>
+            </a:lvl2pPr>
+            <a:lvl3pPr marL="914400" indent="0">
+              <a:buNone/>
+              <a:defRPr sz="1600"/>
+            </a:lvl3pPr>
+            <a:lvl4pPr marL="1371600" indent="0">
+              <a:buNone/>
+              <a:defRPr sz="1600"/>
+            </a:lvl4pPr>
+            <a:lvl5pPr marL="1828800" indent="0">
+              <a:buNone/>
+              <a:defRPr sz="1600"/>
+            </a:lvl5pPr>
+            <a:lvl6pPr marL="2286000" indent="0">
+              <a:buNone/>
+              <a:defRPr sz="1600"/>
+            </a:lvl6pPr>
+            <a:lvl7pPr marL="2743200" indent="0">
+              <a:buNone/>
+              <a:defRPr sz="1600"/>
+            </a:lvl7pPr>
+            <a:lvl8pPr marL="3200400" indent="0">
+              <a:buNone/>
+              <a:defRPr sz="1600"/>
+            </a:lvl8pPr>
+            <a:lvl9pPr marL="3657600" indent="0">
+              <a:buNone/>
+              <a:defRPr sz="1600"/>
+            </a:lvl9pPr>
+          </a:lstStyle>
+          <a:p>
+            <a:r>
+              <a:rPr lang="en-US" smtClean="0"/>
+              <a:t>Click icon to add picture</a:t>
+            </a:r>
+            <a:endParaRPr lang="en-US" dirty="0"/>
+          </a:p>
+        </p:txBody>
+      </p:sp>
+      <p:sp>
+        <p:nvSpPr>
+          <p:cNvPr id="4" name="Text Placeholder 3"/>
+          <p:cNvSpPr>
+            <a:spLocks noGrp="1"/>
+          </p:cNvSpPr>
+          <p:nvPr>
+            <p:ph type="body" sz="half" idx="2"/>
+          </p:nvPr>
+        </p:nvSpPr>
+        <p:spPr>
+          <a:xfrm>
+            <a:off x="866443" y="5367325"/>
+            <a:ext cx="6620966" cy="493712"/>
+          </a:xfrm>
+        </p:spPr>
+        <p:txBody>
+          <a:bodyPr>
+            <a:normAutofit/>
+          </a:bodyPr>
+          <a:lstStyle>
+            <a:lvl1pPr marL="0" indent="0">
+              <a:buNone/>
+              <a:defRPr sz="1200"/>
+            </a:lvl1pPr>
+            <a:lvl2pPr marL="457200" indent="0">
+              <a:buNone/>
+              <a:defRPr sz="1200"/>
+            </a:lvl2pPr>
+            <a:lvl3pPr marL="914400" indent="0">
+              <a:buNone/>
+              <a:defRPr sz="1000"/>
+            </a:lvl3pPr>
+            <a:lvl4pPr marL="1371600" indent="0">
+              <a:buNone/>
+              <a:defRPr sz="900"/>
+            </a:lvl4pPr>
+            <a:lvl5pPr marL="1828800" indent="0">
+              <a:buNone/>
+              <a:defRPr sz="900"/>
+            </a:lvl5pPr>
+            <a:lvl6pPr marL="2286000" indent="0">
+              <a:buNone/>
+              <a:defRPr sz="900"/>
+            </a:lvl6pPr>
+            <a:lvl7pPr marL="2743200" indent="0">
+              <a:buNone/>
+              <a:defRPr sz="900"/>
+            </a:lvl7pPr>
+            <a:lvl8pPr marL="3200400" indent="0">
+              <a:buNone/>
+              <a:defRPr sz="900"/>
+            </a:lvl8pPr>
+            <a:lvl9pPr marL="3657600" indent="0">
+              <a:buNone/>
+              <a:defRPr sz="900"/>
+            </a:lvl9pPr>
+          </a:lstStyle>
+          <a:p>
+            <a:pPr lvl="0"/>
+            <a:r>
+              <a:rPr lang="en-US" smtClean="0"/>
+              <a:t>Click to edit Master text styles</a:t>
+            </a:r>
+          </a:p>
+        </p:txBody>
+      </p:sp>
+      <p:sp>
+        <p:nvSpPr>
+          <p:cNvPr id="5" name="Date Placeholder 4"/>
+          <p:cNvSpPr>
+            <a:spLocks noGrp="1"/>
+          </p:cNvSpPr>
+          <p:nvPr>
+            <p:ph type="dt" sz="half" idx="10"/>
+          </p:nvPr>
+        </p:nvSpPr>
+        <p:spPr/>
+        <p:txBody>
+          <a:bodyPr/>
+          <a:lstStyle/>
+          <a:p>
+            <a:fld id="{EF89BEDD-2D5A-D245-9D2D-27971D6E2DCC}" type="datetimeFigureOut">
+              <a:rPr lang="en-US" smtClean="0"/>
+              <a:t>11/28/2015</a:t>
+            </a:fld>
+            <a:endParaRPr lang="en-US"/>
+          </a:p>
+        </p:txBody>
+      </p:sp>
+      <p:sp>
+        <p:nvSpPr>
+          <p:cNvPr id="6" name="Footer Placeholder 5"/>
+          <p:cNvSpPr>
+            <a:spLocks noGrp="1"/>
+          </p:cNvSpPr>
+          <p:nvPr>
+            <p:ph type="ftr" sz="quarter" idx="11"/>
+          </p:nvPr>
+        </p:nvSpPr>
+        <p:spPr/>
+        <p:txBody>
+          <a:bodyPr/>
+          <a:lstStyle/>
+          <a:p>
+            <a:endParaRPr lang="en-US"/>
+          </a:p>
+        </p:txBody>
+      </p:sp>
+      <p:sp>
+        <p:nvSpPr>
+          <p:cNvPr id="7" name="Slide Number Placeholder 6"/>
+          <p:cNvSpPr>
+            <a:spLocks noGrp="1"/>
+          </p:cNvSpPr>
+          <p:nvPr>
+            <p:ph type="sldNum" sz="quarter" idx="12"/>
+          </p:nvPr>
+        </p:nvSpPr>
+        <p:spPr/>
+        <p:txBody>
+          <a:bodyPr/>
+          <a:lstStyle/>
+          <a:p>
+            <a:fld id="{61EB50FC-B6D2-1D41-8D3F-0A1769244F33}" type="slidenum">
+              <a:rPr lang="en-US" smtClean="0"/>
+              <a:t>‹#›</a:t>
+            </a:fld>
+            <a:endParaRPr lang="en-US"/>
+          </a:p>
+        </p:txBody>
+      </p:sp>
+    </p:spTree>
+    <p:extLst>
+      <p:ext uri="{BB962C8B-B14F-4D97-AF65-F5344CB8AC3E}">
+        <p14:creationId xmlns:p14="http://schemas.microsoft.com/office/powerpoint/2010/main" val="1027066150"/>
+      </p:ext>
+    </p:extLst>
+  </p:cSld>
+  <p:clrMapOvr>
+    <a:masterClrMapping/>
+  </p:clrMapOvr>
+</p:sldLayout>
+</file>
+
+<file path=ppt/slideLayouts/slideLayout11.xml><?xml version="1.0" encoding="utf-8"?>
+<p:sldLayout xmlns:a="http://schemas.openxmlformats.org/drawingml/2006/main" xmlns:r="http://schemas.openxmlformats.org/officeDocument/2006/relationships" xmlns:p="http://schemas.openxmlformats.org/presentationml/2006/main" preserve="1">
+  <p:cSld name="Title and Caption">
+    <p:spTree>
+      <p:nvGrpSpPr>
+        <p:cNvPr id="1" name=""/>
+        <p:cNvGrpSpPr/>
+        <p:nvPr/>
+      </p:nvGrpSpPr>
+      <p:grpSpPr>
+        <a:xfrm>
+          <a:off x="0" y="0"/>
+          <a:ext cx="0" cy="0"/>
+          <a:chOff x="0" y="0"/>
+          <a:chExt cx="0" cy="0"/>
+        </a:xfrm>
+      </p:grpSpPr>
+      <p:sp>
+        <p:nvSpPr>
+          <p:cNvPr id="2" name="Title 1"/>
+          <p:cNvSpPr>
+            <a:spLocks noGrp="1"/>
+          </p:cNvSpPr>
+          <p:nvPr>
+            <p:ph type="title"/>
+          </p:nvPr>
+        </p:nvSpPr>
+        <p:spPr>
+          <a:xfrm>
+            <a:off x="866442" y="1447800"/>
+            <a:ext cx="6620968" cy="1981200"/>
+          </a:xfrm>
+        </p:spPr>
+        <p:txBody>
+          <a:bodyPr/>
+          <a:lstStyle>
+            <a:lvl1pPr>
+              <a:defRPr sz="4800"/>
+            </a:lvl1pPr>
+          </a:lstStyle>
+          <a:p>
+            <a:r>
+              <a:rPr lang="en-US" smtClean="0"/>
+              <a:t>Click to edit Master title style</a:t>
+            </a:r>
+            <a:endParaRPr lang="en-US" dirty="0"/>
+          </a:p>
+        </p:txBody>
+      </p:sp>
+      <p:sp>
+        <p:nvSpPr>
+          <p:cNvPr id="8" name="Text Placeholder 3"/>
+          <p:cNvSpPr>
+            <a:spLocks noGrp="1"/>
+          </p:cNvSpPr>
+          <p:nvPr>
+            <p:ph type="body" sz="half" idx="2"/>
+          </p:nvPr>
+        </p:nvSpPr>
+        <p:spPr>
+          <a:xfrm>
+            <a:off x="866442" y="3657600"/>
+            <a:ext cx="6620968" cy="2362200"/>
+          </a:xfrm>
+        </p:spPr>
+        <p:txBody>
+          <a:bodyPr anchor="ctr">
+            <a:normAutofit/>
+          </a:bodyPr>
+          <a:lstStyle>
+            <a:lvl1pPr marL="0" indent="0">
+              <a:buNone/>
+              <a:defRPr sz="1800"/>
+            </a:lvl1pPr>
+            <a:lvl2pPr marL="457200" indent="0">
+              <a:buNone/>
+              <a:defRPr sz="1200"/>
+            </a:lvl2pPr>
+            <a:lvl3pPr marL="914400" indent="0">
+              <a:buNone/>
+              <a:defRPr sz="1000"/>
+            </a:lvl3pPr>
+            <a:lvl4pPr marL="1371600" indent="0">
+              <a:buNone/>
+              <a:defRPr sz="900"/>
+            </a:lvl4pPr>
+            <a:lvl5pPr marL="1828800" indent="0">
+              <a:buNone/>
+              <a:defRPr sz="900"/>
+            </a:lvl5pPr>
+            <a:lvl6pPr marL="2286000" indent="0">
+              <a:buNone/>
+              <a:defRPr sz="900"/>
+            </a:lvl6pPr>
+            <a:lvl7pPr marL="2743200" indent="0">
+              <a:buNone/>
+              <a:defRPr sz="900"/>
+            </a:lvl7pPr>
+            <a:lvl8pPr marL="3200400" indent="0">
+              <a:buNone/>
+              <a:defRPr sz="900"/>
+            </a:lvl8pPr>
+            <a:lvl9pPr marL="3657600" indent="0">
+              <a:buNone/>
+              <a:defRPr sz="900"/>
+            </a:lvl9pPr>
+          </a:lstStyle>
+          <a:p>
+            <a:pPr lvl="0"/>
+            <a:r>
+              <a:rPr lang="en-US" smtClean="0"/>
+              <a:t>Click to edit Master text styles</a:t>
+            </a:r>
+          </a:p>
+        </p:txBody>
+      </p:sp>
+      <p:sp>
+        <p:nvSpPr>
+          <p:cNvPr id="4" name="Date Placeholder 3"/>
+          <p:cNvSpPr>
+            <a:spLocks noGrp="1"/>
+          </p:cNvSpPr>
+          <p:nvPr>
+            <p:ph type="dt" sz="half" idx="10"/>
+          </p:nvPr>
+        </p:nvSpPr>
+        <p:spPr/>
+        <p:txBody>
+          <a:bodyPr/>
+          <a:lstStyle/>
+          <a:p>
+            <a:fld id="{EF89BEDD-2D5A-D245-9D2D-27971D6E2DCC}" type="datetimeFigureOut">
+              <a:rPr lang="en-US" smtClean="0"/>
+              <a:t>11/28/2015</a:t>
+            </a:fld>
+            <a:endParaRPr lang="en-US"/>
+          </a:p>
+        </p:txBody>
+      </p:sp>
+      <p:sp>
+        <p:nvSpPr>
+          <p:cNvPr id="5" name="Footer Placeholder 4"/>
+          <p:cNvSpPr>
+            <a:spLocks noGrp="1"/>
+          </p:cNvSpPr>
+          <p:nvPr>
+            <p:ph type="ftr" sz="quarter" idx="11"/>
+          </p:nvPr>
+        </p:nvSpPr>
+        <p:spPr/>
+        <p:txBody>
+          <a:bodyPr/>
+          <a:lstStyle/>
+          <a:p>
+            <a:endParaRPr lang="en-US"/>
+          </a:p>
+        </p:txBody>
+      </p:sp>
+      <p:sp>
+        <p:nvSpPr>
+          <p:cNvPr id="6" name="Slide Number Placeholder 5"/>
+          <p:cNvSpPr>
+            <a:spLocks noGrp="1"/>
+          </p:cNvSpPr>
+          <p:nvPr>
+            <p:ph type="sldNum" sz="quarter" idx="12"/>
+          </p:nvPr>
+        </p:nvSpPr>
+        <p:spPr/>
+        <p:txBody>
+          <a:bodyPr/>
+          <a:lstStyle/>
+          <a:p>
+            <a:fld id="{61EB50FC-B6D2-1D41-8D3F-0A1769244F33}" type="slidenum">
+              <a:rPr lang="en-US" smtClean="0"/>
+              <a:t>‹#›</a:t>
+            </a:fld>
+            <a:endParaRPr lang="en-US"/>
+          </a:p>
+        </p:txBody>
+      </p:sp>
+    </p:spTree>
+    <p:extLst>
+      <p:ext uri="{BB962C8B-B14F-4D97-AF65-F5344CB8AC3E}">
+        <p14:creationId xmlns:p14="http://schemas.microsoft.com/office/powerpoint/2010/main" val="2716020581"/>
+      </p:ext>
+    </p:extLst>
+  </p:cSld>
+  <p:clrMapOvr>
+    <a:masterClrMapping/>
+  </p:clrMapOvr>
+</p:sldLayout>
+</file>
+
+<file path=ppt/slideLayouts/slideLayout12.xml><?xml version="1.0" encoding="utf-8"?>
+<p:sldLayout xmlns:a="http://schemas.openxmlformats.org/drawingml/2006/main" xmlns:r="http://schemas.openxmlformats.org/officeDocument/2006/relationships" xmlns:p="http://schemas.openxmlformats.org/presentationml/2006/main" preserve="1">
+  <p:cSld name="Quote with Caption">
+    <p:spTree>
+      <p:nvGrpSpPr>
+        <p:cNvPr id="1" name=""/>
+        <p:cNvGrpSpPr/>
+        <p:nvPr/>
+      </p:nvGrpSpPr>
+      <p:grpSpPr>
+        <a:xfrm>
+          <a:off x="0" y="0"/>
+          <a:ext cx="0" cy="0"/>
+          <a:chOff x="0" y="0"/>
+          <a:chExt cx="0" cy="0"/>
+        </a:xfrm>
+      </p:grpSpPr>
+      <p:sp>
+        <p:nvSpPr>
+          <p:cNvPr id="2" name="Title 1"/>
+          <p:cNvSpPr>
+            <a:spLocks noGrp="1"/>
+          </p:cNvSpPr>
+          <p:nvPr>
+            <p:ph type="title"/>
+          </p:nvPr>
+        </p:nvSpPr>
+        <p:spPr>
+          <a:xfrm>
+            <a:off x="1181409" y="1447800"/>
+            <a:ext cx="6001049" cy="2323374"/>
+          </a:xfrm>
+        </p:spPr>
+        <p:txBody>
+          <a:bodyPr/>
+          <a:lstStyle>
+            <a:lvl1pPr>
+              <a:defRPr sz="4800"/>
+            </a:lvl1pPr>
+          </a:lstStyle>
+          <a:p>
+            <a:r>
+              <a:rPr lang="en-US" smtClean="0"/>
+              <a:t>Click to edit Master title style</a:t>
+            </a:r>
+            <a:endParaRPr lang="en-US" dirty="0"/>
+          </a:p>
+        </p:txBody>
+      </p:sp>
+      <p:sp>
+        <p:nvSpPr>
+          <p:cNvPr id="11" name="Text Placeholder 3"/>
+          <p:cNvSpPr>
+            <a:spLocks noGrp="1"/>
+          </p:cNvSpPr>
+          <p:nvPr>
+            <p:ph type="body" sz="half" idx="14"/>
+          </p:nvPr>
+        </p:nvSpPr>
+        <p:spPr>
+          <a:xfrm>
+            <a:off x="1448177" y="3771174"/>
+            <a:ext cx="5461159" cy="342174"/>
+          </a:xfrm>
+        </p:spPr>
+        <p:txBody>
+          <a:bodyPr vert="horz" lIns="91440" tIns="45720" rIns="91440" bIns="45720" rtlCol="0" anchor="t">
+            <a:normAutofit/>
+          </a:bodyPr>
+          <a:lstStyle>
+            <a:lvl1pPr marL="0" indent="0">
+              <a:buNone/>
+              <a:defRPr lang="en-US" sz="1400" b="0" i="0" kern="1200" cap="small" dirty="0">
+                <a:solidFill>
+                  <a:schemeClr val="bg2">
+                    <a:lumMod val="40000"/>
+                    <a:lumOff val="60000"/>
+                  </a:schemeClr>
+                </a:solidFill>
+                <a:latin typeface="+mj-lt"/>
+                <a:ea typeface="+mj-ea"/>
+                <a:cs typeface="+mj-cs"/>
+              </a:defRPr>
+            </a:lvl1pPr>
+            <a:lvl2pPr marL="457200" indent="0">
+              <a:buNone/>
+              <a:defRPr sz="1200"/>
+            </a:lvl2pPr>
+            <a:lvl3pPr marL="914400" indent="0">
+              <a:buNone/>
+              <a:defRPr sz="1000"/>
+            </a:lvl3pPr>
+            <a:lvl4pPr marL="1371600" indent="0">
+              <a:buNone/>
+              <a:defRPr sz="900"/>
+            </a:lvl4pPr>
+            <a:lvl5pPr marL="1828800" indent="0">
+              <a:buNone/>
+              <a:defRPr sz="900"/>
+            </a:lvl5pPr>
+            <a:lvl6pPr marL="2286000" indent="0">
+              <a:buNone/>
+              <a:defRPr sz="900"/>
+            </a:lvl6pPr>
+            <a:lvl7pPr marL="2743200" indent="0">
+              <a:buNone/>
+              <a:defRPr sz="900"/>
+            </a:lvl7pPr>
+            <a:lvl8pPr marL="3200400" indent="0">
+              <a:buNone/>
+              <a:defRPr sz="900"/>
+            </a:lvl8pPr>
+            <a:lvl9pPr marL="3657600" indent="0">
+              <a:buNone/>
+              <a:defRPr sz="900"/>
+            </a:lvl9pPr>
+          </a:lstStyle>
+          <a:p>
+            <a:pPr marL="0" lvl="0" indent="0">
+              <a:buNone/>
+            </a:pPr>
+            <a:r>
+              <a:rPr lang="en-US" smtClean="0"/>
+              <a:t>Click to edit Master text styles</a:t>
+            </a:r>
+          </a:p>
+        </p:txBody>
+      </p:sp>
+      <p:sp>
+        <p:nvSpPr>
+          <p:cNvPr id="10" name="Text Placeholder 3"/>
+          <p:cNvSpPr>
+            <a:spLocks noGrp="1"/>
+          </p:cNvSpPr>
+          <p:nvPr>
+            <p:ph type="body" sz="half" idx="2"/>
+          </p:nvPr>
+        </p:nvSpPr>
+        <p:spPr>
+          <a:xfrm>
+            <a:off x="866442" y="4350657"/>
+            <a:ext cx="6620968" cy="1676400"/>
+          </a:xfrm>
+        </p:spPr>
+        <p:txBody>
+          <a:bodyPr anchor="ctr">
+            <a:normAutofit/>
+          </a:bodyPr>
+          <a:lstStyle>
+            <a:lvl1pPr marL="0" indent="0">
+              <a:buNone/>
+              <a:defRPr sz="1800"/>
+            </a:lvl1pPr>
+            <a:lvl2pPr marL="457200" indent="0">
+              <a:buNone/>
+              <a:defRPr sz="1200"/>
+            </a:lvl2pPr>
+            <a:lvl3pPr marL="914400" indent="0">
+              <a:buNone/>
+              <a:defRPr sz="1000"/>
+            </a:lvl3pPr>
+            <a:lvl4pPr marL="1371600" indent="0">
+              <a:buNone/>
+              <a:defRPr sz="900"/>
+            </a:lvl4pPr>
+            <a:lvl5pPr marL="1828800" indent="0">
+              <a:buNone/>
+              <a:defRPr sz="900"/>
+            </a:lvl5pPr>
+            <a:lvl6pPr marL="2286000" indent="0">
+              <a:buNone/>
+              <a:defRPr sz="900"/>
+            </a:lvl6pPr>
+            <a:lvl7pPr marL="2743200" indent="0">
+              <a:buNone/>
+              <a:defRPr sz="900"/>
+            </a:lvl7pPr>
+            <a:lvl8pPr marL="3200400" indent="0">
+              <a:buNone/>
+              <a:defRPr sz="900"/>
+            </a:lvl8pPr>
+            <a:lvl9pPr marL="3657600" indent="0">
+              <a:buNone/>
+              <a:defRPr sz="900"/>
+            </a:lvl9pPr>
+          </a:lstStyle>
+          <a:p>
+            <a:pPr lvl="0"/>
+            <a:r>
+              <a:rPr lang="en-US" smtClean="0"/>
+              <a:t>Click to edit Master text styles</a:t>
+            </a:r>
+          </a:p>
+        </p:txBody>
+      </p:sp>
+      <p:sp>
+        <p:nvSpPr>
+          <p:cNvPr id="4" name="Date Placeholder 3"/>
+          <p:cNvSpPr>
+            <a:spLocks noGrp="1"/>
+          </p:cNvSpPr>
+          <p:nvPr>
+            <p:ph type="dt" sz="half" idx="10"/>
+          </p:nvPr>
+        </p:nvSpPr>
+        <p:spPr/>
+        <p:txBody>
+          <a:bodyPr/>
+          <a:lstStyle/>
+          <a:p>
+            <a:fld id="{EF89BEDD-2D5A-D245-9D2D-27971D6E2DCC}" type="datetimeFigureOut">
+              <a:rPr lang="en-US" smtClean="0"/>
+              <a:t>11/28/2015</a:t>
+            </a:fld>
+            <a:endParaRPr lang="en-US"/>
+          </a:p>
+        </p:txBody>
+      </p:sp>
+      <p:sp>
+        <p:nvSpPr>
+          <p:cNvPr id="5" name="Footer Placeholder 4"/>
+          <p:cNvSpPr>
+            <a:spLocks noGrp="1"/>
+          </p:cNvSpPr>
+          <p:nvPr>
+            <p:ph type="ftr" sz="quarter" idx="11"/>
+          </p:nvPr>
+        </p:nvSpPr>
+        <p:spPr/>
+        <p:txBody>
+          <a:bodyPr/>
+          <a:lstStyle/>
+          <a:p>
+            <a:endParaRPr lang="en-US"/>
+          </a:p>
+        </p:txBody>
+      </p:sp>
+      <p:sp>
+        <p:nvSpPr>
+          <p:cNvPr id="6" name="Slide Number Placeholder 5"/>
+          <p:cNvSpPr>
+            <a:spLocks noGrp="1"/>
+          </p:cNvSpPr>
+          <p:nvPr>
+            <p:ph type="sldNum" sz="quarter" idx="12"/>
+          </p:nvPr>
+        </p:nvSpPr>
+        <p:spPr/>
+        <p:txBody>
+          <a:bodyPr/>
+          <a:lstStyle/>
+          <a:p>
+            <a:fld id="{61EB50FC-B6D2-1D41-8D3F-0A1769244F33}" type="slidenum">
+              <a:rPr lang="en-US" smtClean="0"/>
+              <a:t>‹#›</a:t>
+            </a:fld>
+            <a:endParaRPr lang="en-US"/>
+          </a:p>
+        </p:txBody>
+      </p:sp>
+      <p:sp>
+        <p:nvSpPr>
+          <p:cNvPr id="12" name="TextBox 11"/>
+          <p:cNvSpPr txBox="1"/>
+          <p:nvPr/>
+        </p:nvSpPr>
+        <p:spPr>
+          <a:xfrm>
+            <a:off x="673897" y="971253"/>
+            <a:ext cx="601591" cy="1969770"/>
+          </a:xfrm>
+          <a:prstGeom prst="rect">
+            <a:avLst/>
+          </a:prstGeom>
+          <a:noFill/>
+        </p:spPr>
+        <p:txBody>
+          <a:bodyPr wrap="square" rtlCol="0">
+            <a:spAutoFit/>
+          </a:bodyPr>
+          <a:lstStyle>
+            <a:defPPr>
+              <a:defRPr lang="en-US"/>
+            </a:defPPr>
+            <a:lvl1pPr algn="r">
+              <a:defRPr sz="12200" b="0" i="0">
+                <a:solidFill>
+                  <a:schemeClr val="bg2">
+                    <a:lumMod val="40000"/>
+                    <a:lumOff val="60000"/>
+                  </a:schemeClr>
+                </a:solidFill>
+                <a:latin typeface="Arial"/>
+                <a:ea typeface="+mj-ea"/>
+                <a:cs typeface="+mj-cs"/>
+              </a:defRPr>
+            </a:lvl1pPr>
+          </a:lstStyle>
+          <a:p>
+            <a:pPr lvl="0"/>
+            <a:r>
+              <a:rPr lang="en-US" sz="12200" dirty="0"/>
+              <a:t>“</a:t>
+            </a:r>
+          </a:p>
+        </p:txBody>
+      </p:sp>
+      <p:sp>
+        <p:nvSpPr>
+          <p:cNvPr id="15" name="TextBox 14"/>
+          <p:cNvSpPr txBox="1"/>
+          <p:nvPr/>
+        </p:nvSpPr>
+        <p:spPr>
+          <a:xfrm>
+            <a:off x="6999690" y="2613787"/>
+            <a:ext cx="601591" cy="1969770"/>
+          </a:xfrm>
+          <a:prstGeom prst="rect">
+            <a:avLst/>
+          </a:prstGeom>
+          <a:noFill/>
+        </p:spPr>
+        <p:txBody>
+          <a:bodyPr wrap="square" rtlCol="0">
+            <a:spAutoFit/>
+          </a:bodyPr>
+          <a:lstStyle>
+            <a:defPPr>
+              <a:defRPr lang="en-US"/>
+            </a:defPPr>
+            <a:lvl1pPr algn="r">
+              <a:defRPr sz="12200" b="0" i="0">
+                <a:solidFill>
+                  <a:schemeClr val="bg2">
+                    <a:lumMod val="40000"/>
+                    <a:lumOff val="60000"/>
+                  </a:schemeClr>
+                </a:solidFill>
+                <a:latin typeface="Arial"/>
+                <a:ea typeface="+mj-ea"/>
+                <a:cs typeface="+mj-cs"/>
+              </a:defRPr>
+            </a:lvl1pPr>
+          </a:lstStyle>
+          <a:p>
+            <a:pPr lvl="0"/>
+            <a:r>
+              <a:rPr lang="en-US" sz="12200" dirty="0"/>
+              <a:t>”</a:t>
+            </a:r>
+          </a:p>
+        </p:txBody>
+      </p:sp>
+    </p:spTree>
+    <p:extLst>
+      <p:ext uri="{BB962C8B-B14F-4D97-AF65-F5344CB8AC3E}">
+        <p14:creationId xmlns:p14="http://schemas.microsoft.com/office/powerpoint/2010/main" val="1406554210"/>
+      </p:ext>
+    </p:extLst>
+  </p:cSld>
+  <p:clrMapOvr>
+    <a:masterClrMapping/>
+  </p:clrMapOvr>
+</p:sldLayout>
+</file>
+
+<file path=ppt/slideLayouts/slideLayout13.xml><?xml version="1.0" encoding="utf-8"?>
+<p:sldLayout xmlns:a="http://schemas.openxmlformats.org/drawingml/2006/main" xmlns:r="http://schemas.openxmlformats.org/officeDocument/2006/relationships" xmlns:p="http://schemas.openxmlformats.org/presentationml/2006/main" preserve="1">
+  <p:cSld name="Name Card">
+    <p:spTree>
+      <p:nvGrpSpPr>
+        <p:cNvPr id="1" name=""/>
+        <p:cNvGrpSpPr/>
+        <p:nvPr/>
+      </p:nvGrpSpPr>
+      <p:grpSpPr>
+        <a:xfrm>
+          <a:off x="0" y="0"/>
+          <a:ext cx="0" cy="0"/>
+          <a:chOff x="0" y="0"/>
+          <a:chExt cx="0" cy="0"/>
+        </a:xfrm>
+      </p:grpSpPr>
+      <p:sp>
+        <p:nvSpPr>
+          <p:cNvPr id="2" name="Title 1"/>
+          <p:cNvSpPr>
+            <a:spLocks noGrp="1"/>
+          </p:cNvSpPr>
+          <p:nvPr>
+            <p:ph type="title"/>
+          </p:nvPr>
+        </p:nvSpPr>
+        <p:spPr>
+          <a:xfrm>
+            <a:off x="866441" y="3124201"/>
+            <a:ext cx="6620969" cy="1653180"/>
+          </a:xfrm>
+        </p:spPr>
+        <p:txBody>
+          <a:bodyPr anchor="b"/>
+          <a:lstStyle>
+            <a:lvl1pPr algn="l">
+              <a:defRPr sz="4000" b="0" cap="none"/>
+            </a:lvl1pPr>
+          </a:lstStyle>
+          <a:p>
+            <a:r>
+              <a:rPr lang="en-US" smtClean="0"/>
+              <a:t>Click to edit Master title style</a:t>
+            </a:r>
+            <a:endParaRPr lang="en-US" dirty="0"/>
+          </a:p>
+        </p:txBody>
+      </p:sp>
+      <p:sp>
+        <p:nvSpPr>
+          <p:cNvPr id="3" name="Text Placeholder 2"/>
+          <p:cNvSpPr>
+            <a:spLocks noGrp="1"/>
+          </p:cNvSpPr>
+          <p:nvPr>
+            <p:ph type="body" idx="1"/>
+          </p:nvPr>
+        </p:nvSpPr>
+        <p:spPr>
+          <a:xfrm>
+            <a:off x="866442" y="4777381"/>
+            <a:ext cx="6620968" cy="860400"/>
+          </a:xfrm>
+        </p:spPr>
+        <p:txBody>
+          <a:bodyPr anchor="t"/>
+          <a:lstStyle>
+            <a:lvl1pPr marL="0" indent="0" algn="l">
+              <a:buNone/>
+              <a:defRPr sz="2000" cap="none">
+                <a:solidFill>
+                  <a:schemeClr val="bg2">
+                    <a:lumMod val="40000"/>
+                    <a:lumOff val="60000"/>
+                  </a:schemeClr>
+                </a:solidFill>
+              </a:defRPr>
+            </a:lvl1pPr>
+            <a:lvl2pPr marL="457200" indent="0">
+              <a:buNone/>
+              <a:defRPr sz="1800">
+                <a:solidFill>
+                  <a:schemeClr val="tx1">
+                    <a:tint val="75000"/>
+                  </a:schemeClr>
+                </a:solidFill>
+              </a:defRPr>
+            </a:lvl2pPr>
+            <a:lvl3pPr marL="914400" indent="0">
+              <a:buNone/>
+              <a:defRPr sz="1600">
+                <a:solidFill>
+                  <a:schemeClr val="tx1">
+                    <a:tint val="75000"/>
+                  </a:schemeClr>
+                </a:solidFill>
+              </a:defRPr>
+            </a:lvl3pPr>
+            <a:lvl4pPr marL="1371600" indent="0">
+              <a:buNone/>
+              <a:defRPr sz="1400">
+                <a:solidFill>
+                  <a:schemeClr val="tx1">
+                    <a:tint val="75000"/>
+                  </a:schemeClr>
+                </a:solidFill>
+              </a:defRPr>
+            </a:lvl4pPr>
+            <a:lvl5pPr marL="1828800" indent="0">
+              <a:buNone/>
+              <a:defRPr sz="1400">
+                <a:solidFill>
+                  <a:schemeClr val="tx1">
+                    <a:tint val="75000"/>
+                  </a:schemeClr>
+                </a:solidFill>
+              </a:defRPr>
+            </a:lvl5pPr>
+            <a:lvl6pPr marL="2286000" indent="0">
+              <a:buNone/>
+              <a:defRPr sz="1400">
+                <a:solidFill>
+                  <a:schemeClr val="tx1">
+                    <a:tint val="75000"/>
+                  </a:schemeClr>
+                </a:solidFill>
+              </a:defRPr>
+            </a:lvl6pPr>
+            <a:lvl7pPr marL="2743200" indent="0">
+              <a:buNone/>
+              <a:defRPr sz="1400">
+                <a:solidFill>
+                  <a:schemeClr val="tx1">
+                    <a:tint val="75000"/>
+                  </a:schemeClr>
+                </a:solidFill>
+              </a:defRPr>
+            </a:lvl7pPr>
+            <a:lvl8pPr marL="3200400" indent="0">
+              <a:buNone/>
+              <a:defRPr sz="1400">
+                <a:solidFill>
+                  <a:schemeClr val="tx1">
+                    <a:tint val="75000"/>
+                  </a:schemeClr>
+                </a:solidFill>
+              </a:defRPr>
+            </a:lvl8pPr>
+            <a:lvl9pPr marL="3657600" indent="0">
+              <a:buNone/>
+              <a:defRPr sz="1400">
+                <a:solidFill>
+                  <a:schemeClr val="tx1">
+                    <a:tint val="75000"/>
+                  </a:schemeClr>
+                </a:solidFill>
+              </a:defRPr>
+            </a:lvl9pPr>
+          </a:lstStyle>
+          <a:p>
+            <a:pPr lvl="0"/>
+            <a:r>
+              <a:rPr lang="en-US" smtClean="0"/>
+              <a:t>Click to edit Master text styles</a:t>
+            </a:r>
+          </a:p>
+        </p:txBody>
+      </p:sp>
+      <p:sp>
+        <p:nvSpPr>
+          <p:cNvPr id="4" name="Date Placeholder 3"/>
+          <p:cNvSpPr>
+            <a:spLocks noGrp="1"/>
+          </p:cNvSpPr>
+          <p:nvPr>
+            <p:ph type="dt" sz="half" idx="10"/>
+          </p:nvPr>
+        </p:nvSpPr>
+        <p:spPr/>
+        <p:txBody>
+          <a:bodyPr/>
+          <a:lstStyle/>
+          <a:p>
+            <a:fld id="{EF89BEDD-2D5A-D245-9D2D-27971D6E2DCC}" type="datetimeFigureOut">
+              <a:rPr lang="en-US" smtClean="0"/>
+              <a:t>11/28/2015</a:t>
+            </a:fld>
+            <a:endParaRPr lang="en-US"/>
+          </a:p>
+        </p:txBody>
+      </p:sp>
+      <p:sp>
+        <p:nvSpPr>
+          <p:cNvPr id="5" name="Footer Placeholder 4"/>
+          <p:cNvSpPr>
+            <a:spLocks noGrp="1"/>
+          </p:cNvSpPr>
+          <p:nvPr>
+            <p:ph type="ftr" sz="quarter" idx="11"/>
+          </p:nvPr>
+        </p:nvSpPr>
+        <p:spPr/>
+        <p:txBody>
+          <a:bodyPr/>
+          <a:lstStyle/>
+          <a:p>
+            <a:endParaRPr lang="en-US"/>
+          </a:p>
+        </p:txBody>
+      </p:sp>
+      <p:sp>
+        <p:nvSpPr>
+          <p:cNvPr id="6" name="Slide Number Placeholder 5"/>
+          <p:cNvSpPr>
+            <a:spLocks noGrp="1"/>
+          </p:cNvSpPr>
+          <p:nvPr>
+            <p:ph type="sldNum" sz="quarter" idx="12"/>
+          </p:nvPr>
+        </p:nvSpPr>
+        <p:spPr/>
+        <p:txBody>
+          <a:bodyPr/>
+          <a:lstStyle/>
+          <a:p>
+            <a:fld id="{61EB50FC-B6D2-1D41-8D3F-0A1769244F33}" type="slidenum">
+              <a:rPr lang="en-US" smtClean="0"/>
+              <a:t>‹#›</a:t>
+            </a:fld>
+            <a:endParaRPr lang="en-US"/>
+          </a:p>
+        </p:txBody>
+      </p:sp>
+    </p:spTree>
+    <p:extLst>
+      <p:ext uri="{BB962C8B-B14F-4D97-AF65-F5344CB8AC3E}">
+        <p14:creationId xmlns:p14="http://schemas.microsoft.com/office/powerpoint/2010/main" val="3573461703"/>
+      </p:ext>
+    </p:extLst>
+  </p:cSld>
+  <p:clrMapOvr>
+    <a:masterClrMapping/>
+  </p:clrMapOvr>
+</p:sldLayout>
+</file>
+
+<file path=ppt/slideLayouts/slideLayout14.xml><?xml version="1.0" encoding="utf-8"?>
+<p:sldLayout xmlns:a="http://schemas.openxmlformats.org/drawingml/2006/main" xmlns:r="http://schemas.openxmlformats.org/officeDocument/2006/relationships" xmlns:p="http://schemas.openxmlformats.org/presentationml/2006/main" preserve="1">
+  <p:cSld name="3 Column">
+    <p:spTree>
+      <p:nvGrpSpPr>
+        <p:cNvPr id="1" name=""/>
+        <p:cNvGrpSpPr/>
+        <p:nvPr/>
+      </p:nvGrpSpPr>
+      <p:grpSpPr>
+        <a:xfrm>
+          <a:off x="0" y="0"/>
+          <a:ext cx="0" cy="0"/>
+          <a:chOff x="0" y="0"/>
+          <a:chExt cx="0" cy="0"/>
+        </a:xfrm>
+      </p:grpSpPr>
+      <p:sp>
+        <p:nvSpPr>
+          <p:cNvPr id="2" name="Title 1"/>
+          <p:cNvSpPr>
+            <a:spLocks noGrp="1"/>
+          </p:cNvSpPr>
+          <p:nvPr>
+            <p:ph type="title"/>
+          </p:nvPr>
+        </p:nvSpPr>
+        <p:spPr/>
+        <p:txBody>
+          <a:bodyPr/>
+          <a:lstStyle>
+            <a:lvl1pPr>
+              <a:defRPr sz="4200"/>
+            </a:lvl1pPr>
+          </a:lstStyle>
+          <a:p>
+            <a:r>
+              <a:rPr lang="en-US" smtClean="0"/>
+              <a:t>Click to edit Master title style</a:t>
+            </a:r>
+            <a:endParaRPr lang="en-US" dirty="0"/>
+          </a:p>
+        </p:txBody>
+      </p:sp>
+      <p:sp>
+        <p:nvSpPr>
+          <p:cNvPr id="3" name="Text Placeholder 2"/>
+          <p:cNvSpPr>
+            <a:spLocks noGrp="1"/>
+          </p:cNvSpPr>
+          <p:nvPr>
+            <p:ph type="body" idx="1"/>
+          </p:nvPr>
+        </p:nvSpPr>
+        <p:spPr>
+          <a:xfrm>
+            <a:off x="474834" y="1981200"/>
+            <a:ext cx="2210725" cy="576262"/>
+          </a:xfrm>
+        </p:spPr>
+        <p:txBody>
+          <a:bodyPr anchor="b">
+            <a:noAutofit/>
+          </a:bodyPr>
+          <a:lstStyle>
+            <a:lvl1pPr marL="0" indent="0">
+              <a:buNone/>
+              <a:defRPr sz="2400" b="0">
+                <a:solidFill>
+                  <a:schemeClr val="bg2">
+                    <a:lumMod val="40000"/>
+                    <a:lumOff val="60000"/>
+                  </a:schemeClr>
+                </a:solidFill>
+              </a:defRPr>
+            </a:lvl1pPr>
+            <a:lvl2pPr marL="457200" indent="0">
+              <a:buNone/>
+              <a:defRPr sz="2000" b="1"/>
+            </a:lvl2pPr>
+            <a:lvl3pPr marL="914400" indent="0">
+              <a:buNone/>
+              <a:defRPr sz="1800" b="1"/>
+            </a:lvl3pPr>
+            <a:lvl4pPr marL="1371600" indent="0">
+              <a:buNone/>
+              <a:defRPr sz="1600" b="1"/>
+            </a:lvl4pPr>
+            <a:lvl5pPr marL="1828800" indent="0">
+              <a:buNone/>
+              <a:defRPr sz="1600" b="1"/>
+            </a:lvl5pPr>
+            <a:lvl6pPr marL="2286000" indent="0">
+              <a:buNone/>
+              <a:defRPr sz="1600" b="1"/>
+            </a:lvl6pPr>
+            <a:lvl7pPr marL="2743200" indent="0">
+              <a:buNone/>
+              <a:defRPr sz="1600" b="1"/>
+            </a:lvl7pPr>
+            <a:lvl8pPr marL="3200400" indent="0">
+              <a:buNone/>
+              <a:defRPr sz="1600" b="1"/>
+            </a:lvl8pPr>
+            <a:lvl9pPr marL="3657600" indent="0">
+              <a:buNone/>
+              <a:defRPr sz="1600" b="1"/>
+            </a:lvl9pPr>
+          </a:lstStyle>
+          <a:p>
+            <a:pPr lvl="0"/>
+            <a:r>
+              <a:rPr lang="en-US" smtClean="0"/>
+              <a:t>Click to edit Master text styles</a:t>
+            </a:r>
+          </a:p>
+        </p:txBody>
+      </p:sp>
+      <p:sp>
+        <p:nvSpPr>
+          <p:cNvPr id="16" name="Text Placeholder 3"/>
+          <p:cNvSpPr>
+            <a:spLocks noGrp="1"/>
+          </p:cNvSpPr>
+          <p:nvPr>
+            <p:ph type="body" sz="half" idx="15"/>
+          </p:nvPr>
+        </p:nvSpPr>
+        <p:spPr>
+          <a:xfrm>
+            <a:off x="489475" y="2667000"/>
+            <a:ext cx="2196084" cy="3589338"/>
+          </a:xfrm>
+        </p:spPr>
+        <p:txBody>
+          <a:bodyPr anchor="t">
+            <a:normAutofit/>
+          </a:bodyPr>
+          <a:lstStyle>
+            <a:lvl1pPr marL="0" indent="0">
+              <a:buNone/>
+              <a:defRPr sz="1400"/>
+            </a:lvl1pPr>
+            <a:lvl2pPr marL="457200" indent="0">
+              <a:buNone/>
+              <a:defRPr sz="1200"/>
+            </a:lvl2pPr>
+            <a:lvl3pPr marL="914400" indent="0">
+              <a:buNone/>
+              <a:defRPr sz="1000"/>
+            </a:lvl3pPr>
+            <a:lvl4pPr marL="1371600" indent="0">
+              <a:buNone/>
+              <a:defRPr sz="900"/>
+            </a:lvl4pPr>
+            <a:lvl5pPr marL="1828800" indent="0">
+              <a:buNone/>
+              <a:defRPr sz="900"/>
+            </a:lvl5pPr>
+            <a:lvl6pPr marL="2286000" indent="0">
+              <a:buNone/>
+              <a:defRPr sz="900"/>
+            </a:lvl6pPr>
+            <a:lvl7pPr marL="2743200" indent="0">
+              <a:buNone/>
+              <a:defRPr sz="900"/>
+            </a:lvl7pPr>
+            <a:lvl8pPr marL="3200400" indent="0">
+              <a:buNone/>
+              <a:defRPr sz="900"/>
+            </a:lvl8pPr>
+            <a:lvl9pPr marL="3657600" indent="0">
+              <a:buNone/>
+              <a:defRPr sz="900"/>
+            </a:lvl9pPr>
+          </a:lstStyle>
+          <a:p>
+            <a:pPr lvl="0"/>
+            <a:r>
+              <a:rPr lang="en-US" smtClean="0"/>
+              <a:t>Click to edit Master text styles</a:t>
+            </a:r>
+          </a:p>
+        </p:txBody>
+      </p:sp>
+      <p:sp>
+        <p:nvSpPr>
+          <p:cNvPr id="5" name="Text Placeholder 4"/>
+          <p:cNvSpPr>
+            <a:spLocks noGrp="1"/>
+          </p:cNvSpPr>
+          <p:nvPr>
+            <p:ph type="body" sz="quarter" idx="3"/>
+          </p:nvPr>
+        </p:nvSpPr>
+        <p:spPr>
+          <a:xfrm>
+            <a:off x="2913504" y="1981200"/>
+            <a:ext cx="2202754" cy="576262"/>
+          </a:xfrm>
+        </p:spPr>
+        <p:txBody>
+          <a:bodyPr anchor="b">
+            <a:noAutofit/>
+          </a:bodyPr>
+          <a:lstStyle>
+            <a:lvl1pPr marL="0" indent="0">
+              <a:buNone/>
+              <a:defRPr sz="2400" b="0">
+                <a:solidFill>
+                  <a:schemeClr val="bg2">
+                    <a:lumMod val="40000"/>
+                    <a:lumOff val="60000"/>
+                  </a:schemeClr>
+                </a:solidFill>
+              </a:defRPr>
+            </a:lvl1pPr>
+            <a:lvl2pPr marL="457200" indent="0">
+              <a:buNone/>
+              <a:defRPr sz="2000" b="1"/>
+            </a:lvl2pPr>
+            <a:lvl3pPr marL="914400" indent="0">
+              <a:buNone/>
+              <a:defRPr sz="1800" b="1"/>
+            </a:lvl3pPr>
+            <a:lvl4pPr marL="1371600" indent="0">
+              <a:buNone/>
+              <a:defRPr sz="1600" b="1"/>
+            </a:lvl4pPr>
+            <a:lvl5pPr marL="1828800" indent="0">
+              <a:buNone/>
+              <a:defRPr sz="1600" b="1"/>
+            </a:lvl5pPr>
+            <a:lvl6pPr marL="2286000" indent="0">
+              <a:buNone/>
+              <a:defRPr sz="1600" b="1"/>
+            </a:lvl6pPr>
+            <a:lvl7pPr marL="2743200" indent="0">
+              <a:buNone/>
+              <a:defRPr sz="1600" b="1"/>
+            </a:lvl7pPr>
+            <a:lvl8pPr marL="3200400" indent="0">
+              <a:buNone/>
+              <a:defRPr sz="1600" b="1"/>
+            </a:lvl8pPr>
+            <a:lvl9pPr marL="3657600" indent="0">
+              <a:buNone/>
+              <a:defRPr sz="1600" b="1"/>
+            </a:lvl9pPr>
+          </a:lstStyle>
+          <a:p>
+            <a:pPr lvl="0"/>
+            <a:r>
+              <a:rPr lang="en-US" smtClean="0"/>
+              <a:t>Click to edit Master text styles</a:t>
+            </a:r>
+          </a:p>
+        </p:txBody>
+      </p:sp>
+      <p:sp>
+        <p:nvSpPr>
+          <p:cNvPr id="19" name="Text Placeholder 3"/>
+          <p:cNvSpPr>
+            <a:spLocks noGrp="1"/>
+          </p:cNvSpPr>
+          <p:nvPr>
+            <p:ph type="body" sz="half" idx="16"/>
+          </p:nvPr>
+        </p:nvSpPr>
+        <p:spPr>
+          <a:xfrm>
+            <a:off x="2905586" y="2667000"/>
+            <a:ext cx="2210671" cy="3589338"/>
+          </a:xfrm>
+        </p:spPr>
+        <p:txBody>
+          <a:bodyPr anchor="t">
+            <a:normAutofit/>
+          </a:bodyPr>
+          <a:lstStyle>
+            <a:lvl1pPr marL="0" indent="0">
+              <a:buNone/>
+              <a:defRPr sz="1400"/>
+            </a:lvl1pPr>
+            <a:lvl2pPr marL="457200" indent="0">
+              <a:buNone/>
+              <a:defRPr sz="1200"/>
+            </a:lvl2pPr>
+            <a:lvl3pPr marL="914400" indent="0">
+              <a:buNone/>
+              <a:defRPr sz="1000"/>
+            </a:lvl3pPr>
+            <a:lvl4pPr marL="1371600" indent="0">
+              <a:buNone/>
+              <a:defRPr sz="900"/>
+            </a:lvl4pPr>
+            <a:lvl5pPr marL="1828800" indent="0">
+              <a:buNone/>
+              <a:defRPr sz="900"/>
+            </a:lvl5pPr>
+            <a:lvl6pPr marL="2286000" indent="0">
+              <a:buNone/>
+              <a:defRPr sz="900"/>
+            </a:lvl6pPr>
+            <a:lvl7pPr marL="2743200" indent="0">
+              <a:buNone/>
+              <a:defRPr sz="900"/>
+            </a:lvl7pPr>
+            <a:lvl8pPr marL="3200400" indent="0">
+              <a:buNone/>
+              <a:defRPr sz="900"/>
+            </a:lvl8pPr>
+            <a:lvl9pPr marL="3657600" indent="0">
+              <a:buNone/>
+              <a:defRPr sz="900"/>
+            </a:lvl9pPr>
+          </a:lstStyle>
+          <a:p>
+            <a:pPr lvl="0"/>
+            <a:r>
+              <a:rPr lang="en-US" smtClean="0"/>
+              <a:t>Click to edit Master text styles</a:t>
+            </a:r>
+          </a:p>
+        </p:txBody>
+      </p:sp>
+      <p:sp>
+        <p:nvSpPr>
+          <p:cNvPr id="14" name="Text Placeholder 4"/>
+          <p:cNvSpPr>
+            <a:spLocks noGrp="1"/>
+          </p:cNvSpPr>
+          <p:nvPr>
+            <p:ph type="body" sz="quarter" idx="13"/>
+          </p:nvPr>
+        </p:nvSpPr>
+        <p:spPr>
+          <a:xfrm>
+            <a:off x="5344917" y="1981200"/>
+            <a:ext cx="2199658" cy="576262"/>
+          </a:xfrm>
+        </p:spPr>
+        <p:txBody>
+          <a:bodyPr anchor="b">
+            <a:noAutofit/>
+          </a:bodyPr>
+          <a:lstStyle>
+            <a:lvl1pPr marL="0" indent="0">
+              <a:buNone/>
+              <a:defRPr sz="2400" b="0">
+                <a:solidFill>
+                  <a:schemeClr val="bg2">
+                    <a:lumMod val="40000"/>
+                    <a:lumOff val="60000"/>
+                  </a:schemeClr>
+                </a:solidFill>
+              </a:defRPr>
+            </a:lvl1pPr>
+            <a:lvl2pPr marL="457200" indent="0">
+              <a:buNone/>
+              <a:defRPr sz="2000" b="1"/>
+            </a:lvl2pPr>
+            <a:lvl3pPr marL="914400" indent="0">
+              <a:buNone/>
+              <a:defRPr sz="1800" b="1"/>
+            </a:lvl3pPr>
+            <a:lvl4pPr marL="1371600" indent="0">
+              <a:buNone/>
+              <a:defRPr sz="1600" b="1"/>
+            </a:lvl4pPr>
+            <a:lvl5pPr marL="1828800" indent="0">
+              <a:buNone/>
+              <a:defRPr sz="1600" b="1"/>
+            </a:lvl5pPr>
+            <a:lvl6pPr marL="2286000" indent="0">
+              <a:buNone/>
+              <a:defRPr sz="1600" b="1"/>
+            </a:lvl6pPr>
+            <a:lvl7pPr marL="2743200" indent="0">
+              <a:buNone/>
+              <a:defRPr sz="1600" b="1"/>
+            </a:lvl7pPr>
+            <a:lvl8pPr marL="3200400" indent="0">
+              <a:buNone/>
+              <a:defRPr sz="1600" b="1"/>
+            </a:lvl8pPr>
+            <a:lvl9pPr marL="3657600" indent="0">
+              <a:buNone/>
+              <a:defRPr sz="1600" b="1"/>
+            </a:lvl9pPr>
+          </a:lstStyle>
+          <a:p>
+            <a:pPr lvl="0"/>
+            <a:r>
+              <a:rPr lang="en-US" smtClean="0"/>
+              <a:t>Click to edit Master text styles</a:t>
+            </a:r>
+          </a:p>
+        </p:txBody>
+      </p:sp>
+      <p:sp>
+        <p:nvSpPr>
+          <p:cNvPr id="20" name="Text Placeholder 3"/>
+          <p:cNvSpPr>
+            <a:spLocks noGrp="1"/>
+          </p:cNvSpPr>
+          <p:nvPr>
+            <p:ph type="body" sz="half" idx="17"/>
+          </p:nvPr>
+        </p:nvSpPr>
+        <p:spPr>
+          <a:xfrm>
+            <a:off x="5344917" y="2667000"/>
+            <a:ext cx="2199658" cy="3589338"/>
+          </a:xfrm>
+        </p:spPr>
+        <p:txBody>
+          <a:bodyPr anchor="t">
+            <a:normAutofit/>
+          </a:bodyPr>
+          <a:lstStyle>
+            <a:lvl1pPr marL="0" indent="0">
+              <a:buNone/>
+              <a:defRPr sz="1400"/>
+            </a:lvl1pPr>
+            <a:lvl2pPr marL="457200" indent="0">
+              <a:buNone/>
+              <a:defRPr sz="1200"/>
+            </a:lvl2pPr>
+            <a:lvl3pPr marL="914400" indent="0">
+              <a:buNone/>
+              <a:defRPr sz="1000"/>
+            </a:lvl3pPr>
+            <a:lvl4pPr marL="1371600" indent="0">
+              <a:buNone/>
+              <a:defRPr sz="900"/>
+            </a:lvl4pPr>
+            <a:lvl5pPr marL="1828800" indent="0">
+              <a:buNone/>
+              <a:defRPr sz="900"/>
+            </a:lvl5pPr>
+            <a:lvl6pPr marL="2286000" indent="0">
+              <a:buNone/>
+              <a:defRPr sz="900"/>
+            </a:lvl6pPr>
+            <a:lvl7pPr marL="2743200" indent="0">
+              <a:buNone/>
+              <a:defRPr sz="900"/>
+            </a:lvl7pPr>
+            <a:lvl8pPr marL="3200400" indent="0">
+              <a:buNone/>
+              <a:defRPr sz="900"/>
+            </a:lvl8pPr>
+            <a:lvl9pPr marL="3657600" indent="0">
+              <a:buNone/>
+              <a:defRPr sz="900"/>
+            </a:lvl9pPr>
+          </a:lstStyle>
+          <a:p>
+            <a:pPr lvl="0"/>
+            <a:r>
+              <a:rPr lang="en-US" smtClean="0"/>
+              <a:t>Click to edit Master text styles</a:t>
+            </a:r>
+          </a:p>
+        </p:txBody>
+      </p:sp>
+      <p:cxnSp>
+        <p:nvCxnSpPr>
+          <p:cNvPr id="17" name="Straight Connector 16"/>
+          <p:cNvCxnSpPr/>
+          <p:nvPr/>
+        </p:nvCxnSpPr>
+        <p:spPr>
+          <a:xfrm>
+            <a:off x="2795334" y="2133600"/>
+            <a:ext cx="0" cy="3962400"/>
+          </a:xfrm>
+          <a:prstGeom prst="line">
+            <a:avLst/>
+          </a:prstGeom>
+          <a:ln w="12700" cmpd="sng">
+            <a:solidFill>
+              <a:schemeClr val="bg2">
+                <a:lumMod val="40000"/>
+                <a:lumOff val="60000"/>
+                <a:alpha val="40000"/>
+              </a:schemeClr>
+            </a:solidFill>
+          </a:ln>
+        </p:spPr>
+        <p:style>
+          <a:lnRef idx="2">
+            <a:schemeClr val="accent1"/>
+          </a:lnRef>
+          <a:fillRef idx="0">
+            <a:schemeClr val="accent1"/>
+          </a:fillRef>
+          <a:effectRef idx="1">
+            <a:schemeClr val="accent1"/>
+          </a:effectRef>
+          <a:fontRef idx="minor">
+            <a:schemeClr val="tx1"/>
+          </a:fontRef>
+        </p:style>
+      </p:cxnSp>
+      <p:cxnSp>
+        <p:nvCxnSpPr>
+          <p:cNvPr id="18" name="Straight Connector 17"/>
+          <p:cNvCxnSpPr/>
+          <p:nvPr/>
+        </p:nvCxnSpPr>
+        <p:spPr>
+          <a:xfrm>
+            <a:off x="5223030" y="2133600"/>
+            <a:ext cx="0" cy="3966882"/>
+          </a:xfrm>
+          <a:prstGeom prst="line">
+            <a:avLst/>
+          </a:prstGeom>
+          <a:ln w="12700" cmpd="sng">
+            <a:solidFill>
+              <a:schemeClr val="bg2">
+                <a:lumMod val="40000"/>
+                <a:lumOff val="60000"/>
+                <a:alpha val="40000"/>
+              </a:schemeClr>
+            </a:solidFill>
+          </a:ln>
+        </p:spPr>
+        <p:style>
+          <a:lnRef idx="2">
+            <a:schemeClr val="accent1"/>
+          </a:lnRef>
+          <a:fillRef idx="0">
+            <a:schemeClr val="accent1"/>
+          </a:fillRef>
+          <a:effectRef idx="1">
+            <a:schemeClr val="accent1"/>
+          </a:effectRef>
+          <a:fontRef idx="minor">
+            <a:schemeClr val="tx1"/>
+          </a:fontRef>
+        </p:style>
+      </p:cxnSp>
+      <p:sp>
+        <p:nvSpPr>
+          <p:cNvPr id="7" name="Date Placeholder 3"/>
+          <p:cNvSpPr>
+            <a:spLocks noGrp="1"/>
+          </p:cNvSpPr>
+          <p:nvPr>
+            <p:ph type="dt" sz="half" idx="10"/>
+          </p:nvPr>
+        </p:nvSpPr>
+        <p:spPr/>
+        <p:txBody>
+          <a:bodyPr/>
+          <a:lstStyle/>
+          <a:p>
+            <a:fld id="{EF89BEDD-2D5A-D245-9D2D-27971D6E2DCC}" type="datetimeFigureOut">
+              <a:rPr lang="en-US" smtClean="0"/>
+              <a:t>11/28/2015</a:t>
+            </a:fld>
+            <a:endParaRPr lang="en-US"/>
+          </a:p>
+        </p:txBody>
+      </p:sp>
+      <p:sp>
+        <p:nvSpPr>
+          <p:cNvPr id="4" name="Footer Placeholder 4"/>
+          <p:cNvSpPr>
+            <a:spLocks noGrp="1"/>
+          </p:cNvSpPr>
+          <p:nvPr>
+            <p:ph type="ftr" sz="quarter" idx="11"/>
+          </p:nvPr>
+        </p:nvSpPr>
+        <p:spPr/>
+        <p:txBody>
+          <a:bodyPr/>
+          <a:lstStyle/>
+          <a:p>
+            <a:endParaRPr lang="en-US"/>
+          </a:p>
+        </p:txBody>
+      </p:sp>
+      <p:sp>
+        <p:nvSpPr>
+          <p:cNvPr id="6" name="Slide Number Placeholder 5"/>
+          <p:cNvSpPr>
+            <a:spLocks noGrp="1"/>
+          </p:cNvSpPr>
+          <p:nvPr>
+            <p:ph type="sldNum" sz="quarter" idx="12"/>
+          </p:nvPr>
+        </p:nvSpPr>
+        <p:spPr/>
+        <p:txBody>
+          <a:bodyPr/>
+          <a:lstStyle/>
+          <a:p>
+            <a:fld id="{61EB50FC-B6D2-1D41-8D3F-0A1769244F33}" type="slidenum">
+              <a:rPr lang="en-US" smtClean="0"/>
+              <a:t>‹#›</a:t>
+            </a:fld>
+            <a:endParaRPr lang="en-US"/>
+          </a:p>
+        </p:txBody>
+      </p:sp>
+    </p:spTree>
+    <p:extLst>
+      <p:ext uri="{BB962C8B-B14F-4D97-AF65-F5344CB8AC3E}">
+        <p14:creationId xmlns:p14="http://schemas.microsoft.com/office/powerpoint/2010/main" val="4166116758"/>
+      </p:ext>
+    </p:extLst>
+  </p:cSld>
+  <p:clrMapOvr>
+    <a:masterClrMapping/>
+  </p:clrMapOvr>
+</p:sldLayout>
+</file>
+
+<file path=ppt/slideLayouts/slideLayout15.xml><?xml version="1.0" encoding="utf-8"?>
+<p:sldLayout xmlns:a="http://schemas.openxmlformats.org/drawingml/2006/main" xmlns:r="http://schemas.openxmlformats.org/officeDocument/2006/relationships" xmlns:p="http://schemas.openxmlformats.org/presentationml/2006/main" preserve="1">
+  <p:cSld name="3 Picture Column">
+    <p:spTree>
+      <p:nvGrpSpPr>
+        <p:cNvPr id="1" name=""/>
+        <p:cNvGrpSpPr/>
+        <p:nvPr/>
+      </p:nvGrpSpPr>
+      <p:grpSpPr>
+        <a:xfrm>
+          <a:off x="0" y="0"/>
+          <a:ext cx="0" cy="0"/>
+          <a:chOff x="0" y="0"/>
+          <a:chExt cx="0" cy="0"/>
+        </a:xfrm>
+      </p:grpSpPr>
+      <p:sp>
+        <p:nvSpPr>
+          <p:cNvPr id="2" name="Title 1"/>
+          <p:cNvSpPr>
+            <a:spLocks noGrp="1"/>
+          </p:cNvSpPr>
+          <p:nvPr>
+            <p:ph type="title"/>
+          </p:nvPr>
+        </p:nvSpPr>
+        <p:spPr/>
+        <p:txBody>
+          <a:bodyPr/>
+          <a:lstStyle>
+            <a:lvl1pPr>
+              <a:defRPr sz="4200"/>
+            </a:lvl1pPr>
+          </a:lstStyle>
+          <a:p>
+            <a:r>
+              <a:rPr lang="en-US" smtClean="0"/>
+              <a:t>Click to edit Master title style</a:t>
+            </a:r>
+            <a:endParaRPr lang="en-US" dirty="0"/>
+          </a:p>
+        </p:txBody>
+      </p:sp>
+      <p:sp>
+        <p:nvSpPr>
+          <p:cNvPr id="3" name="Text Placeholder 2"/>
+          <p:cNvSpPr>
+            <a:spLocks noGrp="1"/>
+          </p:cNvSpPr>
+          <p:nvPr>
+            <p:ph type="body" idx="1"/>
+          </p:nvPr>
+        </p:nvSpPr>
+        <p:spPr>
+          <a:xfrm>
+            <a:off x="489475" y="4250949"/>
+            <a:ext cx="2205612" cy="576262"/>
+          </a:xfrm>
+        </p:spPr>
+        <p:txBody>
+          <a:bodyPr anchor="b">
+            <a:noAutofit/>
+          </a:bodyPr>
+          <a:lstStyle>
+            <a:lvl1pPr marL="0" indent="0">
+              <a:buNone/>
+              <a:defRPr sz="2400" b="0">
+                <a:solidFill>
+                  <a:schemeClr val="bg2">
+                    <a:lumMod val="40000"/>
+                    <a:lumOff val="60000"/>
+                  </a:schemeClr>
+                </a:solidFill>
+              </a:defRPr>
+            </a:lvl1pPr>
+            <a:lvl2pPr marL="457200" indent="0">
+              <a:buNone/>
+              <a:defRPr sz="2000" b="1"/>
+            </a:lvl2pPr>
+            <a:lvl3pPr marL="914400" indent="0">
+              <a:buNone/>
+              <a:defRPr sz="1800" b="1"/>
+            </a:lvl3pPr>
+            <a:lvl4pPr marL="1371600" indent="0">
+              <a:buNone/>
+              <a:defRPr sz="1600" b="1"/>
+            </a:lvl4pPr>
+            <a:lvl5pPr marL="1828800" indent="0">
+              <a:buNone/>
+              <a:defRPr sz="1600" b="1"/>
+            </a:lvl5pPr>
+            <a:lvl6pPr marL="2286000" indent="0">
+              <a:buNone/>
+              <a:defRPr sz="1600" b="1"/>
+            </a:lvl6pPr>
+            <a:lvl7pPr marL="2743200" indent="0">
+              <a:buNone/>
+              <a:defRPr sz="1600" b="1"/>
+            </a:lvl7pPr>
+            <a:lvl8pPr marL="3200400" indent="0">
+              <a:buNone/>
+              <a:defRPr sz="1600" b="1"/>
+            </a:lvl8pPr>
+            <a:lvl9pPr marL="3657600" indent="0">
+              <a:buNone/>
+              <a:defRPr sz="1600" b="1"/>
+            </a:lvl9pPr>
+          </a:lstStyle>
+          <a:p>
+            <a:pPr lvl="0"/>
+            <a:r>
+              <a:rPr lang="en-US" smtClean="0"/>
+              <a:t>Click to edit Master text styles</a:t>
+            </a:r>
+          </a:p>
+        </p:txBody>
+      </p:sp>
+      <p:sp>
+        <p:nvSpPr>
+          <p:cNvPr id="29" name="Picture Placeholder 2"/>
+          <p:cNvSpPr>
+            <a:spLocks noGrp="1" noChangeAspect="1"/>
+          </p:cNvSpPr>
+          <p:nvPr>
+            <p:ph type="pic" idx="15"/>
+          </p:nvPr>
+        </p:nvSpPr>
+        <p:spPr>
+          <a:xfrm>
+            <a:off x="489475" y="2209800"/>
+            <a:ext cx="2205612" cy="1524000"/>
+          </a:xfrm>
+          <a:prstGeom prst="roundRect">
+            <a:avLst>
+              <a:gd name="adj" fmla="val 1858"/>
+            </a:avLst>
+          </a:prstGeom>
+          <a:effectLst>
+            <a:outerShdw blurRad="50800" dist="50800" dir="5400000" algn="tl" rotWithShape="0">
+              <a:srgbClr val="000000">
+                <a:alpha val="43000"/>
+              </a:srgbClr>
+            </a:outerShdw>
+          </a:effectLst>
+        </p:spPr>
+        <p:txBody>
+          <a:bodyPr anchor="t">
+            <a:normAutofit/>
+          </a:bodyPr>
+          <a:lstStyle>
+            <a:lvl1pPr marL="0" indent="0" algn="ctr">
+              <a:buNone/>
+              <a:defRPr sz="1600"/>
+            </a:lvl1pPr>
+            <a:lvl2pPr marL="457200" indent="0">
+              <a:buNone/>
+              <a:defRPr sz="1600"/>
+            </a:lvl2pPr>
+            <a:lvl3pPr marL="914400" indent="0">
+              <a:buNone/>
+              <a:defRPr sz="1600"/>
+            </a:lvl3pPr>
+            <a:lvl4pPr marL="1371600" indent="0">
+              <a:buNone/>
+              <a:defRPr sz="1600"/>
+            </a:lvl4pPr>
+            <a:lvl5pPr marL="1828800" indent="0">
+              <a:buNone/>
+              <a:defRPr sz="1600"/>
+            </a:lvl5pPr>
+            <a:lvl6pPr marL="2286000" indent="0">
+              <a:buNone/>
+              <a:defRPr sz="1600"/>
+            </a:lvl6pPr>
+            <a:lvl7pPr marL="2743200" indent="0">
+              <a:buNone/>
+              <a:defRPr sz="1600"/>
+            </a:lvl7pPr>
+            <a:lvl8pPr marL="3200400" indent="0">
+              <a:buNone/>
+              <a:defRPr sz="1600"/>
+            </a:lvl8pPr>
+            <a:lvl9pPr marL="3657600" indent="0">
+              <a:buNone/>
+              <a:defRPr sz="1600"/>
+            </a:lvl9pPr>
+          </a:lstStyle>
+          <a:p>
+            <a:r>
+              <a:rPr lang="en-US" smtClean="0"/>
+              <a:t>Click icon to add picture</a:t>
+            </a:r>
+            <a:endParaRPr lang="en-US" dirty="0"/>
+          </a:p>
+        </p:txBody>
+      </p:sp>
+      <p:sp>
+        <p:nvSpPr>
+          <p:cNvPr id="22" name="Text Placeholder 3"/>
+          <p:cNvSpPr>
+            <a:spLocks noGrp="1"/>
+          </p:cNvSpPr>
+          <p:nvPr>
+            <p:ph type="body" sz="half" idx="18"/>
+          </p:nvPr>
+        </p:nvSpPr>
+        <p:spPr>
+          <a:xfrm>
+            <a:off x="489475" y="4827212"/>
+            <a:ext cx="2205612" cy="659189"/>
+          </a:xfrm>
+        </p:spPr>
+        <p:txBody>
+          <a:bodyPr anchor="t">
+            <a:normAutofit/>
+          </a:bodyPr>
+          <a:lstStyle>
+            <a:lvl1pPr marL="0" indent="0">
+              <a:buNone/>
+              <a:defRPr sz="1400"/>
+            </a:lvl1pPr>
+            <a:lvl2pPr marL="457200" indent="0">
+              <a:buNone/>
+              <a:defRPr sz="1200"/>
+            </a:lvl2pPr>
+            <a:lvl3pPr marL="914400" indent="0">
+              <a:buNone/>
+              <a:defRPr sz="1000"/>
+            </a:lvl3pPr>
+            <a:lvl4pPr marL="1371600" indent="0">
+              <a:buNone/>
+              <a:defRPr sz="900"/>
+            </a:lvl4pPr>
+            <a:lvl5pPr marL="1828800" indent="0">
+              <a:buNone/>
+              <a:defRPr sz="900"/>
+            </a:lvl5pPr>
+            <a:lvl6pPr marL="2286000" indent="0">
+              <a:buNone/>
+              <a:defRPr sz="900"/>
+            </a:lvl6pPr>
+            <a:lvl7pPr marL="2743200" indent="0">
+              <a:buNone/>
+              <a:defRPr sz="900"/>
+            </a:lvl7pPr>
+            <a:lvl8pPr marL="3200400" indent="0">
+              <a:buNone/>
+              <a:defRPr sz="900"/>
+            </a:lvl8pPr>
+            <a:lvl9pPr marL="3657600" indent="0">
+              <a:buNone/>
+              <a:defRPr sz="900"/>
+            </a:lvl9pPr>
+          </a:lstStyle>
+          <a:p>
+            <a:pPr lvl="0"/>
+            <a:r>
+              <a:rPr lang="en-US" smtClean="0"/>
+              <a:t>Click to edit Master text styles</a:t>
+            </a:r>
+          </a:p>
+        </p:txBody>
+      </p:sp>
+      <p:sp>
+        <p:nvSpPr>
+          <p:cNvPr id="5" name="Text Placeholder 4"/>
+          <p:cNvSpPr>
+            <a:spLocks noGrp="1"/>
+          </p:cNvSpPr>
+          <p:nvPr>
+            <p:ph type="body" sz="quarter" idx="3"/>
+          </p:nvPr>
+        </p:nvSpPr>
+        <p:spPr>
+          <a:xfrm>
+            <a:off x="2917792" y="4250949"/>
+            <a:ext cx="2198466" cy="576262"/>
+          </a:xfrm>
+        </p:spPr>
+        <p:txBody>
+          <a:bodyPr anchor="b">
+            <a:noAutofit/>
+          </a:bodyPr>
+          <a:lstStyle>
+            <a:lvl1pPr marL="0" indent="0">
+              <a:buNone/>
+              <a:defRPr sz="2400" b="0">
+                <a:solidFill>
+                  <a:schemeClr val="bg2">
+                    <a:lumMod val="40000"/>
+                    <a:lumOff val="60000"/>
+                  </a:schemeClr>
+                </a:solidFill>
+              </a:defRPr>
+            </a:lvl1pPr>
+            <a:lvl2pPr marL="457200" indent="0">
+              <a:buNone/>
+              <a:defRPr sz="2000" b="1"/>
+            </a:lvl2pPr>
+            <a:lvl3pPr marL="914400" indent="0">
+              <a:buNone/>
+              <a:defRPr sz="1800" b="1"/>
+            </a:lvl3pPr>
+            <a:lvl4pPr marL="1371600" indent="0">
+              <a:buNone/>
+              <a:defRPr sz="1600" b="1"/>
+            </a:lvl4pPr>
+            <a:lvl5pPr marL="1828800" indent="0">
+              <a:buNone/>
+              <a:defRPr sz="1600" b="1"/>
+            </a:lvl5pPr>
+            <a:lvl6pPr marL="2286000" indent="0">
+              <a:buNone/>
+              <a:defRPr sz="1600" b="1"/>
+            </a:lvl6pPr>
+            <a:lvl7pPr marL="2743200" indent="0">
+              <a:buNone/>
+              <a:defRPr sz="1600" b="1"/>
+            </a:lvl7pPr>
+            <a:lvl8pPr marL="3200400" indent="0">
+              <a:buNone/>
+              <a:defRPr sz="1600" b="1"/>
+            </a:lvl8pPr>
+            <a:lvl9pPr marL="3657600" indent="0">
+              <a:buNone/>
+              <a:defRPr sz="1600" b="1"/>
+            </a:lvl9pPr>
+          </a:lstStyle>
+          <a:p>
+            <a:pPr lvl="0"/>
+            <a:r>
+              <a:rPr lang="en-US" smtClean="0"/>
+              <a:t>Click to edit Master text styles</a:t>
+            </a:r>
+          </a:p>
+        </p:txBody>
+      </p:sp>
+      <p:sp>
+        <p:nvSpPr>
+          <p:cNvPr id="30" name="Picture Placeholder 2"/>
+          <p:cNvSpPr>
+            <a:spLocks noGrp="1" noChangeAspect="1"/>
+          </p:cNvSpPr>
+          <p:nvPr>
+            <p:ph type="pic" idx="21"/>
+          </p:nvPr>
+        </p:nvSpPr>
+        <p:spPr>
+          <a:xfrm>
+            <a:off x="2917791" y="2209800"/>
+            <a:ext cx="2198466" cy="1524000"/>
+          </a:xfrm>
+          <a:prstGeom prst="roundRect">
+            <a:avLst>
+              <a:gd name="adj" fmla="val 1858"/>
+            </a:avLst>
+          </a:prstGeom>
+          <a:effectLst>
+            <a:outerShdw blurRad="50800" dist="50800" dir="5400000" algn="tl" rotWithShape="0">
+              <a:srgbClr val="000000">
+                <a:alpha val="43000"/>
+              </a:srgbClr>
+            </a:outerShdw>
+          </a:effectLst>
+        </p:spPr>
+        <p:txBody>
+          <a:bodyPr anchor="t">
+            <a:normAutofit/>
+          </a:bodyPr>
+          <a:lstStyle>
+            <a:lvl1pPr marL="0" indent="0" algn="ctr">
+              <a:buNone/>
+              <a:defRPr sz="1600"/>
+            </a:lvl1pPr>
+            <a:lvl2pPr marL="457200" indent="0">
+              <a:buNone/>
+              <a:defRPr sz="1600"/>
+            </a:lvl2pPr>
+            <a:lvl3pPr marL="914400" indent="0">
+              <a:buNone/>
+              <a:defRPr sz="1600"/>
+            </a:lvl3pPr>
+            <a:lvl4pPr marL="1371600" indent="0">
+              <a:buNone/>
+              <a:defRPr sz="1600"/>
+            </a:lvl4pPr>
+            <a:lvl5pPr marL="1828800" indent="0">
+              <a:buNone/>
+              <a:defRPr sz="1600"/>
+            </a:lvl5pPr>
+            <a:lvl6pPr marL="2286000" indent="0">
+              <a:buNone/>
+              <a:defRPr sz="1600"/>
+            </a:lvl6pPr>
+            <a:lvl7pPr marL="2743200" indent="0">
+              <a:buNone/>
+              <a:defRPr sz="1600"/>
+            </a:lvl7pPr>
+            <a:lvl8pPr marL="3200400" indent="0">
+              <a:buNone/>
+              <a:defRPr sz="1600"/>
+            </a:lvl8pPr>
+            <a:lvl9pPr marL="3657600" indent="0">
+              <a:buNone/>
+              <a:defRPr sz="1600"/>
+            </a:lvl9pPr>
+          </a:lstStyle>
+          <a:p>
+            <a:r>
+              <a:rPr lang="en-US" smtClean="0"/>
+              <a:t>Click icon to add picture</a:t>
+            </a:r>
+            <a:endParaRPr lang="en-US" dirty="0"/>
+          </a:p>
+        </p:txBody>
+      </p:sp>
+      <p:sp>
+        <p:nvSpPr>
+          <p:cNvPr id="23" name="Text Placeholder 3"/>
+          <p:cNvSpPr>
+            <a:spLocks noGrp="1"/>
+          </p:cNvSpPr>
+          <p:nvPr>
+            <p:ph type="body" sz="half" idx="19"/>
+          </p:nvPr>
+        </p:nvSpPr>
+        <p:spPr>
+          <a:xfrm>
+            <a:off x="2916776" y="4827211"/>
+            <a:ext cx="2201378" cy="659189"/>
+          </a:xfrm>
+        </p:spPr>
+        <p:txBody>
+          <a:bodyPr anchor="t">
+            <a:normAutofit/>
+          </a:bodyPr>
+          <a:lstStyle>
+            <a:lvl1pPr marL="0" indent="0">
+              <a:buNone/>
+              <a:defRPr sz="1400"/>
+            </a:lvl1pPr>
+            <a:lvl2pPr marL="457200" indent="0">
+              <a:buNone/>
+              <a:defRPr sz="1200"/>
+            </a:lvl2pPr>
+            <a:lvl3pPr marL="914400" indent="0">
+              <a:buNone/>
+              <a:defRPr sz="1000"/>
+            </a:lvl3pPr>
+            <a:lvl4pPr marL="1371600" indent="0">
+              <a:buNone/>
+              <a:defRPr sz="900"/>
+            </a:lvl4pPr>
+            <a:lvl5pPr marL="1828800" indent="0">
+              <a:buNone/>
+              <a:defRPr sz="900"/>
+            </a:lvl5pPr>
+            <a:lvl6pPr marL="2286000" indent="0">
+              <a:buNone/>
+              <a:defRPr sz="900"/>
+            </a:lvl6pPr>
+            <a:lvl7pPr marL="2743200" indent="0">
+              <a:buNone/>
+              <a:defRPr sz="900"/>
+            </a:lvl7pPr>
+            <a:lvl8pPr marL="3200400" indent="0">
+              <a:buNone/>
+              <a:defRPr sz="900"/>
+            </a:lvl8pPr>
+            <a:lvl9pPr marL="3657600" indent="0">
+              <a:buNone/>
+              <a:defRPr sz="900"/>
+            </a:lvl9pPr>
+          </a:lstStyle>
+          <a:p>
+            <a:pPr lvl="0"/>
+            <a:r>
+              <a:rPr lang="en-US" smtClean="0"/>
+              <a:t>Click to edit Master text styles</a:t>
+            </a:r>
+          </a:p>
+        </p:txBody>
+      </p:sp>
+      <p:sp>
+        <p:nvSpPr>
+          <p:cNvPr id="14" name="Text Placeholder 4"/>
+          <p:cNvSpPr>
+            <a:spLocks noGrp="1"/>
+          </p:cNvSpPr>
+          <p:nvPr>
+            <p:ph type="body" sz="quarter" idx="13"/>
+          </p:nvPr>
+        </p:nvSpPr>
+        <p:spPr>
+          <a:xfrm>
+            <a:off x="5344917" y="4250949"/>
+            <a:ext cx="2199658" cy="576262"/>
+          </a:xfrm>
+        </p:spPr>
+        <p:txBody>
+          <a:bodyPr anchor="b">
+            <a:noAutofit/>
+          </a:bodyPr>
+          <a:lstStyle>
+            <a:lvl1pPr marL="0" indent="0">
+              <a:buNone/>
+              <a:defRPr sz="2400" b="0">
+                <a:solidFill>
+                  <a:schemeClr val="bg2">
+                    <a:lumMod val="40000"/>
+                    <a:lumOff val="60000"/>
+                  </a:schemeClr>
+                </a:solidFill>
+              </a:defRPr>
+            </a:lvl1pPr>
+            <a:lvl2pPr marL="457200" indent="0">
+              <a:buNone/>
+              <a:defRPr sz="2000" b="1"/>
+            </a:lvl2pPr>
+            <a:lvl3pPr marL="914400" indent="0">
+              <a:buNone/>
+              <a:defRPr sz="1800" b="1"/>
+            </a:lvl3pPr>
+            <a:lvl4pPr marL="1371600" indent="0">
+              <a:buNone/>
+              <a:defRPr sz="1600" b="1"/>
+            </a:lvl4pPr>
+            <a:lvl5pPr marL="1828800" indent="0">
+              <a:buNone/>
+              <a:defRPr sz="1600" b="1"/>
+            </a:lvl5pPr>
+            <a:lvl6pPr marL="2286000" indent="0">
+              <a:buNone/>
+              <a:defRPr sz="1600" b="1"/>
+            </a:lvl6pPr>
+            <a:lvl7pPr marL="2743200" indent="0">
+              <a:buNone/>
+              <a:defRPr sz="1600" b="1"/>
+            </a:lvl7pPr>
+            <a:lvl8pPr marL="3200400" indent="0">
+              <a:buNone/>
+              <a:defRPr sz="1600" b="1"/>
+            </a:lvl8pPr>
+            <a:lvl9pPr marL="3657600" indent="0">
+              <a:buNone/>
+              <a:defRPr sz="1600" b="1"/>
+            </a:lvl9pPr>
+          </a:lstStyle>
+          <a:p>
+            <a:pPr lvl="0"/>
+            <a:r>
+              <a:rPr lang="en-US" smtClean="0"/>
+              <a:t>Click to edit Master text styles</a:t>
+            </a:r>
+          </a:p>
+        </p:txBody>
+      </p:sp>
+      <p:sp>
+        <p:nvSpPr>
+          <p:cNvPr id="31" name="Picture Placeholder 2"/>
+          <p:cNvSpPr>
+            <a:spLocks noGrp="1" noChangeAspect="1"/>
+          </p:cNvSpPr>
+          <p:nvPr>
+            <p:ph type="pic" idx="22"/>
+          </p:nvPr>
+        </p:nvSpPr>
+        <p:spPr>
+          <a:xfrm>
+            <a:off x="5344916" y="2209800"/>
+            <a:ext cx="2199658" cy="1524000"/>
+          </a:xfrm>
+          <a:prstGeom prst="roundRect">
+            <a:avLst>
+              <a:gd name="adj" fmla="val 1858"/>
+            </a:avLst>
+          </a:prstGeom>
+          <a:effectLst>
+            <a:outerShdw blurRad="50800" dist="50800" dir="5400000" algn="tl" rotWithShape="0">
+              <a:srgbClr val="000000">
+                <a:alpha val="43000"/>
+              </a:srgbClr>
+            </a:outerShdw>
+          </a:effectLst>
+        </p:spPr>
+        <p:txBody>
+          <a:bodyPr anchor="t">
+            <a:normAutofit/>
+          </a:bodyPr>
+          <a:lstStyle>
+            <a:lvl1pPr marL="0" indent="0" algn="ctr">
+              <a:buNone/>
+              <a:defRPr sz="1600"/>
+            </a:lvl1pPr>
+            <a:lvl2pPr marL="457200" indent="0">
+              <a:buNone/>
+              <a:defRPr sz="1600"/>
+            </a:lvl2pPr>
+            <a:lvl3pPr marL="914400" indent="0">
+              <a:buNone/>
+              <a:defRPr sz="1600"/>
+            </a:lvl3pPr>
+            <a:lvl4pPr marL="1371600" indent="0">
+              <a:buNone/>
+              <a:defRPr sz="1600"/>
+            </a:lvl4pPr>
+            <a:lvl5pPr marL="1828800" indent="0">
+              <a:buNone/>
+              <a:defRPr sz="1600"/>
+            </a:lvl5pPr>
+            <a:lvl6pPr marL="2286000" indent="0">
+              <a:buNone/>
+              <a:defRPr sz="1600"/>
+            </a:lvl6pPr>
+            <a:lvl7pPr marL="2743200" indent="0">
+              <a:buNone/>
+              <a:defRPr sz="1600"/>
+            </a:lvl7pPr>
+            <a:lvl8pPr marL="3200400" indent="0">
+              <a:buNone/>
+              <a:defRPr sz="1600"/>
+            </a:lvl8pPr>
+            <a:lvl9pPr marL="3657600" indent="0">
+              <a:buNone/>
+              <a:defRPr sz="1600"/>
+            </a:lvl9pPr>
+          </a:lstStyle>
+          <a:p>
+            <a:r>
+              <a:rPr lang="en-US" smtClean="0"/>
+              <a:t>Click icon to add picture</a:t>
+            </a:r>
+            <a:endParaRPr lang="en-US" dirty="0"/>
+          </a:p>
+        </p:txBody>
+      </p:sp>
+      <p:sp>
+        <p:nvSpPr>
+          <p:cNvPr id="24" name="Text Placeholder 3"/>
+          <p:cNvSpPr>
+            <a:spLocks noGrp="1"/>
+          </p:cNvSpPr>
+          <p:nvPr>
+            <p:ph type="body" sz="half" idx="20"/>
+          </p:nvPr>
+        </p:nvSpPr>
+        <p:spPr>
+          <a:xfrm>
+            <a:off x="5344824" y="4827209"/>
+            <a:ext cx="2202571" cy="659189"/>
+          </a:xfrm>
+        </p:spPr>
+        <p:txBody>
+          <a:bodyPr anchor="t">
+            <a:normAutofit/>
+          </a:bodyPr>
+          <a:lstStyle>
+            <a:lvl1pPr marL="0" indent="0">
+              <a:buNone/>
+              <a:defRPr sz="1400"/>
+            </a:lvl1pPr>
+            <a:lvl2pPr marL="457200" indent="0">
+              <a:buNone/>
+              <a:defRPr sz="1200"/>
+            </a:lvl2pPr>
+            <a:lvl3pPr marL="914400" indent="0">
+              <a:buNone/>
+              <a:defRPr sz="1000"/>
+            </a:lvl3pPr>
+            <a:lvl4pPr marL="1371600" indent="0">
+              <a:buNone/>
+              <a:defRPr sz="900"/>
+            </a:lvl4pPr>
+            <a:lvl5pPr marL="1828800" indent="0">
+              <a:buNone/>
+              <a:defRPr sz="900"/>
+            </a:lvl5pPr>
+            <a:lvl6pPr marL="2286000" indent="0">
+              <a:buNone/>
+              <a:defRPr sz="900"/>
+            </a:lvl6pPr>
+            <a:lvl7pPr marL="2743200" indent="0">
+              <a:buNone/>
+              <a:defRPr sz="900"/>
+            </a:lvl7pPr>
+            <a:lvl8pPr marL="3200400" indent="0">
+              <a:buNone/>
+              <a:defRPr sz="900"/>
+            </a:lvl8pPr>
+            <a:lvl9pPr marL="3657600" indent="0">
+              <a:buNone/>
+              <a:defRPr sz="900"/>
+            </a:lvl9pPr>
+          </a:lstStyle>
+          <a:p>
+            <a:pPr lvl="0"/>
+            <a:r>
+              <a:rPr lang="en-US" smtClean="0"/>
+              <a:t>Click to edit Master text styles</a:t>
+            </a:r>
+          </a:p>
+        </p:txBody>
+      </p:sp>
+      <p:cxnSp>
+        <p:nvCxnSpPr>
+          <p:cNvPr id="19" name="Straight Connector 18"/>
+          <p:cNvCxnSpPr/>
+          <p:nvPr/>
+        </p:nvCxnSpPr>
+        <p:spPr>
+          <a:xfrm>
+            <a:off x="2795334" y="2133600"/>
+            <a:ext cx="0" cy="3962400"/>
+          </a:xfrm>
+          <a:prstGeom prst="line">
+            <a:avLst/>
+          </a:prstGeom>
+          <a:ln w="12700" cmpd="sng">
+            <a:solidFill>
+              <a:schemeClr val="bg2">
+                <a:lumMod val="40000"/>
+                <a:lumOff val="60000"/>
+                <a:alpha val="40000"/>
+              </a:schemeClr>
+            </a:solidFill>
+          </a:ln>
+        </p:spPr>
+        <p:style>
+          <a:lnRef idx="2">
+            <a:schemeClr val="accent1"/>
+          </a:lnRef>
+          <a:fillRef idx="0">
+            <a:schemeClr val="accent1"/>
+          </a:fillRef>
+          <a:effectRef idx="1">
+            <a:schemeClr val="accent1"/>
+          </a:effectRef>
+          <a:fontRef idx="minor">
+            <a:schemeClr val="tx1"/>
+          </a:fontRef>
+        </p:style>
+      </p:cxnSp>
+      <p:cxnSp>
+        <p:nvCxnSpPr>
+          <p:cNvPr id="20" name="Straight Connector 19"/>
+          <p:cNvCxnSpPr/>
+          <p:nvPr/>
+        </p:nvCxnSpPr>
+        <p:spPr>
+          <a:xfrm>
+            <a:off x="5223030" y="2133600"/>
+            <a:ext cx="0" cy="3966882"/>
+          </a:xfrm>
+          <a:prstGeom prst="line">
+            <a:avLst/>
+          </a:prstGeom>
+          <a:ln w="12700" cmpd="sng">
+            <a:solidFill>
+              <a:schemeClr val="bg2">
+                <a:lumMod val="40000"/>
+                <a:lumOff val="60000"/>
+                <a:alpha val="40000"/>
+              </a:schemeClr>
+            </a:solidFill>
+          </a:ln>
+        </p:spPr>
+        <p:style>
+          <a:lnRef idx="2">
+            <a:schemeClr val="accent1"/>
+          </a:lnRef>
+          <a:fillRef idx="0">
+            <a:schemeClr val="accent1"/>
+          </a:fillRef>
+          <a:effectRef idx="1">
+            <a:schemeClr val="accent1"/>
+          </a:effectRef>
+          <a:fontRef idx="minor">
+            <a:schemeClr val="tx1"/>
+          </a:fontRef>
+        </p:style>
+      </p:cxnSp>
+      <p:sp>
+        <p:nvSpPr>
+          <p:cNvPr id="7" name="Date Placeholder 3"/>
+          <p:cNvSpPr>
+            <a:spLocks noGrp="1"/>
+          </p:cNvSpPr>
+          <p:nvPr>
+            <p:ph type="dt" sz="half" idx="10"/>
+          </p:nvPr>
+        </p:nvSpPr>
+        <p:spPr/>
+        <p:txBody>
+          <a:bodyPr/>
+          <a:lstStyle/>
+          <a:p>
+            <a:fld id="{EF89BEDD-2D5A-D245-9D2D-27971D6E2DCC}" type="datetimeFigureOut">
+              <a:rPr lang="en-US" smtClean="0"/>
+              <a:t>11/28/2015</a:t>
+            </a:fld>
+            <a:endParaRPr lang="en-US"/>
+          </a:p>
+        </p:txBody>
+      </p:sp>
+      <p:sp>
+        <p:nvSpPr>
+          <p:cNvPr id="4" name="Footer Placeholder 4"/>
+          <p:cNvSpPr>
+            <a:spLocks noGrp="1"/>
+          </p:cNvSpPr>
+          <p:nvPr>
+            <p:ph type="ftr" sz="quarter" idx="11"/>
+          </p:nvPr>
+        </p:nvSpPr>
+        <p:spPr/>
+        <p:txBody>
+          <a:bodyPr/>
+          <a:lstStyle/>
+          <a:p>
+            <a:endParaRPr lang="en-US"/>
+          </a:p>
+        </p:txBody>
+      </p:sp>
+      <p:sp>
+        <p:nvSpPr>
+          <p:cNvPr id="6" name="Slide Number Placeholder 5"/>
+          <p:cNvSpPr>
+            <a:spLocks noGrp="1"/>
+          </p:cNvSpPr>
+          <p:nvPr>
+            <p:ph type="sldNum" sz="quarter" idx="12"/>
+          </p:nvPr>
+        </p:nvSpPr>
+        <p:spPr/>
+        <p:txBody>
+          <a:bodyPr/>
+          <a:lstStyle/>
+          <a:p>
+            <a:fld id="{61EB50FC-B6D2-1D41-8D3F-0A1769244F33}" type="slidenum">
+              <a:rPr lang="en-US" smtClean="0"/>
+              <a:t>‹#›</a:t>
+            </a:fld>
+            <a:endParaRPr lang="en-US"/>
+          </a:p>
+        </p:txBody>
+      </p:sp>
+    </p:spTree>
+    <p:extLst>
+      <p:ext uri="{BB962C8B-B14F-4D97-AF65-F5344CB8AC3E}">
+        <p14:creationId xmlns:p14="http://schemas.microsoft.com/office/powerpoint/2010/main" val="4027387920"/>
+      </p:ext>
+    </p:extLst>
+  </p:cSld>
+  <p:clrMapOvr>
+    <a:masterClrMapping/>
+  </p:clrMapOvr>
+</p:sldLayout>
+</file>
+
+<file path=ppt/slideLayouts/slideLayout16.xml><?xml version="1.0" encoding="utf-8"?>
 <p:sldLayout xmlns:a="http://schemas.openxmlformats.org/drawingml/2006/main" xmlns:r="http://schemas.openxmlformats.org/officeDocument/2006/relationships" xmlns:p="http://schemas.openxmlformats.org/presentationml/2006/main" type="vertTx" preserve="1">
   <p:cSld name="Title and Vertical Text">
     <p:spTree>
@@ -385,7 +3597,7 @@
               <a:rPr lang="en-US" smtClean="0"/>
               <a:t>Click to edit Master title style</a:t>
             </a:r>
-            <a:endParaRPr lang="en-US"/>
+            <a:endParaRPr lang="en-US" dirty="0"/>
           </a:p>
         </p:txBody>
       </p:sp>
@@ -401,7 +3613,7 @@
         </p:nvSpPr>
         <p:spPr/>
         <p:txBody>
-          <a:bodyPr vert="eaVert"/>
+          <a:bodyPr vert="eaVert" anchor="t" anchorCtr="0"/>
           <a:lstStyle/>
           <a:p>
             <a:pPr lvl="0"/>
@@ -437,7 +3649,7 @@
               <a:rPr lang="en-US" smtClean="0"/>
               <a:t>Fifth level</a:t>
             </a:r>
-            <a:endParaRPr lang="en-US"/>
+            <a:endParaRPr lang="en-US" dirty="0"/>
           </a:p>
         </p:txBody>
       </p:sp>
@@ -458,7 +3670,7 @@
           <a:p>
             <a:fld id="{EF89BEDD-2D5A-D245-9D2D-27971D6E2DCC}" type="datetimeFigureOut">
               <a:rPr lang="en-US" smtClean="0"/>
-              <a:t>11/17/15</a:t>
+              <a:t>11/28/2015</a:t>
             </a:fld>
             <a:endParaRPr lang="en-US"/>
           </a:p>
@@ -509,7 +3721,7 @@
     </p:spTree>
     <p:extLst>
       <p:ext uri="{BB962C8B-B14F-4D97-AF65-F5344CB8AC3E}">
-        <p14:creationId xmlns:p14="http://schemas.microsoft.com/office/powerpoint/2010/main" val="4038466727"/>
+        <p14:creationId xmlns:p14="http://schemas.microsoft.com/office/powerpoint/2010/main" val="1177187137"/>
       </p:ext>
     </p:extLst>
   </p:cSld>
@@ -519,7 +3731,7 @@
 </p:sldLayout>
 </file>
 
-<file path=ppt/slideLayouts/slideLayout11.xml><?xml version="1.0" encoding="utf-8"?>
+<file path=ppt/slideLayouts/slideLayout17.xml><?xml version="1.0" encoding="utf-8"?>
 <p:sldLayout xmlns:a="http://schemas.openxmlformats.org/drawingml/2006/main" xmlns:r="http://schemas.openxmlformats.org/officeDocument/2006/relationships" xmlns:p="http://schemas.openxmlformats.org/presentationml/2006/main" type="vertTitleAndTx" preserve="1">
   <p:cSld name="Vertical Title and Text">
     <p:spTree>
@@ -548,19 +3760,19 @@
         </p:nvSpPr>
         <p:spPr>
           <a:xfrm>
-            <a:off x="6629400" y="274638"/>
-            <a:ext cx="2057400" cy="5851525"/>
+            <a:off x="6229782" y="430214"/>
+            <a:ext cx="1314793" cy="5826125"/>
           </a:xfrm>
         </p:spPr>
         <p:txBody>
-          <a:bodyPr vert="eaVert"/>
+          <a:bodyPr vert="eaVert" anchor="b" anchorCtr="0"/>
           <a:lstStyle/>
           <a:p>
             <a:r>
               <a:rPr lang="en-US" smtClean="0"/>
               <a:t>Click to edit Master title style</a:t>
             </a:r>
-            <a:endParaRPr lang="en-US"/>
+            <a:endParaRPr lang="en-US" dirty="0"/>
           </a:p>
         </p:txBody>
       </p:sp>
@@ -576,8 +3788,8 @@
         </p:nvSpPr>
         <p:spPr>
           <a:xfrm>
-            <a:off x="457200" y="274638"/>
-            <a:ext cx="6019800" cy="5851525"/>
+            <a:off x="489475" y="773205"/>
+            <a:ext cx="5568812" cy="5483134"/>
           </a:xfrm>
         </p:spPr>
         <p:txBody>
@@ -617,7 +3829,7 @@
               <a:rPr lang="en-US" smtClean="0"/>
               <a:t>Fifth level</a:t>
             </a:r>
-            <a:endParaRPr lang="en-US"/>
+            <a:endParaRPr lang="en-US" dirty="0"/>
           </a:p>
         </p:txBody>
       </p:sp>
@@ -638,7 +3850,7 @@
           <a:p>
             <a:fld id="{EF89BEDD-2D5A-D245-9D2D-27971D6E2DCC}" type="datetimeFigureOut">
               <a:rPr lang="en-US" smtClean="0"/>
-              <a:t>11/17/15</a:t>
+              <a:t>11/28/2015</a:t>
             </a:fld>
             <a:endParaRPr lang="en-US"/>
           </a:p>
@@ -689,7 +3901,7 @@
     </p:spTree>
     <p:extLst>
       <p:ext uri="{BB962C8B-B14F-4D97-AF65-F5344CB8AC3E}">
-        <p14:creationId xmlns:p14="http://schemas.microsoft.com/office/powerpoint/2010/main" val="1851555406"/>
+        <p14:creationId xmlns:p14="http://schemas.microsoft.com/office/powerpoint/2010/main" val="705087105"/>
       </p:ext>
     </p:extLst>
   </p:cSld>
@@ -735,7 +3947,7 @@
               <a:rPr lang="en-US" smtClean="0"/>
               <a:t>Click to edit Master title style</a:t>
             </a:r>
-            <a:endParaRPr lang="en-US"/>
+            <a:endParaRPr lang="en-US" dirty="0"/>
           </a:p>
         </p:txBody>
       </p:sp>
@@ -787,13 +3999,13 @@
               <a:rPr lang="en-US" smtClean="0"/>
               <a:t>Fifth level</a:t>
             </a:r>
-            <a:endParaRPr lang="en-US"/>
-          </a:p>
-        </p:txBody>
-      </p:sp>
-      <p:sp>
-        <p:nvSpPr>
-          <p:cNvPr id="4" name="Date Placeholder 3"/>
+            <a:endParaRPr lang="en-US" dirty="0"/>
+          </a:p>
+        </p:txBody>
+      </p:sp>
+      <p:sp>
+        <p:nvSpPr>
+          <p:cNvPr id="7" name="Date Placeholder 3"/>
           <p:cNvSpPr>
             <a:spLocks noGrp="1"/>
           </p:cNvSpPr>
@@ -808,7 +4020,7 @@
           <a:p>
             <a:fld id="{EF89BEDD-2D5A-D245-9D2D-27971D6E2DCC}" type="datetimeFigureOut">
               <a:rPr lang="en-US" smtClean="0"/>
-              <a:t>11/17/15</a:t>
+              <a:t>11/28/2015</a:t>
             </a:fld>
             <a:endParaRPr lang="en-US"/>
           </a:p>
@@ -859,7 +4071,7 @@
     </p:spTree>
     <p:extLst>
       <p:ext uri="{BB962C8B-B14F-4D97-AF65-F5344CB8AC3E}">
-        <p14:creationId xmlns:p14="http://schemas.microsoft.com/office/powerpoint/2010/main" val="2651336086"/>
+        <p14:creationId xmlns:p14="http://schemas.microsoft.com/office/powerpoint/2010/main" val="2839489328"/>
       </p:ext>
     </p:extLst>
   </p:cSld>
@@ -898,51 +4110,52 @@
         </p:nvSpPr>
         <p:spPr>
           <a:xfrm>
-            <a:off x="722313" y="4406900"/>
-            <a:ext cx="7772400" cy="1362075"/>
+            <a:off x="866443" y="2861734"/>
+            <a:ext cx="6620967" cy="1915647"/>
           </a:xfrm>
         </p:spPr>
         <p:txBody>
+          <a:bodyPr anchor="b"/>
+          <a:lstStyle>
+            <a:lvl1pPr algn="l">
+              <a:defRPr sz="4000" b="0" cap="none"/>
+            </a:lvl1pPr>
+          </a:lstStyle>
+          <a:p>
+            <a:r>
+              <a:rPr lang="en-US" smtClean="0"/>
+              <a:t>Click to edit Master title style</a:t>
+            </a:r>
+            <a:endParaRPr lang="en-US" dirty="0"/>
+          </a:p>
+        </p:txBody>
+      </p:sp>
+      <p:sp>
+        <p:nvSpPr>
+          <p:cNvPr id="3" name="Text Placeholder 2"/>
+          <p:cNvSpPr>
+            <a:spLocks noGrp="1"/>
+          </p:cNvSpPr>
+          <p:nvPr>
+            <p:ph type="body" idx="1"/>
+          </p:nvPr>
+        </p:nvSpPr>
+        <p:spPr>
+          <a:xfrm>
+            <a:off x="866442" y="4777381"/>
+            <a:ext cx="6620968" cy="860400"/>
+          </a:xfrm>
+        </p:spPr>
+        <p:txBody>
           <a:bodyPr anchor="t"/>
           <a:lstStyle>
-            <a:lvl1pPr algn="l">
-              <a:defRPr sz="4000" b="1" cap="all"/>
-            </a:lvl1pPr>
-          </a:lstStyle>
-          <a:p>
-            <a:r>
-              <a:rPr lang="en-US" smtClean="0"/>
-              <a:t>Click to edit Master title style</a:t>
-            </a:r>
-            <a:endParaRPr lang="en-US"/>
-          </a:p>
-        </p:txBody>
-      </p:sp>
-      <p:sp>
-        <p:nvSpPr>
-          <p:cNvPr id="3" name="Text Placeholder 2"/>
-          <p:cNvSpPr>
-            <a:spLocks noGrp="1"/>
-          </p:cNvSpPr>
-          <p:nvPr>
-            <p:ph type="body" idx="1"/>
-          </p:nvPr>
-        </p:nvSpPr>
-        <p:spPr>
-          <a:xfrm>
-            <a:off x="722313" y="2906713"/>
-            <a:ext cx="7772400" cy="1500187"/>
-          </a:xfrm>
-        </p:spPr>
-        <p:txBody>
-          <a:bodyPr anchor="b"/>
-          <a:lstStyle>
-            <a:lvl1pPr marL="0" indent="0">
-              <a:buNone/>
-              <a:defRPr sz="2000">
+            <a:lvl1pPr marL="0" indent="0" algn="l">
+              <a:buNone/>
+              <a:defRPr sz="2000" cap="all">
                 <a:solidFill>
-                  <a:schemeClr val="tx1">
-                    <a:tint val="75000"/>
+                  <a:schemeClr val="bg2">
+                    <a:lumMod val="40000"/>
+                    <a:lumOff val="60000"/>
                   </a:schemeClr>
                 </a:solidFill>
               </a:defRPr>
@@ -1054,7 +4267,7 @@
           <a:p>
             <a:fld id="{EF89BEDD-2D5A-D245-9D2D-27971D6E2DCC}" type="datetimeFigureOut">
               <a:rPr lang="en-US" smtClean="0"/>
-              <a:t>11/17/15</a:t>
+              <a:t>11/28/2015</a:t>
             </a:fld>
             <a:endParaRPr lang="en-US"/>
           </a:p>
@@ -1105,7 +4318,7 @@
     </p:spTree>
     <p:extLst>
       <p:ext uri="{BB962C8B-B14F-4D97-AF65-F5344CB8AC3E}">
-        <p14:creationId xmlns:p14="http://schemas.microsoft.com/office/powerpoint/2010/main" val="1496366232"/>
+        <p14:creationId xmlns:p14="http://schemas.microsoft.com/office/powerpoint/2010/main" val="3199054663"/>
       </p:ext>
     </p:extLst>
   </p:cSld>
@@ -1151,7 +4364,7 @@
               <a:rPr lang="en-US" smtClean="0"/>
               <a:t>Click to edit Master title style</a:t>
             </a:r>
-            <a:endParaRPr lang="en-US"/>
+            <a:endParaRPr lang="en-US" dirty="0"/>
           </a:p>
         </p:txBody>
       </p:sp>
@@ -1167,39 +4380,41 @@
         </p:nvSpPr>
         <p:spPr>
           <a:xfrm>
-            <a:off x="457200" y="1600200"/>
-            <a:ext cx="4038600" cy="4525963"/>
+            <a:off x="827700" y="2060576"/>
+            <a:ext cx="3298113" cy="4195763"/>
           </a:xfrm>
         </p:spPr>
         <p:txBody>
-          <a:bodyPr/>
+          <a:bodyPr>
+            <a:normAutofit/>
+          </a:bodyPr>
           <a:lstStyle>
             <a:lvl1pPr>
-              <a:defRPr sz="2800"/>
+              <a:defRPr sz="1800"/>
             </a:lvl1pPr>
             <a:lvl2pPr>
-              <a:defRPr sz="2400"/>
+              <a:defRPr sz="1600"/>
             </a:lvl2pPr>
             <a:lvl3pPr>
-              <a:defRPr sz="2000"/>
+              <a:defRPr sz="1400"/>
             </a:lvl3pPr>
             <a:lvl4pPr>
-              <a:defRPr sz="1800"/>
+              <a:defRPr sz="1200"/>
             </a:lvl4pPr>
             <a:lvl5pPr>
-              <a:defRPr sz="1800"/>
+              <a:defRPr sz="1200"/>
             </a:lvl5pPr>
             <a:lvl6pPr>
-              <a:defRPr sz="1800"/>
+              <a:defRPr sz="1200"/>
             </a:lvl6pPr>
             <a:lvl7pPr>
-              <a:defRPr sz="1800"/>
+              <a:defRPr sz="1200"/>
             </a:lvl7pPr>
             <a:lvl8pPr>
-              <a:defRPr sz="1800"/>
+              <a:defRPr sz="1200"/>
             </a:lvl8pPr>
             <a:lvl9pPr>
-              <a:defRPr sz="1800"/>
+              <a:defRPr sz="1200"/>
             </a:lvl9pPr>
           </a:lstStyle>
           <a:p>
@@ -1236,7 +4451,7 @@
               <a:rPr lang="en-US" smtClean="0"/>
               <a:t>Fifth level</a:t>
             </a:r>
-            <a:endParaRPr lang="en-US"/>
+            <a:endParaRPr lang="en-US" dirty="0"/>
           </a:p>
         </p:txBody>
       </p:sp>
@@ -1252,39 +4467,41 @@
         </p:nvSpPr>
         <p:spPr>
           <a:xfrm>
-            <a:off x="4648200" y="1600200"/>
-            <a:ext cx="4038600" cy="4525963"/>
+            <a:off x="4241975" y="2056093"/>
+            <a:ext cx="3298115" cy="4200245"/>
           </a:xfrm>
         </p:spPr>
         <p:txBody>
-          <a:bodyPr/>
+          <a:bodyPr>
+            <a:normAutofit/>
+          </a:bodyPr>
           <a:lstStyle>
             <a:lvl1pPr>
-              <a:defRPr sz="2800"/>
+              <a:defRPr sz="1800"/>
             </a:lvl1pPr>
             <a:lvl2pPr>
-              <a:defRPr sz="2400"/>
+              <a:defRPr sz="1600"/>
             </a:lvl2pPr>
             <a:lvl3pPr>
-              <a:defRPr sz="2000"/>
+              <a:defRPr sz="1400"/>
             </a:lvl3pPr>
             <a:lvl4pPr>
-              <a:defRPr sz="1800"/>
+              <a:defRPr sz="1200"/>
             </a:lvl4pPr>
             <a:lvl5pPr>
-              <a:defRPr sz="1800"/>
+              <a:defRPr sz="1200"/>
             </a:lvl5pPr>
             <a:lvl6pPr>
-              <a:defRPr sz="1800"/>
+              <a:defRPr sz="1200"/>
             </a:lvl6pPr>
             <a:lvl7pPr>
-              <a:defRPr sz="1800"/>
+              <a:defRPr sz="1200"/>
             </a:lvl7pPr>
             <a:lvl8pPr>
-              <a:defRPr sz="1800"/>
+              <a:defRPr sz="1200"/>
             </a:lvl8pPr>
             <a:lvl9pPr>
-              <a:defRPr sz="1800"/>
+              <a:defRPr sz="1200"/>
             </a:lvl9pPr>
           </a:lstStyle>
           <a:p>
@@ -1321,7 +4538,7 @@
               <a:rPr lang="en-US" smtClean="0"/>
               <a:t>Fifth level</a:t>
             </a:r>
-            <a:endParaRPr lang="en-US"/>
+            <a:endParaRPr lang="en-US" dirty="0"/>
           </a:p>
         </p:txBody>
       </p:sp>
@@ -1342,7 +4559,7 @@
           <a:p>
             <a:fld id="{EF89BEDD-2D5A-D245-9D2D-27971D6E2DCC}" type="datetimeFigureOut">
               <a:rPr lang="en-US" smtClean="0"/>
-              <a:t>11/17/15</a:t>
+              <a:t>11/28/2015</a:t>
             </a:fld>
             <a:endParaRPr lang="en-US"/>
           </a:p>
@@ -1393,7 +4610,7 @@
     </p:spTree>
     <p:extLst>
       <p:ext uri="{BB962C8B-B14F-4D97-AF65-F5344CB8AC3E}">
-        <p14:creationId xmlns:p14="http://schemas.microsoft.com/office/powerpoint/2010/main" val="2533764738"/>
+        <p14:creationId xmlns:p14="http://schemas.microsoft.com/office/powerpoint/2010/main" val="192282408"/>
       </p:ext>
     </p:extLst>
   </p:cSld>
@@ -1443,7 +4660,7 @@
               <a:rPr lang="en-US" smtClean="0"/>
               <a:t>Click to edit Master title style</a:t>
             </a:r>
-            <a:endParaRPr lang="en-US"/>
+            <a:endParaRPr lang="en-US" dirty="0"/>
           </a:p>
         </p:txBody>
       </p:sp>
@@ -1459,16 +4676,25 @@
         </p:nvSpPr>
         <p:spPr>
           <a:xfrm>
-            <a:off x="457200" y="1535113"/>
-            <a:ext cx="4040188" cy="639762"/>
+            <a:off x="827700" y="1905000"/>
+            <a:ext cx="3298112" cy="576262"/>
           </a:xfrm>
         </p:spPr>
         <p:txBody>
-          <a:bodyPr anchor="b"/>
+          <a:bodyPr anchor="b">
+            <a:noAutofit/>
+          </a:bodyPr>
           <a:lstStyle>
             <a:lvl1pPr marL="0" indent="0">
               <a:buNone/>
-              <a:defRPr sz="2400" b="1"/>
+              <a:defRPr sz="2400" b="0">
+                <a:solidFill>
+                  <a:schemeClr val="bg2">
+                    <a:lumMod val="40000"/>
+                    <a:lumOff val="60000"/>
+                  </a:schemeClr>
+                </a:solidFill>
+              </a:defRPr>
             </a:lvl1pPr>
             <a:lvl2pPr marL="457200" indent="0">
               <a:buNone/>
@@ -1524,39 +4750,41 @@
         </p:nvSpPr>
         <p:spPr>
           <a:xfrm>
-            <a:off x="457200" y="2174875"/>
-            <a:ext cx="4040188" cy="3951288"/>
+            <a:off x="827700" y="2514600"/>
+            <a:ext cx="3298113" cy="3741738"/>
           </a:xfrm>
         </p:spPr>
         <p:txBody>
-          <a:bodyPr/>
+          <a:bodyPr>
+            <a:normAutofit/>
+          </a:bodyPr>
           <a:lstStyle>
             <a:lvl1pPr>
-              <a:defRPr sz="2400"/>
+              <a:defRPr sz="1800"/>
             </a:lvl1pPr>
             <a:lvl2pPr>
-              <a:defRPr sz="2000"/>
+              <a:defRPr sz="1600"/>
             </a:lvl2pPr>
             <a:lvl3pPr>
-              <a:defRPr sz="1800"/>
+              <a:defRPr sz="1400"/>
             </a:lvl3pPr>
             <a:lvl4pPr>
-              <a:defRPr sz="1600"/>
+              <a:defRPr sz="1200"/>
             </a:lvl4pPr>
             <a:lvl5pPr>
-              <a:defRPr sz="1600"/>
+              <a:defRPr sz="1200"/>
             </a:lvl5pPr>
             <a:lvl6pPr>
-              <a:defRPr sz="1600"/>
+              <a:defRPr sz="1200"/>
             </a:lvl6pPr>
             <a:lvl7pPr>
-              <a:defRPr sz="1600"/>
+              <a:defRPr sz="1200"/>
             </a:lvl7pPr>
             <a:lvl8pPr>
-              <a:defRPr sz="1600"/>
+              <a:defRPr sz="1200"/>
             </a:lvl8pPr>
             <a:lvl9pPr>
-              <a:defRPr sz="1600"/>
+              <a:defRPr sz="1200"/>
             </a:lvl9pPr>
           </a:lstStyle>
           <a:p>
@@ -1593,7 +4821,7 @@
               <a:rPr lang="en-US" smtClean="0"/>
               <a:t>Fifth level</a:t>
             </a:r>
-            <a:endParaRPr lang="en-US"/>
+            <a:endParaRPr lang="en-US" dirty="0"/>
           </a:p>
         </p:txBody>
       </p:sp>
@@ -1609,16 +4837,25 @@
         </p:nvSpPr>
         <p:spPr>
           <a:xfrm>
-            <a:off x="4645025" y="1535113"/>
-            <a:ext cx="4041775" cy="639762"/>
+            <a:off x="4241976" y="1905000"/>
+            <a:ext cx="3298113" cy="576262"/>
           </a:xfrm>
         </p:spPr>
         <p:txBody>
-          <a:bodyPr anchor="b"/>
+          <a:bodyPr anchor="b">
+            <a:noAutofit/>
+          </a:bodyPr>
           <a:lstStyle>
             <a:lvl1pPr marL="0" indent="0">
               <a:buNone/>
-              <a:defRPr sz="2400" b="1"/>
+              <a:defRPr sz="2400" b="0">
+                <a:solidFill>
+                  <a:schemeClr val="bg2">
+                    <a:lumMod val="40000"/>
+                    <a:lumOff val="60000"/>
+                  </a:schemeClr>
+                </a:solidFill>
+              </a:defRPr>
             </a:lvl1pPr>
             <a:lvl2pPr marL="457200" indent="0">
               <a:buNone/>
@@ -1674,39 +4911,41 @@
         </p:nvSpPr>
         <p:spPr>
           <a:xfrm>
-            <a:off x="4645025" y="2174875"/>
-            <a:ext cx="4041775" cy="3951288"/>
+            <a:off x="4241976" y="2514600"/>
+            <a:ext cx="3298113" cy="3741738"/>
           </a:xfrm>
         </p:spPr>
         <p:txBody>
-          <a:bodyPr/>
+          <a:bodyPr>
+            <a:normAutofit/>
+          </a:bodyPr>
           <a:lstStyle>
             <a:lvl1pPr>
-              <a:defRPr sz="2400"/>
+              <a:defRPr sz="1800"/>
             </a:lvl1pPr>
             <a:lvl2pPr>
-              <a:defRPr sz="2000"/>
+              <a:defRPr sz="1600"/>
             </a:lvl2pPr>
             <a:lvl3pPr>
-              <a:defRPr sz="1800"/>
+              <a:defRPr sz="1400"/>
             </a:lvl3pPr>
             <a:lvl4pPr>
-              <a:defRPr sz="1600"/>
+              <a:defRPr sz="1200"/>
             </a:lvl4pPr>
             <a:lvl5pPr>
-              <a:defRPr sz="1600"/>
+              <a:defRPr sz="1200"/>
             </a:lvl5pPr>
             <a:lvl6pPr>
-              <a:defRPr sz="1600"/>
+              <a:defRPr sz="1200"/>
             </a:lvl6pPr>
             <a:lvl7pPr>
-              <a:defRPr sz="1600"/>
+              <a:defRPr sz="1200"/>
             </a:lvl7pPr>
             <a:lvl8pPr>
-              <a:defRPr sz="1600"/>
+              <a:defRPr sz="1200"/>
             </a:lvl8pPr>
             <a:lvl9pPr>
-              <a:defRPr sz="1600"/>
+              <a:defRPr sz="1200"/>
             </a:lvl9pPr>
           </a:lstStyle>
           <a:p>
@@ -1743,7 +4982,7 @@
               <a:rPr lang="en-US" smtClean="0"/>
               <a:t>Fifth level</a:t>
             </a:r>
-            <a:endParaRPr lang="en-US"/>
+            <a:endParaRPr lang="en-US" dirty="0"/>
           </a:p>
         </p:txBody>
       </p:sp>
@@ -1764,7 +5003,7 @@
           <a:p>
             <a:fld id="{EF89BEDD-2D5A-D245-9D2D-27971D6E2DCC}" type="datetimeFigureOut">
               <a:rPr lang="en-US" smtClean="0"/>
-              <a:t>11/17/15</a:t>
+              <a:t>11/28/2015</a:t>
             </a:fld>
             <a:endParaRPr lang="en-US"/>
           </a:p>
@@ -1815,7 +5054,7 @@
     </p:spTree>
     <p:extLst>
       <p:ext uri="{BB962C8B-B14F-4D97-AF65-F5344CB8AC3E}">
-        <p14:creationId xmlns:p14="http://schemas.microsoft.com/office/powerpoint/2010/main" val="2040405886"/>
+        <p14:creationId xmlns:p14="http://schemas.microsoft.com/office/powerpoint/2010/main" val="2842830794"/>
       </p:ext>
     </p:extLst>
   </p:cSld>
@@ -1861,13 +5100,13 @@
               <a:rPr lang="en-US" smtClean="0"/>
               <a:t>Click to edit Master title style</a:t>
             </a:r>
-            <a:endParaRPr lang="en-US"/>
-          </a:p>
-        </p:txBody>
-      </p:sp>
-      <p:sp>
-        <p:nvSpPr>
-          <p:cNvPr id="3" name="Date Placeholder 2"/>
+            <a:endParaRPr lang="en-US" dirty="0"/>
+          </a:p>
+        </p:txBody>
+      </p:sp>
+      <p:sp>
+        <p:nvSpPr>
+          <p:cNvPr id="7" name="Date Placeholder 2"/>
           <p:cNvSpPr>
             <a:spLocks noGrp="1"/>
           </p:cNvSpPr>
@@ -1882,7 +5121,7 @@
           <a:p>
             <a:fld id="{EF89BEDD-2D5A-D245-9D2D-27971D6E2DCC}" type="datetimeFigureOut">
               <a:rPr lang="en-US" smtClean="0"/>
-              <a:t>11/17/15</a:t>
+              <a:t>11/28/2015</a:t>
             </a:fld>
             <a:endParaRPr lang="en-US"/>
           </a:p>
@@ -1890,7 +5129,7 @@
       </p:sp>
       <p:sp>
         <p:nvSpPr>
-          <p:cNvPr id="4" name="Footer Placeholder 3"/>
+          <p:cNvPr id="5" name="Footer Placeholder 3"/>
           <p:cNvSpPr>
             <a:spLocks noGrp="1"/>
           </p:cNvSpPr>
@@ -1909,7 +5148,7 @@
       </p:sp>
       <p:sp>
         <p:nvSpPr>
-          <p:cNvPr id="5" name="Slide Number Placeholder 4"/>
+          <p:cNvPr id="6" name="Slide Number Placeholder 4"/>
           <p:cNvSpPr>
             <a:spLocks noGrp="1"/>
           </p:cNvSpPr>
@@ -1933,7 +5172,7 @@
     </p:spTree>
     <p:extLst>
       <p:ext uri="{BB962C8B-B14F-4D97-AF65-F5344CB8AC3E}">
-        <p14:creationId xmlns:p14="http://schemas.microsoft.com/office/powerpoint/2010/main" val="3484304531"/>
+        <p14:creationId xmlns:p14="http://schemas.microsoft.com/office/powerpoint/2010/main" val="780120481"/>
       </p:ext>
     </p:extLst>
   </p:cSld>
@@ -1962,7 +5201,7 @@
       </p:grpSpPr>
       <p:sp>
         <p:nvSpPr>
-          <p:cNvPr id="2" name="Date Placeholder 1"/>
+          <p:cNvPr id="7" name="Date Placeholder 1"/>
           <p:cNvSpPr>
             <a:spLocks noGrp="1"/>
           </p:cNvSpPr>
@@ -1977,7 +5216,7 @@
           <a:p>
             <a:fld id="{EF89BEDD-2D5A-D245-9D2D-27971D6E2DCC}" type="datetimeFigureOut">
               <a:rPr lang="en-US" smtClean="0"/>
-              <a:t>11/17/15</a:t>
+              <a:t>11/28/2015</a:t>
             </a:fld>
             <a:endParaRPr lang="en-US"/>
           </a:p>
@@ -1985,7 +5224,7 @@
       </p:sp>
       <p:sp>
         <p:nvSpPr>
-          <p:cNvPr id="3" name="Footer Placeholder 2"/>
+          <p:cNvPr id="5" name="Footer Placeholder 2"/>
           <p:cNvSpPr>
             <a:spLocks noGrp="1"/>
           </p:cNvSpPr>
@@ -2004,7 +5243,7 @@
       </p:sp>
       <p:sp>
         <p:nvSpPr>
-          <p:cNvPr id="4" name="Slide Number Placeholder 3"/>
+          <p:cNvPr id="6" name="Slide Number Placeholder 3"/>
           <p:cNvSpPr>
             <a:spLocks noGrp="1"/>
           </p:cNvSpPr>
@@ -2028,7 +5267,7 @@
     </p:spTree>
     <p:extLst>
       <p:ext uri="{BB962C8B-B14F-4D97-AF65-F5344CB8AC3E}">
-        <p14:creationId xmlns:p14="http://schemas.microsoft.com/office/powerpoint/2010/main" val="2195891461"/>
+        <p14:creationId xmlns:p14="http://schemas.microsoft.com/office/powerpoint/2010/main" val="1967459445"/>
       </p:ext>
     </p:extLst>
   </p:cSld>
@@ -2067,15 +5306,15 @@
         </p:nvSpPr>
         <p:spPr>
           <a:xfrm>
-            <a:off x="457200" y="273050"/>
-            <a:ext cx="3008313" cy="1162050"/>
+            <a:off x="866441" y="1447800"/>
+            <a:ext cx="2551462" cy="1447800"/>
           </a:xfrm>
         </p:spPr>
         <p:txBody>
           <a:bodyPr anchor="b"/>
           <a:lstStyle>
             <a:lvl1pPr algn="l">
-              <a:defRPr sz="2000" b="1"/>
+              <a:defRPr sz="2400" b="0"/>
             </a:lvl1pPr>
           </a:lstStyle>
           <a:p>
@@ -2083,7 +5322,7 @@
               <a:rPr lang="en-US" smtClean="0"/>
               <a:t>Click to edit Master title style</a:t>
             </a:r>
-            <a:endParaRPr lang="en-US"/>
+            <a:endParaRPr lang="en-US" dirty="0"/>
           </a:p>
         </p:txBody>
       </p:sp>
@@ -2099,39 +5338,41 @@
         </p:nvSpPr>
         <p:spPr>
           <a:xfrm>
-            <a:off x="3575050" y="273050"/>
-            <a:ext cx="5111750" cy="5853113"/>
+            <a:off x="3589397" y="1447800"/>
+            <a:ext cx="3898013" cy="4572000"/>
           </a:xfrm>
         </p:spPr>
         <p:txBody>
-          <a:bodyPr/>
+          <a:bodyPr anchor="ctr">
+            <a:normAutofit/>
+          </a:bodyPr>
           <a:lstStyle>
             <a:lvl1pPr>
-              <a:defRPr sz="3200"/>
+              <a:defRPr sz="2000"/>
             </a:lvl1pPr>
             <a:lvl2pPr>
-              <a:defRPr sz="2800"/>
+              <a:defRPr sz="1800"/>
             </a:lvl2pPr>
             <a:lvl3pPr>
-              <a:defRPr sz="2400"/>
+              <a:defRPr sz="1600"/>
             </a:lvl3pPr>
             <a:lvl4pPr>
-              <a:defRPr sz="2000"/>
+              <a:defRPr sz="1400"/>
             </a:lvl4pPr>
             <a:lvl5pPr>
-              <a:defRPr sz="2000"/>
+              <a:defRPr sz="1400"/>
             </a:lvl5pPr>
             <a:lvl6pPr>
-              <a:defRPr sz="2000"/>
+              <a:defRPr sz="1400"/>
             </a:lvl6pPr>
             <a:lvl7pPr>
-              <a:defRPr sz="2000"/>
+              <a:defRPr sz="1400"/>
             </a:lvl7pPr>
             <a:lvl8pPr>
-              <a:defRPr sz="2000"/>
+              <a:defRPr sz="1400"/>
             </a:lvl8pPr>
             <a:lvl9pPr>
-              <a:defRPr sz="2000"/>
+              <a:defRPr sz="1400"/>
             </a:lvl9pPr>
           </a:lstStyle>
           <a:p>
@@ -2168,7 +5409,7 @@
               <a:rPr lang="en-US" smtClean="0"/>
               <a:t>Fifth level</a:t>
             </a:r>
-            <a:endParaRPr lang="en-US"/>
+            <a:endParaRPr lang="en-US" dirty="0"/>
           </a:p>
         </p:txBody>
       </p:sp>
@@ -2184,8 +5425,8 @@
         </p:nvSpPr>
         <p:spPr>
           <a:xfrm>
-            <a:off x="457200" y="1435100"/>
-            <a:ext cx="3008313" cy="4691063"/>
+            <a:off x="866441" y="3129281"/>
+            <a:ext cx="2551462" cy="2895599"/>
           </a:xfrm>
         </p:spPr>
         <p:txBody>
@@ -2239,7 +5480,7 @@
       </p:sp>
       <p:sp>
         <p:nvSpPr>
-          <p:cNvPr id="5" name="Date Placeholder 4"/>
+          <p:cNvPr id="7" name="Date Placeholder 4"/>
           <p:cNvSpPr>
             <a:spLocks noGrp="1"/>
           </p:cNvSpPr>
@@ -2254,7 +5495,7 @@
           <a:p>
             <a:fld id="{EF89BEDD-2D5A-D245-9D2D-27971D6E2DCC}" type="datetimeFigureOut">
               <a:rPr lang="en-US" smtClean="0"/>
-              <a:t>11/17/15</a:t>
+              <a:t>11/28/2015</a:t>
             </a:fld>
             <a:endParaRPr lang="en-US"/>
           </a:p>
@@ -2262,7 +5503,7 @@
       </p:sp>
       <p:sp>
         <p:nvSpPr>
-          <p:cNvPr id="6" name="Footer Placeholder 5"/>
+          <p:cNvPr id="5" name="Footer Placeholder 5"/>
           <p:cNvSpPr>
             <a:spLocks noGrp="1"/>
           </p:cNvSpPr>
@@ -2281,7 +5522,7 @@
       </p:sp>
       <p:sp>
         <p:nvSpPr>
-          <p:cNvPr id="7" name="Slide Number Placeholder 6"/>
+          <p:cNvPr id="6" name="Slide Number Placeholder 6"/>
           <p:cNvSpPr>
             <a:spLocks noGrp="1"/>
           </p:cNvSpPr>
@@ -2305,7 +5546,7 @@
     </p:spTree>
     <p:extLst>
       <p:ext uri="{BB962C8B-B14F-4D97-AF65-F5344CB8AC3E}">
-        <p14:creationId xmlns:p14="http://schemas.microsoft.com/office/powerpoint/2010/main" val="2170708285"/>
+        <p14:creationId xmlns:p14="http://schemas.microsoft.com/office/powerpoint/2010/main" val="3167694721"/>
       </p:ext>
     </p:extLst>
   </p:cSld>
@@ -2344,15 +5585,17 @@
         </p:nvSpPr>
         <p:spPr>
           <a:xfrm>
-            <a:off x="1792288" y="4800600"/>
-            <a:ext cx="5486400" cy="566738"/>
+            <a:off x="865656" y="1854192"/>
+            <a:ext cx="3820674" cy="1574808"/>
           </a:xfrm>
         </p:spPr>
         <p:txBody>
-          <a:bodyPr anchor="b"/>
+          <a:bodyPr anchor="b">
+            <a:normAutofit/>
+          </a:bodyPr>
           <a:lstStyle>
             <a:lvl1pPr algn="l">
-              <a:defRPr sz="2000" b="1"/>
+              <a:defRPr sz="3600" b="0"/>
             </a:lvl1pPr>
           </a:lstStyle>
           <a:p>
@@ -2360,7 +5603,7 @@
               <a:rPr lang="en-US" smtClean="0"/>
               <a:t>Click to edit Master title style</a:t>
             </a:r>
-            <a:endParaRPr lang="en-US"/>
+            <a:endParaRPr lang="en-US" dirty="0"/>
           </a:p>
         </p:txBody>
       </p:sp>
@@ -2368,7 +5611,7 @@
         <p:nvSpPr>
           <p:cNvPr id="3" name="Picture Placeholder 2"/>
           <p:cNvSpPr>
-            <a:spLocks noGrp="1"/>
+            <a:spLocks noGrp="1" noChangeAspect="1"/>
           </p:cNvSpPr>
           <p:nvPr>
             <p:ph type="pic" idx="1"/>
@@ -2376,73 +5619,93 @@
         </p:nvSpPr>
         <p:spPr>
           <a:xfrm>
-            <a:off x="1792288" y="612775"/>
-            <a:ext cx="5486400" cy="4114800"/>
+            <a:off x="5213517" y="1143000"/>
+            <a:ext cx="2400925" cy="4572000"/>
+          </a:xfrm>
+          <a:prstGeom prst="roundRect">
+            <a:avLst>
+              <a:gd name="adj" fmla="val 1858"/>
+            </a:avLst>
+          </a:prstGeom>
+          <a:effectLst>
+            <a:outerShdw blurRad="50800" dist="50800" dir="5400000" algn="tl" rotWithShape="0">
+              <a:srgbClr val="000000">
+                <a:alpha val="43000"/>
+              </a:srgbClr>
+            </a:outerShdw>
+          </a:effectLst>
+        </p:spPr>
+        <p:txBody>
+          <a:bodyPr anchor="t">
+            <a:normAutofit/>
+          </a:bodyPr>
+          <a:lstStyle>
+            <a:lvl1pPr marL="0" indent="0" algn="ctr">
+              <a:buNone/>
+              <a:defRPr sz="1600"/>
+            </a:lvl1pPr>
+            <a:lvl2pPr marL="457200" indent="0">
+              <a:buNone/>
+              <a:defRPr sz="1600"/>
+            </a:lvl2pPr>
+            <a:lvl3pPr marL="914400" indent="0">
+              <a:buNone/>
+              <a:defRPr sz="1600"/>
+            </a:lvl3pPr>
+            <a:lvl4pPr marL="1371600" indent="0">
+              <a:buNone/>
+              <a:defRPr sz="1600"/>
+            </a:lvl4pPr>
+            <a:lvl5pPr marL="1828800" indent="0">
+              <a:buNone/>
+              <a:defRPr sz="1600"/>
+            </a:lvl5pPr>
+            <a:lvl6pPr marL="2286000" indent="0">
+              <a:buNone/>
+              <a:defRPr sz="1600"/>
+            </a:lvl6pPr>
+            <a:lvl7pPr marL="2743200" indent="0">
+              <a:buNone/>
+              <a:defRPr sz="1600"/>
+            </a:lvl7pPr>
+            <a:lvl8pPr marL="3200400" indent="0">
+              <a:buNone/>
+              <a:defRPr sz="1600"/>
+            </a:lvl8pPr>
+            <a:lvl9pPr marL="3657600" indent="0">
+              <a:buNone/>
+              <a:defRPr sz="1600"/>
+            </a:lvl9pPr>
+          </a:lstStyle>
+          <a:p>
+            <a:r>
+              <a:rPr lang="en-US" smtClean="0"/>
+              <a:t>Click icon to add picture</a:t>
+            </a:r>
+            <a:endParaRPr lang="en-US" dirty="0"/>
+          </a:p>
+        </p:txBody>
+      </p:sp>
+      <p:sp>
+        <p:nvSpPr>
+          <p:cNvPr id="4" name="Text Placeholder 3"/>
+          <p:cNvSpPr>
+            <a:spLocks noGrp="1"/>
+          </p:cNvSpPr>
+          <p:nvPr>
+            <p:ph type="body" sz="half" idx="2"/>
+          </p:nvPr>
+        </p:nvSpPr>
+        <p:spPr>
+          <a:xfrm>
+            <a:off x="866441" y="3657600"/>
+            <a:ext cx="3814728" cy="1371600"/>
           </a:xfrm>
         </p:spPr>
         <p:txBody>
-          <a:bodyPr/>
-          <a:lstStyle>
-            <a:lvl1pPr marL="0" indent="0">
-              <a:buNone/>
-              <a:defRPr sz="3200"/>
-            </a:lvl1pPr>
-            <a:lvl2pPr marL="457200" indent="0">
-              <a:buNone/>
-              <a:defRPr sz="2800"/>
-            </a:lvl2pPr>
-            <a:lvl3pPr marL="914400" indent="0">
-              <a:buNone/>
-              <a:defRPr sz="2400"/>
-            </a:lvl3pPr>
-            <a:lvl4pPr marL="1371600" indent="0">
-              <a:buNone/>
-              <a:defRPr sz="2000"/>
-            </a:lvl4pPr>
-            <a:lvl5pPr marL="1828800" indent="0">
-              <a:buNone/>
-              <a:defRPr sz="2000"/>
-            </a:lvl5pPr>
-            <a:lvl6pPr marL="2286000" indent="0">
-              <a:buNone/>
-              <a:defRPr sz="2000"/>
-            </a:lvl6pPr>
-            <a:lvl7pPr marL="2743200" indent="0">
-              <a:buNone/>
-              <a:defRPr sz="2000"/>
-            </a:lvl7pPr>
-            <a:lvl8pPr marL="3200400" indent="0">
-              <a:buNone/>
-              <a:defRPr sz="2000"/>
-            </a:lvl8pPr>
-            <a:lvl9pPr marL="3657600" indent="0">
-              <a:buNone/>
-              <a:defRPr sz="2000"/>
-            </a:lvl9pPr>
-          </a:lstStyle>
-          <a:p>
-            <a:endParaRPr lang="en-US"/>
-          </a:p>
-        </p:txBody>
-      </p:sp>
-      <p:sp>
-        <p:nvSpPr>
-          <p:cNvPr id="4" name="Text Placeholder 3"/>
-          <p:cNvSpPr>
-            <a:spLocks noGrp="1"/>
-          </p:cNvSpPr>
-          <p:nvPr>
-            <p:ph type="body" sz="half" idx="2"/>
-          </p:nvPr>
-        </p:nvSpPr>
-        <p:spPr>
-          <a:xfrm>
-            <a:off x="1792288" y="5367338"/>
-            <a:ext cx="5486400" cy="804862"/>
-          </a:xfrm>
-        </p:spPr>
-        <p:txBody>
-          <a:bodyPr/>
+          <a:bodyPr>
+            <a:normAutofit/>
+          </a:bodyPr>
           <a:lstStyle>
             <a:lvl1pPr marL="0" indent="0">
               <a:buNone/>
@@ -2507,7 +5770,7 @@
           <a:p>
             <a:fld id="{EF89BEDD-2D5A-D245-9D2D-27971D6E2DCC}" type="datetimeFigureOut">
               <a:rPr lang="en-US" smtClean="0"/>
-              <a:t>11/17/15</a:t>
+              <a:t>11/28/2015</a:t>
             </a:fld>
             <a:endParaRPr lang="en-US"/>
           </a:p>
@@ -2558,7 +5821,7 @@
     </p:spTree>
     <p:extLst>
       <p:ext uri="{BB962C8B-B14F-4D97-AF65-F5344CB8AC3E}">
-        <p14:creationId xmlns:p14="http://schemas.microsoft.com/office/powerpoint/2010/main" val="4197850530"/>
+        <p14:creationId xmlns:p14="http://schemas.microsoft.com/office/powerpoint/2010/main" val="2849827835"/>
       </p:ext>
     </p:extLst>
   </p:cSld>
@@ -2572,8 +5835,8 @@
 <p:sldMaster xmlns:a="http://schemas.openxmlformats.org/drawingml/2006/main" xmlns:r="http://schemas.openxmlformats.org/officeDocument/2006/relationships" xmlns:p="http://schemas.openxmlformats.org/presentationml/2006/main">
   <p:cSld>
     <p:bg>
-      <p:bgRef idx="1001">
-        <a:schemeClr val="bg1"/>
+      <p:bgRef idx="1003">
+        <a:schemeClr val="bg2"/>
       </p:bgRef>
     </p:bg>
     <p:spTree>
@@ -2592,26 +5855,377 @@
       </p:grpSpPr>
       <p:sp>
         <p:nvSpPr>
-          <p:cNvPr id="2" name="Title Placeholder 1"/>
-          <p:cNvSpPr>
-            <a:spLocks noGrp="1"/>
-          </p:cNvSpPr>
-          <p:nvPr>
-            <p:ph type="title"/>
-          </p:nvPr>
+          <p:cNvPr id="22" name="Oval 21"/>
+          <p:cNvSpPr/>
+          <p:nvPr/>
         </p:nvSpPr>
         <p:spPr>
           <a:xfrm>
-            <a:off x="457200" y="274638"/>
-            <a:ext cx="8229600" cy="1143000"/>
+            <a:off x="6299432" y="1676400"/>
+            <a:ext cx="2819400" cy="2819400"/>
+          </a:xfrm>
+          <a:prstGeom prst="ellipse">
+            <a:avLst/>
+          </a:prstGeom>
+          <a:gradFill flip="none" rotWithShape="1">
+            <a:gsLst>
+              <a:gs pos="0">
+                <a:schemeClr val="bg2">
+                  <a:lumMod val="60000"/>
+                  <a:lumOff val="40000"/>
+                  <a:alpha val="7000"/>
+                </a:schemeClr>
+              </a:gs>
+              <a:gs pos="69000">
+                <a:schemeClr val="bg2">
+                  <a:lumMod val="60000"/>
+                  <a:lumOff val="40000"/>
+                  <a:alpha val="0"/>
+                </a:schemeClr>
+              </a:gs>
+              <a:gs pos="36000">
+                <a:schemeClr val="bg2">
+                  <a:lumMod val="60000"/>
+                  <a:lumOff val="40000"/>
+                  <a:alpha val="6000"/>
+                </a:schemeClr>
+              </a:gs>
+            </a:gsLst>
+            <a:path path="circle">
+              <a:fillToRect l="50000" t="50000" r="50000" b="50000"/>
+            </a:path>
+            <a:tileRect/>
+          </a:gradFill>
+          <a:ln>
+            <a:noFill/>
+          </a:ln>
+          <a:effectLst/>
+        </p:spPr>
+        <p:style>
+          <a:lnRef idx="1">
+            <a:schemeClr val="accent1"/>
+          </a:lnRef>
+          <a:fillRef idx="3">
+            <a:schemeClr val="accent1"/>
+          </a:fillRef>
+          <a:effectRef idx="2">
+            <a:schemeClr val="accent1"/>
+          </a:effectRef>
+          <a:fontRef idx="minor">
+            <a:schemeClr val="lt1"/>
+          </a:fontRef>
+        </p:style>
+      </p:sp>
+      <p:sp>
+        <p:nvSpPr>
+          <p:cNvPr id="23" name="Oval 22"/>
+          <p:cNvSpPr/>
+          <p:nvPr/>
+        </p:nvSpPr>
+        <p:spPr>
+          <a:xfrm>
+            <a:off x="5689832" y="-457200"/>
+            <a:ext cx="1600200" cy="1600200"/>
+          </a:xfrm>
+          <a:prstGeom prst="ellipse">
+            <a:avLst/>
+          </a:prstGeom>
+          <a:gradFill flip="none" rotWithShape="1">
+            <a:gsLst>
+              <a:gs pos="0">
+                <a:schemeClr val="bg2">
+                  <a:lumMod val="60000"/>
+                  <a:lumOff val="40000"/>
+                  <a:alpha val="14000"/>
+                </a:schemeClr>
+              </a:gs>
+              <a:gs pos="73000">
+                <a:schemeClr val="bg2">
+                  <a:lumMod val="60000"/>
+                  <a:lumOff val="40000"/>
+                  <a:alpha val="0"/>
+                </a:schemeClr>
+              </a:gs>
+              <a:gs pos="36000">
+                <a:schemeClr val="bg2">
+                  <a:lumMod val="60000"/>
+                  <a:lumOff val="40000"/>
+                  <a:alpha val="7000"/>
+                </a:schemeClr>
+              </a:gs>
+            </a:gsLst>
+            <a:path path="circle">
+              <a:fillToRect l="50000" t="50000" r="50000" b="50000"/>
+            </a:path>
+            <a:tileRect/>
+          </a:gradFill>
+          <a:ln>
+            <a:noFill/>
+          </a:ln>
+          <a:effectLst/>
+        </p:spPr>
+        <p:style>
+          <a:lnRef idx="1">
+            <a:schemeClr val="accent1"/>
+          </a:lnRef>
+          <a:fillRef idx="3">
+            <a:schemeClr val="accent1"/>
+          </a:fillRef>
+          <a:effectRef idx="2">
+            <a:schemeClr val="accent1"/>
+          </a:effectRef>
+          <a:fontRef idx="minor">
+            <a:schemeClr val="lt1"/>
+          </a:fontRef>
+        </p:style>
+      </p:sp>
+      <p:sp>
+        <p:nvSpPr>
+          <p:cNvPr id="24" name="Oval 23"/>
+          <p:cNvSpPr/>
+          <p:nvPr/>
+        </p:nvSpPr>
+        <p:spPr>
+          <a:xfrm>
+            <a:off x="6299432" y="6096000"/>
+            <a:ext cx="990600" cy="990600"/>
+          </a:xfrm>
+          <a:prstGeom prst="ellipse">
+            <a:avLst/>
+          </a:prstGeom>
+          <a:gradFill flip="none" rotWithShape="1">
+            <a:gsLst>
+              <a:gs pos="0">
+                <a:schemeClr val="bg2">
+                  <a:lumMod val="60000"/>
+                  <a:lumOff val="40000"/>
+                  <a:alpha val="9000"/>
+                </a:schemeClr>
+              </a:gs>
+              <a:gs pos="66000">
+                <a:schemeClr val="bg2">
+                  <a:lumMod val="60000"/>
+                  <a:lumOff val="40000"/>
+                  <a:alpha val="0"/>
+                </a:schemeClr>
+              </a:gs>
+              <a:gs pos="36000">
+                <a:schemeClr val="bg2">
+                  <a:lumMod val="60000"/>
+                  <a:lumOff val="40000"/>
+                  <a:alpha val="5000"/>
+                </a:schemeClr>
+              </a:gs>
+            </a:gsLst>
+            <a:path path="circle">
+              <a:fillToRect l="50000" t="50000" r="50000" b="50000"/>
+            </a:path>
+            <a:tileRect/>
+          </a:gradFill>
+          <a:ln>
+            <a:noFill/>
+          </a:ln>
+          <a:effectLst/>
+        </p:spPr>
+        <p:style>
+          <a:lnRef idx="1">
+            <a:schemeClr val="accent1"/>
+          </a:lnRef>
+          <a:fillRef idx="3">
+            <a:schemeClr val="accent1"/>
+          </a:fillRef>
+          <a:effectRef idx="2">
+            <a:schemeClr val="accent1"/>
+          </a:effectRef>
+          <a:fontRef idx="minor">
+            <a:schemeClr val="lt1"/>
+          </a:fontRef>
+        </p:style>
+      </p:sp>
+      <p:sp>
+        <p:nvSpPr>
+          <p:cNvPr id="20" name="Oval 19"/>
+          <p:cNvSpPr/>
+          <p:nvPr/>
+        </p:nvSpPr>
+        <p:spPr>
+          <a:xfrm>
+            <a:off x="-153988" y="2667000"/>
+            <a:ext cx="4191000" cy="4191000"/>
+          </a:xfrm>
+          <a:prstGeom prst="ellipse">
+            <a:avLst/>
+          </a:prstGeom>
+          <a:gradFill flip="none" rotWithShape="1">
+            <a:gsLst>
+              <a:gs pos="0">
+                <a:schemeClr val="bg2">
+                  <a:lumMod val="60000"/>
+                  <a:lumOff val="40000"/>
+                  <a:alpha val="11000"/>
+                </a:schemeClr>
+              </a:gs>
+              <a:gs pos="75000">
+                <a:schemeClr val="bg2">
+                  <a:lumMod val="60000"/>
+                  <a:lumOff val="40000"/>
+                  <a:alpha val="0"/>
+                </a:schemeClr>
+              </a:gs>
+              <a:gs pos="36000">
+                <a:schemeClr val="bg2">
+                  <a:lumMod val="60000"/>
+                  <a:lumOff val="40000"/>
+                  <a:alpha val="10000"/>
+                </a:schemeClr>
+              </a:gs>
+            </a:gsLst>
+            <a:path path="circle">
+              <a:fillToRect l="50000" t="50000" r="50000" b="50000"/>
+            </a:path>
+            <a:tileRect/>
+          </a:gradFill>
+          <a:ln>
+            <a:noFill/>
+          </a:ln>
+          <a:effectLst/>
+        </p:spPr>
+        <p:style>
+          <a:lnRef idx="1">
+            <a:schemeClr val="accent1"/>
+          </a:lnRef>
+          <a:fillRef idx="3">
+            <a:schemeClr val="accent1"/>
+          </a:fillRef>
+          <a:effectRef idx="2">
+            <a:schemeClr val="accent1"/>
+          </a:effectRef>
+          <a:fontRef idx="minor">
+            <a:schemeClr val="lt1"/>
+          </a:fontRef>
+        </p:style>
+      </p:sp>
+      <p:sp>
+        <p:nvSpPr>
+          <p:cNvPr id="21" name="Oval 20"/>
+          <p:cNvSpPr/>
+          <p:nvPr/>
+        </p:nvSpPr>
+        <p:spPr>
+          <a:xfrm>
+            <a:off x="-839788" y="2895600"/>
+            <a:ext cx="2362200" cy="2362200"/>
+          </a:xfrm>
+          <a:prstGeom prst="ellipse">
+            <a:avLst/>
+          </a:prstGeom>
+          <a:gradFill flip="none" rotWithShape="1">
+            <a:gsLst>
+              <a:gs pos="0">
+                <a:schemeClr val="bg2">
+                  <a:lumMod val="60000"/>
+                  <a:lumOff val="40000"/>
+                  <a:alpha val="8000"/>
+                </a:schemeClr>
+              </a:gs>
+              <a:gs pos="72000">
+                <a:schemeClr val="bg2">
+                  <a:lumMod val="60000"/>
+                  <a:lumOff val="40000"/>
+                  <a:alpha val="0"/>
+                </a:schemeClr>
+              </a:gs>
+              <a:gs pos="36000">
+                <a:schemeClr val="bg2">
+                  <a:lumMod val="60000"/>
+                  <a:lumOff val="40000"/>
+                  <a:alpha val="8000"/>
+                </a:schemeClr>
+              </a:gs>
+            </a:gsLst>
+            <a:path path="circle">
+              <a:fillToRect l="50000" t="50000" r="50000" b="50000"/>
+            </a:path>
+            <a:tileRect/>
+          </a:gradFill>
+          <a:ln>
+            <a:noFill/>
+          </a:ln>
+          <a:effectLst/>
+        </p:spPr>
+        <p:style>
+          <a:lnRef idx="1">
+            <a:schemeClr val="accent1"/>
+          </a:lnRef>
+          <a:fillRef idx="3">
+            <a:schemeClr val="accent1"/>
+          </a:fillRef>
+          <a:effectRef idx="2">
+            <a:schemeClr val="accent1"/>
+          </a:effectRef>
+          <a:fontRef idx="minor">
+            <a:schemeClr val="lt1"/>
+          </a:fontRef>
+        </p:style>
+      </p:sp>
+      <p:sp>
+        <p:nvSpPr>
+          <p:cNvPr id="19" name="Rectangle 18"/>
+          <p:cNvSpPr/>
+          <p:nvPr/>
+        </p:nvSpPr>
+        <p:spPr>
+          <a:xfrm>
+            <a:off x="7745644" y="0"/>
+            <a:ext cx="685800" cy="1099458"/>
+          </a:xfrm>
+          <a:prstGeom prst="rect">
+            <a:avLst/>
+          </a:prstGeom>
+          <a:solidFill>
+            <a:schemeClr val="accent1"/>
+          </a:solidFill>
+          <a:ln>
+            <a:noFill/>
+          </a:ln>
+        </p:spPr>
+        <p:style>
+          <a:lnRef idx="1">
+            <a:schemeClr val="accent1"/>
+          </a:lnRef>
+          <a:fillRef idx="3">
+            <a:schemeClr val="accent1"/>
+          </a:fillRef>
+          <a:effectRef idx="2">
+            <a:schemeClr val="accent1"/>
+          </a:effectRef>
+          <a:fontRef idx="minor">
+            <a:schemeClr val="lt1"/>
+          </a:fontRef>
+        </p:style>
+      </p:sp>
+      <p:sp>
+        <p:nvSpPr>
+          <p:cNvPr id="2" name="Title Placeholder 1"/>
+          <p:cNvSpPr>
+            <a:spLocks noGrp="1"/>
+          </p:cNvSpPr>
+          <p:nvPr>
+            <p:ph type="title"/>
+          </p:nvPr>
+        </p:nvSpPr>
+        <p:spPr>
+          <a:xfrm>
+            <a:off x="484710" y="452718"/>
+            <a:ext cx="7055380" cy="1400530"/>
           </a:xfrm>
           <a:prstGeom prst="rect">
             <a:avLst/>
           </a:prstGeom>
         </p:spPr>
         <p:txBody>
-          <a:bodyPr vert="horz" lIns="91440" tIns="45720" rIns="91440" bIns="45720" rtlCol="0" anchor="ctr">
-            <a:normAutofit/>
+          <a:bodyPr vert="horz" lIns="91440" tIns="45720" rIns="91440" bIns="45720" rtlCol="0" anchor="t">
+            <a:noAutofit/>
           </a:bodyPr>
           <a:lstStyle/>
           <a:p>
@@ -2619,7 +6233,7 @@
               <a:rPr lang="en-US" smtClean="0"/>
               <a:t>Click to edit Master title style</a:t>
             </a:r>
-            <a:endParaRPr lang="en-US"/>
+            <a:endParaRPr lang="en-US" dirty="0"/>
           </a:p>
         </p:txBody>
       </p:sp>
@@ -2635,8 +6249,8 @@
         </p:nvSpPr>
         <p:spPr>
           <a:xfrm>
-            <a:off x="457200" y="1600200"/>
-            <a:ext cx="8229600" cy="4525963"/>
+            <a:off x="827700" y="2052925"/>
+            <a:ext cx="6711654" cy="4195481"/>
           </a:xfrm>
           <a:prstGeom prst="rect">
             <a:avLst/>
@@ -2681,7 +6295,7 @@
               <a:rPr lang="en-US" smtClean="0"/>
               <a:t>Fifth level</a:t>
             </a:r>
-            <a:endParaRPr lang="en-US"/>
+            <a:endParaRPr lang="en-US" dirty="0"/>
           </a:p>
         </p:txBody>
       </p:sp>
@@ -2696,19 +6310,99 @@
           </p:nvPr>
         </p:nvSpPr>
         <p:spPr>
-          <a:xfrm>
-            <a:off x="457200" y="6356350"/>
-            <a:ext cx="2133600" cy="365125"/>
+          <a:xfrm rot="5400000">
+            <a:off x="7494989" y="1828771"/>
+            <a:ext cx="990599" cy="228659"/>
           </a:xfrm>
           <a:prstGeom prst="rect">
             <a:avLst/>
           </a:prstGeom>
         </p:spPr>
         <p:txBody>
-          <a:bodyPr vert="horz" lIns="91440" tIns="45720" rIns="91440" bIns="45720" rtlCol="0" anchor="ctr"/>
+          <a:bodyPr vert="horz" lIns="91440" tIns="45720" rIns="91440" bIns="45720" rtlCol="0" anchor="t"/>
           <a:lstStyle>
             <a:lvl1pPr algn="l">
-              <a:defRPr sz="1200">
+              <a:defRPr sz="1100" b="0" i="0">
+                <a:solidFill>
+                  <a:schemeClr val="tx1">
+                    <a:tint val="75000"/>
+                    <a:alpha val="60000"/>
+                  </a:schemeClr>
+                </a:solidFill>
+              </a:defRPr>
+            </a:lvl1pPr>
+          </a:lstStyle>
+          <a:p>
+            <a:fld id="{EF89BEDD-2D5A-D245-9D2D-27971D6E2DCC}" type="datetimeFigureOut">
+              <a:rPr lang="en-US" smtClean="0"/>
+              <a:t>11/28/2015</a:t>
+            </a:fld>
+            <a:endParaRPr lang="en-US"/>
+          </a:p>
+        </p:txBody>
+      </p:sp>
+      <p:sp>
+        <p:nvSpPr>
+          <p:cNvPr id="5" name="Footer Placeholder 4"/>
+          <p:cNvSpPr>
+            <a:spLocks noGrp="1"/>
+          </p:cNvSpPr>
+          <p:nvPr>
+            <p:ph type="ftr" sz="quarter" idx="3"/>
+          </p:nvPr>
+        </p:nvSpPr>
+        <p:spPr>
+          <a:xfrm rot="5400000">
+            <a:off x="6233335" y="3263371"/>
+            <a:ext cx="3859795" cy="228660"/>
+          </a:xfrm>
+          <a:prstGeom prst="rect">
+            <a:avLst/>
+          </a:prstGeom>
+        </p:spPr>
+        <p:txBody>
+          <a:bodyPr vert="horz" lIns="91440" tIns="45720" rIns="91440" bIns="45720" rtlCol="0" anchor="b"/>
+          <a:lstStyle>
+            <a:lvl1pPr algn="l">
+              <a:defRPr sz="1100" b="0" i="0">
+                <a:solidFill>
+                  <a:schemeClr val="tx1">
+                    <a:tint val="75000"/>
+                    <a:alpha val="60000"/>
+                  </a:schemeClr>
+                </a:solidFill>
+              </a:defRPr>
+            </a:lvl1pPr>
+          </a:lstStyle>
+          <a:p>
+            <a:endParaRPr lang="en-US"/>
+          </a:p>
+        </p:txBody>
+      </p:sp>
+      <p:sp>
+        <p:nvSpPr>
+          <p:cNvPr id="6" name="Slide Number Placeholder 5"/>
+          <p:cNvSpPr>
+            <a:spLocks noGrp="1"/>
+          </p:cNvSpPr>
+          <p:nvPr>
+            <p:ph type="sldNum" sz="quarter" idx="4"/>
+          </p:nvPr>
+        </p:nvSpPr>
+        <p:spPr bwMode="gray">
+          <a:xfrm>
+            <a:off x="7766431" y="295736"/>
+            <a:ext cx="628813" cy="767687"/>
+          </a:xfrm>
+          <a:prstGeom prst="rect">
+            <a:avLst/>
+          </a:prstGeom>
+        </p:spPr>
+        <p:txBody>
+          <a:bodyPr vert="horz" lIns="91440" tIns="45720" rIns="91440" bIns="45720" rtlCol="0" anchor="b"/>
+          <a:lstStyle>
+            <a:lvl1pPr algn="ctr">
+              <a:defRPr sz="2801" b="0" i="0">
                 <a:solidFill>
                   <a:schemeClr val="tx1">
                     <a:tint val="75000"/>
@@ -2718,84 +6412,6 @@
             </a:lvl1pPr>
           </a:lstStyle>
           <a:p>
-            <a:fld id="{EF89BEDD-2D5A-D245-9D2D-27971D6E2DCC}" type="datetimeFigureOut">
-              <a:rPr lang="en-US" smtClean="0"/>
-              <a:t>11/17/15</a:t>
-            </a:fld>
-            <a:endParaRPr lang="en-US"/>
-          </a:p>
-        </p:txBody>
-      </p:sp>
-      <p:sp>
-        <p:nvSpPr>
-          <p:cNvPr id="5" name="Footer Placeholder 4"/>
-          <p:cNvSpPr>
-            <a:spLocks noGrp="1"/>
-          </p:cNvSpPr>
-          <p:nvPr>
-            <p:ph type="ftr" sz="quarter" idx="3"/>
-          </p:nvPr>
-        </p:nvSpPr>
-        <p:spPr>
-          <a:xfrm>
-            <a:off x="3124200" y="6356350"/>
-            <a:ext cx="2895600" cy="365125"/>
-          </a:xfrm>
-          <a:prstGeom prst="rect">
-            <a:avLst/>
-          </a:prstGeom>
-        </p:spPr>
-        <p:txBody>
-          <a:bodyPr vert="horz" lIns="91440" tIns="45720" rIns="91440" bIns="45720" rtlCol="0" anchor="ctr"/>
-          <a:lstStyle>
-            <a:lvl1pPr algn="ctr">
-              <a:defRPr sz="1200">
-                <a:solidFill>
-                  <a:schemeClr val="tx1">
-                    <a:tint val="75000"/>
-                  </a:schemeClr>
-                </a:solidFill>
-              </a:defRPr>
-            </a:lvl1pPr>
-          </a:lstStyle>
-          <a:p>
-            <a:endParaRPr lang="en-US"/>
-          </a:p>
-        </p:txBody>
-      </p:sp>
-      <p:sp>
-        <p:nvSpPr>
-          <p:cNvPr id="6" name="Slide Number Placeholder 5"/>
-          <p:cNvSpPr>
-            <a:spLocks noGrp="1"/>
-          </p:cNvSpPr>
-          <p:nvPr>
-            <p:ph type="sldNum" sz="quarter" idx="4"/>
-          </p:nvPr>
-        </p:nvSpPr>
-        <p:spPr>
-          <a:xfrm>
-            <a:off x="6553200" y="6356350"/>
-            <a:ext cx="2133600" cy="365125"/>
-          </a:xfrm>
-          <a:prstGeom prst="rect">
-            <a:avLst/>
-          </a:prstGeom>
-        </p:spPr>
-        <p:txBody>
-          <a:bodyPr vert="horz" lIns="91440" tIns="45720" rIns="91440" bIns="45720" rtlCol="0" anchor="ctr"/>
-          <a:lstStyle>
-            <a:lvl1pPr algn="r">
-              <a:defRPr sz="1200">
-                <a:solidFill>
-                  <a:schemeClr val="tx1">
-                    <a:tint val="75000"/>
-                  </a:schemeClr>
-                </a:solidFill>
-              </a:defRPr>
-            </a:lvl1pPr>
-          </a:lstStyle>
-          <a:p>
             <a:fld id="{61EB50FC-B6D2-1D41-8D3F-0A1769244F33}" type="slidenum">
               <a:rPr lang="en-US" smtClean="0"/>
               <a:t>‹#›</a:t>
@@ -2807,32 +6423,121 @@
     </p:spTree>
     <p:extLst>
       <p:ext uri="{BB962C8B-B14F-4D97-AF65-F5344CB8AC3E}">
-        <p14:creationId xmlns:p14="http://schemas.microsoft.com/office/powerpoint/2010/main" val="3078518463"/>
+        <p14:creationId xmlns:p14="http://schemas.microsoft.com/office/powerpoint/2010/main" val="1734967608"/>
       </p:ext>
     </p:extLst>
   </p:cSld>
-  <p:clrMap bg1="lt1" tx1="dk1" bg2="lt2" tx2="dk2" accent1="accent1" accent2="accent2" accent3="accent3" accent4="accent4" accent5="accent5" accent6="accent6" hlink="hlink" folHlink="folHlink"/>
+  <p:clrMap bg1="dk1" tx1="lt1" bg2="dk2" tx2="lt2" accent1="accent1" accent2="accent2" accent3="accent3" accent4="accent4" accent5="accent5" accent6="accent6" hlink="hlink" folHlink="folHlink"/>
   <p:sldLayoutIdLst>
-    <p:sldLayoutId id="2147483649" r:id="rId1"/>
-    <p:sldLayoutId id="2147483650" r:id="rId2"/>
-    <p:sldLayoutId id="2147483651" r:id="rId3"/>
-    <p:sldLayoutId id="2147483652" r:id="rId4"/>
-    <p:sldLayoutId id="2147483653" r:id="rId5"/>
-    <p:sldLayoutId id="2147483654" r:id="rId6"/>
-    <p:sldLayoutId id="2147483655" r:id="rId7"/>
-    <p:sldLayoutId id="2147483656" r:id="rId8"/>
-    <p:sldLayoutId id="2147483657" r:id="rId9"/>
-    <p:sldLayoutId id="2147483658" r:id="rId10"/>
-    <p:sldLayoutId id="2147483659" r:id="rId11"/>
+    <p:sldLayoutId id="2147483661" r:id="rId1"/>
+    <p:sldLayoutId id="2147483662" r:id="rId2"/>
+    <p:sldLayoutId id="2147483663" r:id="rId3"/>
+    <p:sldLayoutId id="2147483664" r:id="rId4"/>
+    <p:sldLayoutId id="2147483665" r:id="rId5"/>
+    <p:sldLayoutId id="2147483666" r:id="rId6"/>
+    <p:sldLayoutId id="2147483667" r:id="rId7"/>
+    <p:sldLayoutId id="2147483668" r:id="rId8"/>
+    <p:sldLayoutId id="2147483669" r:id="rId9"/>
+    <p:sldLayoutId id="2147483670" r:id="rId10"/>
+    <p:sldLayoutId id="2147483671" r:id="rId11"/>
+    <p:sldLayoutId id="2147483672" r:id="rId12"/>
+    <p:sldLayoutId id="2147483673" r:id="rId13"/>
+    <p:sldLayoutId id="2147483674" r:id="rId14"/>
+    <p:sldLayoutId id="2147483675" r:id="rId15"/>
+    <p:sldLayoutId id="2147483676" r:id="rId16"/>
+    <p:sldLayoutId id="2147483677" r:id="rId17"/>
   </p:sldLayoutIdLst>
   <p:txStyles>
     <p:titleStyle>
-      <a:lvl1pPr algn="ctr" defTabSz="457200" rtl="0" eaLnBrk="1" latinLnBrk="0" hangingPunct="1">
+      <a:lvl1pPr algn="l" defTabSz="457207" rtl="0" eaLnBrk="1" latinLnBrk="0" hangingPunct="1">
         <a:spcBef>
           <a:spcPct val="0"/>
         </a:spcBef>
         <a:buNone/>
-        <a:defRPr sz="4400" kern="1200">
+        <a:defRPr sz="4200" b="0" i="0" kern="1200">
+          <a:solidFill>
+            <a:schemeClr val="tx2"/>
+          </a:solidFill>
+          <a:latin typeface="+mj-lt"/>
+          <a:ea typeface="+mj-ea"/>
+          <a:cs typeface="+mj-cs"/>
+        </a:defRPr>
+      </a:lvl1pPr>
+      <a:lvl2pPr eaLnBrk="1" hangingPunct="1">
+        <a:defRPr>
+          <a:solidFill>
+            <a:schemeClr val="tx2"/>
+          </a:solidFill>
+        </a:defRPr>
+      </a:lvl2pPr>
+      <a:lvl3pPr eaLnBrk="1" hangingPunct="1">
+        <a:defRPr>
+          <a:solidFill>
+            <a:schemeClr val="tx2"/>
+          </a:solidFill>
+        </a:defRPr>
+      </a:lvl3pPr>
+      <a:lvl4pPr eaLnBrk="1" hangingPunct="1">
+        <a:defRPr>
+          <a:solidFill>
+            <a:schemeClr val="tx2"/>
+          </a:solidFill>
+        </a:defRPr>
+      </a:lvl4pPr>
+      <a:lvl5pPr eaLnBrk="1" hangingPunct="1">
+        <a:defRPr>
+          <a:solidFill>
+            <a:schemeClr val="tx2"/>
+          </a:solidFill>
+        </a:defRPr>
+      </a:lvl5pPr>
+      <a:lvl6pPr eaLnBrk="1" hangingPunct="1">
+        <a:defRPr>
+          <a:solidFill>
+            <a:schemeClr val="tx2"/>
+          </a:solidFill>
+        </a:defRPr>
+      </a:lvl6pPr>
+      <a:lvl7pPr eaLnBrk="1" hangingPunct="1">
+        <a:defRPr>
+          <a:solidFill>
+            <a:schemeClr val="tx2"/>
+          </a:solidFill>
+        </a:defRPr>
+      </a:lvl7pPr>
+      <a:lvl8pPr eaLnBrk="1" hangingPunct="1">
+        <a:defRPr>
+          <a:solidFill>
+            <a:schemeClr val="tx2"/>
+          </a:solidFill>
+        </a:defRPr>
+      </a:lvl8pPr>
+      <a:lvl9pPr eaLnBrk="1" hangingPunct="1">
+        <a:defRPr>
+          <a:solidFill>
+            <a:schemeClr val="tx2"/>
+          </a:solidFill>
+        </a:defRPr>
+      </a:lvl9pPr>
+    </p:titleStyle>
+    <p:bodyStyle>
+      <a:lvl1pPr marL="342906" indent="-342906" algn="l" defTabSz="457207" rtl="0" eaLnBrk="1" latinLnBrk="0" hangingPunct="1">
+        <a:spcBef>
+          <a:spcPts val="1000"/>
+        </a:spcBef>
+        <a:spcAft>
+          <a:spcPts val="0"/>
+        </a:spcAft>
+        <a:buClr>
+          <a:schemeClr val="bg2">
+            <a:lumMod val="40000"/>
+            <a:lumOff val="60000"/>
+          </a:schemeClr>
+        </a:buClr>
+        <a:buSzPct val="80000"/>
+        <a:buFont typeface="Wingdings 3" charset="2"/>
+        <a:buChar char=""/>
+        <a:defRPr sz="2000" b="0" i="0" kern="1200">
           <a:solidFill>
             <a:schemeClr val="tx1"/>
           </a:solidFill>
@@ -2841,141 +6546,204 @@
           <a:cs typeface="+mj-cs"/>
         </a:defRPr>
       </a:lvl1pPr>
-    </p:titleStyle>
-    <p:bodyStyle>
-      <a:lvl1pPr marL="342900" indent="-342900" algn="l" defTabSz="457200" rtl="0" eaLnBrk="1" latinLnBrk="0" hangingPunct="1">
+      <a:lvl2pPr marL="742962" indent="-285755" algn="l" defTabSz="457207" rtl="0" eaLnBrk="1" latinLnBrk="0" hangingPunct="1">
         <a:spcBef>
-          <a:spcPct val="20000"/>
+          <a:spcPts val="1000"/>
         </a:spcBef>
-        <a:buFont typeface="Arial"/>
-        <a:buChar char="•"/>
-        <a:defRPr sz="3200" kern="1200">
+        <a:spcAft>
+          <a:spcPts val="0"/>
+        </a:spcAft>
+        <a:buClr>
+          <a:schemeClr val="bg2">
+            <a:lumMod val="40000"/>
+            <a:lumOff val="60000"/>
+          </a:schemeClr>
+        </a:buClr>
+        <a:buSzPct val="80000"/>
+        <a:buFont typeface="Wingdings 3" charset="2"/>
+        <a:buChar char=""/>
+        <a:defRPr sz="1800" b="0" i="0" kern="1200">
           <a:solidFill>
             <a:schemeClr val="tx1"/>
           </a:solidFill>
-          <a:latin typeface="+mn-lt"/>
-          <a:ea typeface="+mn-ea"/>
-          <a:cs typeface="+mn-cs"/>
+          <a:latin typeface="+mj-lt"/>
+          <a:ea typeface="+mj-ea"/>
+          <a:cs typeface="+mj-cs"/>
         </a:defRPr>
-      </a:lvl1pPr>
-      <a:lvl2pPr marL="742950" indent="-285750" algn="l" defTabSz="457200" rtl="0" eaLnBrk="1" latinLnBrk="0" hangingPunct="1">
+      </a:lvl2pPr>
+      <a:lvl3pPr marL="1143020" indent="-228604" algn="l" defTabSz="457207" rtl="0" eaLnBrk="1" latinLnBrk="0" hangingPunct="1">
         <a:spcBef>
-          <a:spcPct val="20000"/>
+          <a:spcPts val="1000"/>
         </a:spcBef>
-        <a:buFont typeface="Arial"/>
-        <a:buChar char="–"/>
-        <a:defRPr sz="2800" kern="1200">
+        <a:spcAft>
+          <a:spcPts val="0"/>
+        </a:spcAft>
+        <a:buClr>
+          <a:schemeClr val="bg2">
+            <a:lumMod val="40000"/>
+            <a:lumOff val="60000"/>
+          </a:schemeClr>
+        </a:buClr>
+        <a:buSzPct val="80000"/>
+        <a:buFont typeface="Wingdings 3" charset="2"/>
+        <a:buChar char=""/>
+        <a:defRPr sz="1600" b="0" i="0" kern="1200">
           <a:solidFill>
             <a:schemeClr val="tx1"/>
           </a:solidFill>
-          <a:latin typeface="+mn-lt"/>
-          <a:ea typeface="+mn-ea"/>
-          <a:cs typeface="+mn-cs"/>
+          <a:latin typeface="+mj-lt"/>
+          <a:ea typeface="+mj-ea"/>
+          <a:cs typeface="+mj-cs"/>
         </a:defRPr>
-      </a:lvl2pPr>
-      <a:lvl3pPr marL="1143000" indent="-228600" algn="l" defTabSz="457200" rtl="0" eaLnBrk="1" latinLnBrk="0" hangingPunct="1">
+      </a:lvl3pPr>
+      <a:lvl4pPr marL="1600227" indent="-228604" algn="l" defTabSz="457207" rtl="0" eaLnBrk="1" latinLnBrk="0" hangingPunct="1">
         <a:spcBef>
-          <a:spcPct val="20000"/>
+          <a:spcPts val="1000"/>
         </a:spcBef>
-        <a:buFont typeface="Arial"/>
-        <a:buChar char="•"/>
-        <a:defRPr sz="2400" kern="1200">
+        <a:spcAft>
+          <a:spcPts val="0"/>
+        </a:spcAft>
+        <a:buClr>
+          <a:schemeClr val="bg2">
+            <a:lumMod val="40000"/>
+            <a:lumOff val="60000"/>
+          </a:schemeClr>
+        </a:buClr>
+        <a:buSzPct val="80000"/>
+        <a:buFont typeface="Wingdings 3" charset="2"/>
+        <a:buChar char=""/>
+        <a:defRPr sz="1400" b="0" i="0" kern="1200">
           <a:solidFill>
             <a:schemeClr val="tx1"/>
           </a:solidFill>
-          <a:latin typeface="+mn-lt"/>
-          <a:ea typeface="+mn-ea"/>
-          <a:cs typeface="+mn-cs"/>
+          <a:latin typeface="+mj-lt"/>
+          <a:ea typeface="+mj-ea"/>
+          <a:cs typeface="+mj-cs"/>
         </a:defRPr>
-      </a:lvl3pPr>
-      <a:lvl4pPr marL="1600200" indent="-228600" algn="l" defTabSz="457200" rtl="0" eaLnBrk="1" latinLnBrk="0" hangingPunct="1">
+      </a:lvl4pPr>
+      <a:lvl5pPr marL="2057434" indent="-228604" algn="l" defTabSz="457207" rtl="0" eaLnBrk="1" latinLnBrk="0" hangingPunct="1">
         <a:spcBef>
-          <a:spcPct val="20000"/>
+          <a:spcPts val="1000"/>
         </a:spcBef>
-        <a:buFont typeface="Arial"/>
-        <a:buChar char="–"/>
-        <a:defRPr sz="2000" kern="1200">
+        <a:spcAft>
+          <a:spcPts val="0"/>
+        </a:spcAft>
+        <a:buClr>
+          <a:schemeClr val="bg2">
+            <a:lumMod val="40000"/>
+            <a:lumOff val="60000"/>
+          </a:schemeClr>
+        </a:buClr>
+        <a:buSzPct val="80000"/>
+        <a:buFont typeface="Wingdings 3" charset="2"/>
+        <a:buChar char=""/>
+        <a:defRPr sz="1400" b="0" i="0" kern="1200">
           <a:solidFill>
             <a:schemeClr val="tx1"/>
           </a:solidFill>
-          <a:latin typeface="+mn-lt"/>
-          <a:ea typeface="+mn-ea"/>
-          <a:cs typeface="+mn-cs"/>
+          <a:latin typeface="+mj-lt"/>
+          <a:ea typeface="+mj-ea"/>
+          <a:cs typeface="+mj-cs"/>
         </a:defRPr>
-      </a:lvl4pPr>
-      <a:lvl5pPr marL="2057400" indent="-228600" algn="l" defTabSz="457200" rtl="0" eaLnBrk="1" latinLnBrk="0" hangingPunct="1">
+      </a:lvl5pPr>
+      <a:lvl6pPr marL="2514642" indent="-228604" algn="l" defTabSz="457207" rtl="0" eaLnBrk="1" latinLnBrk="0" hangingPunct="1">
         <a:spcBef>
-          <a:spcPct val="20000"/>
+          <a:spcPts val="1000"/>
         </a:spcBef>
-        <a:buFont typeface="Arial"/>
-        <a:buChar char="»"/>
-        <a:defRPr sz="2000" kern="1200">
+        <a:spcAft>
+          <a:spcPts val="0"/>
+        </a:spcAft>
+        <a:buClr>
+          <a:schemeClr val="bg2">
+            <a:lumMod val="40000"/>
+            <a:lumOff val="60000"/>
+          </a:schemeClr>
+        </a:buClr>
+        <a:buSzPct val="80000"/>
+        <a:buFont typeface="Wingdings 3" charset="2"/>
+        <a:buChar char=""/>
+        <a:defRPr sz="1400" b="0" i="0" kern="1200">
           <a:solidFill>
             <a:schemeClr val="tx1"/>
           </a:solidFill>
-          <a:latin typeface="+mn-lt"/>
-          <a:ea typeface="+mn-ea"/>
-          <a:cs typeface="+mn-cs"/>
+          <a:latin typeface="+mj-lt"/>
+          <a:ea typeface="+mj-ea"/>
+          <a:cs typeface="+mj-cs"/>
         </a:defRPr>
-      </a:lvl5pPr>
-      <a:lvl6pPr marL="2514600" indent="-228600" algn="l" defTabSz="457200" rtl="0" eaLnBrk="1" latinLnBrk="0" hangingPunct="1">
+      </a:lvl6pPr>
+      <a:lvl7pPr marL="2971849" indent="-228604" algn="l" defTabSz="457207" rtl="0" eaLnBrk="1" latinLnBrk="0" hangingPunct="1">
         <a:spcBef>
-          <a:spcPct val="20000"/>
+          <a:spcPts val="1000"/>
         </a:spcBef>
-        <a:buFont typeface="Arial"/>
-        <a:buChar char="•"/>
-        <a:defRPr sz="2000" kern="1200">
+        <a:spcAft>
+          <a:spcPts val="0"/>
+        </a:spcAft>
+        <a:buClr>
+          <a:schemeClr val="bg2">
+            <a:lumMod val="40000"/>
+            <a:lumOff val="60000"/>
+          </a:schemeClr>
+        </a:buClr>
+        <a:buSzPct val="80000"/>
+        <a:buFont typeface="Wingdings 3" charset="2"/>
+        <a:buChar char=""/>
+        <a:defRPr sz="1400" b="0" i="0" kern="1200">
           <a:solidFill>
             <a:schemeClr val="tx1"/>
           </a:solidFill>
-          <a:latin typeface="+mn-lt"/>
-          <a:ea typeface="+mn-ea"/>
-          <a:cs typeface="+mn-cs"/>
+          <a:latin typeface="+mj-lt"/>
+          <a:ea typeface="+mj-ea"/>
+          <a:cs typeface="+mj-cs"/>
         </a:defRPr>
-      </a:lvl6pPr>
-      <a:lvl7pPr marL="2971800" indent="-228600" algn="l" defTabSz="457200" rtl="0" eaLnBrk="1" latinLnBrk="0" hangingPunct="1">
+      </a:lvl7pPr>
+      <a:lvl8pPr marL="3429057" indent="-228604" algn="l" defTabSz="457207" rtl="0" eaLnBrk="1" latinLnBrk="0" hangingPunct="1">
         <a:spcBef>
-          <a:spcPct val="20000"/>
+          <a:spcPts val="1000"/>
         </a:spcBef>
-        <a:buFont typeface="Arial"/>
-        <a:buChar char="•"/>
-        <a:defRPr sz="2000" kern="1200">
+        <a:spcAft>
+          <a:spcPts val="0"/>
+        </a:spcAft>
+        <a:buClr>
+          <a:schemeClr val="bg2">
+            <a:lumMod val="40000"/>
+            <a:lumOff val="60000"/>
+          </a:schemeClr>
+        </a:buClr>
+        <a:buSzPct val="80000"/>
+        <a:buFont typeface="Wingdings 3" charset="2"/>
+        <a:buChar char=""/>
+        <a:defRPr sz="1400" b="0" i="0" kern="1200">
           <a:solidFill>
             <a:schemeClr val="tx1"/>
           </a:solidFill>
-          <a:latin typeface="+mn-lt"/>
-          <a:ea typeface="+mn-ea"/>
-          <a:cs typeface="+mn-cs"/>
+          <a:latin typeface="+mj-lt"/>
+          <a:ea typeface="+mj-ea"/>
+          <a:cs typeface="+mj-cs"/>
         </a:defRPr>
-      </a:lvl7pPr>
-      <a:lvl8pPr marL="3429000" indent="-228600" algn="l" defTabSz="457200" rtl="0" eaLnBrk="1" latinLnBrk="0" hangingPunct="1">
+      </a:lvl8pPr>
+      <a:lvl9pPr marL="3886264" indent="-228604" algn="l" defTabSz="457207" rtl="0" eaLnBrk="1" latinLnBrk="0" hangingPunct="1">
         <a:spcBef>
-          <a:spcPct val="20000"/>
+          <a:spcPts val="1000"/>
         </a:spcBef>
-        <a:buFont typeface="Arial"/>
-        <a:buChar char="•"/>
-        <a:defRPr sz="2000" kern="1200">
+        <a:spcAft>
+          <a:spcPts val="0"/>
+        </a:spcAft>
+        <a:buClr>
+          <a:schemeClr val="bg2">
+            <a:lumMod val="40000"/>
+            <a:lumOff val="60000"/>
+          </a:schemeClr>
+        </a:buClr>
+        <a:buSzPct val="80000"/>
+        <a:buFont typeface="Wingdings 3" charset="2"/>
+        <a:buChar char=""/>
+        <a:defRPr sz="1400" b="0" i="0" kern="1200">
           <a:solidFill>
             <a:schemeClr val="tx1"/>
           </a:solidFill>
-          <a:latin typeface="+mn-lt"/>
-          <a:ea typeface="+mn-ea"/>
-          <a:cs typeface="+mn-cs"/>
-        </a:defRPr>
-      </a:lvl8pPr>
-      <a:lvl9pPr marL="3886200" indent="-228600" algn="l" defTabSz="457200" rtl="0" eaLnBrk="1" latinLnBrk="0" hangingPunct="1">
-        <a:spcBef>
-          <a:spcPct val="20000"/>
-        </a:spcBef>
-        <a:buFont typeface="Arial"/>
-        <a:buChar char="•"/>
-        <a:defRPr sz="2000" kern="1200">
-          <a:solidFill>
-            <a:schemeClr val="tx1"/>
-          </a:solidFill>
-          <a:latin typeface="+mn-lt"/>
-          <a:ea typeface="+mn-ea"/>
-          <a:cs typeface="+mn-cs"/>
+          <a:latin typeface="+mj-lt"/>
+          <a:ea typeface="+mj-ea"/>
+          <a:cs typeface="+mj-cs"/>
         </a:defRPr>
       </a:lvl9pPr>
     </p:bodyStyle>
@@ -2983,7 +6751,7 @@
       <a:defPPr>
         <a:defRPr lang="en-US"/>
       </a:defPPr>
-      <a:lvl1pPr marL="0" algn="l" defTabSz="457200" rtl="0" eaLnBrk="1" latinLnBrk="0" hangingPunct="1">
+      <a:lvl1pPr marL="0" algn="l" defTabSz="457207" rtl="0" eaLnBrk="1" latinLnBrk="0" hangingPunct="1">
         <a:defRPr sz="1800" kern="1200">
           <a:solidFill>
             <a:schemeClr val="tx1"/>
@@ -2993,7 +6761,7 @@
           <a:cs typeface="+mn-cs"/>
         </a:defRPr>
       </a:lvl1pPr>
-      <a:lvl2pPr marL="457200" algn="l" defTabSz="457200" rtl="0" eaLnBrk="1" latinLnBrk="0" hangingPunct="1">
+      <a:lvl2pPr marL="457207" algn="l" defTabSz="457207" rtl="0" eaLnBrk="1" latinLnBrk="0" hangingPunct="1">
         <a:defRPr sz="1800" kern="1200">
           <a:solidFill>
             <a:schemeClr val="tx1"/>
@@ -3003,7 +6771,7 @@
           <a:cs typeface="+mn-cs"/>
         </a:defRPr>
       </a:lvl2pPr>
-      <a:lvl3pPr marL="914400" algn="l" defTabSz="457200" rtl="0" eaLnBrk="1" latinLnBrk="0" hangingPunct="1">
+      <a:lvl3pPr marL="914415" algn="l" defTabSz="457207" rtl="0" eaLnBrk="1" latinLnBrk="0" hangingPunct="1">
         <a:defRPr sz="1800" kern="1200">
           <a:solidFill>
             <a:schemeClr val="tx1"/>
@@ -3013,7 +6781,7 @@
           <a:cs typeface="+mn-cs"/>
         </a:defRPr>
       </a:lvl3pPr>
-      <a:lvl4pPr marL="1371600" algn="l" defTabSz="457200" rtl="0" eaLnBrk="1" latinLnBrk="0" hangingPunct="1">
+      <a:lvl4pPr marL="1371622" algn="l" defTabSz="457207" rtl="0" eaLnBrk="1" latinLnBrk="0" hangingPunct="1">
         <a:defRPr sz="1800" kern="1200">
           <a:solidFill>
             <a:schemeClr val="tx1"/>
@@ -3023,7 +6791,7 @@
           <a:cs typeface="+mn-cs"/>
         </a:defRPr>
       </a:lvl4pPr>
-      <a:lvl5pPr marL="1828800" algn="l" defTabSz="457200" rtl="0" eaLnBrk="1" latinLnBrk="0" hangingPunct="1">
+      <a:lvl5pPr marL="1828831" algn="l" defTabSz="457207" rtl="0" eaLnBrk="1" latinLnBrk="0" hangingPunct="1">
         <a:defRPr sz="1800" kern="1200">
           <a:solidFill>
             <a:schemeClr val="tx1"/>
@@ -3033,7 +6801,7 @@
           <a:cs typeface="+mn-cs"/>
         </a:defRPr>
       </a:lvl5pPr>
-      <a:lvl6pPr marL="2286000" algn="l" defTabSz="457200" rtl="0" eaLnBrk="1" latinLnBrk="0" hangingPunct="1">
+      <a:lvl6pPr marL="2286038" algn="l" defTabSz="457207" rtl="0" eaLnBrk="1" latinLnBrk="0" hangingPunct="1">
         <a:defRPr sz="1800" kern="1200">
           <a:solidFill>
             <a:schemeClr val="tx1"/>
@@ -3043,7 +6811,7 @@
           <a:cs typeface="+mn-cs"/>
         </a:defRPr>
       </a:lvl6pPr>
-      <a:lvl7pPr marL="2743200" algn="l" defTabSz="457200" rtl="0" eaLnBrk="1" latinLnBrk="0" hangingPunct="1">
+      <a:lvl7pPr marL="2743246" algn="l" defTabSz="457207" rtl="0" eaLnBrk="1" latinLnBrk="0" hangingPunct="1">
         <a:defRPr sz="1800" kern="1200">
           <a:solidFill>
             <a:schemeClr val="tx1"/>
@@ -3053,7 +6821,7 @@
           <a:cs typeface="+mn-cs"/>
         </a:defRPr>
       </a:lvl7pPr>
-      <a:lvl8pPr marL="3200400" algn="l" defTabSz="457200" rtl="0" eaLnBrk="1" latinLnBrk="0" hangingPunct="1">
+      <a:lvl8pPr marL="3200453" algn="l" defTabSz="457207" rtl="0" eaLnBrk="1" latinLnBrk="0" hangingPunct="1">
         <a:defRPr sz="1800" kern="1200">
           <a:solidFill>
             <a:schemeClr val="tx1"/>
@@ -3063,7 +6831,7 @@
           <a:cs typeface="+mn-cs"/>
         </a:defRPr>
       </a:lvl8pPr>
-      <a:lvl9pPr marL="3657600" algn="l" defTabSz="457200" rtl="0" eaLnBrk="1" latinLnBrk="0" hangingPunct="1">
+      <a:lvl9pPr marL="3657661" algn="l" defTabSz="457207" rtl="0" eaLnBrk="1" latinLnBrk="0" hangingPunct="1">
         <a:defRPr sz="1800" kern="1200">
           <a:solidFill>
             <a:schemeClr val="tx1"/>
@@ -3134,10 +6902,14 @@
           <a:lstStyle/>
           <a:p>
             <a:r>
-              <a:rPr lang="en-US" smtClean="0"/>
-              <a:t>test</a:t>
-            </a:r>
-            <a:endParaRPr lang="en-US"/>
+              <a:rPr lang="en-US" dirty="0" smtClean="0"/>
+              <a:t>Brent Barbachem and Sean </a:t>
+            </a:r>
+            <a:r>
+              <a:rPr lang="en-US" dirty="0" err="1" smtClean="0"/>
+              <a:t>Coogan</a:t>
+            </a:r>
+            <a:endParaRPr lang="en-US" dirty="0"/>
           </a:p>
         </p:txBody>
       </p:sp>
@@ -3154,7 +6926,1261 @@
 </p:sld>
 </file>
 
+<file path=ppt/slides/slide10.xml><?xml version="1.0" encoding="utf-8"?>
+<p:sld xmlns:a="http://schemas.openxmlformats.org/drawingml/2006/main" xmlns:r="http://schemas.openxmlformats.org/officeDocument/2006/relationships" xmlns:p="http://schemas.openxmlformats.org/presentationml/2006/main">
+  <p:cSld>
+    <p:spTree>
+      <p:nvGrpSpPr>
+        <p:cNvPr id="1" name=""/>
+        <p:cNvGrpSpPr/>
+        <p:nvPr/>
+      </p:nvGrpSpPr>
+      <p:grpSpPr>
+        <a:xfrm>
+          <a:off x="0" y="0"/>
+          <a:ext cx="0" cy="0"/>
+          <a:chOff x="0" y="0"/>
+          <a:chExt cx="0" cy="0"/>
+        </a:xfrm>
+      </p:grpSpPr>
+      <p:sp>
+        <p:nvSpPr>
+          <p:cNvPr id="2" name="Title 1"/>
+          <p:cNvSpPr>
+            <a:spLocks noGrp="1"/>
+          </p:cNvSpPr>
+          <p:nvPr>
+            <p:ph type="title"/>
+          </p:nvPr>
+        </p:nvSpPr>
+        <p:spPr/>
+        <p:txBody>
+          <a:bodyPr/>
+          <a:lstStyle/>
+          <a:p>
+            <a:r>
+              <a:rPr lang="en-US" dirty="0" smtClean="0"/>
+              <a:t>Demonstration</a:t>
+            </a:r>
+            <a:endParaRPr lang="en-US" dirty="0"/>
+          </a:p>
+        </p:txBody>
+      </p:sp>
+      <p:sp>
+        <p:nvSpPr>
+          <p:cNvPr id="3" name="Content Placeholder 2"/>
+          <p:cNvSpPr>
+            <a:spLocks noGrp="1"/>
+          </p:cNvSpPr>
+          <p:nvPr>
+            <p:ph idx="1"/>
+          </p:nvPr>
+        </p:nvSpPr>
+        <p:spPr/>
+        <p:txBody>
+          <a:bodyPr/>
+          <a:lstStyle/>
+          <a:p>
+            <a:endParaRPr lang="en-US"/>
+          </a:p>
+        </p:txBody>
+      </p:sp>
+    </p:spTree>
+    <p:extLst>
+      <p:ext uri="{BB962C8B-B14F-4D97-AF65-F5344CB8AC3E}">
+        <p14:creationId xmlns:p14="http://schemas.microsoft.com/office/powerpoint/2010/main" val="933320529"/>
+      </p:ext>
+    </p:extLst>
+  </p:cSld>
+  <p:clrMapOvr>
+    <a:masterClrMapping/>
+  </p:clrMapOvr>
+</p:sld>
+</file>
+
+<file path=ppt/slides/slide11.xml><?xml version="1.0" encoding="utf-8"?>
+<p:sld xmlns:a="http://schemas.openxmlformats.org/drawingml/2006/main" xmlns:r="http://schemas.openxmlformats.org/officeDocument/2006/relationships" xmlns:p="http://schemas.openxmlformats.org/presentationml/2006/main">
+  <p:cSld>
+    <p:spTree>
+      <p:nvGrpSpPr>
+        <p:cNvPr id="1" name=""/>
+        <p:cNvGrpSpPr/>
+        <p:nvPr/>
+      </p:nvGrpSpPr>
+      <p:grpSpPr>
+        <a:xfrm>
+          <a:off x="0" y="0"/>
+          <a:ext cx="0" cy="0"/>
+          <a:chOff x="0" y="0"/>
+          <a:chExt cx="0" cy="0"/>
+        </a:xfrm>
+      </p:grpSpPr>
+      <p:sp>
+        <p:nvSpPr>
+          <p:cNvPr id="2" name="Title 1"/>
+          <p:cNvSpPr>
+            <a:spLocks noGrp="1"/>
+          </p:cNvSpPr>
+          <p:nvPr>
+            <p:ph type="title"/>
+          </p:nvPr>
+        </p:nvSpPr>
+        <p:spPr/>
+        <p:txBody>
+          <a:bodyPr/>
+          <a:lstStyle/>
+          <a:p>
+            <a:r>
+              <a:rPr lang="en-US" dirty="0" smtClean="0"/>
+              <a:t>Results</a:t>
+            </a:r>
+            <a:endParaRPr lang="en-US" dirty="0"/>
+          </a:p>
+        </p:txBody>
+      </p:sp>
+      <p:sp>
+        <p:nvSpPr>
+          <p:cNvPr id="3" name="Content Placeholder 2"/>
+          <p:cNvSpPr>
+            <a:spLocks noGrp="1"/>
+          </p:cNvSpPr>
+          <p:nvPr>
+            <p:ph idx="1"/>
+          </p:nvPr>
+        </p:nvSpPr>
+        <p:spPr/>
+        <p:txBody>
+          <a:bodyPr/>
+          <a:lstStyle/>
+          <a:p>
+            <a:endParaRPr lang="en-US"/>
+          </a:p>
+        </p:txBody>
+      </p:sp>
+    </p:spTree>
+    <p:extLst>
+      <p:ext uri="{BB962C8B-B14F-4D97-AF65-F5344CB8AC3E}">
+        <p14:creationId xmlns:p14="http://schemas.microsoft.com/office/powerpoint/2010/main" val="2745289611"/>
+      </p:ext>
+    </p:extLst>
+  </p:cSld>
+  <p:clrMapOvr>
+    <a:masterClrMapping/>
+  </p:clrMapOvr>
+</p:sld>
+</file>
+
+<file path=ppt/slides/slide12.xml><?xml version="1.0" encoding="utf-8"?>
+<p:sld xmlns:a="http://schemas.openxmlformats.org/drawingml/2006/main" xmlns:r="http://schemas.openxmlformats.org/officeDocument/2006/relationships" xmlns:p="http://schemas.openxmlformats.org/presentationml/2006/main">
+  <p:cSld>
+    <p:spTree>
+      <p:nvGrpSpPr>
+        <p:cNvPr id="1" name=""/>
+        <p:cNvGrpSpPr/>
+        <p:nvPr/>
+      </p:nvGrpSpPr>
+      <p:grpSpPr>
+        <a:xfrm>
+          <a:off x="0" y="0"/>
+          <a:ext cx="0" cy="0"/>
+          <a:chOff x="0" y="0"/>
+          <a:chExt cx="0" cy="0"/>
+        </a:xfrm>
+      </p:grpSpPr>
+      <p:sp>
+        <p:nvSpPr>
+          <p:cNvPr id="2" name="Title 1"/>
+          <p:cNvSpPr>
+            <a:spLocks noGrp="1"/>
+          </p:cNvSpPr>
+          <p:nvPr>
+            <p:ph type="title"/>
+          </p:nvPr>
+        </p:nvSpPr>
+        <p:spPr/>
+        <p:txBody>
+          <a:bodyPr/>
+          <a:lstStyle/>
+          <a:p>
+            <a:r>
+              <a:rPr lang="en-US" dirty="0" smtClean="0"/>
+              <a:t>Future </a:t>
+            </a:r>
+            <a:endParaRPr lang="en-US" dirty="0"/>
+          </a:p>
+        </p:txBody>
+      </p:sp>
+      <p:sp>
+        <p:nvSpPr>
+          <p:cNvPr id="3" name="Content Placeholder 2"/>
+          <p:cNvSpPr>
+            <a:spLocks noGrp="1"/>
+          </p:cNvSpPr>
+          <p:nvPr>
+            <p:ph idx="1"/>
+          </p:nvPr>
+        </p:nvSpPr>
+        <p:spPr/>
+        <p:txBody>
+          <a:bodyPr/>
+          <a:lstStyle/>
+          <a:p>
+            <a:endParaRPr lang="en-US"/>
+          </a:p>
+        </p:txBody>
+      </p:sp>
+    </p:spTree>
+    <p:extLst>
+      <p:ext uri="{BB962C8B-B14F-4D97-AF65-F5344CB8AC3E}">
+        <p14:creationId xmlns:p14="http://schemas.microsoft.com/office/powerpoint/2010/main" val="2855504310"/>
+      </p:ext>
+    </p:extLst>
+  </p:cSld>
+  <p:clrMapOvr>
+    <a:masterClrMapping/>
+  </p:clrMapOvr>
+</p:sld>
+</file>
+
+<file path=ppt/slides/slide13.xml><?xml version="1.0" encoding="utf-8"?>
+<p:sld xmlns:a="http://schemas.openxmlformats.org/drawingml/2006/main" xmlns:r="http://schemas.openxmlformats.org/officeDocument/2006/relationships" xmlns:p="http://schemas.openxmlformats.org/presentationml/2006/main">
+  <p:cSld>
+    <p:spTree>
+      <p:nvGrpSpPr>
+        <p:cNvPr id="1" name=""/>
+        <p:cNvGrpSpPr/>
+        <p:nvPr/>
+      </p:nvGrpSpPr>
+      <p:grpSpPr>
+        <a:xfrm>
+          <a:off x="0" y="0"/>
+          <a:ext cx="0" cy="0"/>
+          <a:chOff x="0" y="0"/>
+          <a:chExt cx="0" cy="0"/>
+        </a:xfrm>
+      </p:grpSpPr>
+      <p:sp>
+        <p:nvSpPr>
+          <p:cNvPr id="2" name="Title 1"/>
+          <p:cNvSpPr>
+            <a:spLocks noGrp="1"/>
+          </p:cNvSpPr>
+          <p:nvPr>
+            <p:ph type="title"/>
+          </p:nvPr>
+        </p:nvSpPr>
+        <p:spPr/>
+        <p:txBody>
+          <a:bodyPr/>
+          <a:lstStyle/>
+          <a:p>
+            <a:r>
+              <a:rPr lang="en-US" dirty="0" smtClean="0"/>
+              <a:t>Conclusion</a:t>
+            </a:r>
+            <a:endParaRPr lang="en-US" dirty="0"/>
+          </a:p>
+        </p:txBody>
+      </p:sp>
+      <p:sp>
+        <p:nvSpPr>
+          <p:cNvPr id="3" name="Content Placeholder 2"/>
+          <p:cNvSpPr>
+            <a:spLocks noGrp="1"/>
+          </p:cNvSpPr>
+          <p:nvPr>
+            <p:ph idx="1"/>
+          </p:nvPr>
+        </p:nvSpPr>
+        <p:spPr/>
+        <p:txBody>
+          <a:bodyPr/>
+          <a:lstStyle/>
+          <a:p>
+            <a:endParaRPr lang="en-US"/>
+          </a:p>
+        </p:txBody>
+      </p:sp>
+    </p:spTree>
+    <p:extLst>
+      <p:ext uri="{BB962C8B-B14F-4D97-AF65-F5344CB8AC3E}">
+        <p14:creationId xmlns:p14="http://schemas.microsoft.com/office/powerpoint/2010/main" val="3920094783"/>
+      </p:ext>
+    </p:extLst>
+  </p:cSld>
+  <p:clrMapOvr>
+    <a:masterClrMapping/>
+  </p:clrMapOvr>
+</p:sld>
+</file>
+
+<file path=ppt/slides/slide2.xml><?xml version="1.0" encoding="utf-8"?>
+<p:sld xmlns:a="http://schemas.openxmlformats.org/drawingml/2006/main" xmlns:r="http://schemas.openxmlformats.org/officeDocument/2006/relationships" xmlns:p="http://schemas.openxmlformats.org/presentationml/2006/main">
+  <p:cSld>
+    <p:spTree>
+      <p:nvGrpSpPr>
+        <p:cNvPr id="1" name=""/>
+        <p:cNvGrpSpPr/>
+        <p:nvPr/>
+      </p:nvGrpSpPr>
+      <p:grpSpPr>
+        <a:xfrm>
+          <a:off x="0" y="0"/>
+          <a:ext cx="0" cy="0"/>
+          <a:chOff x="0" y="0"/>
+          <a:chExt cx="0" cy="0"/>
+        </a:xfrm>
+      </p:grpSpPr>
+      <p:sp>
+        <p:nvSpPr>
+          <p:cNvPr id="2" name="Title 1"/>
+          <p:cNvSpPr>
+            <a:spLocks noGrp="1"/>
+          </p:cNvSpPr>
+          <p:nvPr>
+            <p:ph type="title"/>
+          </p:nvPr>
+        </p:nvSpPr>
+        <p:spPr/>
+        <p:txBody>
+          <a:bodyPr/>
+          <a:lstStyle/>
+          <a:p>
+            <a:r>
+              <a:rPr lang="en-US" dirty="0" smtClean="0"/>
+              <a:t>What are we trying to accomplish?</a:t>
+            </a:r>
+            <a:endParaRPr lang="en-US" dirty="0"/>
+          </a:p>
+        </p:txBody>
+      </p:sp>
+      <p:sp>
+        <p:nvSpPr>
+          <p:cNvPr id="3" name="Content Placeholder 2"/>
+          <p:cNvSpPr>
+            <a:spLocks noGrp="1"/>
+          </p:cNvSpPr>
+          <p:nvPr>
+            <p:ph idx="1"/>
+          </p:nvPr>
+        </p:nvSpPr>
+        <p:spPr/>
+        <p:txBody>
+          <a:bodyPr/>
+          <a:lstStyle/>
+          <a:p>
+            <a:r>
+              <a:rPr lang="en-US" dirty="0" smtClean="0"/>
+              <a:t>A dynamic method of choosing colors to represent data accurately</a:t>
+            </a:r>
+          </a:p>
+          <a:p>
+            <a:endParaRPr lang="en-US" dirty="0" smtClean="0"/>
+          </a:p>
+          <a:p>
+            <a:r>
+              <a:rPr lang="en-US" dirty="0" smtClean="0"/>
+              <a:t>Choosing colors that are easily distinguishable</a:t>
+            </a:r>
+          </a:p>
+          <a:p>
+            <a:endParaRPr lang="en-US" dirty="0" smtClean="0"/>
+          </a:p>
+          <a:p>
+            <a:r>
+              <a:rPr lang="en-US" dirty="0" smtClean="0"/>
+              <a:t>Creating options for those that exhibit the colorblind traits</a:t>
+            </a:r>
+            <a:endParaRPr lang="en-US" dirty="0"/>
+          </a:p>
+        </p:txBody>
+      </p:sp>
+    </p:spTree>
+    <p:extLst>
+      <p:ext uri="{BB962C8B-B14F-4D97-AF65-F5344CB8AC3E}">
+        <p14:creationId xmlns:p14="http://schemas.microsoft.com/office/powerpoint/2010/main" val="2176792710"/>
+      </p:ext>
+    </p:extLst>
+  </p:cSld>
+  <p:clrMapOvr>
+    <a:masterClrMapping/>
+  </p:clrMapOvr>
+</p:sld>
+</file>
+
+<file path=ppt/slides/slide3.xml><?xml version="1.0" encoding="utf-8"?>
+<p:sld xmlns:a="http://schemas.openxmlformats.org/drawingml/2006/main" xmlns:r="http://schemas.openxmlformats.org/officeDocument/2006/relationships" xmlns:p="http://schemas.openxmlformats.org/presentationml/2006/main">
+  <p:cSld>
+    <p:spTree>
+      <p:nvGrpSpPr>
+        <p:cNvPr id="1" name=""/>
+        <p:cNvGrpSpPr/>
+        <p:nvPr/>
+      </p:nvGrpSpPr>
+      <p:grpSpPr>
+        <a:xfrm>
+          <a:off x="0" y="0"/>
+          <a:ext cx="0" cy="0"/>
+          <a:chOff x="0" y="0"/>
+          <a:chExt cx="0" cy="0"/>
+        </a:xfrm>
+      </p:grpSpPr>
+      <p:sp>
+        <p:nvSpPr>
+          <p:cNvPr id="2" name="Title 1"/>
+          <p:cNvSpPr>
+            <a:spLocks noGrp="1"/>
+          </p:cNvSpPr>
+          <p:nvPr>
+            <p:ph type="title"/>
+          </p:nvPr>
+        </p:nvSpPr>
+        <p:spPr>
+          <a:xfrm>
+            <a:off x="484709" y="452718"/>
+            <a:ext cx="7154047" cy="1400530"/>
+          </a:xfrm>
+        </p:spPr>
+        <p:txBody>
+          <a:bodyPr/>
+          <a:lstStyle/>
+          <a:p>
+            <a:r>
+              <a:rPr lang="en-US" dirty="0" smtClean="0"/>
+              <a:t>Current </a:t>
+            </a:r>
+            <a:r>
+              <a:rPr lang="en-US" dirty="0"/>
+              <a:t>S</a:t>
+            </a:r>
+            <a:r>
+              <a:rPr lang="en-US" dirty="0" smtClean="0"/>
+              <a:t>oftware Examples</a:t>
+            </a:r>
+            <a:endParaRPr lang="en-US" dirty="0"/>
+          </a:p>
+        </p:txBody>
+      </p:sp>
+      <p:sp>
+        <p:nvSpPr>
+          <p:cNvPr id="3" name="Content Placeholder 2"/>
+          <p:cNvSpPr>
+            <a:spLocks noGrp="1"/>
+          </p:cNvSpPr>
+          <p:nvPr>
+            <p:ph idx="1"/>
+          </p:nvPr>
+        </p:nvSpPr>
+        <p:spPr/>
+        <p:txBody>
+          <a:bodyPr/>
+          <a:lstStyle/>
+          <a:p>
+            <a:r>
+              <a:rPr lang="en-US" dirty="0" smtClean="0"/>
+              <a:t>Geographic Information Systems (GIS)</a:t>
+            </a:r>
+          </a:p>
+          <a:p>
+            <a:r>
+              <a:rPr lang="en-US" dirty="0" smtClean="0"/>
+              <a:t>Computer-Aided Design (CAD)</a:t>
+            </a:r>
+          </a:p>
+          <a:p>
+            <a:r>
+              <a:rPr lang="en-US" dirty="0" smtClean="0"/>
+              <a:t>3D/2D Modeling Software</a:t>
+            </a:r>
+          </a:p>
+          <a:p>
+            <a:endParaRPr lang="en-US" dirty="0"/>
+          </a:p>
+          <a:p>
+            <a:r>
+              <a:rPr lang="en-US" dirty="0" smtClean="0"/>
+              <a:t>General Case: software that utilizes color differences to display data. </a:t>
+            </a:r>
+            <a:endParaRPr lang="en-US" dirty="0"/>
+          </a:p>
+        </p:txBody>
+      </p:sp>
+    </p:spTree>
+    <p:extLst>
+      <p:ext uri="{BB962C8B-B14F-4D97-AF65-F5344CB8AC3E}">
+        <p14:creationId xmlns:p14="http://schemas.microsoft.com/office/powerpoint/2010/main" val="3707435594"/>
+      </p:ext>
+    </p:extLst>
+  </p:cSld>
+  <p:clrMapOvr>
+    <a:masterClrMapping/>
+  </p:clrMapOvr>
+</p:sld>
+</file>
+
+<file path=ppt/slides/slide4.xml><?xml version="1.0" encoding="utf-8"?>
+<p:sld xmlns:a="http://schemas.openxmlformats.org/drawingml/2006/main" xmlns:r="http://schemas.openxmlformats.org/officeDocument/2006/relationships" xmlns:p="http://schemas.openxmlformats.org/presentationml/2006/main">
+  <p:cSld>
+    <p:spTree>
+      <p:nvGrpSpPr>
+        <p:cNvPr id="1" name=""/>
+        <p:cNvGrpSpPr/>
+        <p:nvPr/>
+      </p:nvGrpSpPr>
+      <p:grpSpPr>
+        <a:xfrm>
+          <a:off x="0" y="0"/>
+          <a:ext cx="0" cy="0"/>
+          <a:chOff x="0" y="0"/>
+          <a:chExt cx="0" cy="0"/>
+        </a:xfrm>
+      </p:grpSpPr>
+      <p:sp>
+        <p:nvSpPr>
+          <p:cNvPr id="2" name="Title 1"/>
+          <p:cNvSpPr>
+            <a:spLocks noGrp="1"/>
+          </p:cNvSpPr>
+          <p:nvPr>
+            <p:ph type="title"/>
+          </p:nvPr>
+        </p:nvSpPr>
+        <p:spPr/>
+        <p:txBody>
+          <a:bodyPr/>
+          <a:lstStyle/>
+          <a:p>
+            <a:r>
+              <a:rPr lang="en-US" dirty="0" smtClean="0"/>
+              <a:t>Geographic Information Systems (GIS)</a:t>
+            </a:r>
+            <a:endParaRPr lang="en-US" dirty="0"/>
+          </a:p>
+        </p:txBody>
+      </p:sp>
+      <p:pic>
+        <p:nvPicPr>
+          <p:cNvPr id="4" name="Content Placeholder 3"/>
+          <p:cNvPicPr>
+            <a:picLocks noGrp="1" noChangeAspect="1"/>
+          </p:cNvPicPr>
+          <p:nvPr>
+            <p:ph idx="1"/>
+          </p:nvPr>
+        </p:nvPicPr>
+        <p:blipFill>
+          <a:blip r:embed="rId2">
+            <a:extLst>
+              <a:ext uri="{28A0092B-C50C-407E-A947-70E740481C1C}">
+                <a14:useLocalDpi xmlns:a14="http://schemas.microsoft.com/office/drawing/2010/main" val="0"/>
+              </a:ext>
+            </a:extLst>
+          </a:blip>
+          <a:stretch>
+            <a:fillRect/>
+          </a:stretch>
+        </p:blipFill>
+        <p:spPr>
+          <a:xfrm>
+            <a:off x="1001272" y="2361271"/>
+            <a:ext cx="7129854" cy="3842581"/>
+          </a:xfrm>
+        </p:spPr>
+      </p:pic>
+    </p:spTree>
+    <p:extLst>
+      <p:ext uri="{BB962C8B-B14F-4D97-AF65-F5344CB8AC3E}">
+        <p14:creationId xmlns:p14="http://schemas.microsoft.com/office/powerpoint/2010/main" val="1719455069"/>
+      </p:ext>
+    </p:extLst>
+  </p:cSld>
+  <p:clrMapOvr>
+    <a:masterClrMapping/>
+  </p:clrMapOvr>
+</p:sld>
+</file>
+
+<file path=ppt/slides/slide5.xml><?xml version="1.0" encoding="utf-8"?>
+<p:sld xmlns:a="http://schemas.openxmlformats.org/drawingml/2006/main" xmlns:r="http://schemas.openxmlformats.org/officeDocument/2006/relationships" xmlns:p="http://schemas.openxmlformats.org/presentationml/2006/main">
+  <p:cSld>
+    <p:spTree>
+      <p:nvGrpSpPr>
+        <p:cNvPr id="1" name=""/>
+        <p:cNvGrpSpPr/>
+        <p:nvPr/>
+      </p:nvGrpSpPr>
+      <p:grpSpPr>
+        <a:xfrm>
+          <a:off x="0" y="0"/>
+          <a:ext cx="0" cy="0"/>
+          <a:chOff x="0" y="0"/>
+          <a:chExt cx="0" cy="0"/>
+        </a:xfrm>
+      </p:grpSpPr>
+      <p:sp>
+        <p:nvSpPr>
+          <p:cNvPr id="2" name="Title 1"/>
+          <p:cNvSpPr>
+            <a:spLocks noGrp="1"/>
+          </p:cNvSpPr>
+          <p:nvPr>
+            <p:ph type="title"/>
+          </p:nvPr>
+        </p:nvSpPr>
+        <p:spPr/>
+        <p:txBody>
+          <a:bodyPr/>
+          <a:lstStyle/>
+          <a:p>
+            <a:r>
+              <a:rPr lang="en-US" dirty="0" smtClean="0"/>
+              <a:t>Computer-Aided Design</a:t>
+            </a:r>
+            <a:endParaRPr lang="en-US" dirty="0"/>
+          </a:p>
+        </p:txBody>
+      </p:sp>
+      <p:pic>
+        <p:nvPicPr>
+          <p:cNvPr id="4" name="Content Placeholder 3"/>
+          <p:cNvPicPr>
+            <a:picLocks noGrp="1" noChangeAspect="1"/>
+          </p:cNvPicPr>
+          <p:nvPr>
+            <p:ph idx="1"/>
+          </p:nvPr>
+        </p:nvPicPr>
+        <p:blipFill>
+          <a:blip r:embed="rId2">
+            <a:extLst>
+              <a:ext uri="{28A0092B-C50C-407E-A947-70E740481C1C}">
+                <a14:useLocalDpi xmlns:a14="http://schemas.microsoft.com/office/drawing/2010/main" val="0"/>
+              </a:ext>
+            </a:extLst>
+          </a:blip>
+          <a:stretch>
+            <a:fillRect/>
+          </a:stretch>
+        </p:blipFill>
+        <p:spPr>
+          <a:xfrm>
+            <a:off x="1015981" y="2168513"/>
+            <a:ext cx="7087010" cy="4122036"/>
+          </a:xfrm>
+        </p:spPr>
+      </p:pic>
+    </p:spTree>
+    <p:extLst>
+      <p:ext uri="{BB962C8B-B14F-4D97-AF65-F5344CB8AC3E}">
+        <p14:creationId xmlns:p14="http://schemas.microsoft.com/office/powerpoint/2010/main" val="2819440303"/>
+      </p:ext>
+    </p:extLst>
+  </p:cSld>
+  <p:clrMapOvr>
+    <a:masterClrMapping/>
+  </p:clrMapOvr>
+</p:sld>
+</file>
+
+<file path=ppt/slides/slide6.xml><?xml version="1.0" encoding="utf-8"?>
+<p:sld xmlns:a="http://schemas.openxmlformats.org/drawingml/2006/main" xmlns:r="http://schemas.openxmlformats.org/officeDocument/2006/relationships" xmlns:p="http://schemas.openxmlformats.org/presentationml/2006/main">
+  <p:cSld>
+    <p:spTree>
+      <p:nvGrpSpPr>
+        <p:cNvPr id="1" name=""/>
+        <p:cNvGrpSpPr/>
+        <p:nvPr/>
+      </p:nvGrpSpPr>
+      <p:grpSpPr>
+        <a:xfrm>
+          <a:off x="0" y="0"/>
+          <a:ext cx="0" cy="0"/>
+          <a:chOff x="0" y="0"/>
+          <a:chExt cx="0" cy="0"/>
+        </a:xfrm>
+      </p:grpSpPr>
+      <p:sp>
+        <p:nvSpPr>
+          <p:cNvPr id="2" name="Title 1"/>
+          <p:cNvSpPr>
+            <a:spLocks noGrp="1"/>
+          </p:cNvSpPr>
+          <p:nvPr>
+            <p:ph type="title"/>
+          </p:nvPr>
+        </p:nvSpPr>
+        <p:spPr/>
+        <p:txBody>
+          <a:bodyPr/>
+          <a:lstStyle/>
+          <a:p>
+            <a:r>
+              <a:rPr lang="en-US" dirty="0" smtClean="0"/>
+              <a:t>3D/2D Modeling Software</a:t>
+            </a:r>
+            <a:endParaRPr lang="en-US" dirty="0"/>
+          </a:p>
+        </p:txBody>
+      </p:sp>
+      <p:pic>
+        <p:nvPicPr>
+          <p:cNvPr id="4" name="Content Placeholder 3"/>
+          <p:cNvPicPr>
+            <a:picLocks noGrp="1" noChangeAspect="1"/>
+          </p:cNvPicPr>
+          <p:nvPr>
+            <p:ph idx="1"/>
+          </p:nvPr>
+        </p:nvPicPr>
+        <p:blipFill>
+          <a:blip r:embed="rId2">
+            <a:extLst>
+              <a:ext uri="{28A0092B-C50C-407E-A947-70E740481C1C}">
+                <a14:useLocalDpi xmlns:a14="http://schemas.microsoft.com/office/drawing/2010/main" val="0"/>
+              </a:ext>
+            </a:extLst>
+          </a:blip>
+          <a:stretch>
+            <a:fillRect/>
+          </a:stretch>
+        </p:blipFill>
+        <p:spPr>
+          <a:xfrm>
+            <a:off x="1095204" y="1853248"/>
+            <a:ext cx="6895246" cy="4189820"/>
+          </a:xfrm>
+        </p:spPr>
+      </p:pic>
+    </p:spTree>
+    <p:extLst>
+      <p:ext uri="{BB962C8B-B14F-4D97-AF65-F5344CB8AC3E}">
+        <p14:creationId xmlns:p14="http://schemas.microsoft.com/office/powerpoint/2010/main" val="3623574900"/>
+      </p:ext>
+    </p:extLst>
+  </p:cSld>
+  <p:clrMapOvr>
+    <a:masterClrMapping/>
+  </p:clrMapOvr>
+</p:sld>
+</file>
+
+<file path=ppt/slides/slide7.xml><?xml version="1.0" encoding="utf-8"?>
+<p:sld xmlns:a="http://schemas.openxmlformats.org/drawingml/2006/main" xmlns:r="http://schemas.openxmlformats.org/officeDocument/2006/relationships" xmlns:p="http://schemas.openxmlformats.org/presentationml/2006/main">
+  <p:cSld>
+    <p:spTree>
+      <p:nvGrpSpPr>
+        <p:cNvPr id="1" name=""/>
+        <p:cNvGrpSpPr/>
+        <p:nvPr/>
+      </p:nvGrpSpPr>
+      <p:grpSpPr>
+        <a:xfrm>
+          <a:off x="0" y="0"/>
+          <a:ext cx="0" cy="0"/>
+          <a:chOff x="0" y="0"/>
+          <a:chExt cx="0" cy="0"/>
+        </a:xfrm>
+      </p:grpSpPr>
+      <p:sp>
+        <p:nvSpPr>
+          <p:cNvPr id="2" name="Title 1"/>
+          <p:cNvSpPr>
+            <a:spLocks noGrp="1"/>
+          </p:cNvSpPr>
+          <p:nvPr>
+            <p:ph type="title"/>
+          </p:nvPr>
+        </p:nvSpPr>
+        <p:spPr/>
+        <p:txBody>
+          <a:bodyPr/>
+          <a:lstStyle/>
+          <a:p>
+            <a:r>
+              <a:rPr lang="en-US" dirty="0" smtClean="0"/>
+              <a:t>Target audience?</a:t>
+            </a:r>
+            <a:endParaRPr lang="en-US" dirty="0"/>
+          </a:p>
+        </p:txBody>
+      </p:sp>
+      <p:sp>
+        <p:nvSpPr>
+          <p:cNvPr id="3" name="Content Placeholder 2"/>
+          <p:cNvSpPr>
+            <a:spLocks noGrp="1"/>
+          </p:cNvSpPr>
+          <p:nvPr>
+            <p:ph idx="1"/>
+          </p:nvPr>
+        </p:nvSpPr>
+        <p:spPr/>
+        <p:txBody>
+          <a:bodyPr/>
+          <a:lstStyle/>
+          <a:p>
+            <a:r>
+              <a:rPr lang="en-US" dirty="0" smtClean="0"/>
+              <a:t>Colorblind options</a:t>
+            </a:r>
+          </a:p>
+          <a:p>
+            <a:pPr lvl="1"/>
+            <a:r>
+              <a:rPr lang="en-US" dirty="0" smtClean="0"/>
+              <a:t>Colorblind individuals (most positive impact)</a:t>
+            </a:r>
+          </a:p>
+          <a:p>
+            <a:pPr lvl="1"/>
+            <a:r>
+              <a:rPr lang="en-US" dirty="0" smtClean="0"/>
+              <a:t>All Users</a:t>
+            </a:r>
+          </a:p>
+          <a:p>
+            <a:pPr lvl="1"/>
+            <a:endParaRPr lang="en-US" dirty="0" smtClean="0"/>
+          </a:p>
+          <a:p>
+            <a:r>
+              <a:rPr lang="en-US" dirty="0" smtClean="0"/>
+              <a:t>Dynamic color options</a:t>
+            </a:r>
+          </a:p>
+          <a:p>
+            <a:pPr lvl="1"/>
+            <a:r>
+              <a:rPr lang="en-US" dirty="0" smtClean="0"/>
+              <a:t>All Users</a:t>
+            </a:r>
+          </a:p>
+        </p:txBody>
+      </p:sp>
+    </p:spTree>
+    <p:extLst>
+      <p:ext uri="{BB962C8B-B14F-4D97-AF65-F5344CB8AC3E}">
+        <p14:creationId xmlns:p14="http://schemas.microsoft.com/office/powerpoint/2010/main" val="3169934808"/>
+      </p:ext>
+    </p:extLst>
+  </p:cSld>
+  <p:clrMapOvr>
+    <a:masterClrMapping/>
+  </p:clrMapOvr>
+</p:sld>
+</file>
+
+<file path=ppt/slides/slide8.xml><?xml version="1.0" encoding="utf-8"?>
+<p:sld xmlns:a="http://schemas.openxmlformats.org/drawingml/2006/main" xmlns:r="http://schemas.openxmlformats.org/officeDocument/2006/relationships" xmlns:p="http://schemas.openxmlformats.org/presentationml/2006/main">
+  <p:cSld>
+    <p:spTree>
+      <p:nvGrpSpPr>
+        <p:cNvPr id="1" name=""/>
+        <p:cNvGrpSpPr/>
+        <p:nvPr/>
+      </p:nvGrpSpPr>
+      <p:grpSpPr>
+        <a:xfrm>
+          <a:off x="0" y="0"/>
+          <a:ext cx="0" cy="0"/>
+          <a:chOff x="0" y="0"/>
+          <a:chExt cx="0" cy="0"/>
+        </a:xfrm>
+      </p:grpSpPr>
+      <p:sp>
+        <p:nvSpPr>
+          <p:cNvPr id="2" name="Title 1"/>
+          <p:cNvSpPr>
+            <a:spLocks noGrp="1"/>
+          </p:cNvSpPr>
+          <p:nvPr>
+            <p:ph type="title"/>
+          </p:nvPr>
+        </p:nvSpPr>
+        <p:spPr/>
+        <p:txBody>
+          <a:bodyPr/>
+          <a:lstStyle/>
+          <a:p>
+            <a:r>
+              <a:rPr lang="en-US" dirty="0" smtClean="0"/>
+              <a:t>Purposes</a:t>
+            </a:r>
+            <a:endParaRPr lang="en-US" dirty="0"/>
+          </a:p>
+        </p:txBody>
+      </p:sp>
+      <p:sp>
+        <p:nvSpPr>
+          <p:cNvPr id="3" name="Content Placeholder 2"/>
+          <p:cNvSpPr>
+            <a:spLocks noGrp="1"/>
+          </p:cNvSpPr>
+          <p:nvPr>
+            <p:ph idx="1"/>
+          </p:nvPr>
+        </p:nvSpPr>
+        <p:spPr/>
+        <p:txBody>
+          <a:bodyPr/>
+          <a:lstStyle/>
+          <a:p>
+            <a:endParaRPr lang="en-US"/>
+          </a:p>
+        </p:txBody>
+      </p:sp>
+    </p:spTree>
+    <p:extLst>
+      <p:ext uri="{BB962C8B-B14F-4D97-AF65-F5344CB8AC3E}">
+        <p14:creationId xmlns:p14="http://schemas.microsoft.com/office/powerpoint/2010/main" val="695636417"/>
+      </p:ext>
+    </p:extLst>
+  </p:cSld>
+  <p:clrMapOvr>
+    <a:masterClrMapping/>
+  </p:clrMapOvr>
+</p:sld>
+</file>
+
+<file path=ppt/slides/slide9.xml><?xml version="1.0" encoding="utf-8"?>
+<p:sld xmlns:a="http://schemas.openxmlformats.org/drawingml/2006/main" xmlns:r="http://schemas.openxmlformats.org/officeDocument/2006/relationships" xmlns:p="http://schemas.openxmlformats.org/presentationml/2006/main">
+  <p:cSld>
+    <p:spTree>
+      <p:nvGrpSpPr>
+        <p:cNvPr id="1" name=""/>
+        <p:cNvGrpSpPr/>
+        <p:nvPr/>
+      </p:nvGrpSpPr>
+      <p:grpSpPr>
+        <a:xfrm>
+          <a:off x="0" y="0"/>
+          <a:ext cx="0" cy="0"/>
+          <a:chOff x="0" y="0"/>
+          <a:chExt cx="0" cy="0"/>
+        </a:xfrm>
+      </p:grpSpPr>
+      <p:sp>
+        <p:nvSpPr>
+          <p:cNvPr id="2" name="Title 1"/>
+          <p:cNvSpPr>
+            <a:spLocks noGrp="1"/>
+          </p:cNvSpPr>
+          <p:nvPr>
+            <p:ph type="title"/>
+          </p:nvPr>
+        </p:nvSpPr>
+        <p:spPr/>
+        <p:txBody>
+          <a:bodyPr/>
+          <a:lstStyle/>
+          <a:p>
+            <a:r>
+              <a:rPr lang="en-US" dirty="0" smtClean="0"/>
+              <a:t>How this was accomplished</a:t>
+            </a:r>
+            <a:endParaRPr lang="en-US" dirty="0"/>
+          </a:p>
+        </p:txBody>
+      </p:sp>
+      <p:sp>
+        <p:nvSpPr>
+          <p:cNvPr id="3" name="Content Placeholder 2"/>
+          <p:cNvSpPr>
+            <a:spLocks noGrp="1"/>
+          </p:cNvSpPr>
+          <p:nvPr>
+            <p:ph idx="1"/>
+          </p:nvPr>
+        </p:nvSpPr>
+        <p:spPr/>
+        <p:txBody>
+          <a:bodyPr/>
+          <a:lstStyle/>
+          <a:p>
+            <a:endParaRPr lang="en-US"/>
+          </a:p>
+        </p:txBody>
+      </p:sp>
+    </p:spTree>
+    <p:extLst>
+      <p:ext uri="{BB962C8B-B14F-4D97-AF65-F5344CB8AC3E}">
+        <p14:creationId xmlns:p14="http://schemas.microsoft.com/office/powerpoint/2010/main" val="3562921128"/>
+      </p:ext>
+    </p:extLst>
+  </p:cSld>
+  <p:clrMapOvr>
+    <a:masterClrMapping/>
+  </p:clrMapOvr>
+</p:sld>
+</file>
+
 <file path=ppt/theme/theme1.xml><?xml version="1.0" encoding="utf-8"?>
+<a:theme xmlns:a="http://schemas.openxmlformats.org/drawingml/2006/main" name="Ion">
+  <a:themeElements>
+    <a:clrScheme name="Ion">
+      <a:dk1>
+        <a:sysClr val="windowText" lastClr="000000"/>
+      </a:dk1>
+      <a:lt1>
+        <a:sysClr val="window" lastClr="FFFFFF"/>
+      </a:lt1>
+      <a:dk2>
+        <a:srgbClr val="1E5155"/>
+      </a:dk2>
+      <a:lt2>
+        <a:srgbClr val="EBEBEB"/>
+      </a:lt2>
+      <a:accent1>
+        <a:srgbClr val="B01513"/>
+      </a:accent1>
+      <a:accent2>
+        <a:srgbClr val="EA6312"/>
+      </a:accent2>
+      <a:accent3>
+        <a:srgbClr val="E6B729"/>
+      </a:accent3>
+      <a:accent4>
+        <a:srgbClr val="6AAC90"/>
+      </a:accent4>
+      <a:accent5>
+        <a:srgbClr val="5F9C9D"/>
+      </a:accent5>
+      <a:accent6>
+        <a:srgbClr val="9E5E9B"/>
+      </a:accent6>
+      <a:hlink>
+        <a:srgbClr val="58C1BA"/>
+      </a:hlink>
+      <a:folHlink>
+        <a:srgbClr val="9DD0CB"/>
+      </a:folHlink>
+    </a:clrScheme>
+    <a:fontScheme name="Ion">
+      <a:majorFont>
+        <a:latin typeface="Century Gothic" panose="020B0502020202020204"/>
+        <a:ea typeface=""/>
+        <a:cs typeface=""/>
+        <a:font script="Jpan" typeface="メイリオ"/>
+        <a:font script="Hang" typeface="맑은 고딕"/>
+        <a:font script="Hans" typeface="宋体"/>
+        <a:font script="Hant" typeface="新細明體"/>
+        <a:font script="Arab" typeface="Times New Roman"/>
+        <a:font script="Hebr" typeface="Times New Roman"/>
+        <a:font script="Thai" typeface="Angsana New"/>
+        <a:font script="Ethi" typeface="Nyala"/>
+        <a:font script="Beng" typeface="Vrinda"/>
+        <a:font script="Gujr" typeface="Shruti"/>
+        <a:font script="Khmr" typeface="MoolBoran"/>
+        <a:font script="Knda" typeface="Tunga"/>
+        <a:font script="Guru" typeface="Raavi"/>
+        <a:font script="Cans" typeface="Euphemia"/>
+        <a:font script="Cher" typeface="Plantagenet Cherokee"/>
+        <a:font script="Yiii" typeface="Microsoft Yi Baiti"/>
+        <a:font script="Tibt" typeface="Microsoft Himalaya"/>
+        <a:font script="Thaa" typeface="MV Boli"/>
+        <a:font script="Deva" typeface="Mangal"/>
+        <a:font script="Telu" typeface="Gautami"/>
+        <a:font script="Taml" typeface="Latha"/>
+        <a:font script="Syrc" typeface="Estrangelo Edessa"/>
+        <a:font script="Orya" typeface="Kalinga"/>
+        <a:font script="Mlym" typeface="Kartika"/>
+        <a:font script="Laoo" typeface="DokChampa"/>
+        <a:font script="Sinh" typeface="Iskoola Pota"/>
+        <a:font script="Mong" typeface="Mongolian Baiti"/>
+        <a:font script="Viet" typeface="Times New Roman"/>
+        <a:font script="Uigh" typeface="Microsoft Uighur"/>
+        <a:font script="Geor" typeface="Sylfaen"/>
+      </a:majorFont>
+      <a:minorFont>
+        <a:latin typeface="Century Gothic" panose="020B0502020202020204"/>
+        <a:ea typeface=""/>
+        <a:cs typeface=""/>
+        <a:font script="Jpan" typeface="メイリオ"/>
+        <a:font script="Hang" typeface="맑은 고딕"/>
+        <a:font script="Hans" typeface="宋体"/>
+        <a:font script="Hant" typeface="新細明體"/>
+        <a:font script="Arab" typeface="Arial"/>
+        <a:font script="Hebr" typeface="Arial"/>
+        <a:font script="Thai" typeface="Cordia New"/>
+        <a:font script="Ethi" typeface="Nyala"/>
+        <a:font script="Beng" typeface="Vrinda"/>
+        <a:font script="Gujr" typeface="Shruti"/>
+        <a:font script="Khmr" typeface="DaunPenh"/>
+        <a:font script="Knda" typeface="Tunga"/>
+        <a:font script="Guru" typeface="Raavi"/>
+        <a:font script="Cans" typeface="Euphemia"/>
+        <a:font script="Cher" typeface="Plantagenet Cherokee"/>
+        <a:font script="Yiii" typeface="Microsoft Yi Baiti"/>
+        <a:font script="Tibt" typeface="Microsoft Himalaya"/>
+        <a:font script="Thaa" typeface="MV Boli"/>
+        <a:font script="Deva" typeface="Mangal"/>
+        <a:font script="Telu" typeface="Gautami"/>
+        <a:font script="Taml" typeface="Latha"/>
+        <a:font script="Syrc" typeface="Estrangelo Edessa"/>
+        <a:font script="Orya" typeface="Kalinga"/>
+        <a:font script="Mlym" typeface="Kartika"/>
+        <a:font script="Laoo" typeface="DokChampa"/>
+        <a:font script="Sinh" typeface="Iskoola Pota"/>
+        <a:font script="Mong" typeface="Mongolian Baiti"/>
+        <a:font script="Viet" typeface="Arial"/>
+        <a:font script="Uigh" typeface="Microsoft Uighur"/>
+        <a:font script="Geor" typeface="Sylfaen"/>
+      </a:minorFont>
+    </a:fontScheme>
+    <a:fmtScheme name="Ion">
+      <a:fillStyleLst>
+        <a:solidFill>
+          <a:schemeClr val="phClr"/>
+        </a:solidFill>
+        <a:gradFill rotWithShape="1">
+          <a:gsLst>
+            <a:gs pos="0">
+              <a:schemeClr val="phClr">
+                <a:tint val="64000"/>
+                <a:lumMod val="118000"/>
+              </a:schemeClr>
+            </a:gs>
+            <a:gs pos="100000">
+              <a:schemeClr val="phClr">
+                <a:tint val="92000"/>
+                <a:alpha val="100000"/>
+                <a:lumMod val="110000"/>
+              </a:schemeClr>
+            </a:gs>
+          </a:gsLst>
+          <a:lin ang="5400000" scaled="0"/>
+        </a:gradFill>
+        <a:gradFill rotWithShape="1">
+          <a:gsLst>
+            <a:gs pos="0">
+              <a:schemeClr val="phClr">
+                <a:tint val="98000"/>
+                <a:lumMod val="114000"/>
+              </a:schemeClr>
+            </a:gs>
+            <a:gs pos="100000">
+              <a:schemeClr val="phClr">
+                <a:shade val="90000"/>
+                <a:lumMod val="84000"/>
+              </a:schemeClr>
+            </a:gs>
+          </a:gsLst>
+          <a:lin ang="5400000" scaled="0"/>
+        </a:gradFill>
+      </a:fillStyleLst>
+      <a:lnStyleLst>
+        <a:ln w="9525" cap="rnd" cmpd="sng" algn="ctr">
+          <a:solidFill>
+            <a:schemeClr val="phClr"/>
+          </a:solidFill>
+          <a:prstDash val="solid"/>
+        </a:ln>
+        <a:ln w="19050" cap="rnd" cmpd="sng" algn="ctr">
+          <a:solidFill>
+            <a:schemeClr val="phClr"/>
+          </a:solidFill>
+          <a:prstDash val="solid"/>
+        </a:ln>
+        <a:ln w="28575" cap="rnd" cmpd="sng" algn="ctr">
+          <a:solidFill>
+            <a:schemeClr val="phClr"/>
+          </a:solidFill>
+          <a:prstDash val="solid"/>
+        </a:ln>
+      </a:lnStyleLst>
+      <a:effectStyleLst>
+        <a:effectStyle>
+          <a:effectLst/>
+        </a:effectStyle>
+        <a:effectStyle>
+          <a:effectLst>
+            <a:outerShdw blurRad="38100" dist="25400" dir="5400000" rotWithShape="0">
+              <a:srgbClr val="000000">
+                <a:alpha val="45000"/>
+              </a:srgbClr>
+            </a:outerShdw>
+          </a:effectLst>
+        </a:effectStyle>
+        <a:effectStyle>
+          <a:effectLst>
+            <a:outerShdw blurRad="63500" dist="38100" dir="5400000" rotWithShape="0">
+              <a:srgbClr val="000000">
+                <a:alpha val="60000"/>
+              </a:srgbClr>
+            </a:outerShdw>
+          </a:effectLst>
+          <a:scene3d>
+            <a:camera prst="orthographicFront">
+              <a:rot lat="0" lon="0" rev="0"/>
+            </a:camera>
+            <a:lightRig rig="threePt" dir="tl"/>
+          </a:scene3d>
+          <a:sp3d prstMaterial="plastic">
+            <a:bevelT w="0" h="0"/>
+          </a:sp3d>
+        </a:effectStyle>
+      </a:effectStyleLst>
+      <a:bgFillStyleLst>
+        <a:solidFill>
+          <a:schemeClr val="phClr"/>
+        </a:solidFill>
+        <a:gradFill rotWithShape="1">
+          <a:gsLst>
+            <a:gs pos="0">
+              <a:schemeClr val="phClr">
+                <a:tint val="97000"/>
+                <a:hueMod val="88000"/>
+                <a:satMod val="130000"/>
+                <a:lumMod val="124000"/>
+              </a:schemeClr>
+            </a:gs>
+            <a:gs pos="100000">
+              <a:schemeClr val="phClr">
+                <a:tint val="96000"/>
+                <a:shade val="88000"/>
+                <a:hueMod val="108000"/>
+                <a:satMod val="164000"/>
+                <a:lumMod val="76000"/>
+              </a:schemeClr>
+            </a:gs>
+          </a:gsLst>
+          <a:path path="circle">
+            <a:fillToRect l="45000" t="65000" r="125000" b="100000"/>
+          </a:path>
+        </a:gradFill>
+        <a:blipFill rotWithShape="1">
+          <a:blip xmlns:r="http://schemas.openxmlformats.org/officeDocument/2006/relationships" r:embed="rId1">
+            <a:duotone>
+              <a:schemeClr val="phClr">
+                <a:shade val="69000"/>
+                <a:hueMod val="108000"/>
+                <a:satMod val="164000"/>
+                <a:lumMod val="74000"/>
+              </a:schemeClr>
+              <a:schemeClr val="phClr">
+                <a:tint val="96000"/>
+                <a:hueMod val="88000"/>
+                <a:satMod val="140000"/>
+                <a:lumMod val="132000"/>
+              </a:schemeClr>
+            </a:duotone>
+          </a:blip>
+          <a:stretch/>
+        </a:blipFill>
+      </a:bgFillStyleLst>
+    </a:fmtScheme>
+  </a:themeElements>
+  <a:objectDefaults/>
+  <a:extraClrSchemeLst/>
+  <a:extLst>
+    <a:ext uri="{05A4C25C-085E-4340-85A3-A5531E510DB2}">
+      <thm15:themeFamily xmlns:thm15="http://schemas.microsoft.com/office/thememl/2012/main" name="Ion" id="{B8441ADB-2E43-4AF7-B97A-BD870242C6A8}" vid="{292E63A9-BB86-4E3D-B92A-7223C6510D2E}"/>
+    </a:ext>
+  </a:extLst>
+</a:theme>
+</file>
+
+<file path=ppt/theme/theme2.xml><?xml version="1.0" encoding="utf-8"?>
 <a:theme xmlns:a="http://schemas.openxmlformats.org/drawingml/2006/main" name="Office Theme">
   <a:themeElements>
     <a:clrScheme name="Office">
@@ -3165,39 +8191,39 @@
         <a:sysClr val="window" lastClr="FFFFFF"/>
       </a:lt1>
       <a:dk2>
-        <a:srgbClr val="1F497D"/>
+        <a:srgbClr val="44546A"/>
       </a:dk2>
       <a:lt2>
-        <a:srgbClr val="EEECE1"/>
+        <a:srgbClr val="E7E6E6"/>
       </a:lt2>
       <a:accent1>
-        <a:srgbClr val="4F81BD"/>
+        <a:srgbClr val="5B9BD5"/>
       </a:accent1>
       <a:accent2>
-        <a:srgbClr val="C0504D"/>
+        <a:srgbClr val="ED7D31"/>
       </a:accent2>
       <a:accent3>
-        <a:srgbClr val="9BBB59"/>
+        <a:srgbClr val="A5A5A5"/>
       </a:accent3>
       <a:accent4>
-        <a:srgbClr val="8064A2"/>
+        <a:srgbClr val="FFC000"/>
       </a:accent4>
       <a:accent5>
-        <a:srgbClr val="4BACC6"/>
+        <a:srgbClr val="4472C4"/>
       </a:accent5>
       <a:accent6>
-        <a:srgbClr val="F79646"/>
+        <a:srgbClr val="70AD47"/>
       </a:accent6>
       <a:hlink>
-        <a:srgbClr val="0000FF"/>
+        <a:srgbClr val="0563C1"/>
       </a:hlink>
       <a:folHlink>
-        <a:srgbClr val="800080"/>
+        <a:srgbClr val="954F72"/>
       </a:folHlink>
     </a:clrScheme>
     <a:fontScheme name="Office">
       <a:majorFont>
-        <a:latin typeface="Calibri"/>
+        <a:latin typeface="Calibri Light" panose="020F0302020204030204"/>
         <a:ea typeface=""/>
         <a:cs typeface=""/>
         <a:font script="Jpan" typeface="ＭＳ Ｐゴシック"/>
@@ -3232,7 +8258,7 @@
         <a:font script="Geor" typeface="Sylfaen"/>
       </a:majorFont>
       <a:minorFont>
-        <a:latin typeface="Calibri"/>
+        <a:latin typeface="Calibri" panose="020F0502020204030204"/>
         <a:ea typeface=""/>
         <a:cs typeface=""/>
         <a:font script="Jpan" typeface="ＭＳ Ｐゴシック"/>
@@ -3276,200 +8302,141 @@
           <a:gsLst>
             <a:gs pos="0">
               <a:schemeClr val="phClr">
-                <a:tint val="50000"/>
-                <a:satMod val="300000"/>
+                <a:lumMod val="110000"/>
+                <a:satMod val="105000"/>
+                <a:tint val="67000"/>
               </a:schemeClr>
             </a:gs>
-            <a:gs pos="35000">
+            <a:gs pos="50000">
               <a:schemeClr val="phClr">
-                <a:tint val="37000"/>
-                <a:satMod val="300000"/>
+                <a:lumMod val="105000"/>
+                <a:satMod val="103000"/>
+                <a:tint val="73000"/>
               </a:schemeClr>
             </a:gs>
             <a:gs pos="100000">
               <a:schemeClr val="phClr">
-                <a:tint val="15000"/>
-                <a:satMod val="350000"/>
+                <a:lumMod val="105000"/>
+                <a:satMod val="109000"/>
+                <a:tint val="81000"/>
               </a:schemeClr>
             </a:gs>
           </a:gsLst>
-          <a:lin ang="16200000" scaled="1"/>
+          <a:lin ang="5400000" scaled="0"/>
         </a:gradFill>
         <a:gradFill rotWithShape="1">
           <a:gsLst>
             <a:gs pos="0">
               <a:schemeClr val="phClr">
-                <a:tint val="100000"/>
+                <a:satMod val="103000"/>
+                <a:lumMod val="102000"/>
+                <a:tint val="94000"/>
+              </a:schemeClr>
+            </a:gs>
+            <a:gs pos="50000">
+              <a:schemeClr val="phClr">
+                <a:satMod val="110000"/>
+                <a:lumMod val="100000"/>
                 <a:shade val="100000"/>
-                <a:satMod val="130000"/>
               </a:schemeClr>
             </a:gs>
             <a:gs pos="100000">
               <a:schemeClr val="phClr">
-                <a:tint val="50000"/>
-                <a:shade val="100000"/>
-                <a:satMod val="350000"/>
+                <a:lumMod val="99000"/>
+                <a:satMod val="120000"/>
+                <a:shade val="78000"/>
               </a:schemeClr>
             </a:gs>
           </a:gsLst>
-          <a:lin ang="16200000" scaled="0"/>
+          <a:lin ang="5400000" scaled="0"/>
         </a:gradFill>
       </a:fillStyleLst>
       <a:lnStyleLst>
-        <a:ln w="9525" cap="flat" cmpd="sng" algn="ctr">
-          <a:solidFill>
-            <a:schemeClr val="phClr">
-              <a:shade val="95000"/>
-              <a:satMod val="105000"/>
-            </a:schemeClr>
-          </a:solidFill>
-          <a:prstDash val="solid"/>
-        </a:ln>
-        <a:ln w="25400" cap="flat" cmpd="sng" algn="ctr">
+        <a:ln w="6350" cap="flat" cmpd="sng" algn="ctr">
           <a:solidFill>
             <a:schemeClr val="phClr"/>
           </a:solidFill>
           <a:prstDash val="solid"/>
+          <a:miter lim="800000"/>
         </a:ln>
-        <a:ln w="38100" cap="flat" cmpd="sng" algn="ctr">
+        <a:ln w="12700" cap="flat" cmpd="sng" algn="ctr">
           <a:solidFill>
             <a:schemeClr val="phClr"/>
           </a:solidFill>
           <a:prstDash val="solid"/>
+          <a:miter lim="800000"/>
+        </a:ln>
+        <a:ln w="19050" cap="flat" cmpd="sng" algn="ctr">
+          <a:solidFill>
+            <a:schemeClr val="phClr"/>
+          </a:solidFill>
+          <a:prstDash val="solid"/>
+          <a:miter lim="800000"/>
         </a:ln>
       </a:lnStyleLst>
       <a:effectStyleLst>
         <a:effectStyle>
+          <a:effectLst/>
+        </a:effectStyle>
+        <a:effectStyle>
+          <a:effectLst/>
+        </a:effectStyle>
+        <a:effectStyle>
           <a:effectLst>
-            <a:outerShdw blurRad="40000" dist="20000" dir="5400000" rotWithShape="0">
+            <a:outerShdw blurRad="57150" dist="19050" dir="5400000" algn="ctr" rotWithShape="0">
               <a:srgbClr val="000000">
-                <a:alpha val="38000"/>
+                <a:alpha val="63000"/>
               </a:srgbClr>
             </a:outerShdw>
           </a:effectLst>
-        </a:effectStyle>
-        <a:effectStyle>
-          <a:effectLst>
-            <a:outerShdw blurRad="40000" dist="23000" dir="5400000" rotWithShape="0">
-              <a:srgbClr val="000000">
-                <a:alpha val="35000"/>
-              </a:srgbClr>
-            </a:outerShdw>
-          </a:effectLst>
-        </a:effectStyle>
-        <a:effectStyle>
-          <a:effectLst>
-            <a:outerShdw blurRad="40000" dist="23000" dir="5400000" rotWithShape="0">
-              <a:srgbClr val="000000">
-                <a:alpha val="35000"/>
-              </a:srgbClr>
-            </a:outerShdw>
-          </a:effectLst>
-          <a:scene3d>
-            <a:camera prst="orthographicFront">
-              <a:rot lat="0" lon="0" rev="0"/>
-            </a:camera>
-            <a:lightRig rig="threePt" dir="t">
-              <a:rot lat="0" lon="0" rev="1200000"/>
-            </a:lightRig>
-          </a:scene3d>
-          <a:sp3d>
-            <a:bevelT w="63500" h="25400"/>
-          </a:sp3d>
         </a:effectStyle>
       </a:effectStyleLst>
       <a:bgFillStyleLst>
         <a:solidFill>
           <a:schemeClr val="phClr"/>
         </a:solidFill>
+        <a:solidFill>
+          <a:schemeClr val="phClr">
+            <a:tint val="95000"/>
+            <a:satMod val="170000"/>
+          </a:schemeClr>
+        </a:solidFill>
         <a:gradFill rotWithShape="1">
           <a:gsLst>
             <a:gs pos="0">
               <a:schemeClr val="phClr">
-                <a:tint val="40000"/>
-                <a:satMod val="350000"/>
+                <a:tint val="93000"/>
+                <a:satMod val="150000"/>
+                <a:shade val="98000"/>
+                <a:lumMod val="102000"/>
               </a:schemeClr>
             </a:gs>
-            <a:gs pos="40000">
+            <a:gs pos="50000">
               <a:schemeClr val="phClr">
-                <a:tint val="45000"/>
-                <a:shade val="99000"/>
-                <a:satMod val="350000"/>
+                <a:tint val="98000"/>
+                <a:satMod val="130000"/>
+                <a:shade val="90000"/>
+                <a:lumMod val="103000"/>
               </a:schemeClr>
             </a:gs>
             <a:gs pos="100000">
               <a:schemeClr val="phClr">
-                <a:shade val="20000"/>
-                <a:satMod val="255000"/>
+                <a:shade val="63000"/>
+                <a:satMod val="120000"/>
               </a:schemeClr>
             </a:gs>
           </a:gsLst>
-          <a:path path="circle">
-            <a:fillToRect l="50000" t="-80000" r="50000" b="180000"/>
-          </a:path>
-        </a:gradFill>
-        <a:gradFill rotWithShape="1">
-          <a:gsLst>
-            <a:gs pos="0">
-              <a:schemeClr val="phClr">
-                <a:tint val="80000"/>
-                <a:satMod val="300000"/>
-              </a:schemeClr>
-            </a:gs>
-            <a:gs pos="100000">
-              <a:schemeClr val="phClr">
-                <a:shade val="30000"/>
-                <a:satMod val="200000"/>
-              </a:schemeClr>
-            </a:gs>
-          </a:gsLst>
-          <a:path path="circle">
-            <a:fillToRect l="50000" t="50000" r="50000" b="50000"/>
-          </a:path>
+          <a:lin ang="5400000" scaled="0"/>
         </a:gradFill>
       </a:bgFillStyleLst>
     </a:fmtScheme>
   </a:themeElements>
-  <a:objectDefaults>
-    <a:spDef>
-      <a:spPr/>
-      <a:bodyPr/>
-      <a:lstStyle/>
-      <a:style>
-        <a:lnRef idx="1">
-          <a:schemeClr val="accent1"/>
-        </a:lnRef>
-        <a:fillRef idx="3">
-          <a:schemeClr val="accent1"/>
-        </a:fillRef>
-        <a:effectRef idx="2">
-          <a:schemeClr val="accent1"/>
-        </a:effectRef>
-        <a:fontRef idx="minor">
-          <a:schemeClr val="lt1"/>
-        </a:fontRef>
-      </a:style>
-    </a:spDef>
-    <a:lnDef>
-      <a:spPr/>
-      <a:bodyPr/>
-      <a:lstStyle/>
-      <a:style>
-        <a:lnRef idx="2">
-          <a:schemeClr val="accent1"/>
-        </a:lnRef>
-        <a:fillRef idx="0">
-          <a:schemeClr val="accent1"/>
-        </a:fillRef>
-        <a:effectRef idx="1">
-          <a:schemeClr val="accent1"/>
-        </a:effectRef>
-        <a:fontRef idx="minor">
-          <a:schemeClr val="tx1"/>
-        </a:fontRef>
-      </a:style>
-    </a:lnDef>
-  </a:objectDefaults>
+  <a:objectDefaults/>
   <a:extraClrSchemeLst/>
+  <a:extLst>
+    <a:ext uri="{05A4C25C-085E-4340-85A3-A5531E510DB2}">
+      <thm15:themeFamily xmlns:thm15="http://schemas.microsoft.com/office/thememl/2012/main" name="Office Theme" id="{62F939B6-93AF-4DB8-9C6B-D6C7DFDC589F}" vid="{4A3C46E8-61CC-4603-A589-7422A47A8E4A}"/>
+    </a:ext>
+  </a:extLst>
 </a:theme>
 </file>
--- a/MSIM741_slides_BARBACHEM_COOGAN.pptx
+++ b/MSIM741_slides_BARBACHEM_COOGAN.pptx
@@ -7534,7 +7534,11 @@
           <a:p>
             <a:r>
               <a:rPr lang="en-US" dirty="0" smtClean="0"/>
-              <a:t>Computer-Aided Design</a:t>
+              <a:t>Computer-Aided </a:t>
+            </a:r>
+            <a:r>
+              <a:rPr lang="en-US" dirty="0" smtClean="0"/>
+              <a:t>Design (CAD)</a:t>
             </a:r>
             <a:endParaRPr lang="en-US" dirty="0"/>
           </a:p>
@@ -7825,7 +7829,48 @@
           <a:bodyPr/>
           <a:lstStyle/>
           <a:p>
-            <a:endParaRPr lang="en-US"/>
+            <a:r>
+              <a:rPr lang="en-US" dirty="0" smtClean="0"/>
+              <a:t>Ability to change the color scheme dynamically </a:t>
+            </a:r>
+          </a:p>
+          <a:p>
+            <a:endParaRPr lang="en-US" dirty="0" smtClean="0"/>
+          </a:p>
+          <a:p>
+            <a:r>
+              <a:rPr lang="en-US" dirty="0" smtClean="0"/>
+              <a:t>Ability to choose colors that are visually distinct</a:t>
+            </a:r>
+          </a:p>
+          <a:p>
+            <a:pPr lvl="1"/>
+            <a:r>
+              <a:rPr lang="en-US" dirty="0" smtClean="0"/>
+              <a:t>Certain distance apart</a:t>
+            </a:r>
+          </a:p>
+          <a:p>
+            <a:pPr lvl="1"/>
+            <a:endParaRPr lang="en-US" dirty="0" smtClean="0"/>
+          </a:p>
+          <a:p>
+            <a:r>
+              <a:rPr lang="en-US" dirty="0" smtClean="0"/>
+              <a:t>Ability to choose saturated colors</a:t>
+            </a:r>
+          </a:p>
+          <a:p>
+            <a:endParaRPr lang="en-US" dirty="0" smtClean="0"/>
+          </a:p>
+          <a:p>
+            <a:r>
+              <a:rPr lang="en-US" dirty="0" smtClean="0"/>
+              <a:t>Unambiguous data interpretation </a:t>
+            </a:r>
+          </a:p>
+          <a:p>
+            <a:endParaRPr lang="en-US" dirty="0"/>
           </a:p>
         </p:txBody>
       </p:sp>

--- a/MSIM741_slides_BARBACHEM_COOGAN.pptx
+++ b/MSIM741_slides_BARBACHEM_COOGAN.pptx
@@ -5,7 +5,7 @@
     <p:sldMasterId id="2147483660" r:id="rId1"/>
   </p:sldMasterIdLst>
   <p:notesMasterIdLst>
-    <p:notesMasterId r:id="rId15"/>
+    <p:notesMasterId r:id="rId23"/>
   </p:notesMasterIdLst>
   <p:sldIdLst>
     <p:sldId id="256" r:id="rId2"/>
@@ -17,10 +17,18 @@
     <p:sldId id="259" r:id="rId8"/>
     <p:sldId id="260" r:id="rId9"/>
     <p:sldId id="261" r:id="rId10"/>
-    <p:sldId id="268" r:id="rId11"/>
-    <p:sldId id="262" r:id="rId12"/>
-    <p:sldId id="263" r:id="rId13"/>
-    <p:sldId id="264" r:id="rId14"/>
+    <p:sldId id="274" r:id="rId11"/>
+    <p:sldId id="275" r:id="rId12"/>
+    <p:sldId id="276" r:id="rId13"/>
+    <p:sldId id="277" r:id="rId14"/>
+    <p:sldId id="262" r:id="rId15"/>
+    <p:sldId id="269" r:id="rId16"/>
+    <p:sldId id="270" r:id="rId17"/>
+    <p:sldId id="271" r:id="rId18"/>
+    <p:sldId id="272" r:id="rId19"/>
+    <p:sldId id="273" r:id="rId20"/>
+    <p:sldId id="268" r:id="rId21"/>
+    <p:sldId id="263" r:id="rId22"/>
   </p:sldIdLst>
   <p:sldSz cx="9144000" cy="6858000" type="screen4x3"/>
   <p:notesSz cx="6858000" cy="9144000"/>
@@ -220,7 +228,7 @@
           <a:p>
             <a:fld id="{7DD70E8B-17DE-4AB4-B5F7-EE40E5D54983}" type="datetimeFigureOut">
               <a:rPr lang="en-US" smtClean="0"/>
-              <a:t>11/28/2015</a:t>
+              <a:t>11/29/2015</a:t>
             </a:fld>
             <a:endParaRPr lang="en-US"/>
           </a:p>
@@ -729,7 +737,7 @@
           <a:p>
             <a:fld id="{040382CF-E665-4BCB-92D9-2442325D20B9}" type="slidenum">
               <a:rPr lang="en-US" smtClean="0"/>
-              <a:t>11</a:t>
+              <a:t>14</a:t>
             </a:fld>
             <a:endParaRPr lang="en-US"/>
           </a:p>
@@ -934,7 +942,7 @@
           <a:p>
             <a:fld id="{EF89BEDD-2D5A-D245-9D2D-27971D6E2DCC}" type="datetimeFigureOut">
               <a:rPr lang="en-US" smtClean="0"/>
-              <a:t>11/28/2015</a:t>
+              <a:t>11/29/2015</a:t>
             </a:fld>
             <a:endParaRPr lang="en-US"/>
           </a:p>
@@ -1209,7 +1217,7 @@
           <a:p>
             <a:fld id="{EF89BEDD-2D5A-D245-9D2D-27971D6E2DCC}" type="datetimeFigureOut">
               <a:rPr lang="en-US" smtClean="0"/>
-              <a:t>11/28/2015</a:t>
+              <a:t>11/29/2015</a:t>
             </a:fld>
             <a:endParaRPr lang="en-US"/>
           </a:p>
@@ -1403,7 +1411,7 @@
           <a:p>
             <a:fld id="{EF89BEDD-2D5A-D245-9D2D-27971D6E2DCC}" type="datetimeFigureOut">
               <a:rPr lang="en-US" smtClean="0"/>
-              <a:t>11/28/2015</a:t>
+              <a:t>11/29/2015</a:t>
             </a:fld>
             <a:endParaRPr lang="en-US"/>
           </a:p>
@@ -1676,7 +1684,7 @@
           <a:p>
             <a:fld id="{EF89BEDD-2D5A-D245-9D2D-27971D6E2DCC}" type="datetimeFigureOut">
               <a:rPr lang="en-US" smtClean="0"/>
-              <a:t>11/28/2015</a:t>
+              <a:t>11/29/2015</a:t>
             </a:fld>
             <a:endParaRPr lang="en-US"/>
           </a:p>
@@ -2017,7 +2025,7 @@
           <a:p>
             <a:fld id="{EF89BEDD-2D5A-D245-9D2D-27971D6E2DCC}" type="datetimeFigureOut">
               <a:rPr lang="en-US" smtClean="0"/>
-              <a:t>11/28/2015</a:t>
+              <a:t>11/29/2015</a:t>
             </a:fld>
             <a:endParaRPr lang="en-US"/>
           </a:p>
@@ -2640,7 +2648,7 @@
           <a:p>
             <a:fld id="{EF89BEDD-2D5A-D245-9D2D-27971D6E2DCC}" type="datetimeFigureOut">
               <a:rPr lang="en-US" smtClean="0"/>
-              <a:t>11/28/2015</a:t>
+              <a:t>11/29/2015</a:t>
             </a:fld>
             <a:endParaRPr lang="en-US"/>
           </a:p>
@@ -3500,7 +3508,7 @@
           <a:p>
             <a:fld id="{EF89BEDD-2D5A-D245-9D2D-27971D6E2DCC}" type="datetimeFigureOut">
               <a:rPr lang="en-US" smtClean="0"/>
-              <a:t>11/28/2015</a:t>
+              <a:t>11/29/2015</a:t>
             </a:fld>
             <a:endParaRPr lang="en-US"/>
           </a:p>
@@ -3670,7 +3678,7 @@
           <a:p>
             <a:fld id="{EF89BEDD-2D5A-D245-9D2D-27971D6E2DCC}" type="datetimeFigureOut">
               <a:rPr lang="en-US" smtClean="0"/>
-              <a:t>11/28/2015</a:t>
+              <a:t>11/29/2015</a:t>
             </a:fld>
             <a:endParaRPr lang="en-US"/>
           </a:p>
@@ -3850,7 +3858,7 @@
           <a:p>
             <a:fld id="{EF89BEDD-2D5A-D245-9D2D-27971D6E2DCC}" type="datetimeFigureOut">
               <a:rPr lang="en-US" smtClean="0"/>
-              <a:t>11/28/2015</a:t>
+              <a:t>11/29/2015</a:t>
             </a:fld>
             <a:endParaRPr lang="en-US"/>
           </a:p>
@@ -4020,7 +4028,7 @@
           <a:p>
             <a:fld id="{EF89BEDD-2D5A-D245-9D2D-27971D6E2DCC}" type="datetimeFigureOut">
               <a:rPr lang="en-US" smtClean="0"/>
-              <a:t>11/28/2015</a:t>
+              <a:t>11/29/2015</a:t>
             </a:fld>
             <a:endParaRPr lang="en-US"/>
           </a:p>
@@ -4267,7 +4275,7 @@
           <a:p>
             <a:fld id="{EF89BEDD-2D5A-D245-9D2D-27971D6E2DCC}" type="datetimeFigureOut">
               <a:rPr lang="en-US" smtClean="0"/>
-              <a:t>11/28/2015</a:t>
+              <a:t>11/29/2015</a:t>
             </a:fld>
             <a:endParaRPr lang="en-US"/>
           </a:p>
@@ -4559,7 +4567,7 @@
           <a:p>
             <a:fld id="{EF89BEDD-2D5A-D245-9D2D-27971D6E2DCC}" type="datetimeFigureOut">
               <a:rPr lang="en-US" smtClean="0"/>
-              <a:t>11/28/2015</a:t>
+              <a:t>11/29/2015</a:t>
             </a:fld>
             <a:endParaRPr lang="en-US"/>
           </a:p>
@@ -5003,7 +5011,7 @@
           <a:p>
             <a:fld id="{EF89BEDD-2D5A-D245-9D2D-27971D6E2DCC}" type="datetimeFigureOut">
               <a:rPr lang="en-US" smtClean="0"/>
-              <a:t>11/28/2015</a:t>
+              <a:t>11/29/2015</a:t>
             </a:fld>
             <a:endParaRPr lang="en-US"/>
           </a:p>
@@ -5121,7 +5129,7 @@
           <a:p>
             <a:fld id="{EF89BEDD-2D5A-D245-9D2D-27971D6E2DCC}" type="datetimeFigureOut">
               <a:rPr lang="en-US" smtClean="0"/>
-              <a:t>11/28/2015</a:t>
+              <a:t>11/29/2015</a:t>
             </a:fld>
             <a:endParaRPr lang="en-US"/>
           </a:p>
@@ -5216,7 +5224,7 @@
           <a:p>
             <a:fld id="{EF89BEDD-2D5A-D245-9D2D-27971D6E2DCC}" type="datetimeFigureOut">
               <a:rPr lang="en-US" smtClean="0"/>
-              <a:t>11/28/2015</a:t>
+              <a:t>11/29/2015</a:t>
             </a:fld>
             <a:endParaRPr lang="en-US"/>
           </a:p>
@@ -5495,7 +5503,7 @@
           <a:p>
             <a:fld id="{EF89BEDD-2D5A-D245-9D2D-27971D6E2DCC}" type="datetimeFigureOut">
               <a:rPr lang="en-US" smtClean="0"/>
-              <a:t>11/28/2015</a:t>
+              <a:t>11/29/2015</a:t>
             </a:fld>
             <a:endParaRPr lang="en-US"/>
           </a:p>
@@ -5770,7 +5778,7 @@
           <a:p>
             <a:fld id="{EF89BEDD-2D5A-D245-9D2D-27971D6E2DCC}" type="datetimeFigureOut">
               <a:rPr lang="en-US" smtClean="0"/>
-              <a:t>11/28/2015</a:t>
+              <a:t>11/29/2015</a:t>
             </a:fld>
             <a:endParaRPr lang="en-US"/>
           </a:p>
@@ -6335,7 +6343,7 @@
           <a:p>
             <a:fld id="{EF89BEDD-2D5A-D245-9D2D-27971D6E2DCC}" type="datetimeFigureOut">
               <a:rPr lang="en-US" smtClean="0"/>
-              <a:t>11/28/2015</a:t>
+              <a:t>11/29/2015</a:t>
             </a:fld>
             <a:endParaRPr lang="en-US"/>
           </a:p>
@@ -6960,35 +6968,45 @@
           <a:p>
             <a:r>
               <a:rPr lang="en-US" dirty="0" smtClean="0"/>
-              <a:t>Demonstration</a:t>
+              <a:t>Dynamic Abilities</a:t>
             </a:r>
             <a:endParaRPr lang="en-US" dirty="0"/>
           </a:p>
         </p:txBody>
       </p:sp>
-      <p:sp>
-        <p:nvSpPr>
-          <p:cNvPr id="3" name="Content Placeholder 2"/>
-          <p:cNvSpPr>
-            <a:spLocks noGrp="1"/>
-          </p:cNvSpPr>
+      <p:pic>
+        <p:nvPicPr>
+          <p:cNvPr id="4" name="Content Placeholder 3"/>
+          <p:cNvPicPr>
+            <a:picLocks noGrp="1" noChangeAspect="1"/>
+          </p:cNvPicPr>
           <p:nvPr>
             <p:ph idx="1"/>
           </p:nvPr>
-        </p:nvSpPr>
-        <p:spPr/>
-        <p:txBody>
-          <a:bodyPr/>
-          <a:lstStyle/>
-          <a:p>
-            <a:endParaRPr lang="en-US"/>
-          </a:p>
-        </p:txBody>
-      </p:sp>
+        </p:nvPicPr>
+        <p:blipFill>
+          <a:blip r:embed="rId2">
+            <a:extLst>
+              <a:ext uri="{28A0092B-C50C-407E-A947-70E740481C1C}">
+                <a14:useLocalDpi xmlns:a14="http://schemas.microsoft.com/office/drawing/2010/main" val="0"/>
+              </a:ext>
+            </a:extLst>
+          </a:blip>
+          <a:stretch>
+            <a:fillRect/>
+          </a:stretch>
+        </p:blipFill>
+        <p:spPr>
+          <a:xfrm>
+            <a:off x="1589713" y="1658742"/>
+            <a:ext cx="5669215" cy="4821482"/>
+          </a:xfrm>
+        </p:spPr>
+      </p:pic>
     </p:spTree>
     <p:extLst>
       <p:ext uri="{BB962C8B-B14F-4D97-AF65-F5344CB8AC3E}">
-        <p14:creationId xmlns:p14="http://schemas.microsoft.com/office/powerpoint/2010/main" val="933320529"/>
+        <p14:creationId xmlns:p14="http://schemas.microsoft.com/office/powerpoint/2010/main" val="1853709623"/>
       </p:ext>
     </p:extLst>
   </p:cSld>
@@ -7032,35 +7050,45 @@
           <a:p>
             <a:r>
               <a:rPr lang="en-US" dirty="0" smtClean="0"/>
-              <a:t>Results</a:t>
+              <a:t>Random Color Selection</a:t>
             </a:r>
             <a:endParaRPr lang="en-US" dirty="0"/>
           </a:p>
         </p:txBody>
       </p:sp>
-      <p:sp>
-        <p:nvSpPr>
-          <p:cNvPr id="3" name="Content Placeholder 2"/>
-          <p:cNvSpPr>
-            <a:spLocks noGrp="1"/>
-          </p:cNvSpPr>
+      <p:pic>
+        <p:nvPicPr>
+          <p:cNvPr id="4" name="Content Placeholder 3"/>
+          <p:cNvPicPr>
+            <a:picLocks noGrp="1" noChangeAspect="1"/>
+          </p:cNvPicPr>
           <p:nvPr>
             <p:ph idx="1"/>
           </p:nvPr>
-        </p:nvSpPr>
-        <p:spPr/>
-        <p:txBody>
-          <a:bodyPr/>
-          <a:lstStyle/>
-          <a:p>
-            <a:endParaRPr lang="en-US"/>
-          </a:p>
-        </p:txBody>
-      </p:sp>
+        </p:nvPicPr>
+        <p:blipFill>
+          <a:blip r:embed="rId2">
+            <a:extLst>
+              <a:ext uri="{28A0092B-C50C-407E-A947-70E740481C1C}">
+                <a14:useLocalDpi xmlns:a14="http://schemas.microsoft.com/office/drawing/2010/main" val="0"/>
+              </a:ext>
+            </a:extLst>
+          </a:blip>
+          <a:stretch>
+            <a:fillRect/>
+          </a:stretch>
+        </p:blipFill>
+        <p:spPr>
+          <a:xfrm>
+            <a:off x="2350197" y="1518066"/>
+            <a:ext cx="4514837" cy="5013714"/>
+          </a:xfrm>
+        </p:spPr>
+      </p:pic>
     </p:spTree>
     <p:extLst>
       <p:ext uri="{BB962C8B-B14F-4D97-AF65-F5344CB8AC3E}">
-        <p14:creationId xmlns:p14="http://schemas.microsoft.com/office/powerpoint/2010/main" val="2745289611"/>
+        <p14:creationId xmlns:p14="http://schemas.microsoft.com/office/powerpoint/2010/main" val="3645460186"/>
       </p:ext>
     </p:extLst>
   </p:cSld>
@@ -7104,35 +7132,48 @@
           <a:p>
             <a:r>
               <a:rPr lang="en-US" dirty="0" smtClean="0"/>
-              <a:t>Future </a:t>
-            </a:r>
+              <a:t>Color Selection</a:t>
+            </a:r>
+            <a:br>
+              <a:rPr lang="en-US" dirty="0" smtClean="0"/>
+            </a:br>
             <a:endParaRPr lang="en-US" dirty="0"/>
           </a:p>
         </p:txBody>
       </p:sp>
-      <p:sp>
-        <p:nvSpPr>
-          <p:cNvPr id="3" name="Content Placeholder 2"/>
-          <p:cNvSpPr>
-            <a:spLocks noGrp="1"/>
-          </p:cNvSpPr>
+      <p:pic>
+        <p:nvPicPr>
+          <p:cNvPr id="4" name="Content Placeholder 3"/>
+          <p:cNvPicPr>
+            <a:picLocks noGrp="1" noChangeAspect="1"/>
+          </p:cNvPicPr>
           <p:nvPr>
             <p:ph idx="1"/>
           </p:nvPr>
-        </p:nvSpPr>
-        <p:spPr/>
-        <p:txBody>
-          <a:bodyPr/>
-          <a:lstStyle/>
-          <a:p>
-            <a:endParaRPr lang="en-US"/>
-          </a:p>
-        </p:txBody>
-      </p:sp>
+        </p:nvPicPr>
+        <p:blipFill>
+          <a:blip r:embed="rId2">
+            <a:extLst>
+              <a:ext uri="{28A0092B-C50C-407E-A947-70E740481C1C}">
+                <a14:useLocalDpi xmlns:a14="http://schemas.microsoft.com/office/drawing/2010/main" val="0"/>
+              </a:ext>
+            </a:extLst>
+          </a:blip>
+          <a:stretch>
+            <a:fillRect/>
+          </a:stretch>
+        </p:blipFill>
+        <p:spPr>
+          <a:xfrm>
+            <a:off x="1923630" y="1447728"/>
+            <a:ext cx="5039877" cy="4990224"/>
+          </a:xfrm>
+        </p:spPr>
+      </p:pic>
     </p:spTree>
     <p:extLst>
       <p:ext uri="{BB962C8B-B14F-4D97-AF65-F5344CB8AC3E}">
-        <p14:creationId xmlns:p14="http://schemas.microsoft.com/office/powerpoint/2010/main" val="2855504310"/>
+        <p14:creationId xmlns:p14="http://schemas.microsoft.com/office/powerpoint/2010/main" val="843904700"/>
       </p:ext>
     </p:extLst>
   </p:cSld>
@@ -7176,35 +7217,739 @@
           <a:p>
             <a:r>
               <a:rPr lang="en-US" dirty="0" smtClean="0"/>
-              <a:t>Conclusion</a:t>
+              <a:t>Lookup Table Creation</a:t>
             </a:r>
             <a:endParaRPr lang="en-US" dirty="0"/>
           </a:p>
         </p:txBody>
       </p:sp>
-      <p:sp>
-        <p:nvSpPr>
-          <p:cNvPr id="3" name="Content Placeholder 2"/>
-          <p:cNvSpPr>
-            <a:spLocks noGrp="1"/>
-          </p:cNvSpPr>
+      <p:pic>
+        <p:nvPicPr>
+          <p:cNvPr id="4" name="Content Placeholder 3"/>
+          <p:cNvPicPr>
+            <a:picLocks noGrp="1" noChangeAspect="1"/>
+          </p:cNvPicPr>
           <p:nvPr>
             <p:ph idx="1"/>
           </p:nvPr>
-        </p:nvSpPr>
-        <p:spPr/>
-        <p:txBody>
-          <a:bodyPr/>
-          <a:lstStyle/>
-          <a:p>
-            <a:endParaRPr lang="en-US"/>
-          </a:p>
-        </p:txBody>
-      </p:sp>
+        </p:nvPicPr>
+        <p:blipFill>
+          <a:blip r:embed="rId2">
+            <a:extLst>
+              <a:ext uri="{28A0092B-C50C-407E-A947-70E740481C1C}">
+                <a14:useLocalDpi xmlns:a14="http://schemas.microsoft.com/office/drawing/2010/main" val="0"/>
+              </a:ext>
+            </a:extLst>
+          </a:blip>
+          <a:stretch>
+            <a:fillRect/>
+          </a:stretch>
+        </p:blipFill>
+        <p:spPr>
+          <a:xfrm>
+            <a:off x="1903077" y="1630607"/>
+            <a:ext cx="5524664" cy="4844287"/>
+          </a:xfrm>
+        </p:spPr>
+      </p:pic>
     </p:spTree>
     <p:extLst>
       <p:ext uri="{BB962C8B-B14F-4D97-AF65-F5344CB8AC3E}">
-        <p14:creationId xmlns:p14="http://schemas.microsoft.com/office/powerpoint/2010/main" val="3920094783"/>
+        <p14:creationId xmlns:p14="http://schemas.microsoft.com/office/powerpoint/2010/main" val="4278744661"/>
+      </p:ext>
+    </p:extLst>
+  </p:cSld>
+  <p:clrMapOvr>
+    <a:masterClrMapping/>
+  </p:clrMapOvr>
+</p:sld>
+</file>
+
+<file path=ppt/slides/slide14.xml><?xml version="1.0" encoding="utf-8"?>
+<p:sld xmlns:a="http://schemas.openxmlformats.org/drawingml/2006/main" xmlns:r="http://schemas.openxmlformats.org/officeDocument/2006/relationships" xmlns:p="http://schemas.openxmlformats.org/presentationml/2006/main">
+  <p:cSld>
+    <p:spTree>
+      <p:nvGrpSpPr>
+        <p:cNvPr id="1" name=""/>
+        <p:cNvGrpSpPr/>
+        <p:nvPr/>
+      </p:nvGrpSpPr>
+      <p:grpSpPr>
+        <a:xfrm>
+          <a:off x="0" y="0"/>
+          <a:ext cx="0" cy="0"/>
+          <a:chOff x="0" y="0"/>
+          <a:chExt cx="0" cy="0"/>
+        </a:xfrm>
+      </p:grpSpPr>
+      <p:sp>
+        <p:nvSpPr>
+          <p:cNvPr id="2" name="Title 1"/>
+          <p:cNvSpPr>
+            <a:spLocks noGrp="1"/>
+          </p:cNvSpPr>
+          <p:nvPr>
+            <p:ph type="title"/>
+          </p:nvPr>
+        </p:nvSpPr>
+        <p:spPr>
+          <a:xfrm>
+            <a:off x="934876" y="2830158"/>
+            <a:ext cx="7055380" cy="1400530"/>
+          </a:xfrm>
+        </p:spPr>
+        <p:txBody>
+          <a:bodyPr/>
+          <a:lstStyle/>
+          <a:p>
+            <a:pPr algn="ctr"/>
+            <a:r>
+              <a:rPr lang="en-US" sz="9600" dirty="0" smtClean="0"/>
+              <a:t>Results</a:t>
+            </a:r>
+            <a:endParaRPr lang="en-US" sz="9600" dirty="0"/>
+          </a:p>
+        </p:txBody>
+      </p:sp>
+    </p:spTree>
+    <p:extLst>
+      <p:ext uri="{BB962C8B-B14F-4D97-AF65-F5344CB8AC3E}">
+        <p14:creationId xmlns:p14="http://schemas.microsoft.com/office/powerpoint/2010/main" val="2745289611"/>
+      </p:ext>
+    </p:extLst>
+  </p:cSld>
+  <p:clrMapOvr>
+    <a:masterClrMapping/>
+  </p:clrMapOvr>
+</p:sld>
+</file>
+
+<file path=ppt/slides/slide15.xml><?xml version="1.0" encoding="utf-8"?>
+<p:sld xmlns:a="http://schemas.openxmlformats.org/drawingml/2006/main" xmlns:r="http://schemas.openxmlformats.org/officeDocument/2006/relationships" xmlns:p="http://schemas.openxmlformats.org/presentationml/2006/main">
+  <p:cSld>
+    <p:spTree>
+      <p:nvGrpSpPr>
+        <p:cNvPr id="1" name=""/>
+        <p:cNvGrpSpPr/>
+        <p:nvPr/>
+      </p:nvGrpSpPr>
+      <p:grpSpPr>
+        <a:xfrm>
+          <a:off x="0" y="0"/>
+          <a:ext cx="0" cy="0"/>
+          <a:chOff x="0" y="0"/>
+          <a:chExt cx="0" cy="0"/>
+        </a:xfrm>
+      </p:grpSpPr>
+      <p:sp>
+        <p:nvSpPr>
+          <p:cNvPr id="2" name="Title 1"/>
+          <p:cNvSpPr>
+            <a:spLocks noGrp="1"/>
+          </p:cNvSpPr>
+          <p:nvPr>
+            <p:ph type="title"/>
+          </p:nvPr>
+        </p:nvSpPr>
+        <p:spPr/>
+        <p:txBody>
+          <a:bodyPr/>
+          <a:lstStyle/>
+          <a:p>
+            <a:r>
+              <a:rPr lang="en-US" dirty="0" smtClean="0"/>
+              <a:t>Normal Execution</a:t>
+            </a:r>
+            <a:endParaRPr lang="en-US" dirty="0"/>
+          </a:p>
+        </p:txBody>
+      </p:sp>
+      <p:pic>
+        <p:nvPicPr>
+          <p:cNvPr id="4" name="Content Placeholder 3"/>
+          <p:cNvPicPr>
+            <a:picLocks noGrp="1" noChangeAspect="1"/>
+          </p:cNvPicPr>
+          <p:nvPr>
+            <p:ph idx="1"/>
+          </p:nvPr>
+        </p:nvPicPr>
+        <p:blipFill>
+          <a:blip r:embed="rId2">
+            <a:extLst>
+              <a:ext uri="{28A0092B-C50C-407E-A947-70E740481C1C}">
+                <a14:useLocalDpi xmlns:a14="http://schemas.microsoft.com/office/drawing/2010/main" val="0"/>
+              </a:ext>
+            </a:extLst>
+          </a:blip>
+          <a:stretch>
+            <a:fillRect/>
+          </a:stretch>
+        </p:blipFill>
+        <p:spPr>
+          <a:xfrm>
+            <a:off x="1744394" y="1543758"/>
+            <a:ext cx="5500467" cy="4725755"/>
+          </a:xfrm>
+        </p:spPr>
+      </p:pic>
+      <p:sp>
+        <p:nvSpPr>
+          <p:cNvPr id="5" name="Oval 4"/>
+          <p:cNvSpPr/>
+          <p:nvPr/>
+        </p:nvSpPr>
+        <p:spPr>
+          <a:xfrm>
+            <a:off x="1449165" y="5650534"/>
+            <a:ext cx="1392701" cy="618979"/>
+          </a:xfrm>
+          <a:prstGeom prst="ellipse">
+            <a:avLst/>
+          </a:prstGeom>
+          <a:noFill/>
+          <a:ln w="28575"/>
+        </p:spPr>
+        <p:style>
+          <a:lnRef idx="2">
+            <a:schemeClr val="accent1">
+              <a:shade val="50000"/>
+            </a:schemeClr>
+          </a:lnRef>
+          <a:fillRef idx="1">
+            <a:schemeClr val="accent1"/>
+          </a:fillRef>
+          <a:effectRef idx="0">
+            <a:schemeClr val="accent1"/>
+          </a:effectRef>
+          <a:fontRef idx="minor">
+            <a:schemeClr val="lt1"/>
+          </a:fontRef>
+        </p:style>
+        <p:txBody>
+          <a:bodyPr rtlCol="0" anchor="ctr"/>
+          <a:lstStyle/>
+          <a:p>
+            <a:pPr algn="ctr"/>
+            <a:endParaRPr lang="en-US"/>
+          </a:p>
+        </p:txBody>
+      </p:sp>
+    </p:spTree>
+    <p:extLst>
+      <p:ext uri="{BB962C8B-B14F-4D97-AF65-F5344CB8AC3E}">
+        <p14:creationId xmlns:p14="http://schemas.microsoft.com/office/powerpoint/2010/main" val="1230212350"/>
+      </p:ext>
+    </p:extLst>
+  </p:cSld>
+  <p:clrMapOvr>
+    <a:masterClrMapping/>
+  </p:clrMapOvr>
+</p:sld>
+</file>
+
+<file path=ppt/slides/slide16.xml><?xml version="1.0" encoding="utf-8"?>
+<p:sld xmlns:a="http://schemas.openxmlformats.org/drawingml/2006/main" xmlns:r="http://schemas.openxmlformats.org/officeDocument/2006/relationships" xmlns:p="http://schemas.openxmlformats.org/presentationml/2006/main">
+  <p:cSld>
+    <p:spTree>
+      <p:nvGrpSpPr>
+        <p:cNvPr id="1" name=""/>
+        <p:cNvGrpSpPr/>
+        <p:nvPr/>
+      </p:nvGrpSpPr>
+      <p:grpSpPr>
+        <a:xfrm>
+          <a:off x="0" y="0"/>
+          <a:ext cx="0" cy="0"/>
+          <a:chOff x="0" y="0"/>
+          <a:chExt cx="0" cy="0"/>
+        </a:xfrm>
+      </p:grpSpPr>
+      <p:sp>
+        <p:nvSpPr>
+          <p:cNvPr id="2" name="Title 1"/>
+          <p:cNvSpPr>
+            <a:spLocks noGrp="1"/>
+          </p:cNvSpPr>
+          <p:nvPr>
+            <p:ph type="title"/>
+          </p:nvPr>
+        </p:nvSpPr>
+        <p:spPr>
+          <a:xfrm>
+            <a:off x="259626" y="441202"/>
+            <a:ext cx="7421333" cy="1400530"/>
+          </a:xfrm>
+        </p:spPr>
+        <p:txBody>
+          <a:bodyPr/>
+          <a:lstStyle/>
+          <a:p>
+            <a:r>
+              <a:rPr lang="en-US" dirty="0" smtClean="0"/>
+              <a:t>Short Wavelength Sensitivity</a:t>
+            </a:r>
+            <a:endParaRPr lang="en-US" dirty="0"/>
+          </a:p>
+        </p:txBody>
+      </p:sp>
+      <p:pic>
+        <p:nvPicPr>
+          <p:cNvPr id="4" name="Content Placeholder 3"/>
+          <p:cNvPicPr>
+            <a:picLocks noGrp="1" noChangeAspect="1"/>
+          </p:cNvPicPr>
+          <p:nvPr>
+            <p:ph idx="1"/>
+          </p:nvPr>
+        </p:nvPicPr>
+        <p:blipFill>
+          <a:blip r:embed="rId2">
+            <a:extLst>
+              <a:ext uri="{28A0092B-C50C-407E-A947-70E740481C1C}">
+                <a14:useLocalDpi xmlns:a14="http://schemas.microsoft.com/office/drawing/2010/main" val="0"/>
+              </a:ext>
+            </a:extLst>
+          </a:blip>
+          <a:stretch>
+            <a:fillRect/>
+          </a:stretch>
+        </p:blipFill>
+        <p:spPr>
+          <a:xfrm>
+            <a:off x="1736686" y="1447728"/>
+            <a:ext cx="5620718" cy="4820024"/>
+          </a:xfrm>
+        </p:spPr>
+      </p:pic>
+      <p:sp>
+        <p:nvSpPr>
+          <p:cNvPr id="5" name="Oval 4"/>
+          <p:cNvSpPr/>
+          <p:nvPr/>
+        </p:nvSpPr>
+        <p:spPr>
+          <a:xfrm>
+            <a:off x="1589842" y="5648773"/>
+            <a:ext cx="1392701" cy="618979"/>
+          </a:xfrm>
+          <a:prstGeom prst="ellipse">
+            <a:avLst/>
+          </a:prstGeom>
+          <a:noFill/>
+          <a:ln w="28575"/>
+        </p:spPr>
+        <p:style>
+          <a:lnRef idx="2">
+            <a:schemeClr val="accent1">
+              <a:shade val="50000"/>
+            </a:schemeClr>
+          </a:lnRef>
+          <a:fillRef idx="1">
+            <a:schemeClr val="accent1"/>
+          </a:fillRef>
+          <a:effectRef idx="0">
+            <a:schemeClr val="accent1"/>
+          </a:effectRef>
+          <a:fontRef idx="minor">
+            <a:schemeClr val="lt1"/>
+          </a:fontRef>
+        </p:style>
+        <p:txBody>
+          <a:bodyPr rtlCol="0" anchor="ctr"/>
+          <a:lstStyle/>
+          <a:p>
+            <a:pPr algn="ctr"/>
+            <a:endParaRPr lang="en-US"/>
+          </a:p>
+        </p:txBody>
+      </p:sp>
+    </p:spTree>
+    <p:extLst>
+      <p:ext uri="{BB962C8B-B14F-4D97-AF65-F5344CB8AC3E}">
+        <p14:creationId xmlns:p14="http://schemas.microsoft.com/office/powerpoint/2010/main" val="3300905034"/>
+      </p:ext>
+    </p:extLst>
+  </p:cSld>
+  <p:clrMapOvr>
+    <a:masterClrMapping/>
+  </p:clrMapOvr>
+</p:sld>
+</file>
+
+<file path=ppt/slides/slide17.xml><?xml version="1.0" encoding="utf-8"?>
+<p:sld xmlns:a="http://schemas.openxmlformats.org/drawingml/2006/main" xmlns:r="http://schemas.openxmlformats.org/officeDocument/2006/relationships" xmlns:p="http://schemas.openxmlformats.org/presentationml/2006/main">
+  <p:cSld>
+    <p:spTree>
+      <p:nvGrpSpPr>
+        <p:cNvPr id="1" name=""/>
+        <p:cNvGrpSpPr/>
+        <p:nvPr/>
+      </p:nvGrpSpPr>
+      <p:grpSpPr>
+        <a:xfrm>
+          <a:off x="0" y="0"/>
+          <a:ext cx="0" cy="0"/>
+          <a:chOff x="0" y="0"/>
+          <a:chExt cx="0" cy="0"/>
+        </a:xfrm>
+      </p:grpSpPr>
+      <p:sp>
+        <p:nvSpPr>
+          <p:cNvPr id="2" name="Title 1"/>
+          <p:cNvSpPr>
+            <a:spLocks noGrp="1"/>
+          </p:cNvSpPr>
+          <p:nvPr>
+            <p:ph type="title"/>
+          </p:nvPr>
+        </p:nvSpPr>
+        <p:spPr>
+          <a:xfrm>
+            <a:off x="140676" y="452718"/>
+            <a:ext cx="8257736" cy="1400530"/>
+          </a:xfrm>
+        </p:spPr>
+        <p:txBody>
+          <a:bodyPr/>
+          <a:lstStyle/>
+          <a:p>
+            <a:r>
+              <a:rPr lang="en-US" dirty="0" smtClean="0"/>
+              <a:t>Medium Wavelength Sensitivity</a:t>
+            </a:r>
+            <a:endParaRPr lang="en-US" dirty="0"/>
+          </a:p>
+        </p:txBody>
+      </p:sp>
+      <p:pic>
+        <p:nvPicPr>
+          <p:cNvPr id="4" name="Content Placeholder 3"/>
+          <p:cNvPicPr>
+            <a:picLocks noGrp="1" noChangeAspect="1"/>
+          </p:cNvPicPr>
+          <p:nvPr>
+            <p:ph idx="1"/>
+          </p:nvPr>
+        </p:nvPicPr>
+        <p:blipFill>
+          <a:blip r:embed="rId2">
+            <a:extLst>
+              <a:ext uri="{28A0092B-C50C-407E-A947-70E740481C1C}">
+                <a14:useLocalDpi xmlns:a14="http://schemas.microsoft.com/office/drawing/2010/main" val="0"/>
+              </a:ext>
+            </a:extLst>
+          </a:blip>
+          <a:stretch>
+            <a:fillRect/>
+          </a:stretch>
+        </p:blipFill>
+        <p:spPr>
+          <a:xfrm>
+            <a:off x="1722618" y="1516821"/>
+            <a:ext cx="5705124" cy="4892406"/>
+          </a:xfrm>
+        </p:spPr>
+      </p:pic>
+      <p:sp>
+        <p:nvSpPr>
+          <p:cNvPr id="5" name="Oval 4"/>
+          <p:cNvSpPr/>
+          <p:nvPr/>
+        </p:nvSpPr>
+        <p:spPr>
+          <a:xfrm>
+            <a:off x="1561514" y="5790248"/>
+            <a:ext cx="1674055" cy="618979"/>
+          </a:xfrm>
+          <a:prstGeom prst="ellipse">
+            <a:avLst/>
+          </a:prstGeom>
+          <a:noFill/>
+          <a:ln w="28575"/>
+        </p:spPr>
+        <p:style>
+          <a:lnRef idx="2">
+            <a:schemeClr val="accent1">
+              <a:shade val="50000"/>
+            </a:schemeClr>
+          </a:lnRef>
+          <a:fillRef idx="1">
+            <a:schemeClr val="accent1"/>
+          </a:fillRef>
+          <a:effectRef idx="0">
+            <a:schemeClr val="accent1"/>
+          </a:effectRef>
+          <a:fontRef idx="minor">
+            <a:schemeClr val="lt1"/>
+          </a:fontRef>
+        </p:style>
+        <p:txBody>
+          <a:bodyPr rtlCol="0" anchor="ctr"/>
+          <a:lstStyle/>
+          <a:p>
+            <a:pPr algn="ctr"/>
+            <a:endParaRPr lang="en-US"/>
+          </a:p>
+        </p:txBody>
+      </p:sp>
+    </p:spTree>
+    <p:extLst>
+      <p:ext uri="{BB962C8B-B14F-4D97-AF65-F5344CB8AC3E}">
+        <p14:creationId xmlns:p14="http://schemas.microsoft.com/office/powerpoint/2010/main" val="3543694371"/>
+      </p:ext>
+    </p:extLst>
+  </p:cSld>
+  <p:clrMapOvr>
+    <a:masterClrMapping/>
+  </p:clrMapOvr>
+</p:sld>
+</file>
+
+<file path=ppt/slides/slide18.xml><?xml version="1.0" encoding="utf-8"?>
+<p:sld xmlns:a="http://schemas.openxmlformats.org/drawingml/2006/main" xmlns:r="http://schemas.openxmlformats.org/officeDocument/2006/relationships" xmlns:p="http://schemas.openxmlformats.org/presentationml/2006/main">
+  <p:cSld>
+    <p:spTree>
+      <p:nvGrpSpPr>
+        <p:cNvPr id="1" name=""/>
+        <p:cNvGrpSpPr/>
+        <p:nvPr/>
+      </p:nvGrpSpPr>
+      <p:grpSpPr>
+        <a:xfrm>
+          <a:off x="0" y="0"/>
+          <a:ext cx="0" cy="0"/>
+          <a:chOff x="0" y="0"/>
+          <a:chExt cx="0" cy="0"/>
+        </a:xfrm>
+      </p:grpSpPr>
+      <p:sp>
+        <p:nvSpPr>
+          <p:cNvPr id="2" name="Title 1"/>
+          <p:cNvSpPr>
+            <a:spLocks noGrp="1"/>
+          </p:cNvSpPr>
+          <p:nvPr>
+            <p:ph type="title"/>
+          </p:nvPr>
+        </p:nvSpPr>
+        <p:spPr>
+          <a:xfrm>
+            <a:off x="295422" y="452718"/>
+            <a:ext cx="7371470" cy="1400530"/>
+          </a:xfrm>
+        </p:spPr>
+        <p:txBody>
+          <a:bodyPr/>
+          <a:lstStyle/>
+          <a:p>
+            <a:r>
+              <a:rPr lang="en-US" dirty="0" smtClean="0"/>
+              <a:t>Long Wavelength Sensitivity</a:t>
+            </a:r>
+            <a:endParaRPr lang="en-US" dirty="0"/>
+          </a:p>
+        </p:txBody>
+      </p:sp>
+      <p:pic>
+        <p:nvPicPr>
+          <p:cNvPr id="4" name="Content Placeholder 3"/>
+          <p:cNvPicPr>
+            <a:picLocks noGrp="1" noChangeAspect="1"/>
+          </p:cNvPicPr>
+          <p:nvPr>
+            <p:ph idx="1"/>
+          </p:nvPr>
+        </p:nvPicPr>
+        <p:blipFill>
+          <a:blip r:embed="rId2">
+            <a:extLst>
+              <a:ext uri="{28A0092B-C50C-407E-A947-70E740481C1C}">
+                <a14:useLocalDpi xmlns:a14="http://schemas.microsoft.com/office/drawing/2010/main" val="0"/>
+              </a:ext>
+            </a:extLst>
+          </a:blip>
+          <a:stretch>
+            <a:fillRect/>
+          </a:stretch>
+        </p:blipFill>
+        <p:spPr>
+          <a:xfrm>
+            <a:off x="1669229" y="1461794"/>
+            <a:ext cx="5660039" cy="4859468"/>
+          </a:xfrm>
+        </p:spPr>
+      </p:pic>
+      <p:sp>
+        <p:nvSpPr>
+          <p:cNvPr id="5" name="Oval 4"/>
+          <p:cNvSpPr/>
+          <p:nvPr/>
+        </p:nvSpPr>
+        <p:spPr>
+          <a:xfrm>
+            <a:off x="1547639" y="5697605"/>
+            <a:ext cx="1392701" cy="618979"/>
+          </a:xfrm>
+          <a:prstGeom prst="ellipse">
+            <a:avLst/>
+          </a:prstGeom>
+          <a:noFill/>
+          <a:ln w="28575"/>
+        </p:spPr>
+        <p:style>
+          <a:lnRef idx="2">
+            <a:schemeClr val="accent1">
+              <a:shade val="50000"/>
+            </a:schemeClr>
+          </a:lnRef>
+          <a:fillRef idx="1">
+            <a:schemeClr val="accent1"/>
+          </a:fillRef>
+          <a:effectRef idx="0">
+            <a:schemeClr val="accent1"/>
+          </a:effectRef>
+          <a:fontRef idx="minor">
+            <a:schemeClr val="lt1"/>
+          </a:fontRef>
+        </p:style>
+        <p:txBody>
+          <a:bodyPr rtlCol="0" anchor="ctr"/>
+          <a:lstStyle/>
+          <a:p>
+            <a:pPr algn="ctr"/>
+            <a:endParaRPr lang="en-US"/>
+          </a:p>
+        </p:txBody>
+      </p:sp>
+    </p:spTree>
+    <p:extLst>
+      <p:ext uri="{BB962C8B-B14F-4D97-AF65-F5344CB8AC3E}">
+        <p14:creationId xmlns:p14="http://schemas.microsoft.com/office/powerpoint/2010/main" val="3048631153"/>
+      </p:ext>
+    </p:extLst>
+  </p:cSld>
+  <p:clrMapOvr>
+    <a:masterClrMapping/>
+  </p:clrMapOvr>
+</p:sld>
+</file>
+
+<file path=ppt/slides/slide19.xml><?xml version="1.0" encoding="utf-8"?>
+<p:sld xmlns:a="http://schemas.openxmlformats.org/drawingml/2006/main" xmlns:r="http://schemas.openxmlformats.org/officeDocument/2006/relationships" xmlns:p="http://schemas.openxmlformats.org/presentationml/2006/main">
+  <p:cSld>
+    <p:spTree>
+      <p:nvGrpSpPr>
+        <p:cNvPr id="1" name=""/>
+        <p:cNvGrpSpPr/>
+        <p:nvPr/>
+      </p:nvGrpSpPr>
+      <p:grpSpPr>
+        <a:xfrm>
+          <a:off x="0" y="0"/>
+          <a:ext cx="0" cy="0"/>
+          <a:chOff x="0" y="0"/>
+          <a:chExt cx="0" cy="0"/>
+        </a:xfrm>
+      </p:grpSpPr>
+      <p:sp>
+        <p:nvSpPr>
+          <p:cNvPr id="2" name="Title 1"/>
+          <p:cNvSpPr>
+            <a:spLocks noGrp="1"/>
+          </p:cNvSpPr>
+          <p:nvPr>
+            <p:ph type="title"/>
+          </p:nvPr>
+        </p:nvSpPr>
+        <p:spPr/>
+        <p:txBody>
+          <a:bodyPr/>
+          <a:lstStyle/>
+          <a:p>
+            <a:r>
+              <a:rPr lang="en-US" dirty="0" smtClean="0"/>
+              <a:t>Completely Colorblind</a:t>
+            </a:r>
+            <a:endParaRPr lang="en-US" dirty="0"/>
+          </a:p>
+        </p:txBody>
+      </p:sp>
+      <p:pic>
+        <p:nvPicPr>
+          <p:cNvPr id="4" name="Content Placeholder 3"/>
+          <p:cNvPicPr>
+            <a:picLocks noGrp="1" noChangeAspect="1"/>
+          </p:cNvPicPr>
+          <p:nvPr>
+            <p:ph idx="1"/>
+          </p:nvPr>
+        </p:nvPicPr>
+        <p:blipFill>
+          <a:blip r:embed="rId2">
+            <a:extLst>
+              <a:ext uri="{28A0092B-C50C-407E-A947-70E740481C1C}">
+                <a14:useLocalDpi xmlns:a14="http://schemas.microsoft.com/office/drawing/2010/main" val="0"/>
+              </a:ext>
+            </a:extLst>
+          </a:blip>
+          <a:stretch>
+            <a:fillRect/>
+          </a:stretch>
+        </p:blipFill>
+        <p:spPr>
+          <a:xfrm>
+            <a:off x="1734076" y="1475862"/>
+            <a:ext cx="5595191" cy="4820716"/>
+          </a:xfrm>
+        </p:spPr>
+      </p:pic>
+      <p:sp>
+        <p:nvSpPr>
+          <p:cNvPr id="5" name="Oval 4"/>
+          <p:cNvSpPr/>
+          <p:nvPr/>
+        </p:nvSpPr>
+        <p:spPr>
+          <a:xfrm>
+            <a:off x="1449165" y="5650534"/>
+            <a:ext cx="1392701" cy="618979"/>
+          </a:xfrm>
+          <a:prstGeom prst="ellipse">
+            <a:avLst/>
+          </a:prstGeom>
+          <a:noFill/>
+          <a:ln w="28575"/>
+        </p:spPr>
+        <p:style>
+          <a:lnRef idx="2">
+            <a:schemeClr val="accent1">
+              <a:shade val="50000"/>
+            </a:schemeClr>
+          </a:lnRef>
+          <a:fillRef idx="1">
+            <a:schemeClr val="accent1"/>
+          </a:fillRef>
+          <a:effectRef idx="0">
+            <a:schemeClr val="accent1"/>
+          </a:effectRef>
+          <a:fontRef idx="minor">
+            <a:schemeClr val="lt1"/>
+          </a:fontRef>
+        </p:style>
+        <p:txBody>
+          <a:bodyPr rtlCol="0" anchor="ctr"/>
+          <a:lstStyle/>
+          <a:p>
+            <a:pPr algn="ctr"/>
+            <a:endParaRPr lang="en-US"/>
+          </a:p>
+        </p:txBody>
+      </p:sp>
+    </p:spTree>
+    <p:extLst>
+      <p:ext uri="{BB962C8B-B14F-4D97-AF65-F5344CB8AC3E}">
+        <p14:creationId xmlns:p14="http://schemas.microsoft.com/office/powerpoint/2010/main" val="1642200300"/>
       </p:ext>
     </p:extLst>
   </p:cSld>
@@ -7299,6 +8044,169 @@
     <p:extLst>
       <p:ext uri="{BB962C8B-B14F-4D97-AF65-F5344CB8AC3E}">
         <p14:creationId xmlns:p14="http://schemas.microsoft.com/office/powerpoint/2010/main" val="2176792710"/>
+      </p:ext>
+    </p:extLst>
+  </p:cSld>
+  <p:clrMapOvr>
+    <a:masterClrMapping/>
+  </p:clrMapOvr>
+</p:sld>
+</file>
+
+<file path=ppt/slides/slide20.xml><?xml version="1.0" encoding="utf-8"?>
+<p:sld xmlns:a="http://schemas.openxmlformats.org/drawingml/2006/main" xmlns:r="http://schemas.openxmlformats.org/officeDocument/2006/relationships" xmlns:p="http://schemas.openxmlformats.org/presentationml/2006/main">
+  <p:cSld>
+    <p:spTree>
+      <p:nvGrpSpPr>
+        <p:cNvPr id="1" name=""/>
+        <p:cNvGrpSpPr/>
+        <p:nvPr/>
+      </p:nvGrpSpPr>
+      <p:grpSpPr>
+        <a:xfrm>
+          <a:off x="0" y="0"/>
+          <a:ext cx="0" cy="0"/>
+          <a:chOff x="0" y="0"/>
+          <a:chExt cx="0" cy="0"/>
+        </a:xfrm>
+      </p:grpSpPr>
+      <p:sp>
+        <p:nvSpPr>
+          <p:cNvPr id="2" name="Title 1"/>
+          <p:cNvSpPr>
+            <a:spLocks noGrp="1"/>
+          </p:cNvSpPr>
+          <p:nvPr>
+            <p:ph type="title"/>
+          </p:nvPr>
+        </p:nvSpPr>
+        <p:spPr>
+          <a:xfrm>
+            <a:off x="759656" y="2717616"/>
+            <a:ext cx="7469752" cy="1400530"/>
+          </a:xfrm>
+        </p:spPr>
+        <p:txBody>
+          <a:bodyPr/>
+          <a:lstStyle/>
+          <a:p>
+            <a:pPr algn="ctr"/>
+            <a:r>
+              <a:rPr lang="en-US" sz="8000" dirty="0" smtClean="0"/>
+              <a:t>Demonstration</a:t>
+            </a:r>
+            <a:endParaRPr lang="en-US" sz="8000" dirty="0"/>
+          </a:p>
+        </p:txBody>
+      </p:sp>
+    </p:spTree>
+    <p:extLst>
+      <p:ext uri="{BB962C8B-B14F-4D97-AF65-F5344CB8AC3E}">
+        <p14:creationId xmlns:p14="http://schemas.microsoft.com/office/powerpoint/2010/main" val="933320529"/>
+      </p:ext>
+    </p:extLst>
+  </p:cSld>
+  <p:clrMapOvr>
+    <a:masterClrMapping/>
+  </p:clrMapOvr>
+</p:sld>
+</file>
+
+<file path=ppt/slides/slide21.xml><?xml version="1.0" encoding="utf-8"?>
+<p:sld xmlns:a="http://schemas.openxmlformats.org/drawingml/2006/main" xmlns:r="http://schemas.openxmlformats.org/officeDocument/2006/relationships" xmlns:p="http://schemas.openxmlformats.org/presentationml/2006/main">
+  <p:cSld>
+    <p:spTree>
+      <p:nvGrpSpPr>
+        <p:cNvPr id="1" name=""/>
+        <p:cNvGrpSpPr/>
+        <p:nvPr/>
+      </p:nvGrpSpPr>
+      <p:grpSpPr>
+        <a:xfrm>
+          <a:off x="0" y="0"/>
+          <a:ext cx="0" cy="0"/>
+          <a:chOff x="0" y="0"/>
+          <a:chExt cx="0" cy="0"/>
+        </a:xfrm>
+      </p:grpSpPr>
+      <p:sp>
+        <p:nvSpPr>
+          <p:cNvPr id="2" name="Title 1"/>
+          <p:cNvSpPr>
+            <a:spLocks noGrp="1"/>
+          </p:cNvSpPr>
+          <p:nvPr>
+            <p:ph type="title"/>
+          </p:nvPr>
+        </p:nvSpPr>
+        <p:spPr/>
+        <p:txBody>
+          <a:bodyPr/>
+          <a:lstStyle/>
+          <a:p>
+            <a:r>
+              <a:rPr lang="en-US" dirty="0" smtClean="0"/>
+              <a:t>Future </a:t>
+            </a:r>
+            <a:endParaRPr lang="en-US" dirty="0"/>
+          </a:p>
+        </p:txBody>
+      </p:sp>
+      <p:sp>
+        <p:nvSpPr>
+          <p:cNvPr id="3" name="Content Placeholder 2"/>
+          <p:cNvSpPr>
+            <a:spLocks noGrp="1"/>
+          </p:cNvSpPr>
+          <p:nvPr>
+            <p:ph idx="1"/>
+          </p:nvPr>
+        </p:nvSpPr>
+        <p:spPr/>
+        <p:txBody>
+          <a:bodyPr/>
+          <a:lstStyle/>
+          <a:p>
+            <a:r>
+              <a:rPr lang="en-US" dirty="0" smtClean="0"/>
+              <a:t>More accurate </a:t>
+            </a:r>
+            <a:r>
+              <a:rPr lang="en-US" smtClean="0"/>
+              <a:t>data interpretation</a:t>
+            </a:r>
+          </a:p>
+          <a:p>
+            <a:endParaRPr lang="en-US" dirty="0" smtClean="0"/>
+          </a:p>
+          <a:p>
+            <a:r>
+              <a:rPr lang="en-US" smtClean="0"/>
+              <a:t>Less confusion</a:t>
+            </a:r>
+          </a:p>
+          <a:p>
+            <a:endParaRPr lang="en-US" dirty="0" smtClean="0"/>
+          </a:p>
+          <a:p>
+            <a:r>
+              <a:rPr lang="en-US" dirty="0" smtClean="0"/>
+              <a:t>Possible incorporation into computer </a:t>
+            </a:r>
+            <a:r>
+              <a:rPr lang="en-US" smtClean="0"/>
+              <a:t>graphics systems</a:t>
+            </a:r>
+          </a:p>
+          <a:p>
+            <a:endParaRPr lang="en-US"/>
+          </a:p>
+        </p:txBody>
+      </p:sp>
+    </p:spTree>
+    <p:extLst>
+      <p:ext uri="{BB962C8B-B14F-4D97-AF65-F5344CB8AC3E}">
+        <p14:creationId xmlns:p14="http://schemas.microsoft.com/office/powerpoint/2010/main" val="2855504310"/>
       </p:ext>
     </p:extLst>
   </p:cSld>
@@ -7534,11 +8442,7 @@
           <a:p>
             <a:r>
               <a:rPr lang="en-US" dirty="0" smtClean="0"/>
-              <a:t>Computer-Aided </a:t>
-            </a:r>
-            <a:r>
-              <a:rPr lang="en-US" dirty="0" smtClean="0"/>
-              <a:t>Design (CAD)</a:t>
+              <a:t>Computer-Aided Design (CAD)</a:t>
             </a:r>
             <a:endParaRPr lang="en-US" dirty="0"/>
           </a:p>
@@ -7914,35 +8818,22 @@
             <p:ph type="title"/>
           </p:nvPr>
         </p:nvSpPr>
-        <p:spPr/>
-        <p:txBody>
-          <a:bodyPr/>
-          <a:lstStyle/>
-          <a:p>
-            <a:r>
-              <a:rPr lang="en-US" dirty="0" smtClean="0"/>
-              <a:t>How this was accomplished</a:t>
-            </a:r>
-            <a:endParaRPr lang="en-US" dirty="0"/>
-          </a:p>
-        </p:txBody>
-      </p:sp>
-      <p:sp>
-        <p:nvSpPr>
-          <p:cNvPr id="3" name="Content Placeholder 2"/>
-          <p:cNvSpPr>
-            <a:spLocks noGrp="1"/>
-          </p:cNvSpPr>
-          <p:nvPr>
-            <p:ph idx="1"/>
-          </p:nvPr>
-        </p:nvSpPr>
-        <p:spPr/>
-        <p:txBody>
-          <a:bodyPr/>
-          <a:lstStyle/>
-          <a:p>
-            <a:endParaRPr lang="en-US"/>
+        <p:spPr>
+          <a:xfrm>
+            <a:off x="1089621" y="3041173"/>
+            <a:ext cx="7055380" cy="1400530"/>
+          </a:xfrm>
+        </p:spPr>
+        <p:txBody>
+          <a:bodyPr/>
+          <a:lstStyle/>
+          <a:p>
+            <a:pPr algn="ctr"/>
+            <a:r>
+              <a:rPr lang="en-US" sz="7200" dirty="0" smtClean="0"/>
+              <a:t>Methodology</a:t>
+            </a:r>
+            <a:endParaRPr lang="en-US" sz="7200" dirty="0"/>
           </a:p>
         </p:txBody>
       </p:sp>

--- a/MSIM741_slides_BARBACHEM_COOGAN.pptx
+++ b/MSIM741_slides_BARBACHEM_COOGAN.pptx
@@ -5,7 +5,7 @@
     <p:sldMasterId id="2147483660" r:id="rId1"/>
   </p:sldMasterIdLst>
   <p:notesMasterIdLst>
-    <p:notesMasterId r:id="rId23"/>
+    <p:notesMasterId r:id="rId24"/>
   </p:notesMasterIdLst>
   <p:sldIdLst>
     <p:sldId id="256" r:id="rId2"/>
@@ -16,19 +16,20 @@
     <p:sldId id="267" r:id="rId7"/>
     <p:sldId id="259" r:id="rId8"/>
     <p:sldId id="260" r:id="rId9"/>
-    <p:sldId id="261" r:id="rId10"/>
-    <p:sldId id="274" r:id="rId11"/>
-    <p:sldId id="275" r:id="rId12"/>
-    <p:sldId id="276" r:id="rId13"/>
-    <p:sldId id="277" r:id="rId14"/>
-    <p:sldId id="262" r:id="rId15"/>
-    <p:sldId id="269" r:id="rId16"/>
-    <p:sldId id="270" r:id="rId17"/>
-    <p:sldId id="271" r:id="rId18"/>
-    <p:sldId id="272" r:id="rId19"/>
-    <p:sldId id="273" r:id="rId20"/>
-    <p:sldId id="268" r:id="rId21"/>
-    <p:sldId id="263" r:id="rId22"/>
+    <p:sldId id="278" r:id="rId10"/>
+    <p:sldId id="261" r:id="rId11"/>
+    <p:sldId id="274" r:id="rId12"/>
+    <p:sldId id="275" r:id="rId13"/>
+    <p:sldId id="276" r:id="rId14"/>
+    <p:sldId id="277" r:id="rId15"/>
+    <p:sldId id="262" r:id="rId16"/>
+    <p:sldId id="269" r:id="rId17"/>
+    <p:sldId id="270" r:id="rId18"/>
+    <p:sldId id="271" r:id="rId19"/>
+    <p:sldId id="272" r:id="rId20"/>
+    <p:sldId id="273" r:id="rId21"/>
+    <p:sldId id="268" r:id="rId22"/>
+    <p:sldId id="263" r:id="rId23"/>
   </p:sldIdLst>
   <p:sldSz cx="9144000" cy="6858000" type="screen4x3"/>
   <p:notesSz cx="6858000" cy="9144000"/>
@@ -129,7 +130,7 @@
   </p:defaultTextStyle>
   <p:extLst>
     <p:ext uri="{EFAFB233-063F-42B5-8137-9DF3F51BA10A}">
-      <p15:sldGuideLst xmlns:p15="http://schemas.microsoft.com/office/powerpoint/2012/main">
+      <p15:sldGuideLst xmlns:p15="http://schemas.microsoft.com/office/powerpoint/2012/main" xmlns="">
         <p15:guide id="1" orient="horz" pos="2160">
           <p15:clr>
             <a:srgbClr val="A4A3A4"/>
@@ -228,7 +229,7 @@
           <a:p>
             <a:fld id="{7DD70E8B-17DE-4AB4-B5F7-EE40E5D54983}" type="datetimeFigureOut">
               <a:rPr lang="en-US" smtClean="0"/>
-              <a:t>11/29/2015</a:t>
+              <a:t>11/30/15</a:t>
             </a:fld>
             <a:endParaRPr lang="en-US"/>
           </a:p>
@@ -653,7 +654,7 @@
           <a:p>
             <a:fld id="{040382CF-E665-4BCB-92D9-2442325D20B9}" type="slidenum">
               <a:rPr lang="en-US" smtClean="0"/>
-              <a:t>9</a:t>
+              <a:t>10</a:t>
             </a:fld>
             <a:endParaRPr lang="en-US"/>
           </a:p>
@@ -737,7 +738,7 @@
           <a:p>
             <a:fld id="{040382CF-E665-4BCB-92D9-2442325D20B9}" type="slidenum">
               <a:rPr lang="en-US" smtClean="0"/>
-              <a:t>14</a:t>
+              <a:t>15</a:t>
             </a:fld>
             <a:endParaRPr lang="en-US"/>
           </a:p>
@@ -942,7 +943,7 @@
           <a:p>
             <a:fld id="{EF89BEDD-2D5A-D245-9D2D-27971D6E2DCC}" type="datetimeFigureOut">
               <a:rPr lang="en-US" smtClean="0"/>
-              <a:t>11/29/2015</a:t>
+              <a:t>11/30/15</a:t>
             </a:fld>
             <a:endParaRPr lang="en-US"/>
           </a:p>
@@ -1217,7 +1218,7 @@
           <a:p>
             <a:fld id="{EF89BEDD-2D5A-D245-9D2D-27971D6E2DCC}" type="datetimeFigureOut">
               <a:rPr lang="en-US" smtClean="0"/>
-              <a:t>11/29/2015</a:t>
+              <a:t>11/30/15</a:t>
             </a:fld>
             <a:endParaRPr lang="en-US"/>
           </a:p>
@@ -1411,7 +1412,7 @@
           <a:p>
             <a:fld id="{EF89BEDD-2D5A-D245-9D2D-27971D6E2DCC}" type="datetimeFigureOut">
               <a:rPr lang="en-US" smtClean="0"/>
-              <a:t>11/29/2015</a:t>
+              <a:t>11/30/15</a:t>
             </a:fld>
             <a:endParaRPr lang="en-US"/>
           </a:p>
@@ -1684,7 +1685,7 @@
           <a:p>
             <a:fld id="{EF89BEDD-2D5A-D245-9D2D-27971D6E2DCC}" type="datetimeFigureOut">
               <a:rPr lang="en-US" smtClean="0"/>
-              <a:t>11/29/2015</a:t>
+              <a:t>11/30/15</a:t>
             </a:fld>
             <a:endParaRPr lang="en-US"/>
           </a:p>
@@ -2025,7 +2026,7 @@
           <a:p>
             <a:fld id="{EF89BEDD-2D5A-D245-9D2D-27971D6E2DCC}" type="datetimeFigureOut">
               <a:rPr lang="en-US" smtClean="0"/>
-              <a:t>11/29/2015</a:t>
+              <a:t>11/30/15</a:t>
             </a:fld>
             <a:endParaRPr lang="en-US"/>
           </a:p>
@@ -2648,7 +2649,7 @@
           <a:p>
             <a:fld id="{EF89BEDD-2D5A-D245-9D2D-27971D6E2DCC}" type="datetimeFigureOut">
               <a:rPr lang="en-US" smtClean="0"/>
-              <a:t>11/29/2015</a:t>
+              <a:t>11/30/15</a:t>
             </a:fld>
             <a:endParaRPr lang="en-US"/>
           </a:p>
@@ -3508,7 +3509,7 @@
           <a:p>
             <a:fld id="{EF89BEDD-2D5A-D245-9D2D-27971D6E2DCC}" type="datetimeFigureOut">
               <a:rPr lang="en-US" smtClean="0"/>
-              <a:t>11/29/2015</a:t>
+              <a:t>11/30/15</a:t>
             </a:fld>
             <a:endParaRPr lang="en-US"/>
           </a:p>
@@ -3678,7 +3679,7 @@
           <a:p>
             <a:fld id="{EF89BEDD-2D5A-D245-9D2D-27971D6E2DCC}" type="datetimeFigureOut">
               <a:rPr lang="en-US" smtClean="0"/>
-              <a:t>11/29/2015</a:t>
+              <a:t>11/30/15</a:t>
             </a:fld>
             <a:endParaRPr lang="en-US"/>
           </a:p>
@@ -3858,7 +3859,7 @@
           <a:p>
             <a:fld id="{EF89BEDD-2D5A-D245-9D2D-27971D6E2DCC}" type="datetimeFigureOut">
               <a:rPr lang="en-US" smtClean="0"/>
-              <a:t>11/29/2015</a:t>
+              <a:t>11/30/15</a:t>
             </a:fld>
             <a:endParaRPr lang="en-US"/>
           </a:p>
@@ -4028,7 +4029,7 @@
           <a:p>
             <a:fld id="{EF89BEDD-2D5A-D245-9D2D-27971D6E2DCC}" type="datetimeFigureOut">
               <a:rPr lang="en-US" smtClean="0"/>
-              <a:t>11/29/2015</a:t>
+              <a:t>11/30/15</a:t>
             </a:fld>
             <a:endParaRPr lang="en-US"/>
           </a:p>
@@ -4275,7 +4276,7 @@
           <a:p>
             <a:fld id="{EF89BEDD-2D5A-D245-9D2D-27971D6E2DCC}" type="datetimeFigureOut">
               <a:rPr lang="en-US" smtClean="0"/>
-              <a:t>11/29/2015</a:t>
+              <a:t>11/30/15</a:t>
             </a:fld>
             <a:endParaRPr lang="en-US"/>
           </a:p>
@@ -4567,7 +4568,7 @@
           <a:p>
             <a:fld id="{EF89BEDD-2D5A-D245-9D2D-27971D6E2DCC}" type="datetimeFigureOut">
               <a:rPr lang="en-US" smtClean="0"/>
-              <a:t>11/29/2015</a:t>
+              <a:t>11/30/15</a:t>
             </a:fld>
             <a:endParaRPr lang="en-US"/>
           </a:p>
@@ -5011,7 +5012,7 @@
           <a:p>
             <a:fld id="{EF89BEDD-2D5A-D245-9D2D-27971D6E2DCC}" type="datetimeFigureOut">
               <a:rPr lang="en-US" smtClean="0"/>
-              <a:t>11/29/2015</a:t>
+              <a:t>11/30/15</a:t>
             </a:fld>
             <a:endParaRPr lang="en-US"/>
           </a:p>
@@ -5129,7 +5130,7 @@
           <a:p>
             <a:fld id="{EF89BEDD-2D5A-D245-9D2D-27971D6E2DCC}" type="datetimeFigureOut">
               <a:rPr lang="en-US" smtClean="0"/>
-              <a:t>11/29/2015</a:t>
+              <a:t>11/30/15</a:t>
             </a:fld>
             <a:endParaRPr lang="en-US"/>
           </a:p>
@@ -5224,7 +5225,7 @@
           <a:p>
             <a:fld id="{EF89BEDD-2D5A-D245-9D2D-27971D6E2DCC}" type="datetimeFigureOut">
               <a:rPr lang="en-US" smtClean="0"/>
-              <a:t>11/29/2015</a:t>
+              <a:t>11/30/15</a:t>
             </a:fld>
             <a:endParaRPr lang="en-US"/>
           </a:p>
@@ -5503,7 +5504,7 @@
           <a:p>
             <a:fld id="{EF89BEDD-2D5A-D245-9D2D-27971D6E2DCC}" type="datetimeFigureOut">
               <a:rPr lang="en-US" smtClean="0"/>
-              <a:t>11/29/2015</a:t>
+              <a:t>11/30/15</a:t>
             </a:fld>
             <a:endParaRPr lang="en-US"/>
           </a:p>
@@ -5778,7 +5779,7 @@
           <a:p>
             <a:fld id="{EF89BEDD-2D5A-D245-9D2D-27971D6E2DCC}" type="datetimeFigureOut">
               <a:rPr lang="en-US" smtClean="0"/>
-              <a:t>11/29/2015</a:t>
+              <a:t>11/30/15</a:t>
             </a:fld>
             <a:endParaRPr lang="en-US"/>
           </a:p>
@@ -6343,7 +6344,7 @@
           <a:p>
             <a:fld id="{EF89BEDD-2D5A-D245-9D2D-27971D6E2DCC}" type="datetimeFigureOut">
               <a:rPr lang="en-US" smtClean="0"/>
-              <a:t>11/29/2015</a:t>
+              <a:t>11/30/15</a:t>
             </a:fld>
             <a:endParaRPr lang="en-US"/>
           </a:p>
@@ -6961,6 +6962,65 @@
             <p:ph type="title"/>
           </p:nvPr>
         </p:nvSpPr>
+        <p:spPr>
+          <a:xfrm>
+            <a:off x="1089621" y="3041173"/>
+            <a:ext cx="7055380" cy="1400530"/>
+          </a:xfrm>
+        </p:spPr>
+        <p:txBody>
+          <a:bodyPr/>
+          <a:lstStyle/>
+          <a:p>
+            <a:pPr algn="ctr"/>
+            <a:r>
+              <a:rPr lang="en-US" sz="7200" dirty="0" smtClean="0"/>
+              <a:t>Methodology</a:t>
+            </a:r>
+            <a:endParaRPr lang="en-US" sz="7200" dirty="0"/>
+          </a:p>
+        </p:txBody>
+      </p:sp>
+    </p:spTree>
+    <p:extLst>
+      <p:ext uri="{BB962C8B-B14F-4D97-AF65-F5344CB8AC3E}">
+        <p14:creationId xmlns:p14="http://schemas.microsoft.com/office/powerpoint/2010/main" val="3562921128"/>
+      </p:ext>
+    </p:extLst>
+  </p:cSld>
+  <p:clrMapOvr>
+    <a:masterClrMapping/>
+  </p:clrMapOvr>
+</p:sld>
+</file>
+
+<file path=ppt/slides/slide11.xml><?xml version="1.0" encoding="utf-8"?>
+<p:sld xmlns:a="http://schemas.openxmlformats.org/drawingml/2006/main" xmlns:r="http://schemas.openxmlformats.org/officeDocument/2006/relationships" xmlns:p="http://schemas.openxmlformats.org/presentationml/2006/main">
+  <p:cSld>
+    <p:spTree>
+      <p:nvGrpSpPr>
+        <p:cNvPr id="1" name=""/>
+        <p:cNvGrpSpPr/>
+        <p:nvPr/>
+      </p:nvGrpSpPr>
+      <p:grpSpPr>
+        <a:xfrm>
+          <a:off x="0" y="0"/>
+          <a:ext cx="0" cy="0"/>
+          <a:chOff x="0" y="0"/>
+          <a:chExt cx="0" cy="0"/>
+        </a:xfrm>
+      </p:grpSpPr>
+      <p:sp>
+        <p:nvSpPr>
+          <p:cNvPr id="2" name="Title 1"/>
+          <p:cNvSpPr>
+            <a:spLocks noGrp="1"/>
+          </p:cNvSpPr>
+          <p:nvPr>
+            <p:ph type="title"/>
+          </p:nvPr>
+        </p:nvSpPr>
         <p:spPr/>
         <p:txBody>
           <a:bodyPr/>
@@ -7016,7 +7076,7 @@
 </p:sld>
 </file>
 
-<file path=ppt/slides/slide11.xml><?xml version="1.0" encoding="utf-8"?>
+<file path=ppt/slides/slide12.xml><?xml version="1.0" encoding="utf-8"?>
 <p:sld xmlns:a="http://schemas.openxmlformats.org/drawingml/2006/main" xmlns:r="http://schemas.openxmlformats.org/officeDocument/2006/relationships" xmlns:p="http://schemas.openxmlformats.org/presentationml/2006/main">
   <p:cSld>
     <p:spTree>
@@ -7098,7 +7158,7 @@
 </p:sld>
 </file>
 
-<file path=ppt/slides/slide12.xml><?xml version="1.0" encoding="utf-8"?>
+<file path=ppt/slides/slide13.xml><?xml version="1.0" encoding="utf-8"?>
 <p:sld xmlns:a="http://schemas.openxmlformats.org/drawingml/2006/main" xmlns:r="http://schemas.openxmlformats.org/officeDocument/2006/relationships" xmlns:p="http://schemas.openxmlformats.org/presentationml/2006/main">
   <p:cSld>
     <p:spTree>
@@ -7183,7 +7243,7 @@
 </p:sld>
 </file>
 
-<file path=ppt/slides/slide13.xml><?xml version="1.0" encoding="utf-8"?>
+<file path=ppt/slides/slide14.xml><?xml version="1.0" encoding="utf-8"?>
 <p:sld xmlns:a="http://schemas.openxmlformats.org/drawingml/2006/main" xmlns:r="http://schemas.openxmlformats.org/officeDocument/2006/relationships" xmlns:p="http://schemas.openxmlformats.org/presentationml/2006/main">
   <p:cSld>
     <p:spTree>
@@ -7265,7 +7325,7 @@
 </p:sld>
 </file>
 
-<file path=ppt/slides/slide14.xml><?xml version="1.0" encoding="utf-8"?>
+<file path=ppt/slides/slide15.xml><?xml version="1.0" encoding="utf-8"?>
 <p:sld xmlns:a="http://schemas.openxmlformats.org/drawingml/2006/main" xmlns:r="http://schemas.openxmlformats.org/officeDocument/2006/relationships" xmlns:p="http://schemas.openxmlformats.org/presentationml/2006/main">
   <p:cSld>
     <p:spTree>
@@ -7324,7 +7384,7 @@
 </p:sld>
 </file>
 
-<file path=ppt/slides/slide15.xml><?xml version="1.0" encoding="utf-8"?>
+<file path=ppt/slides/slide16.xml><?xml version="1.0" encoding="utf-8"?>
 <p:sld xmlns:a="http://schemas.openxmlformats.org/drawingml/2006/main" xmlns:r="http://schemas.openxmlformats.org/officeDocument/2006/relationships" xmlns:p="http://schemas.openxmlformats.org/presentationml/2006/main">
   <p:cSld>
     <p:spTree>
@@ -7448,7 +7508,7 @@
 </p:sld>
 </file>
 
-<file path=ppt/slides/slide16.xml><?xml version="1.0" encoding="utf-8"?>
+<file path=ppt/slides/slide17.xml><?xml version="1.0" encoding="utf-8"?>
 <p:sld xmlns:a="http://schemas.openxmlformats.org/drawingml/2006/main" xmlns:r="http://schemas.openxmlformats.org/officeDocument/2006/relationships" xmlns:p="http://schemas.openxmlformats.org/presentationml/2006/main">
   <p:cSld>
     <p:spTree>
@@ -7577,7 +7637,7 @@
 </p:sld>
 </file>
 
-<file path=ppt/slides/slide17.xml><?xml version="1.0" encoding="utf-8"?>
+<file path=ppt/slides/slide18.xml><?xml version="1.0" encoding="utf-8"?>
 <p:sld xmlns:a="http://schemas.openxmlformats.org/drawingml/2006/main" xmlns:r="http://schemas.openxmlformats.org/officeDocument/2006/relationships" xmlns:p="http://schemas.openxmlformats.org/presentationml/2006/main">
   <p:cSld>
     <p:spTree>
@@ -7706,7 +7766,7 @@
 </p:sld>
 </file>
 
-<file path=ppt/slides/slide18.xml><?xml version="1.0" encoding="utf-8"?>
+<file path=ppt/slides/slide19.xml><?xml version="1.0" encoding="utf-8"?>
 <p:sld xmlns:a="http://schemas.openxmlformats.org/drawingml/2006/main" xmlns:r="http://schemas.openxmlformats.org/officeDocument/2006/relationships" xmlns:p="http://schemas.openxmlformats.org/presentationml/2006/main">
   <p:cSld>
     <p:spTree>
@@ -7826,130 +7886,6 @@
     <p:extLst>
       <p:ext uri="{BB962C8B-B14F-4D97-AF65-F5344CB8AC3E}">
         <p14:creationId xmlns:p14="http://schemas.microsoft.com/office/powerpoint/2010/main" val="3048631153"/>
-      </p:ext>
-    </p:extLst>
-  </p:cSld>
-  <p:clrMapOvr>
-    <a:masterClrMapping/>
-  </p:clrMapOvr>
-</p:sld>
-</file>
-
-<file path=ppt/slides/slide19.xml><?xml version="1.0" encoding="utf-8"?>
-<p:sld xmlns:a="http://schemas.openxmlformats.org/drawingml/2006/main" xmlns:r="http://schemas.openxmlformats.org/officeDocument/2006/relationships" xmlns:p="http://schemas.openxmlformats.org/presentationml/2006/main">
-  <p:cSld>
-    <p:spTree>
-      <p:nvGrpSpPr>
-        <p:cNvPr id="1" name=""/>
-        <p:cNvGrpSpPr/>
-        <p:nvPr/>
-      </p:nvGrpSpPr>
-      <p:grpSpPr>
-        <a:xfrm>
-          <a:off x="0" y="0"/>
-          <a:ext cx="0" cy="0"/>
-          <a:chOff x="0" y="0"/>
-          <a:chExt cx="0" cy="0"/>
-        </a:xfrm>
-      </p:grpSpPr>
-      <p:sp>
-        <p:nvSpPr>
-          <p:cNvPr id="2" name="Title 1"/>
-          <p:cNvSpPr>
-            <a:spLocks noGrp="1"/>
-          </p:cNvSpPr>
-          <p:nvPr>
-            <p:ph type="title"/>
-          </p:nvPr>
-        </p:nvSpPr>
-        <p:spPr/>
-        <p:txBody>
-          <a:bodyPr/>
-          <a:lstStyle/>
-          <a:p>
-            <a:r>
-              <a:rPr lang="en-US" dirty="0" smtClean="0"/>
-              <a:t>Completely Colorblind</a:t>
-            </a:r>
-            <a:endParaRPr lang="en-US" dirty="0"/>
-          </a:p>
-        </p:txBody>
-      </p:sp>
-      <p:pic>
-        <p:nvPicPr>
-          <p:cNvPr id="4" name="Content Placeholder 3"/>
-          <p:cNvPicPr>
-            <a:picLocks noGrp="1" noChangeAspect="1"/>
-          </p:cNvPicPr>
-          <p:nvPr>
-            <p:ph idx="1"/>
-          </p:nvPr>
-        </p:nvPicPr>
-        <p:blipFill>
-          <a:blip r:embed="rId2">
-            <a:extLst>
-              <a:ext uri="{28A0092B-C50C-407E-A947-70E740481C1C}">
-                <a14:useLocalDpi xmlns:a14="http://schemas.microsoft.com/office/drawing/2010/main" val="0"/>
-              </a:ext>
-            </a:extLst>
-          </a:blip>
-          <a:stretch>
-            <a:fillRect/>
-          </a:stretch>
-        </p:blipFill>
-        <p:spPr>
-          <a:xfrm>
-            <a:off x="1734076" y="1475862"/>
-            <a:ext cx="5595191" cy="4820716"/>
-          </a:xfrm>
-        </p:spPr>
-      </p:pic>
-      <p:sp>
-        <p:nvSpPr>
-          <p:cNvPr id="5" name="Oval 4"/>
-          <p:cNvSpPr/>
-          <p:nvPr/>
-        </p:nvSpPr>
-        <p:spPr>
-          <a:xfrm>
-            <a:off x="1449165" y="5650534"/>
-            <a:ext cx="1392701" cy="618979"/>
-          </a:xfrm>
-          <a:prstGeom prst="ellipse">
-            <a:avLst/>
-          </a:prstGeom>
-          <a:noFill/>
-          <a:ln w="28575"/>
-        </p:spPr>
-        <p:style>
-          <a:lnRef idx="2">
-            <a:schemeClr val="accent1">
-              <a:shade val="50000"/>
-            </a:schemeClr>
-          </a:lnRef>
-          <a:fillRef idx="1">
-            <a:schemeClr val="accent1"/>
-          </a:fillRef>
-          <a:effectRef idx="0">
-            <a:schemeClr val="accent1"/>
-          </a:effectRef>
-          <a:fontRef idx="minor">
-            <a:schemeClr val="lt1"/>
-          </a:fontRef>
-        </p:style>
-        <p:txBody>
-          <a:bodyPr rtlCol="0" anchor="ctr"/>
-          <a:lstStyle/>
-          <a:p>
-            <a:pPr algn="ctr"/>
-            <a:endParaRPr lang="en-US"/>
-          </a:p>
-        </p:txBody>
-      </p:sp>
-    </p:spTree>
-    <p:extLst>
-      <p:ext uri="{BB962C8B-B14F-4D97-AF65-F5344CB8AC3E}">
-        <p14:creationId xmlns:p14="http://schemas.microsoft.com/office/powerpoint/2010/main" val="1642200300"/>
       </p:ext>
     </p:extLst>
   </p:cSld>
@@ -8080,6 +8016,130 @@
             <p:ph type="title"/>
           </p:nvPr>
         </p:nvSpPr>
+        <p:spPr/>
+        <p:txBody>
+          <a:bodyPr/>
+          <a:lstStyle/>
+          <a:p>
+            <a:r>
+              <a:rPr lang="en-US" dirty="0" smtClean="0"/>
+              <a:t>Completely Colorblind</a:t>
+            </a:r>
+            <a:endParaRPr lang="en-US" dirty="0"/>
+          </a:p>
+        </p:txBody>
+      </p:sp>
+      <p:pic>
+        <p:nvPicPr>
+          <p:cNvPr id="4" name="Content Placeholder 3"/>
+          <p:cNvPicPr>
+            <a:picLocks noGrp="1" noChangeAspect="1"/>
+          </p:cNvPicPr>
+          <p:nvPr>
+            <p:ph idx="1"/>
+          </p:nvPr>
+        </p:nvPicPr>
+        <p:blipFill>
+          <a:blip r:embed="rId2">
+            <a:extLst>
+              <a:ext uri="{28A0092B-C50C-407E-A947-70E740481C1C}">
+                <a14:useLocalDpi xmlns:a14="http://schemas.microsoft.com/office/drawing/2010/main" val="0"/>
+              </a:ext>
+            </a:extLst>
+          </a:blip>
+          <a:stretch>
+            <a:fillRect/>
+          </a:stretch>
+        </p:blipFill>
+        <p:spPr>
+          <a:xfrm>
+            <a:off x="1734076" y="1475862"/>
+            <a:ext cx="5595191" cy="4820716"/>
+          </a:xfrm>
+        </p:spPr>
+      </p:pic>
+      <p:sp>
+        <p:nvSpPr>
+          <p:cNvPr id="5" name="Oval 4"/>
+          <p:cNvSpPr/>
+          <p:nvPr/>
+        </p:nvSpPr>
+        <p:spPr>
+          <a:xfrm>
+            <a:off x="1449165" y="5650534"/>
+            <a:ext cx="1392701" cy="618979"/>
+          </a:xfrm>
+          <a:prstGeom prst="ellipse">
+            <a:avLst/>
+          </a:prstGeom>
+          <a:noFill/>
+          <a:ln w="28575"/>
+        </p:spPr>
+        <p:style>
+          <a:lnRef idx="2">
+            <a:schemeClr val="accent1">
+              <a:shade val="50000"/>
+            </a:schemeClr>
+          </a:lnRef>
+          <a:fillRef idx="1">
+            <a:schemeClr val="accent1"/>
+          </a:fillRef>
+          <a:effectRef idx="0">
+            <a:schemeClr val="accent1"/>
+          </a:effectRef>
+          <a:fontRef idx="minor">
+            <a:schemeClr val="lt1"/>
+          </a:fontRef>
+        </p:style>
+        <p:txBody>
+          <a:bodyPr rtlCol="0" anchor="ctr"/>
+          <a:lstStyle/>
+          <a:p>
+            <a:pPr algn="ctr"/>
+            <a:endParaRPr lang="en-US"/>
+          </a:p>
+        </p:txBody>
+      </p:sp>
+    </p:spTree>
+    <p:extLst>
+      <p:ext uri="{BB962C8B-B14F-4D97-AF65-F5344CB8AC3E}">
+        <p14:creationId xmlns:p14="http://schemas.microsoft.com/office/powerpoint/2010/main" val="1642200300"/>
+      </p:ext>
+    </p:extLst>
+  </p:cSld>
+  <p:clrMapOvr>
+    <a:masterClrMapping/>
+  </p:clrMapOvr>
+</p:sld>
+</file>
+
+<file path=ppt/slides/slide21.xml><?xml version="1.0" encoding="utf-8"?>
+<p:sld xmlns:a="http://schemas.openxmlformats.org/drawingml/2006/main" xmlns:r="http://schemas.openxmlformats.org/officeDocument/2006/relationships" xmlns:p="http://schemas.openxmlformats.org/presentationml/2006/main">
+  <p:cSld>
+    <p:spTree>
+      <p:nvGrpSpPr>
+        <p:cNvPr id="1" name=""/>
+        <p:cNvGrpSpPr/>
+        <p:nvPr/>
+      </p:nvGrpSpPr>
+      <p:grpSpPr>
+        <a:xfrm>
+          <a:off x="0" y="0"/>
+          <a:ext cx="0" cy="0"/>
+          <a:chOff x="0" y="0"/>
+          <a:chExt cx="0" cy="0"/>
+        </a:xfrm>
+      </p:grpSpPr>
+      <p:sp>
+        <p:nvSpPr>
+          <p:cNvPr id="2" name="Title 1"/>
+          <p:cNvSpPr>
+            <a:spLocks noGrp="1"/>
+          </p:cNvSpPr>
+          <p:nvPr>
+            <p:ph type="title"/>
+          </p:nvPr>
+        </p:nvSpPr>
         <p:spPr>
           <a:xfrm>
             <a:off x="759656" y="2717616"/>
@@ -8112,7 +8172,7 @@
 </p:sld>
 </file>
 
-<file path=ppt/slides/slide21.xml><?xml version="1.0" encoding="utf-8"?>
+<file path=ppt/slides/slide22.xml><?xml version="1.0" encoding="utf-8"?>
 <p:sld xmlns:a="http://schemas.openxmlformats.org/drawingml/2006/main" xmlns:r="http://schemas.openxmlformats.org/officeDocument/2006/relationships" xmlns:p="http://schemas.openxmlformats.org/presentationml/2006/main">
   <p:cSld>
     <p:spTree>
@@ -8808,39 +8868,62 @@
           <a:chExt cx="0" cy="0"/>
         </a:xfrm>
       </p:grpSpPr>
-      <p:sp>
-        <p:nvSpPr>
-          <p:cNvPr id="2" name="Title 1"/>
-          <p:cNvSpPr>
-            <a:spLocks noGrp="1"/>
-          </p:cNvSpPr>
-          <p:nvPr>
-            <p:ph type="title"/>
-          </p:nvPr>
-        </p:nvSpPr>
+      <p:pic>
+        <p:nvPicPr>
+          <p:cNvPr id="5" name="Picture 4" descr="rubiks.jpg"/>
+          <p:cNvPicPr>
+            <a:picLocks noChangeAspect="1"/>
+          </p:cNvPicPr>
+          <p:nvPr/>
+        </p:nvPicPr>
+        <p:blipFill>
+          <a:blip r:embed="rId2">
+            <a:extLst>
+              <a:ext uri="{28A0092B-C50C-407E-A947-70E740481C1C}">
+                <a14:useLocalDpi xmlns:a14="http://schemas.microsoft.com/office/drawing/2010/main" val="0"/>
+              </a:ext>
+            </a:extLst>
+          </a:blip>
+          <a:stretch>
+            <a:fillRect/>
+          </a:stretch>
+        </p:blipFill>
         <p:spPr>
           <a:xfrm>
-            <a:off x="1089621" y="3041173"/>
-            <a:ext cx="7055380" cy="1400530"/>
+            <a:off x="777507" y="1524000"/>
+            <a:ext cx="7566393" cy="5270500"/>
           </a:xfrm>
+          <a:prstGeom prst="rect">
+            <a:avLst/>
+          </a:prstGeom>
         </p:spPr>
-        <p:txBody>
-          <a:bodyPr/>
-          <a:lstStyle/>
-          <a:p>
-            <a:pPr algn="ctr"/>
-            <a:r>
-              <a:rPr lang="en-US" sz="7200" dirty="0" smtClean="0"/>
-              <a:t>Methodology</a:t>
-            </a:r>
-            <a:endParaRPr lang="en-US" sz="7200" dirty="0"/>
+      </p:pic>
+      <p:sp>
+        <p:nvSpPr>
+          <p:cNvPr id="7" name="Title 6"/>
+          <p:cNvSpPr>
+            <a:spLocks noGrp="1"/>
+          </p:cNvSpPr>
+          <p:nvPr>
+            <p:ph type="title"/>
+          </p:nvPr>
+        </p:nvSpPr>
+        <p:spPr/>
+        <p:txBody>
+          <a:bodyPr/>
+          <a:lstStyle/>
+          <a:p>
+            <a:r>
+              <a:rPr lang="en-US" dirty="0"/>
+              <a:t>Purposes</a:t>
+            </a:r>
           </a:p>
         </p:txBody>
       </p:sp>
     </p:spTree>
     <p:extLst>
       <p:ext uri="{BB962C8B-B14F-4D97-AF65-F5344CB8AC3E}">
-        <p14:creationId xmlns:p14="http://schemas.microsoft.com/office/powerpoint/2010/main" val="3562921128"/>
+        <p14:creationId xmlns:p14="http://schemas.microsoft.com/office/powerpoint/2010/main" val="2624806074"/>
       </p:ext>
     </p:extLst>
   </p:cSld>
@@ -8893,7 +8976,7 @@
     </a:clrScheme>
     <a:fontScheme name="Ion">
       <a:majorFont>
-        <a:latin typeface="Century Gothic" panose="020B0502020202020204"/>
+        <a:latin typeface="Century Gothic"/>
         <a:ea typeface=""/>
         <a:cs typeface=""/>
         <a:font script="Jpan" typeface="メイリオ"/>
@@ -8928,7 +9011,7 @@
         <a:font script="Geor" typeface="Sylfaen"/>
       </a:majorFont>
       <a:minorFont>
-        <a:latin typeface="Century Gothic" panose="020B0502020202020204"/>
+        <a:latin typeface="Century Gothic"/>
         <a:ea typeface=""/>
         <a:cs typeface=""/>
         <a:font script="Jpan" typeface="メイリオ"/>
@@ -9110,7 +9193,7 @@
   <a:extraClrSchemeLst/>
   <a:extLst>
     <a:ext uri="{05A4C25C-085E-4340-85A3-A5531E510DB2}">
-      <thm15:themeFamily xmlns:thm15="http://schemas.microsoft.com/office/thememl/2012/main" name="Ion" id="{B8441ADB-2E43-4AF7-B97A-BD870242C6A8}" vid="{292E63A9-BB86-4E3D-B92A-7223C6510D2E}"/>
+      <thm15:themeFamily xmlns:thm15="http://schemas.microsoft.com/office/thememl/2012/main" xmlns="" name="Ion" id="{B8441ADB-2E43-4AF7-B97A-BD870242C6A8}" vid="{292E63A9-BB86-4E3D-B92A-7223C6510D2E}"/>
     </a:ext>
   </a:extLst>
 </a:theme>
@@ -9159,7 +9242,7 @@
     </a:clrScheme>
     <a:fontScheme name="Office">
       <a:majorFont>
-        <a:latin typeface="Calibri Light" panose="020F0302020204030204"/>
+        <a:latin typeface="Calibri Light"/>
         <a:ea typeface=""/>
         <a:cs typeface=""/>
         <a:font script="Jpan" typeface="ＭＳ Ｐゴシック"/>
@@ -9194,7 +9277,7 @@
         <a:font script="Geor" typeface="Sylfaen"/>
       </a:majorFont>
       <a:minorFont>
-        <a:latin typeface="Calibri" panose="020F0502020204030204"/>
+        <a:latin typeface="Calibri"/>
         <a:ea typeface=""/>
         <a:cs typeface=""/>
         <a:font script="Jpan" typeface="ＭＳ Ｐゴシック"/>
@@ -9371,7 +9454,7 @@
   <a:extraClrSchemeLst/>
   <a:extLst>
     <a:ext uri="{05A4C25C-085E-4340-85A3-A5531E510DB2}">
-      <thm15:themeFamily xmlns:thm15="http://schemas.microsoft.com/office/thememl/2012/main" name="Office Theme" id="{62F939B6-93AF-4DB8-9C6B-D6C7DFDC589F}" vid="{4A3C46E8-61CC-4603-A589-7422A47A8E4A}"/>
+      <thm15:themeFamily xmlns:thm15="http://schemas.microsoft.com/office/thememl/2012/main" xmlns="" name="Office Theme" id="{62F939B6-93AF-4DB8-9C6B-D6C7DFDC589F}" vid="{4A3C46E8-61CC-4603-A589-7422A47A8E4A}"/>
     </a:ext>
   </a:extLst>
 </a:theme>

--- a/MSIM741_slides_BARBACHEM_COOGAN.pptx
+++ b/MSIM741_slides_BARBACHEM_COOGAN.pptx
@@ -542,12 +542,38 @@
           <a:lstStyle/>
           <a:p>
             <a:r>
+              <a:rPr lang="en-US" sz="1200" i="1" kern="1200" dirty="0" smtClean="0">
+                <a:solidFill>
+                  <a:schemeClr val="tx1"/>
+                </a:solidFill>
+                <a:effectLst/>
+                <a:latin typeface="+mn-lt"/>
+                <a:ea typeface="+mn-ea"/>
+                <a:cs typeface="+mn-cs"/>
+              </a:rPr>
+              <a:t>Guideline 4.14 – To create a set of symbol colors that can be distinguished by the most colorblind individuals, ensure variation in the yellow-blue direction (Ware, 2013).</a:t>
+            </a:r>
+            <a:r>
+              <a:rPr lang="en-US" dirty="0" smtClean="0">
+                <a:effectLst/>
+              </a:rPr>
+              <a:t> </a:t>
+            </a:r>
+          </a:p>
+          <a:p>
+            <a:r>
               <a:rPr lang="en-US" dirty="0" smtClean="0"/>
-              <a:t>The colorblind individuals will be most effected because it will level the field of data</a:t>
+              <a:t>5-8%</a:t>
             </a:r>
             <a:r>
               <a:rPr lang="en-US" baseline="0" dirty="0" smtClean="0"/>
-              <a:t> interpretation if all users see the same information. All users will be effected by the ability to dynamically change the colors, because it will provide the option of finding new colors if the current color pattern is not what they want to see.</a:t>
+              <a:t> men colorblind</a:t>
+            </a:r>
+          </a:p>
+          <a:p>
+            <a:r>
+              <a:rPr lang="en-US" baseline="0" dirty="0" smtClean="0"/>
+              <a:t>0.5-1% women colorblind</a:t>
             </a:r>
             <a:endParaRPr lang="en-US" dirty="0"/>
           </a:p>
@@ -570,7 +596,7 @@
           <a:p>
             <a:fld id="{040382CF-E665-4BCB-92D9-2442325D20B9}" type="slidenum">
               <a:rPr lang="en-US" smtClean="0"/>
-              <a:t>7</a:t>
+              <a:t>2</a:t>
             </a:fld>
             <a:endParaRPr lang="en-US"/>
           </a:p>
@@ -579,7 +605,7 @@
     </p:spTree>
     <p:extLst>
       <p:ext uri="{BB962C8B-B14F-4D97-AF65-F5344CB8AC3E}">
-        <p14:creationId xmlns:p14="http://schemas.microsoft.com/office/powerpoint/2010/main" val="550728007"/>
+        <p14:creationId xmlns:p14="http://schemas.microsoft.com/office/powerpoint/2010/main" val="547049323"/>
       </p:ext>
     </p:extLst>
   </p:cSld>
@@ -633,6 +659,14 @@
           <a:bodyPr/>
           <a:lstStyle/>
           <a:p>
+            <a:r>
+              <a:rPr lang="en-US" dirty="0" smtClean="0"/>
+              <a:t>The colorblind individuals will be most effected because it will level the field of data</a:t>
+            </a:r>
+            <a:r>
+              <a:rPr lang="en-US" baseline="0" dirty="0" smtClean="0"/>
+              <a:t> interpretation if all users see the same information. All users will be effected by the ability to dynamically change the colors, because it will provide the option of finding new colors if the current color pattern is not what they want to see.</a:t>
+            </a:r>
             <a:endParaRPr lang="en-US" dirty="0"/>
           </a:p>
         </p:txBody>
@@ -654,7 +688,7 @@
           <a:p>
             <a:fld id="{040382CF-E665-4BCB-92D9-2442325D20B9}" type="slidenum">
               <a:rPr lang="en-US" smtClean="0"/>
-              <a:t>10</a:t>
+              <a:t>7</a:t>
             </a:fld>
             <a:endParaRPr lang="en-US"/>
           </a:p>
@@ -663,7 +697,7 @@
     </p:spTree>
     <p:extLst>
       <p:ext uri="{BB962C8B-B14F-4D97-AF65-F5344CB8AC3E}">
-        <p14:creationId xmlns:p14="http://schemas.microsoft.com/office/powerpoint/2010/main" val="2303561233"/>
+        <p14:creationId xmlns:p14="http://schemas.microsoft.com/office/powerpoint/2010/main" val="550728007"/>
       </p:ext>
     </p:extLst>
   </p:cSld>
@@ -738,6 +772,90 @@
           <a:p>
             <a:fld id="{040382CF-E665-4BCB-92D9-2442325D20B9}" type="slidenum">
               <a:rPr lang="en-US" smtClean="0"/>
+              <a:t>10</a:t>
+            </a:fld>
+            <a:endParaRPr lang="en-US"/>
+          </a:p>
+        </p:txBody>
+      </p:sp>
+    </p:spTree>
+    <p:extLst>
+      <p:ext uri="{BB962C8B-B14F-4D97-AF65-F5344CB8AC3E}">
+        <p14:creationId xmlns:p14="http://schemas.microsoft.com/office/powerpoint/2010/main" val="2303561233"/>
+      </p:ext>
+    </p:extLst>
+  </p:cSld>
+  <p:clrMapOvr>
+    <a:masterClrMapping/>
+  </p:clrMapOvr>
+</p:notes>
+</file>
+
+<file path=ppt/notesSlides/notesSlide4.xml><?xml version="1.0" encoding="utf-8"?>
+<p:notes xmlns:a="http://schemas.openxmlformats.org/drawingml/2006/main" xmlns:r="http://schemas.openxmlformats.org/officeDocument/2006/relationships" xmlns:p="http://schemas.openxmlformats.org/presentationml/2006/main">
+  <p:cSld>
+    <p:spTree>
+      <p:nvGrpSpPr>
+        <p:cNvPr id="1" name=""/>
+        <p:cNvGrpSpPr/>
+        <p:nvPr/>
+      </p:nvGrpSpPr>
+      <p:grpSpPr>
+        <a:xfrm>
+          <a:off x="0" y="0"/>
+          <a:ext cx="0" cy="0"/>
+          <a:chOff x="0" y="0"/>
+          <a:chExt cx="0" cy="0"/>
+        </a:xfrm>
+      </p:grpSpPr>
+      <p:sp>
+        <p:nvSpPr>
+          <p:cNvPr id="2" name="Slide Image Placeholder 1"/>
+          <p:cNvSpPr>
+            <a:spLocks noGrp="1" noRot="1" noChangeAspect="1"/>
+          </p:cNvSpPr>
+          <p:nvPr>
+            <p:ph type="sldImg"/>
+          </p:nvPr>
+        </p:nvSpPr>
+        <p:spPr/>
+      </p:sp>
+      <p:sp>
+        <p:nvSpPr>
+          <p:cNvPr id="3" name="Notes Placeholder 2"/>
+          <p:cNvSpPr>
+            <a:spLocks noGrp="1"/>
+          </p:cNvSpPr>
+          <p:nvPr>
+            <p:ph type="body" idx="1"/>
+          </p:nvPr>
+        </p:nvSpPr>
+        <p:spPr/>
+        <p:txBody>
+          <a:bodyPr/>
+          <a:lstStyle/>
+          <a:p>
+            <a:endParaRPr lang="en-US" dirty="0"/>
+          </a:p>
+        </p:txBody>
+      </p:sp>
+      <p:sp>
+        <p:nvSpPr>
+          <p:cNvPr id="4" name="Slide Number Placeholder 3"/>
+          <p:cNvSpPr>
+            <a:spLocks noGrp="1"/>
+          </p:cNvSpPr>
+          <p:nvPr>
+            <p:ph type="sldNum" sz="quarter" idx="10"/>
+          </p:nvPr>
+        </p:nvSpPr>
+        <p:spPr/>
+        <p:txBody>
+          <a:bodyPr/>
+          <a:lstStyle/>
+          <a:p>
+            <a:fld id="{040382CF-E665-4BCB-92D9-2442325D20B9}" type="slidenum">
+              <a:rPr lang="en-US" smtClean="0"/>
               <a:t>15</a:t>
             </a:fld>
             <a:endParaRPr lang="en-US"/>
@@ -748,6 +866,853 @@
     <p:extLst>
       <p:ext uri="{BB962C8B-B14F-4D97-AF65-F5344CB8AC3E}">
         <p14:creationId xmlns:p14="http://schemas.microsoft.com/office/powerpoint/2010/main" val="49714348"/>
+      </p:ext>
+    </p:extLst>
+  </p:cSld>
+  <p:clrMapOvr>
+    <a:masterClrMapping/>
+  </p:clrMapOvr>
+</p:notes>
+</file>
+
+<file path=ppt/notesSlides/notesSlide5.xml><?xml version="1.0" encoding="utf-8"?>
+<p:notes xmlns:a="http://schemas.openxmlformats.org/drawingml/2006/main" xmlns:r="http://schemas.openxmlformats.org/officeDocument/2006/relationships" xmlns:p="http://schemas.openxmlformats.org/presentationml/2006/main">
+  <p:cSld>
+    <p:spTree>
+      <p:nvGrpSpPr>
+        <p:cNvPr id="1" name=""/>
+        <p:cNvGrpSpPr/>
+        <p:nvPr/>
+      </p:nvGrpSpPr>
+      <p:grpSpPr>
+        <a:xfrm>
+          <a:off x="0" y="0"/>
+          <a:ext cx="0" cy="0"/>
+          <a:chOff x="0" y="0"/>
+          <a:chExt cx="0" cy="0"/>
+        </a:xfrm>
+      </p:grpSpPr>
+      <p:sp>
+        <p:nvSpPr>
+          <p:cNvPr id="2" name="Slide Image Placeholder 1"/>
+          <p:cNvSpPr>
+            <a:spLocks noGrp="1" noRot="1" noChangeAspect="1"/>
+          </p:cNvSpPr>
+          <p:nvPr>
+            <p:ph type="sldImg"/>
+          </p:nvPr>
+        </p:nvSpPr>
+        <p:spPr/>
+      </p:sp>
+      <p:sp>
+        <p:nvSpPr>
+          <p:cNvPr id="3" name="Notes Placeholder 2"/>
+          <p:cNvSpPr>
+            <a:spLocks noGrp="1"/>
+          </p:cNvSpPr>
+          <p:nvPr>
+            <p:ph type="body" idx="1"/>
+          </p:nvPr>
+        </p:nvSpPr>
+        <p:spPr/>
+        <p:txBody>
+          <a:bodyPr/>
+          <a:lstStyle/>
+          <a:p>
+            <a:r>
+              <a:rPr lang="en-US" dirty="0" smtClean="0"/>
+              <a:t>No limitations on color scale </a:t>
+            </a:r>
+            <a:endParaRPr lang="en-US" dirty="0"/>
+          </a:p>
+        </p:txBody>
+      </p:sp>
+      <p:sp>
+        <p:nvSpPr>
+          <p:cNvPr id="4" name="Slide Number Placeholder 3"/>
+          <p:cNvSpPr>
+            <a:spLocks noGrp="1"/>
+          </p:cNvSpPr>
+          <p:nvPr>
+            <p:ph type="sldNum" sz="quarter" idx="10"/>
+          </p:nvPr>
+        </p:nvSpPr>
+        <p:spPr/>
+        <p:txBody>
+          <a:bodyPr/>
+          <a:lstStyle/>
+          <a:p>
+            <a:fld id="{040382CF-E665-4BCB-92D9-2442325D20B9}" type="slidenum">
+              <a:rPr lang="en-US" smtClean="0"/>
+              <a:t>16</a:t>
+            </a:fld>
+            <a:endParaRPr lang="en-US"/>
+          </a:p>
+        </p:txBody>
+      </p:sp>
+    </p:spTree>
+    <p:extLst>
+      <p:ext uri="{BB962C8B-B14F-4D97-AF65-F5344CB8AC3E}">
+        <p14:creationId xmlns:p14="http://schemas.microsoft.com/office/powerpoint/2010/main" val="1602478805"/>
+      </p:ext>
+    </p:extLst>
+  </p:cSld>
+  <p:clrMapOvr>
+    <a:masterClrMapping/>
+  </p:clrMapOvr>
+</p:notes>
+</file>
+
+<file path=ppt/notesSlides/notesSlide6.xml><?xml version="1.0" encoding="utf-8"?>
+<p:notes xmlns:a="http://schemas.openxmlformats.org/drawingml/2006/main" xmlns:r="http://schemas.openxmlformats.org/officeDocument/2006/relationships" xmlns:p="http://schemas.openxmlformats.org/presentationml/2006/main">
+  <p:cSld>
+    <p:spTree>
+      <p:nvGrpSpPr>
+        <p:cNvPr id="1" name=""/>
+        <p:cNvGrpSpPr/>
+        <p:nvPr/>
+      </p:nvGrpSpPr>
+      <p:grpSpPr>
+        <a:xfrm>
+          <a:off x="0" y="0"/>
+          <a:ext cx="0" cy="0"/>
+          <a:chOff x="0" y="0"/>
+          <a:chExt cx="0" cy="0"/>
+        </a:xfrm>
+      </p:grpSpPr>
+      <p:sp>
+        <p:nvSpPr>
+          <p:cNvPr id="2" name="Slide Image Placeholder 1"/>
+          <p:cNvSpPr>
+            <a:spLocks noGrp="1" noRot="1" noChangeAspect="1"/>
+          </p:cNvSpPr>
+          <p:nvPr>
+            <p:ph type="sldImg"/>
+          </p:nvPr>
+        </p:nvSpPr>
+        <p:spPr/>
+      </p:sp>
+      <p:sp>
+        <p:nvSpPr>
+          <p:cNvPr id="3" name="Notes Placeholder 2"/>
+          <p:cNvSpPr>
+            <a:spLocks noGrp="1"/>
+          </p:cNvSpPr>
+          <p:nvPr>
+            <p:ph type="body" idx="1"/>
+          </p:nvPr>
+        </p:nvSpPr>
+        <p:spPr/>
+        <p:txBody>
+          <a:bodyPr/>
+          <a:lstStyle/>
+          <a:p>
+            <a:r>
+              <a:rPr lang="en-US" dirty="0" smtClean="0"/>
+              <a:t>No blue or yellow</a:t>
+            </a:r>
+          </a:p>
+          <a:p>
+            <a:r>
+              <a:rPr lang="en-US" sz="1200" kern="1200" dirty="0" err="1" smtClean="0">
+                <a:solidFill>
+                  <a:schemeClr val="tx1"/>
+                </a:solidFill>
+                <a:effectLst/>
+                <a:latin typeface="+mn-lt"/>
+                <a:ea typeface="+mn-ea"/>
+                <a:cs typeface="+mn-cs"/>
+              </a:rPr>
+              <a:t>Tritanopia</a:t>
+            </a:r>
+            <a:r>
+              <a:rPr lang="en-US" sz="1200" kern="1200" dirty="0" smtClean="0">
+                <a:solidFill>
+                  <a:schemeClr val="tx1"/>
+                </a:solidFill>
+                <a:effectLst/>
+                <a:latin typeface="+mn-lt"/>
+                <a:ea typeface="+mn-ea"/>
+                <a:cs typeface="+mn-cs"/>
+              </a:rPr>
+              <a:t> is defined as the inability to differentiate between </a:t>
+            </a:r>
+            <a:r>
+              <a:rPr lang="en-US" sz="1200" b="1" kern="1200" dirty="0" smtClean="0">
+                <a:solidFill>
+                  <a:schemeClr val="tx1"/>
+                </a:solidFill>
+                <a:effectLst/>
+                <a:latin typeface="+mn-lt"/>
+                <a:ea typeface="+mn-ea"/>
+                <a:cs typeface="+mn-cs"/>
+              </a:rPr>
+              <a:t>blue</a:t>
+            </a:r>
+            <a:r>
+              <a:rPr lang="en-US" sz="1200" kern="1200" dirty="0" smtClean="0">
+                <a:solidFill>
+                  <a:schemeClr val="tx1"/>
+                </a:solidFill>
+                <a:effectLst/>
+                <a:latin typeface="+mn-lt"/>
+                <a:ea typeface="+mn-ea"/>
+                <a:cs typeface="+mn-cs"/>
+              </a:rPr>
+              <a:t> and </a:t>
+            </a:r>
+            <a:r>
+              <a:rPr lang="en-US" sz="1200" b="1" kern="1200" dirty="0" smtClean="0">
+                <a:solidFill>
+                  <a:schemeClr val="tx1"/>
+                </a:solidFill>
+                <a:effectLst/>
+                <a:latin typeface="+mn-lt"/>
+                <a:ea typeface="+mn-ea"/>
+                <a:cs typeface="+mn-cs"/>
+              </a:rPr>
+              <a:t>yellow</a:t>
+            </a:r>
+            <a:r>
+              <a:rPr lang="en-US" sz="1200" kern="1200" dirty="0" smtClean="0">
+                <a:solidFill>
+                  <a:schemeClr val="tx1"/>
+                </a:solidFill>
+                <a:effectLst/>
+                <a:latin typeface="+mn-lt"/>
+                <a:ea typeface="+mn-ea"/>
+                <a:cs typeface="+mn-cs"/>
+              </a:rPr>
+              <a:t> colors</a:t>
+            </a:r>
+            <a:endParaRPr lang="en-US" dirty="0"/>
+          </a:p>
+        </p:txBody>
+      </p:sp>
+      <p:sp>
+        <p:nvSpPr>
+          <p:cNvPr id="4" name="Slide Number Placeholder 3"/>
+          <p:cNvSpPr>
+            <a:spLocks noGrp="1"/>
+          </p:cNvSpPr>
+          <p:nvPr>
+            <p:ph type="sldNum" sz="quarter" idx="10"/>
+          </p:nvPr>
+        </p:nvSpPr>
+        <p:spPr/>
+        <p:txBody>
+          <a:bodyPr/>
+          <a:lstStyle/>
+          <a:p>
+            <a:fld id="{040382CF-E665-4BCB-92D9-2442325D20B9}" type="slidenum">
+              <a:rPr lang="en-US" smtClean="0"/>
+              <a:t>17</a:t>
+            </a:fld>
+            <a:endParaRPr lang="en-US"/>
+          </a:p>
+        </p:txBody>
+      </p:sp>
+    </p:spTree>
+    <p:extLst>
+      <p:ext uri="{BB962C8B-B14F-4D97-AF65-F5344CB8AC3E}">
+        <p14:creationId xmlns:p14="http://schemas.microsoft.com/office/powerpoint/2010/main" val="3926743106"/>
+      </p:ext>
+    </p:extLst>
+  </p:cSld>
+  <p:clrMapOvr>
+    <a:masterClrMapping/>
+  </p:clrMapOvr>
+</p:notes>
+</file>
+
+<file path=ppt/notesSlides/notesSlide7.xml><?xml version="1.0" encoding="utf-8"?>
+<p:notes xmlns:a="http://schemas.openxmlformats.org/drawingml/2006/main" xmlns:r="http://schemas.openxmlformats.org/officeDocument/2006/relationships" xmlns:p="http://schemas.openxmlformats.org/presentationml/2006/main">
+  <p:cSld>
+    <p:spTree>
+      <p:nvGrpSpPr>
+        <p:cNvPr id="1" name=""/>
+        <p:cNvGrpSpPr/>
+        <p:nvPr/>
+      </p:nvGrpSpPr>
+      <p:grpSpPr>
+        <a:xfrm>
+          <a:off x="0" y="0"/>
+          <a:ext cx="0" cy="0"/>
+          <a:chOff x="0" y="0"/>
+          <a:chExt cx="0" cy="0"/>
+        </a:xfrm>
+      </p:grpSpPr>
+      <p:sp>
+        <p:nvSpPr>
+          <p:cNvPr id="2" name="Slide Image Placeholder 1"/>
+          <p:cNvSpPr>
+            <a:spLocks noGrp="1" noRot="1" noChangeAspect="1"/>
+          </p:cNvSpPr>
+          <p:nvPr>
+            <p:ph type="sldImg"/>
+          </p:nvPr>
+        </p:nvSpPr>
+        <p:spPr/>
+      </p:sp>
+      <p:sp>
+        <p:nvSpPr>
+          <p:cNvPr id="3" name="Notes Placeholder 2"/>
+          <p:cNvSpPr>
+            <a:spLocks noGrp="1"/>
+          </p:cNvSpPr>
+          <p:nvPr>
+            <p:ph type="body" idx="1"/>
+          </p:nvPr>
+        </p:nvSpPr>
+        <p:spPr/>
+        <p:txBody>
+          <a:bodyPr/>
+          <a:lstStyle/>
+          <a:p>
+            <a:r>
+              <a:rPr lang="en-US" dirty="0" smtClean="0"/>
+              <a:t>No green </a:t>
+            </a:r>
+            <a:endParaRPr lang="en-US" dirty="0"/>
+          </a:p>
+        </p:txBody>
+      </p:sp>
+      <p:sp>
+        <p:nvSpPr>
+          <p:cNvPr id="4" name="Slide Number Placeholder 3"/>
+          <p:cNvSpPr>
+            <a:spLocks noGrp="1"/>
+          </p:cNvSpPr>
+          <p:nvPr>
+            <p:ph type="sldNum" sz="quarter" idx="10"/>
+          </p:nvPr>
+        </p:nvSpPr>
+        <p:spPr/>
+        <p:txBody>
+          <a:bodyPr/>
+          <a:lstStyle/>
+          <a:p>
+            <a:fld id="{040382CF-E665-4BCB-92D9-2442325D20B9}" type="slidenum">
+              <a:rPr lang="en-US" smtClean="0"/>
+              <a:t>18</a:t>
+            </a:fld>
+            <a:endParaRPr lang="en-US"/>
+          </a:p>
+        </p:txBody>
+      </p:sp>
+    </p:spTree>
+    <p:extLst>
+      <p:ext uri="{BB962C8B-B14F-4D97-AF65-F5344CB8AC3E}">
+        <p14:creationId xmlns:p14="http://schemas.microsoft.com/office/powerpoint/2010/main" val="139219676"/>
+      </p:ext>
+    </p:extLst>
+  </p:cSld>
+  <p:clrMapOvr>
+    <a:masterClrMapping/>
+  </p:clrMapOvr>
+</p:notes>
+</file>
+
+<file path=ppt/notesSlides/notesSlide8.xml><?xml version="1.0" encoding="utf-8"?>
+<p:notes xmlns:a="http://schemas.openxmlformats.org/drawingml/2006/main" xmlns:r="http://schemas.openxmlformats.org/officeDocument/2006/relationships" xmlns:p="http://schemas.openxmlformats.org/presentationml/2006/main">
+  <p:cSld>
+    <p:spTree>
+      <p:nvGrpSpPr>
+        <p:cNvPr id="1" name=""/>
+        <p:cNvGrpSpPr/>
+        <p:nvPr/>
+      </p:nvGrpSpPr>
+      <p:grpSpPr>
+        <a:xfrm>
+          <a:off x="0" y="0"/>
+          <a:ext cx="0" cy="0"/>
+          <a:chOff x="0" y="0"/>
+          <a:chExt cx="0" cy="0"/>
+        </a:xfrm>
+      </p:grpSpPr>
+      <p:sp>
+        <p:nvSpPr>
+          <p:cNvPr id="2" name="Slide Image Placeholder 1"/>
+          <p:cNvSpPr>
+            <a:spLocks noGrp="1" noRot="1" noChangeAspect="1"/>
+          </p:cNvSpPr>
+          <p:nvPr>
+            <p:ph type="sldImg"/>
+          </p:nvPr>
+        </p:nvSpPr>
+        <p:spPr/>
+      </p:sp>
+      <p:sp>
+        <p:nvSpPr>
+          <p:cNvPr id="3" name="Notes Placeholder 2"/>
+          <p:cNvSpPr>
+            <a:spLocks noGrp="1"/>
+          </p:cNvSpPr>
+          <p:nvPr>
+            <p:ph type="body" idx="1"/>
+          </p:nvPr>
+        </p:nvSpPr>
+        <p:spPr/>
+        <p:txBody>
+          <a:bodyPr/>
+          <a:lstStyle/>
+          <a:p>
+            <a:r>
+              <a:rPr lang="en-US" dirty="0" smtClean="0"/>
+              <a:t>No red </a:t>
+            </a:r>
+          </a:p>
+          <a:p>
+            <a:endParaRPr lang="en-US" dirty="0" smtClean="0"/>
+          </a:p>
+          <a:p>
+            <a:r>
+              <a:rPr lang="en-US" sz="1200" kern="1200" dirty="0" err="1" smtClean="0">
+                <a:solidFill>
+                  <a:schemeClr val="tx1"/>
+                </a:solidFill>
+                <a:effectLst/>
+                <a:latin typeface="+mn-lt"/>
+                <a:ea typeface="+mn-ea"/>
+                <a:cs typeface="+mn-cs"/>
+              </a:rPr>
+              <a:t>Protanopia</a:t>
+            </a:r>
+            <a:r>
+              <a:rPr lang="en-US" sz="1200" kern="1200" dirty="0" smtClean="0">
+                <a:solidFill>
+                  <a:schemeClr val="tx1"/>
+                </a:solidFill>
+                <a:effectLst/>
+                <a:latin typeface="+mn-lt"/>
+                <a:ea typeface="+mn-ea"/>
+                <a:cs typeface="+mn-cs"/>
+              </a:rPr>
+              <a:t> and </a:t>
+            </a:r>
+            <a:r>
+              <a:rPr lang="en-US" sz="1200" kern="1200" dirty="0" err="1" smtClean="0">
+                <a:solidFill>
+                  <a:schemeClr val="tx1"/>
+                </a:solidFill>
+                <a:effectLst/>
+                <a:latin typeface="+mn-lt"/>
+                <a:ea typeface="+mn-ea"/>
+                <a:cs typeface="+mn-cs"/>
+              </a:rPr>
+              <a:t>Deuteranopia</a:t>
+            </a:r>
+            <a:r>
+              <a:rPr lang="en-US" sz="1200" kern="1200" dirty="0" smtClean="0">
+                <a:solidFill>
+                  <a:schemeClr val="tx1"/>
+                </a:solidFill>
+                <a:effectLst/>
+                <a:latin typeface="+mn-lt"/>
+                <a:ea typeface="+mn-ea"/>
+                <a:cs typeface="+mn-cs"/>
+              </a:rPr>
+              <a:t>  characterized by the inability to differentiate </a:t>
+            </a:r>
+            <a:r>
+              <a:rPr lang="en-US" sz="1200" b="1" kern="1200" dirty="0" smtClean="0">
+                <a:solidFill>
+                  <a:schemeClr val="tx1"/>
+                </a:solidFill>
+                <a:effectLst/>
+                <a:latin typeface="+mn-lt"/>
+                <a:ea typeface="+mn-ea"/>
+                <a:cs typeface="+mn-cs"/>
+              </a:rPr>
+              <a:t>red</a:t>
+            </a:r>
+            <a:r>
+              <a:rPr lang="en-US" sz="1200" kern="1200" dirty="0" smtClean="0">
+                <a:solidFill>
+                  <a:schemeClr val="tx1"/>
+                </a:solidFill>
+                <a:effectLst/>
+                <a:latin typeface="+mn-lt"/>
+                <a:ea typeface="+mn-ea"/>
+                <a:cs typeface="+mn-cs"/>
+              </a:rPr>
+              <a:t> and </a:t>
+            </a:r>
+            <a:r>
+              <a:rPr lang="en-US" sz="1200" b="1" kern="1200" dirty="0" smtClean="0">
+                <a:solidFill>
+                  <a:schemeClr val="tx1"/>
+                </a:solidFill>
+                <a:effectLst/>
+                <a:latin typeface="+mn-lt"/>
+                <a:ea typeface="+mn-ea"/>
+                <a:cs typeface="+mn-cs"/>
+              </a:rPr>
+              <a:t>green</a:t>
+            </a:r>
+            <a:r>
+              <a:rPr lang="en-US" sz="1200" kern="1200" dirty="0" smtClean="0">
+                <a:solidFill>
+                  <a:schemeClr val="tx1"/>
+                </a:solidFill>
+                <a:effectLst/>
+                <a:latin typeface="+mn-lt"/>
+                <a:ea typeface="+mn-ea"/>
+                <a:cs typeface="+mn-cs"/>
+              </a:rPr>
+              <a:t> shades</a:t>
+            </a:r>
+            <a:r>
+              <a:rPr lang="en-US" dirty="0" smtClean="0">
+                <a:effectLst/>
+              </a:rPr>
+              <a:t> </a:t>
+            </a:r>
+            <a:endParaRPr lang="en-US" dirty="0" smtClean="0"/>
+          </a:p>
+          <a:p>
+            <a:pPr marL="0" marR="0" indent="0" algn="l" defTabSz="914400" rtl="0" eaLnBrk="1" fontAlgn="auto" latinLnBrk="0" hangingPunct="1">
+              <a:lnSpc>
+                <a:spcPct val="100000"/>
+              </a:lnSpc>
+              <a:spcBef>
+                <a:spcPts val="0"/>
+              </a:spcBef>
+              <a:spcAft>
+                <a:spcPts val="0"/>
+              </a:spcAft>
+              <a:buClrTx/>
+              <a:buSzTx/>
+              <a:buFontTx/>
+              <a:buNone/>
+              <a:tabLst/>
+              <a:defRPr/>
+            </a:pPr>
+            <a:r>
+              <a:rPr lang="en-US" sz="1200" kern="1200" dirty="0" smtClean="0">
+                <a:solidFill>
+                  <a:schemeClr val="tx1"/>
+                </a:solidFill>
+                <a:effectLst/>
+                <a:latin typeface="+mn-lt"/>
+                <a:ea typeface="+mn-ea"/>
+                <a:cs typeface="+mn-cs"/>
+              </a:rPr>
+              <a:t>In order to display a visual difference between </a:t>
+            </a:r>
+            <a:r>
+              <a:rPr lang="en-US" sz="1200" kern="1200" dirty="0" err="1" smtClean="0">
+                <a:solidFill>
+                  <a:schemeClr val="tx1"/>
+                </a:solidFill>
+                <a:effectLst/>
+                <a:latin typeface="+mn-lt"/>
+                <a:ea typeface="+mn-ea"/>
+                <a:cs typeface="+mn-cs"/>
+              </a:rPr>
+              <a:t>Protanopia</a:t>
+            </a:r>
+            <a:r>
+              <a:rPr lang="en-US" sz="1200" kern="1200" dirty="0" smtClean="0">
+                <a:solidFill>
+                  <a:schemeClr val="tx1"/>
+                </a:solidFill>
+                <a:effectLst/>
+                <a:latin typeface="+mn-lt"/>
+                <a:ea typeface="+mn-ea"/>
+                <a:cs typeface="+mn-cs"/>
+              </a:rPr>
+              <a:t> and </a:t>
+            </a:r>
+            <a:r>
+              <a:rPr lang="en-US" sz="1200" kern="1200" dirty="0" err="1" smtClean="0">
+                <a:solidFill>
+                  <a:schemeClr val="tx1"/>
+                </a:solidFill>
+                <a:effectLst/>
+                <a:latin typeface="+mn-lt"/>
+                <a:ea typeface="+mn-ea"/>
+                <a:cs typeface="+mn-cs"/>
+              </a:rPr>
+              <a:t>Deuteranopia</a:t>
+            </a:r>
+            <a:r>
+              <a:rPr lang="en-US" sz="1200" kern="1200" dirty="0" smtClean="0">
+                <a:solidFill>
+                  <a:schemeClr val="tx1"/>
+                </a:solidFill>
+                <a:effectLst/>
+                <a:latin typeface="+mn-lt"/>
+                <a:ea typeface="+mn-ea"/>
+                <a:cs typeface="+mn-cs"/>
+              </a:rPr>
+              <a:t>  options</a:t>
+            </a:r>
+          </a:p>
+          <a:p>
+            <a:pPr marL="0" marR="0" indent="0" algn="l" defTabSz="914400" rtl="0" eaLnBrk="1" fontAlgn="auto" latinLnBrk="0" hangingPunct="1">
+              <a:lnSpc>
+                <a:spcPct val="100000"/>
+              </a:lnSpc>
+              <a:spcBef>
+                <a:spcPts val="0"/>
+              </a:spcBef>
+              <a:spcAft>
+                <a:spcPts val="0"/>
+              </a:spcAft>
+              <a:buClrTx/>
+              <a:buSzTx/>
+              <a:buFontTx/>
+              <a:buNone/>
+              <a:tabLst/>
+              <a:defRPr/>
+            </a:pPr>
+            <a:r>
+              <a:rPr lang="en-US" sz="1200" kern="1200" dirty="0" smtClean="0">
+                <a:solidFill>
+                  <a:schemeClr val="tx1"/>
+                </a:solidFill>
+                <a:effectLst/>
+                <a:latin typeface="+mn-lt"/>
+                <a:ea typeface="+mn-ea"/>
+                <a:cs typeface="+mn-cs"/>
+              </a:rPr>
+              <a:t>eliminate the </a:t>
+            </a:r>
+            <a:r>
+              <a:rPr lang="en-US" sz="1200" b="1" kern="1200" dirty="0" smtClean="0">
+                <a:solidFill>
+                  <a:schemeClr val="tx1"/>
+                </a:solidFill>
+                <a:effectLst/>
+                <a:latin typeface="+mn-lt"/>
+                <a:ea typeface="+mn-ea"/>
+                <a:cs typeface="+mn-cs"/>
+              </a:rPr>
+              <a:t>red</a:t>
+            </a:r>
+            <a:r>
+              <a:rPr lang="en-US" sz="1200" kern="1200" dirty="0" smtClean="0">
+                <a:solidFill>
+                  <a:schemeClr val="tx1"/>
+                </a:solidFill>
+                <a:effectLst/>
+                <a:latin typeface="+mn-lt"/>
+                <a:ea typeface="+mn-ea"/>
+                <a:cs typeface="+mn-cs"/>
+              </a:rPr>
+              <a:t> colors when the user selects </a:t>
+            </a:r>
+            <a:r>
+              <a:rPr lang="en-US" sz="1200" kern="1200" dirty="0" err="1" smtClean="0">
+                <a:solidFill>
+                  <a:schemeClr val="tx1"/>
+                </a:solidFill>
+                <a:effectLst/>
+                <a:latin typeface="+mn-lt"/>
+                <a:ea typeface="+mn-ea"/>
+                <a:cs typeface="+mn-cs"/>
+              </a:rPr>
+              <a:t>Protanopia</a:t>
+            </a:r>
+            <a:r>
+              <a:rPr lang="en-US" sz="1200" kern="1200" dirty="0" smtClean="0">
+                <a:solidFill>
+                  <a:schemeClr val="tx1"/>
+                </a:solidFill>
+                <a:effectLst/>
+                <a:latin typeface="+mn-lt"/>
+                <a:ea typeface="+mn-ea"/>
+                <a:cs typeface="+mn-cs"/>
+              </a:rPr>
+              <a:t>, </a:t>
+            </a:r>
+          </a:p>
+          <a:p>
+            <a:pPr marL="0" marR="0" indent="0" algn="l" defTabSz="914400" rtl="0" eaLnBrk="1" fontAlgn="auto" latinLnBrk="0" hangingPunct="1">
+              <a:lnSpc>
+                <a:spcPct val="100000"/>
+              </a:lnSpc>
+              <a:spcBef>
+                <a:spcPts val="0"/>
+              </a:spcBef>
+              <a:spcAft>
+                <a:spcPts val="0"/>
+              </a:spcAft>
+              <a:buClrTx/>
+              <a:buSzTx/>
+              <a:buFontTx/>
+              <a:buNone/>
+              <a:tabLst/>
+              <a:defRPr/>
+            </a:pPr>
+            <a:r>
+              <a:rPr lang="en-US" sz="1200" kern="1200" dirty="0" smtClean="0">
+                <a:solidFill>
+                  <a:schemeClr val="tx1"/>
+                </a:solidFill>
+                <a:effectLst/>
+                <a:latin typeface="+mn-lt"/>
+                <a:ea typeface="+mn-ea"/>
+                <a:cs typeface="+mn-cs"/>
+              </a:rPr>
+              <a:t>eliminate the </a:t>
+            </a:r>
+            <a:r>
+              <a:rPr lang="en-US" sz="1200" b="1" kern="1200" dirty="0" smtClean="0">
+                <a:solidFill>
+                  <a:schemeClr val="tx1"/>
+                </a:solidFill>
+                <a:effectLst/>
+                <a:latin typeface="+mn-lt"/>
+                <a:ea typeface="+mn-ea"/>
+                <a:cs typeface="+mn-cs"/>
+              </a:rPr>
+              <a:t>green</a:t>
+            </a:r>
+            <a:r>
+              <a:rPr lang="en-US" sz="1200" kern="1200" dirty="0" smtClean="0">
+                <a:solidFill>
+                  <a:schemeClr val="tx1"/>
+                </a:solidFill>
+                <a:effectLst/>
+                <a:latin typeface="+mn-lt"/>
+                <a:ea typeface="+mn-ea"/>
+                <a:cs typeface="+mn-cs"/>
+              </a:rPr>
+              <a:t> colors when the user selects </a:t>
+            </a:r>
+            <a:r>
+              <a:rPr lang="en-US" sz="1200" kern="1200" smtClean="0">
+                <a:solidFill>
+                  <a:schemeClr val="tx1"/>
+                </a:solidFill>
+                <a:effectLst/>
+                <a:latin typeface="+mn-lt"/>
+                <a:ea typeface="+mn-ea"/>
+                <a:cs typeface="+mn-cs"/>
+              </a:rPr>
+              <a:t>Deuteranopia</a:t>
+            </a:r>
+            <a:endParaRPr lang="en-US" dirty="0"/>
+          </a:p>
+        </p:txBody>
+      </p:sp>
+      <p:sp>
+        <p:nvSpPr>
+          <p:cNvPr id="4" name="Slide Number Placeholder 3"/>
+          <p:cNvSpPr>
+            <a:spLocks noGrp="1"/>
+          </p:cNvSpPr>
+          <p:nvPr>
+            <p:ph type="sldNum" sz="quarter" idx="10"/>
+          </p:nvPr>
+        </p:nvSpPr>
+        <p:spPr/>
+        <p:txBody>
+          <a:bodyPr/>
+          <a:lstStyle/>
+          <a:p>
+            <a:fld id="{040382CF-E665-4BCB-92D9-2442325D20B9}" type="slidenum">
+              <a:rPr lang="en-US" smtClean="0"/>
+              <a:t>19</a:t>
+            </a:fld>
+            <a:endParaRPr lang="en-US"/>
+          </a:p>
+        </p:txBody>
+      </p:sp>
+    </p:spTree>
+    <p:extLst>
+      <p:ext uri="{BB962C8B-B14F-4D97-AF65-F5344CB8AC3E}">
+        <p14:creationId xmlns:p14="http://schemas.microsoft.com/office/powerpoint/2010/main" val="2478180565"/>
+      </p:ext>
+    </p:extLst>
+  </p:cSld>
+  <p:clrMapOvr>
+    <a:masterClrMapping/>
+  </p:clrMapOvr>
+</p:notes>
+</file>
+
+<file path=ppt/notesSlides/notesSlide9.xml><?xml version="1.0" encoding="utf-8"?>
+<p:notes xmlns:a="http://schemas.openxmlformats.org/drawingml/2006/main" xmlns:r="http://schemas.openxmlformats.org/officeDocument/2006/relationships" xmlns:p="http://schemas.openxmlformats.org/presentationml/2006/main">
+  <p:cSld>
+    <p:spTree>
+      <p:nvGrpSpPr>
+        <p:cNvPr id="1" name=""/>
+        <p:cNvGrpSpPr/>
+        <p:nvPr/>
+      </p:nvGrpSpPr>
+      <p:grpSpPr>
+        <a:xfrm>
+          <a:off x="0" y="0"/>
+          <a:ext cx="0" cy="0"/>
+          <a:chOff x="0" y="0"/>
+          <a:chExt cx="0" cy="0"/>
+        </a:xfrm>
+      </p:grpSpPr>
+      <p:sp>
+        <p:nvSpPr>
+          <p:cNvPr id="2" name="Slide Image Placeholder 1"/>
+          <p:cNvSpPr>
+            <a:spLocks noGrp="1" noRot="1" noChangeAspect="1"/>
+          </p:cNvSpPr>
+          <p:nvPr>
+            <p:ph type="sldImg"/>
+          </p:nvPr>
+        </p:nvSpPr>
+        <p:spPr/>
+      </p:sp>
+      <p:sp>
+        <p:nvSpPr>
+          <p:cNvPr id="3" name="Notes Placeholder 2"/>
+          <p:cNvSpPr>
+            <a:spLocks noGrp="1"/>
+          </p:cNvSpPr>
+          <p:nvPr>
+            <p:ph type="body" idx="1"/>
+          </p:nvPr>
+        </p:nvSpPr>
+        <p:spPr/>
+        <p:txBody>
+          <a:bodyPr/>
+          <a:lstStyle/>
+          <a:p>
+            <a:r>
+              <a:rPr lang="en-US" dirty="0" smtClean="0"/>
+              <a:t>Gray scale</a:t>
+            </a:r>
+            <a:endParaRPr lang="en-US" dirty="0"/>
+          </a:p>
+        </p:txBody>
+      </p:sp>
+      <p:sp>
+        <p:nvSpPr>
+          <p:cNvPr id="4" name="Slide Number Placeholder 3"/>
+          <p:cNvSpPr>
+            <a:spLocks noGrp="1"/>
+          </p:cNvSpPr>
+          <p:nvPr>
+            <p:ph type="sldNum" sz="quarter" idx="10"/>
+          </p:nvPr>
+        </p:nvSpPr>
+        <p:spPr/>
+        <p:txBody>
+          <a:bodyPr/>
+          <a:lstStyle/>
+          <a:p>
+            <a:fld id="{040382CF-E665-4BCB-92D9-2442325D20B9}" type="slidenum">
+              <a:rPr lang="en-US" smtClean="0"/>
+              <a:t>20</a:t>
+            </a:fld>
+            <a:endParaRPr lang="en-US"/>
+          </a:p>
+        </p:txBody>
+      </p:sp>
+    </p:spTree>
+    <p:extLst>
+      <p:ext uri="{BB962C8B-B14F-4D97-AF65-F5344CB8AC3E}">
+        <p14:creationId xmlns:p14="http://schemas.microsoft.com/office/powerpoint/2010/main" val="3887309954"/>
       </p:ext>
     </p:extLst>
   </p:cSld>
@@ -7435,7 +8400,7 @@
           </p:nvPr>
         </p:nvPicPr>
         <p:blipFill>
-          <a:blip r:embed="rId2">
+          <a:blip r:embed="rId3">
             <a:extLst>
               <a:ext uri="{28A0092B-C50C-407E-A947-70E740481C1C}">
                 <a14:useLocalDpi xmlns:a14="http://schemas.microsoft.com/office/drawing/2010/main" val="0"/>
@@ -7564,7 +8529,7 @@
           </p:nvPr>
         </p:nvPicPr>
         <p:blipFill>
-          <a:blip r:embed="rId2">
+          <a:blip r:embed="rId3">
             <a:extLst>
               <a:ext uri="{28A0092B-C50C-407E-A947-70E740481C1C}">
                 <a14:useLocalDpi xmlns:a14="http://schemas.microsoft.com/office/drawing/2010/main" val="0"/>
@@ -7693,7 +8658,7 @@
           </p:nvPr>
         </p:nvPicPr>
         <p:blipFill>
-          <a:blip r:embed="rId2">
+          <a:blip r:embed="rId3">
             <a:extLst>
               <a:ext uri="{28A0092B-C50C-407E-A947-70E740481C1C}">
                 <a14:useLocalDpi xmlns:a14="http://schemas.microsoft.com/office/drawing/2010/main" val="0"/>
@@ -7822,7 +8787,7 @@
           </p:nvPr>
         </p:nvPicPr>
         <p:blipFill>
-          <a:blip r:embed="rId2">
+          <a:blip r:embed="rId3">
             <a:extLst>
               <a:ext uri="{28A0092B-C50C-407E-A947-70E740481C1C}">
                 <a14:useLocalDpi xmlns:a14="http://schemas.microsoft.com/office/drawing/2010/main" val="0"/>
@@ -8040,7 +9005,7 @@
           </p:nvPr>
         </p:nvPicPr>
         <p:blipFill>
-          <a:blip r:embed="rId2">
+          <a:blip r:embed="rId3">
             <a:extLst>
               <a:ext uri="{28A0092B-C50C-407E-A947-70E740481C1C}">
                 <a14:useLocalDpi xmlns:a14="http://schemas.microsoft.com/office/drawing/2010/main" val="0"/>
@@ -8140,25 +9105,49 @@
             <p:ph type="title"/>
           </p:nvPr>
         </p:nvSpPr>
+        <p:spPr/>
+        <p:txBody>
+          <a:bodyPr/>
+          <a:lstStyle/>
+          <a:p>
+            <a:r>
+              <a:rPr lang="en-US" dirty="0" smtClean="0"/>
+              <a:t>Demonstration</a:t>
+            </a:r>
+            <a:endParaRPr lang="en-US" dirty="0"/>
+          </a:p>
+        </p:txBody>
+      </p:sp>
+      <p:pic>
+        <p:nvPicPr>
+          <p:cNvPr id="3" name="Picture 2" descr="demo.jpeg"/>
+          <p:cNvPicPr>
+            <a:picLocks noChangeAspect="1"/>
+          </p:cNvPicPr>
+          <p:nvPr/>
+        </p:nvPicPr>
+        <p:blipFill>
+          <a:blip r:embed="rId2">
+            <a:extLst>
+              <a:ext uri="{28A0092B-C50C-407E-A947-70E740481C1C}">
+                <a14:useLocalDpi xmlns:a14="http://schemas.microsoft.com/office/drawing/2010/main" val="0"/>
+              </a:ext>
+            </a:extLst>
+          </a:blip>
+          <a:stretch>
+            <a:fillRect/>
+          </a:stretch>
+        </p:blipFill>
         <p:spPr>
           <a:xfrm>
-            <a:off x="759656" y="2717616"/>
-            <a:ext cx="7469752" cy="1400530"/>
+            <a:off x="1924050" y="1543050"/>
+            <a:ext cx="5200650" cy="5200650"/>
           </a:xfrm>
+          <a:prstGeom prst="rect">
+            <a:avLst/>
+          </a:prstGeom>
         </p:spPr>
-        <p:txBody>
-          <a:bodyPr/>
-          <a:lstStyle/>
-          <a:p>
-            <a:pPr algn="ctr"/>
-            <a:r>
-              <a:rPr lang="en-US" sz="8000" dirty="0" smtClean="0"/>
-              <a:t>Demonstration</a:t>
-            </a:r>
-            <a:endParaRPr lang="en-US" sz="8000" dirty="0"/>
-          </a:p>
-        </p:txBody>
-      </p:sp>
+      </p:pic>
     </p:spTree>
     <p:extLst>
       <p:ext uri="{BB962C8B-B14F-4D97-AF65-F5344CB8AC3E}">
@@ -8358,8 +9347,19 @@
           <a:p>
             <a:r>
               <a:rPr lang="en-US" dirty="0" smtClean="0"/>
-              <a:t>3D/2D Modeling Software</a:t>
-            </a:r>
+              <a:t>3D/2D Modeling </a:t>
+            </a:r>
+            <a:r>
+              <a:rPr lang="en-US" dirty="0" smtClean="0"/>
+              <a:t>Software</a:t>
+            </a:r>
+          </a:p>
+          <a:p>
+            <a:r>
+              <a:rPr lang="en-US" dirty="0" smtClean="0"/>
+              <a:t>Visualized satellite data</a:t>
+            </a:r>
+            <a:endParaRPr lang="en-US" dirty="0" smtClean="0"/>
           </a:p>
           <a:p>
             <a:endParaRPr lang="en-US" dirty="0"/>

--- a/MSIM741_slides_BARBACHEM_COOGAN.pptx
+++ b/MSIM741_slides_BARBACHEM_COOGAN.pptx
@@ -5,7 +5,7 @@
     <p:sldMasterId id="2147483660" r:id="rId1"/>
   </p:sldMasterIdLst>
   <p:notesMasterIdLst>
-    <p:notesMasterId r:id="rId24"/>
+    <p:notesMasterId r:id="rId25"/>
   </p:notesMasterIdLst>
   <p:sldIdLst>
     <p:sldId id="256" r:id="rId2"/>
@@ -14,22 +14,23 @@
     <p:sldId id="265" r:id="rId5"/>
     <p:sldId id="266" r:id="rId6"/>
     <p:sldId id="267" r:id="rId7"/>
-    <p:sldId id="259" r:id="rId8"/>
-    <p:sldId id="260" r:id="rId9"/>
-    <p:sldId id="278" r:id="rId10"/>
-    <p:sldId id="261" r:id="rId11"/>
-    <p:sldId id="274" r:id="rId12"/>
-    <p:sldId id="275" r:id="rId13"/>
-    <p:sldId id="276" r:id="rId14"/>
-    <p:sldId id="277" r:id="rId15"/>
-    <p:sldId id="262" r:id="rId16"/>
-    <p:sldId id="269" r:id="rId17"/>
-    <p:sldId id="270" r:id="rId18"/>
-    <p:sldId id="271" r:id="rId19"/>
-    <p:sldId id="272" r:id="rId20"/>
-    <p:sldId id="273" r:id="rId21"/>
-    <p:sldId id="268" r:id="rId22"/>
-    <p:sldId id="263" r:id="rId23"/>
+    <p:sldId id="279" r:id="rId8"/>
+    <p:sldId id="259" r:id="rId9"/>
+    <p:sldId id="260" r:id="rId10"/>
+    <p:sldId id="278" r:id="rId11"/>
+    <p:sldId id="261" r:id="rId12"/>
+    <p:sldId id="274" r:id="rId13"/>
+    <p:sldId id="275" r:id="rId14"/>
+    <p:sldId id="276" r:id="rId15"/>
+    <p:sldId id="277" r:id="rId16"/>
+    <p:sldId id="262" r:id="rId17"/>
+    <p:sldId id="269" r:id="rId18"/>
+    <p:sldId id="270" r:id="rId19"/>
+    <p:sldId id="271" r:id="rId20"/>
+    <p:sldId id="272" r:id="rId21"/>
+    <p:sldId id="273" r:id="rId22"/>
+    <p:sldId id="268" r:id="rId23"/>
+    <p:sldId id="263" r:id="rId24"/>
   </p:sldIdLst>
   <p:sldSz cx="9144000" cy="6858000" type="screen4x3"/>
   <p:notesSz cx="6858000" cy="9144000"/>
@@ -541,6 +542,49 @@
           <a:bodyPr/>
           <a:lstStyle/>
           <a:p>
+            <a:pPr marL="171450" indent="-171450">
+              <a:buFont typeface="Arial"/>
+              <a:buChar char="•"/>
+            </a:pPr>
+            <a:r>
+              <a:rPr lang="en-US" sz="1200" i="0" kern="1200" dirty="0" smtClean="0">
+                <a:solidFill>
+                  <a:schemeClr val="tx1"/>
+                </a:solidFill>
+                <a:effectLst/>
+                <a:latin typeface="+mn-lt"/>
+                <a:ea typeface="+mn-ea"/>
+                <a:cs typeface="+mn-cs"/>
+              </a:rPr>
+              <a:t>Allow users to dynamically</a:t>
+            </a:r>
+            <a:r>
+              <a:rPr lang="en-US" sz="1200" i="0" kern="1200" baseline="0" dirty="0" smtClean="0">
+                <a:solidFill>
+                  <a:schemeClr val="tx1"/>
+                </a:solidFill>
+                <a:effectLst/>
+                <a:latin typeface="+mn-lt"/>
+                <a:ea typeface="+mn-ea"/>
+                <a:cs typeface="+mn-cs"/>
+              </a:rPr>
+              <a:t> choose colors to represent data while maintaining the integrality of the data.</a:t>
+            </a:r>
+            <a:endParaRPr lang="en-US" sz="1200" i="0" kern="1200" dirty="0" smtClean="0">
+              <a:solidFill>
+                <a:schemeClr val="tx1"/>
+              </a:solidFill>
+              <a:effectLst/>
+              <a:latin typeface="+mn-lt"/>
+              <a:ea typeface="+mn-ea"/>
+              <a:cs typeface="+mn-cs"/>
+            </a:endParaRPr>
+          </a:p>
+          <a:p>
+            <a:pPr marL="171450" indent="-171450">
+              <a:buFont typeface="Arial"/>
+              <a:buChar char="•"/>
+            </a:pPr>
             <a:r>
               <a:rPr lang="en-US" sz="1200" i="1" kern="1200" dirty="0" smtClean="0">
                 <a:solidFill>
@@ -561,6 +605,10 @@
             </a:r>
           </a:p>
           <a:p>
+            <a:pPr marL="171450" indent="-171450">
+              <a:buFont typeface="Arial"/>
+              <a:buChar char="•"/>
+            </a:pPr>
             <a:r>
               <a:rPr lang="en-US" dirty="0" smtClean="0"/>
               <a:t>5-8%</a:t>
@@ -573,7 +621,7 @@
           <a:p>
             <a:r>
               <a:rPr lang="en-US" baseline="0" dirty="0" smtClean="0"/>
-              <a:t>0.5-1% women colorblind</a:t>
+              <a:t>     0.5-1% women colorblind</a:t>
             </a:r>
             <a:endParaRPr lang="en-US" dirty="0"/>
           </a:p>
@@ -606,6 +654,94 @@
     <p:extLst>
       <p:ext uri="{BB962C8B-B14F-4D97-AF65-F5344CB8AC3E}">
         <p14:creationId xmlns:p14="http://schemas.microsoft.com/office/powerpoint/2010/main" val="547049323"/>
+      </p:ext>
+    </p:extLst>
+  </p:cSld>
+  <p:clrMapOvr>
+    <a:masterClrMapping/>
+  </p:clrMapOvr>
+</p:notes>
+</file>
+
+<file path=ppt/notesSlides/notesSlide10.xml><?xml version="1.0" encoding="utf-8"?>
+<p:notes xmlns:a="http://schemas.openxmlformats.org/drawingml/2006/main" xmlns:r="http://schemas.openxmlformats.org/officeDocument/2006/relationships" xmlns:p="http://schemas.openxmlformats.org/presentationml/2006/main">
+  <p:cSld>
+    <p:spTree>
+      <p:nvGrpSpPr>
+        <p:cNvPr id="1" name=""/>
+        <p:cNvGrpSpPr/>
+        <p:nvPr/>
+      </p:nvGrpSpPr>
+      <p:grpSpPr>
+        <a:xfrm>
+          <a:off x="0" y="0"/>
+          <a:ext cx="0" cy="0"/>
+          <a:chOff x="0" y="0"/>
+          <a:chExt cx="0" cy="0"/>
+        </a:xfrm>
+      </p:grpSpPr>
+      <p:sp>
+        <p:nvSpPr>
+          <p:cNvPr id="2" name="Slide Image Placeholder 1"/>
+          <p:cNvSpPr>
+            <a:spLocks noGrp="1" noRot="1" noChangeAspect="1"/>
+          </p:cNvSpPr>
+          <p:nvPr>
+            <p:ph type="sldImg"/>
+          </p:nvPr>
+        </p:nvSpPr>
+        <p:spPr/>
+      </p:sp>
+      <p:sp>
+        <p:nvSpPr>
+          <p:cNvPr id="3" name="Notes Placeholder 2"/>
+          <p:cNvSpPr>
+            <a:spLocks noGrp="1"/>
+          </p:cNvSpPr>
+          <p:nvPr>
+            <p:ph type="body" idx="1"/>
+          </p:nvPr>
+        </p:nvSpPr>
+        <p:spPr/>
+        <p:txBody>
+          <a:bodyPr/>
+          <a:lstStyle/>
+          <a:p>
+            <a:r>
+              <a:rPr lang="en-US" dirty="0" smtClean="0"/>
+              <a:t>Gray scale</a:t>
+            </a:r>
+            <a:endParaRPr lang="en-US" dirty="0"/>
+          </a:p>
+        </p:txBody>
+      </p:sp>
+      <p:sp>
+        <p:nvSpPr>
+          <p:cNvPr id="4" name="Slide Number Placeholder 3"/>
+          <p:cNvSpPr>
+            <a:spLocks noGrp="1"/>
+          </p:cNvSpPr>
+          <p:nvPr>
+            <p:ph type="sldNum" sz="quarter" idx="10"/>
+          </p:nvPr>
+        </p:nvSpPr>
+        <p:spPr/>
+        <p:txBody>
+          <a:bodyPr/>
+          <a:lstStyle/>
+          <a:p>
+            <a:fld id="{040382CF-E665-4BCB-92D9-2442325D20B9}" type="slidenum">
+              <a:rPr lang="en-US" smtClean="0"/>
+              <a:t>21</a:t>
+            </a:fld>
+            <a:endParaRPr lang="en-US"/>
+          </a:p>
+        </p:txBody>
+      </p:sp>
+    </p:spTree>
+    <p:extLst>
+      <p:ext uri="{BB962C8B-B14F-4D97-AF65-F5344CB8AC3E}">
+        <p14:creationId xmlns:p14="http://schemas.microsoft.com/office/powerpoint/2010/main" val="3887309954"/>
       </p:ext>
     </p:extLst>
   </p:cSld>
@@ -660,14 +796,29 @@
           <a:lstStyle/>
           <a:p>
             <a:r>
+              <a:rPr lang="en-US" baseline="0" dirty="0" smtClean="0"/>
+              <a:t>Image generated from a NASA</a:t>
+            </a:r>
+            <a:r>
               <a:rPr lang="en-US" dirty="0" smtClean="0"/>
-              <a:t>The colorblind individuals will be most effected because it will level the field of data</a:t>
-            </a:r>
-            <a:r>
-              <a:rPr lang="en-US" baseline="0" dirty="0" smtClean="0"/>
-              <a:t> interpretation if all users see the same information. All users will be effected by the ability to dynamically change the colors, because it will provide the option of finding new colors if the current color pattern is not what they want to see.</a:t>
-            </a:r>
-            <a:endParaRPr lang="en-US" dirty="0"/>
+              <a:t> </a:t>
+            </a:r>
+            <a:r>
+              <a:rPr lang="en-US" sz="1200" kern="1200" dirty="0" smtClean="0">
+                <a:solidFill>
+                  <a:schemeClr val="tx1"/>
+                </a:solidFill>
+                <a:latin typeface="+mn-lt"/>
+                <a:ea typeface="+mn-ea"/>
+                <a:cs typeface="+mn-cs"/>
+              </a:rPr>
+              <a:t>supercomputer model that simulates carbon dioxide in the atmosphere based on data from the OCO-2 mission</a:t>
+            </a:r>
+            <a:endParaRPr lang="en-US" b="1" dirty="0">
+              <a:solidFill>
+                <a:srgbClr val="000000"/>
+              </a:solidFill>
+            </a:endParaRPr>
           </a:p>
         </p:txBody>
       </p:sp>
@@ -697,7 +848,7 @@
     </p:spTree>
     <p:extLst>
       <p:ext uri="{BB962C8B-B14F-4D97-AF65-F5344CB8AC3E}">
-        <p14:creationId xmlns:p14="http://schemas.microsoft.com/office/powerpoint/2010/main" val="550728007"/>
+        <p14:creationId xmlns:p14="http://schemas.microsoft.com/office/powerpoint/2010/main" val="3473503837"/>
       </p:ext>
     </p:extLst>
   </p:cSld>
@@ -751,6 +902,14 @@
           <a:bodyPr/>
           <a:lstStyle/>
           <a:p>
+            <a:r>
+              <a:rPr lang="en-US" dirty="0" smtClean="0"/>
+              <a:t>The colorblind individuals will be most effected because it will level the field of data</a:t>
+            </a:r>
+            <a:r>
+              <a:rPr lang="en-US" baseline="0" dirty="0" smtClean="0"/>
+              <a:t> interpretation if all users see the same information. All users will be effected by the ability to dynamically change the colors, because it will provide the option of finding new colors if the current color pattern is not what they want to see.</a:t>
+            </a:r>
             <a:endParaRPr lang="en-US" dirty="0"/>
           </a:p>
         </p:txBody>
@@ -772,7 +931,7 @@
           <a:p>
             <a:fld id="{040382CF-E665-4BCB-92D9-2442325D20B9}" type="slidenum">
               <a:rPr lang="en-US" smtClean="0"/>
-              <a:t>10</a:t>
+              <a:t>8</a:t>
             </a:fld>
             <a:endParaRPr lang="en-US"/>
           </a:p>
@@ -781,7 +940,7 @@
     </p:spTree>
     <p:extLst>
       <p:ext uri="{BB962C8B-B14F-4D97-AF65-F5344CB8AC3E}">
-        <p14:creationId xmlns:p14="http://schemas.microsoft.com/office/powerpoint/2010/main" val="2303561233"/>
+        <p14:creationId xmlns:p14="http://schemas.microsoft.com/office/powerpoint/2010/main" val="550728007"/>
       </p:ext>
     </p:extLst>
   </p:cSld>
@@ -856,7 +1015,7 @@
           <a:p>
             <a:fld id="{040382CF-E665-4BCB-92D9-2442325D20B9}" type="slidenum">
               <a:rPr lang="en-US" smtClean="0"/>
-              <a:t>15</a:t>
+              <a:t>11</a:t>
             </a:fld>
             <a:endParaRPr lang="en-US"/>
           </a:p>
@@ -865,7 +1024,7 @@
     </p:spTree>
     <p:extLst>
       <p:ext uri="{BB962C8B-B14F-4D97-AF65-F5344CB8AC3E}">
-        <p14:creationId xmlns:p14="http://schemas.microsoft.com/office/powerpoint/2010/main" val="49714348"/>
+        <p14:creationId xmlns:p14="http://schemas.microsoft.com/office/powerpoint/2010/main" val="2303561233"/>
       </p:ext>
     </p:extLst>
   </p:cSld>
@@ -919,10 +1078,6 @@
           <a:bodyPr/>
           <a:lstStyle/>
           <a:p>
-            <a:r>
-              <a:rPr lang="en-US" dirty="0" smtClean="0"/>
-              <a:t>No limitations on color scale </a:t>
-            </a:r>
             <a:endParaRPr lang="en-US" dirty="0"/>
           </a:p>
         </p:txBody>
@@ -953,7 +1108,7 @@
     </p:spTree>
     <p:extLst>
       <p:ext uri="{BB962C8B-B14F-4D97-AF65-F5344CB8AC3E}">
-        <p14:creationId xmlns:p14="http://schemas.microsoft.com/office/powerpoint/2010/main" val="1602478805"/>
+        <p14:creationId xmlns:p14="http://schemas.microsoft.com/office/powerpoint/2010/main" val="49714348"/>
       </p:ext>
     </p:extLst>
   </p:cSld>
@@ -1009,81 +1164,7 @@
           <a:p>
             <a:r>
               <a:rPr lang="en-US" dirty="0" smtClean="0"/>
-              <a:t>No blue or yellow</a:t>
-            </a:r>
-          </a:p>
-          <a:p>
-            <a:r>
-              <a:rPr lang="en-US" sz="1200" kern="1200" dirty="0" err="1" smtClean="0">
-                <a:solidFill>
-                  <a:schemeClr val="tx1"/>
-                </a:solidFill>
-                <a:effectLst/>
-                <a:latin typeface="+mn-lt"/>
-                <a:ea typeface="+mn-ea"/>
-                <a:cs typeface="+mn-cs"/>
-              </a:rPr>
-              <a:t>Tritanopia</a:t>
-            </a:r>
-            <a:r>
-              <a:rPr lang="en-US" sz="1200" kern="1200" dirty="0" smtClean="0">
-                <a:solidFill>
-                  <a:schemeClr val="tx1"/>
-                </a:solidFill>
-                <a:effectLst/>
-                <a:latin typeface="+mn-lt"/>
-                <a:ea typeface="+mn-ea"/>
-                <a:cs typeface="+mn-cs"/>
-              </a:rPr>
-              <a:t> is defined as the inability to differentiate between </a:t>
-            </a:r>
-            <a:r>
-              <a:rPr lang="en-US" sz="1200" b="1" kern="1200" dirty="0" smtClean="0">
-                <a:solidFill>
-                  <a:schemeClr val="tx1"/>
-                </a:solidFill>
-                <a:effectLst/>
-                <a:latin typeface="+mn-lt"/>
-                <a:ea typeface="+mn-ea"/>
-                <a:cs typeface="+mn-cs"/>
-              </a:rPr>
-              <a:t>blue</a:t>
-            </a:r>
-            <a:r>
-              <a:rPr lang="en-US" sz="1200" kern="1200" dirty="0" smtClean="0">
-                <a:solidFill>
-                  <a:schemeClr val="tx1"/>
-                </a:solidFill>
-                <a:effectLst/>
-                <a:latin typeface="+mn-lt"/>
-                <a:ea typeface="+mn-ea"/>
-                <a:cs typeface="+mn-cs"/>
-              </a:rPr>
-              <a:t> and </a:t>
-            </a:r>
-            <a:r>
-              <a:rPr lang="en-US" sz="1200" b="1" kern="1200" dirty="0" smtClean="0">
-                <a:solidFill>
-                  <a:schemeClr val="tx1"/>
-                </a:solidFill>
-                <a:effectLst/>
-                <a:latin typeface="+mn-lt"/>
-                <a:ea typeface="+mn-ea"/>
-                <a:cs typeface="+mn-cs"/>
-              </a:rPr>
-              <a:t>yellow</a:t>
-            </a:r>
-            <a:r>
-              <a:rPr lang="en-US" sz="1200" kern="1200" dirty="0" smtClean="0">
-                <a:solidFill>
-                  <a:schemeClr val="tx1"/>
-                </a:solidFill>
-                <a:effectLst/>
-                <a:latin typeface="+mn-lt"/>
-                <a:ea typeface="+mn-ea"/>
-                <a:cs typeface="+mn-cs"/>
-              </a:rPr>
-              <a:t> colors</a:t>
+              <a:t>No limitations on color scale </a:t>
             </a:r>
             <a:endParaRPr lang="en-US" dirty="0"/>
           </a:p>
@@ -1115,7 +1196,7 @@
     </p:spTree>
     <p:extLst>
       <p:ext uri="{BB962C8B-B14F-4D97-AF65-F5344CB8AC3E}">
-        <p14:creationId xmlns:p14="http://schemas.microsoft.com/office/powerpoint/2010/main" val="3926743106"/>
+        <p14:creationId xmlns:p14="http://schemas.microsoft.com/office/powerpoint/2010/main" val="1602478805"/>
       </p:ext>
     </p:extLst>
   </p:cSld>
@@ -1171,7 +1252,81 @@
           <a:p>
             <a:r>
               <a:rPr lang="en-US" dirty="0" smtClean="0"/>
-              <a:t>No green </a:t>
+              <a:t>No blue or yellow</a:t>
+            </a:r>
+          </a:p>
+          <a:p>
+            <a:r>
+              <a:rPr lang="en-US" sz="1200" kern="1200" dirty="0" err="1" smtClean="0">
+                <a:solidFill>
+                  <a:schemeClr val="tx1"/>
+                </a:solidFill>
+                <a:effectLst/>
+                <a:latin typeface="+mn-lt"/>
+                <a:ea typeface="+mn-ea"/>
+                <a:cs typeface="+mn-cs"/>
+              </a:rPr>
+              <a:t>Tritanopia</a:t>
+            </a:r>
+            <a:r>
+              <a:rPr lang="en-US" sz="1200" kern="1200" dirty="0" smtClean="0">
+                <a:solidFill>
+                  <a:schemeClr val="tx1"/>
+                </a:solidFill>
+                <a:effectLst/>
+                <a:latin typeface="+mn-lt"/>
+                <a:ea typeface="+mn-ea"/>
+                <a:cs typeface="+mn-cs"/>
+              </a:rPr>
+              <a:t> is defined as the inability to differentiate between </a:t>
+            </a:r>
+            <a:r>
+              <a:rPr lang="en-US" sz="1200" b="1" kern="1200" dirty="0" smtClean="0">
+                <a:solidFill>
+                  <a:schemeClr val="tx1"/>
+                </a:solidFill>
+                <a:effectLst/>
+                <a:latin typeface="+mn-lt"/>
+                <a:ea typeface="+mn-ea"/>
+                <a:cs typeface="+mn-cs"/>
+              </a:rPr>
+              <a:t>blue</a:t>
+            </a:r>
+            <a:r>
+              <a:rPr lang="en-US" sz="1200" kern="1200" dirty="0" smtClean="0">
+                <a:solidFill>
+                  <a:schemeClr val="tx1"/>
+                </a:solidFill>
+                <a:effectLst/>
+                <a:latin typeface="+mn-lt"/>
+                <a:ea typeface="+mn-ea"/>
+                <a:cs typeface="+mn-cs"/>
+              </a:rPr>
+              <a:t> and </a:t>
+            </a:r>
+            <a:r>
+              <a:rPr lang="en-US" sz="1200" b="1" kern="1200" dirty="0" smtClean="0">
+                <a:solidFill>
+                  <a:schemeClr val="tx1"/>
+                </a:solidFill>
+                <a:effectLst/>
+                <a:latin typeface="+mn-lt"/>
+                <a:ea typeface="+mn-ea"/>
+                <a:cs typeface="+mn-cs"/>
+              </a:rPr>
+              <a:t>yellow</a:t>
+            </a:r>
+            <a:r>
+              <a:rPr lang="en-US" sz="1200" kern="1200" dirty="0" smtClean="0">
+                <a:solidFill>
+                  <a:schemeClr val="tx1"/>
+                </a:solidFill>
+                <a:effectLst/>
+                <a:latin typeface="+mn-lt"/>
+                <a:ea typeface="+mn-ea"/>
+                <a:cs typeface="+mn-cs"/>
+              </a:rPr>
+              <a:t> colors</a:t>
             </a:r>
             <a:endParaRPr lang="en-US" dirty="0"/>
           </a:p>
@@ -1203,7 +1358,7 @@
     </p:spTree>
     <p:extLst>
       <p:ext uri="{BB962C8B-B14F-4D97-AF65-F5344CB8AC3E}">
-        <p14:creationId xmlns:p14="http://schemas.microsoft.com/office/powerpoint/2010/main" val="139219676"/>
+        <p14:creationId xmlns:p14="http://schemas.microsoft.com/office/powerpoint/2010/main" val="3926743106"/>
       </p:ext>
     </p:extLst>
   </p:cSld>
@@ -1259,340 +1414,7 @@
           <a:p>
             <a:r>
               <a:rPr lang="en-US" dirty="0" smtClean="0"/>
-              <a:t>No red </a:t>
-            </a:r>
-          </a:p>
-          <a:p>
-            <a:endParaRPr lang="en-US" dirty="0" smtClean="0"/>
-          </a:p>
-          <a:p>
-            <a:r>
-              <a:rPr lang="en-US" sz="1200" kern="1200" dirty="0" err="1" smtClean="0">
-                <a:solidFill>
-                  <a:schemeClr val="tx1"/>
-                </a:solidFill>
-                <a:effectLst/>
-                <a:latin typeface="+mn-lt"/>
-                <a:ea typeface="+mn-ea"/>
-                <a:cs typeface="+mn-cs"/>
-              </a:rPr>
-              <a:t>Protanopia</a:t>
-            </a:r>
-            <a:r>
-              <a:rPr lang="en-US" sz="1200" kern="1200" dirty="0" smtClean="0">
-                <a:solidFill>
-                  <a:schemeClr val="tx1"/>
-                </a:solidFill>
-                <a:effectLst/>
-                <a:latin typeface="+mn-lt"/>
-                <a:ea typeface="+mn-ea"/>
-                <a:cs typeface="+mn-cs"/>
-              </a:rPr>
-              <a:t> and </a:t>
-            </a:r>
-            <a:r>
-              <a:rPr lang="en-US" sz="1200" kern="1200" dirty="0" err="1" smtClean="0">
-                <a:solidFill>
-                  <a:schemeClr val="tx1"/>
-                </a:solidFill>
-                <a:effectLst/>
-                <a:latin typeface="+mn-lt"/>
-                <a:ea typeface="+mn-ea"/>
-                <a:cs typeface="+mn-cs"/>
-              </a:rPr>
-              <a:t>Deuteranopia</a:t>
-            </a:r>
-            <a:r>
-              <a:rPr lang="en-US" sz="1200" kern="1200" dirty="0" smtClean="0">
-                <a:solidFill>
-                  <a:schemeClr val="tx1"/>
-                </a:solidFill>
-                <a:effectLst/>
-                <a:latin typeface="+mn-lt"/>
-                <a:ea typeface="+mn-ea"/>
-                <a:cs typeface="+mn-cs"/>
-              </a:rPr>
-              <a:t>  characterized by the inability to differentiate </a:t>
-            </a:r>
-            <a:r>
-              <a:rPr lang="en-US" sz="1200" b="1" kern="1200" dirty="0" smtClean="0">
-                <a:solidFill>
-                  <a:schemeClr val="tx1"/>
-                </a:solidFill>
-                <a:effectLst/>
-                <a:latin typeface="+mn-lt"/>
-                <a:ea typeface="+mn-ea"/>
-                <a:cs typeface="+mn-cs"/>
-              </a:rPr>
-              <a:t>red</a:t>
-            </a:r>
-            <a:r>
-              <a:rPr lang="en-US" sz="1200" kern="1200" dirty="0" smtClean="0">
-                <a:solidFill>
-                  <a:schemeClr val="tx1"/>
-                </a:solidFill>
-                <a:effectLst/>
-                <a:latin typeface="+mn-lt"/>
-                <a:ea typeface="+mn-ea"/>
-                <a:cs typeface="+mn-cs"/>
-              </a:rPr>
-              <a:t> and </a:t>
-            </a:r>
-            <a:r>
-              <a:rPr lang="en-US" sz="1200" b="1" kern="1200" dirty="0" smtClean="0">
-                <a:solidFill>
-                  <a:schemeClr val="tx1"/>
-                </a:solidFill>
-                <a:effectLst/>
-                <a:latin typeface="+mn-lt"/>
-                <a:ea typeface="+mn-ea"/>
-                <a:cs typeface="+mn-cs"/>
-              </a:rPr>
-              <a:t>green</a:t>
-            </a:r>
-            <a:r>
-              <a:rPr lang="en-US" sz="1200" kern="1200" dirty="0" smtClean="0">
-                <a:solidFill>
-                  <a:schemeClr val="tx1"/>
-                </a:solidFill>
-                <a:effectLst/>
-                <a:latin typeface="+mn-lt"/>
-                <a:ea typeface="+mn-ea"/>
-                <a:cs typeface="+mn-cs"/>
-              </a:rPr>
-              <a:t> shades</a:t>
-            </a:r>
-            <a:r>
-              <a:rPr lang="en-US" dirty="0" smtClean="0">
-                <a:effectLst/>
-              </a:rPr>
-              <a:t> </a:t>
-            </a:r>
-            <a:endParaRPr lang="en-US" dirty="0" smtClean="0"/>
-          </a:p>
-          <a:p>
-            <a:pPr marL="0" marR="0" indent="0" algn="l" defTabSz="914400" rtl="0" eaLnBrk="1" fontAlgn="auto" latinLnBrk="0" hangingPunct="1">
-              <a:lnSpc>
-                <a:spcPct val="100000"/>
-              </a:lnSpc>
-              <a:spcBef>
-                <a:spcPts val="0"/>
-              </a:spcBef>
-              <a:spcAft>
-                <a:spcPts val="0"/>
-              </a:spcAft>
-              <a:buClrTx/>
-              <a:buSzTx/>
-              <a:buFontTx/>
-              <a:buNone/>
-              <a:tabLst/>
-              <a:defRPr/>
-            </a:pPr>
-            <a:r>
-              <a:rPr lang="en-US" sz="1200" kern="1200" dirty="0" smtClean="0">
-                <a:solidFill>
-                  <a:schemeClr val="tx1"/>
-                </a:solidFill>
-                <a:effectLst/>
-                <a:latin typeface="+mn-lt"/>
-                <a:ea typeface="+mn-ea"/>
-                <a:cs typeface="+mn-cs"/>
-              </a:rPr>
-              <a:t>In order to display a visual difference between </a:t>
-            </a:r>
-            <a:r>
-              <a:rPr lang="en-US" sz="1200" kern="1200" dirty="0" err="1" smtClean="0">
-                <a:solidFill>
-                  <a:schemeClr val="tx1"/>
-                </a:solidFill>
-                <a:effectLst/>
-                <a:latin typeface="+mn-lt"/>
-                <a:ea typeface="+mn-ea"/>
-                <a:cs typeface="+mn-cs"/>
-              </a:rPr>
-              <a:t>Protanopia</a:t>
-            </a:r>
-            <a:r>
-              <a:rPr lang="en-US" sz="1200" kern="1200" dirty="0" smtClean="0">
-                <a:solidFill>
-                  <a:schemeClr val="tx1"/>
-                </a:solidFill>
-                <a:effectLst/>
-                <a:latin typeface="+mn-lt"/>
-                <a:ea typeface="+mn-ea"/>
-                <a:cs typeface="+mn-cs"/>
-              </a:rPr>
-              <a:t> and </a:t>
-            </a:r>
-            <a:r>
-              <a:rPr lang="en-US" sz="1200" kern="1200" dirty="0" err="1" smtClean="0">
-                <a:solidFill>
-                  <a:schemeClr val="tx1"/>
-                </a:solidFill>
-                <a:effectLst/>
-                <a:latin typeface="+mn-lt"/>
-                <a:ea typeface="+mn-ea"/>
-                <a:cs typeface="+mn-cs"/>
-              </a:rPr>
-              <a:t>Deuteranopia</a:t>
-            </a:r>
-            <a:r>
-              <a:rPr lang="en-US" sz="1200" kern="1200" dirty="0" smtClean="0">
-                <a:solidFill>
-                  <a:schemeClr val="tx1"/>
-                </a:solidFill>
-                <a:effectLst/>
-                <a:latin typeface="+mn-lt"/>
-                <a:ea typeface="+mn-ea"/>
-                <a:cs typeface="+mn-cs"/>
-              </a:rPr>
-              <a:t>  options</a:t>
-            </a:r>
-          </a:p>
-          <a:p>
-            <a:pPr marL="0" marR="0" indent="0" algn="l" defTabSz="914400" rtl="0" eaLnBrk="1" fontAlgn="auto" latinLnBrk="0" hangingPunct="1">
-              <a:lnSpc>
-                <a:spcPct val="100000"/>
-              </a:lnSpc>
-              <a:spcBef>
-                <a:spcPts val="0"/>
-              </a:spcBef>
-              <a:spcAft>
-                <a:spcPts val="0"/>
-              </a:spcAft>
-              <a:buClrTx/>
-              <a:buSzTx/>
-              <a:buFontTx/>
-              <a:buNone/>
-              <a:tabLst/>
-              <a:defRPr/>
-            </a:pPr>
-            <a:r>
-              <a:rPr lang="en-US" sz="1200" kern="1200" dirty="0" smtClean="0">
-                <a:solidFill>
-                  <a:schemeClr val="tx1"/>
-                </a:solidFill>
-                <a:effectLst/>
-                <a:latin typeface="+mn-lt"/>
-                <a:ea typeface="+mn-ea"/>
-                <a:cs typeface="+mn-cs"/>
-              </a:rPr>
-              <a:t>eliminate the </a:t>
-            </a:r>
-            <a:r>
-              <a:rPr lang="en-US" sz="1200" b="1" kern="1200" dirty="0" smtClean="0">
-                <a:solidFill>
-                  <a:schemeClr val="tx1"/>
-                </a:solidFill>
-                <a:effectLst/>
-                <a:latin typeface="+mn-lt"/>
-                <a:ea typeface="+mn-ea"/>
-                <a:cs typeface="+mn-cs"/>
-              </a:rPr>
-              <a:t>red</a:t>
-            </a:r>
-            <a:r>
-              <a:rPr lang="en-US" sz="1200" kern="1200" dirty="0" smtClean="0">
-                <a:solidFill>
-                  <a:schemeClr val="tx1"/>
-                </a:solidFill>
-                <a:effectLst/>
-                <a:latin typeface="+mn-lt"/>
-                <a:ea typeface="+mn-ea"/>
-                <a:cs typeface="+mn-cs"/>
-              </a:rPr>
-              <a:t> colors when the user selects </a:t>
-            </a:r>
-            <a:r>
-              <a:rPr lang="en-US" sz="1200" kern="1200" dirty="0" err="1" smtClean="0">
-                <a:solidFill>
-                  <a:schemeClr val="tx1"/>
-                </a:solidFill>
-                <a:effectLst/>
-                <a:latin typeface="+mn-lt"/>
-                <a:ea typeface="+mn-ea"/>
-                <a:cs typeface="+mn-cs"/>
-              </a:rPr>
-              <a:t>Protanopia</a:t>
-            </a:r>
-            <a:r>
-              <a:rPr lang="en-US" sz="1200" kern="1200" dirty="0" smtClean="0">
-                <a:solidFill>
-                  <a:schemeClr val="tx1"/>
-                </a:solidFill>
-                <a:effectLst/>
-                <a:latin typeface="+mn-lt"/>
-                <a:ea typeface="+mn-ea"/>
-                <a:cs typeface="+mn-cs"/>
-              </a:rPr>
-              <a:t>, </a:t>
-            </a:r>
-          </a:p>
-          <a:p>
-            <a:pPr marL="0" marR="0" indent="0" algn="l" defTabSz="914400" rtl="0" eaLnBrk="1" fontAlgn="auto" latinLnBrk="0" hangingPunct="1">
-              <a:lnSpc>
-                <a:spcPct val="100000"/>
-              </a:lnSpc>
-              <a:spcBef>
-                <a:spcPts val="0"/>
-              </a:spcBef>
-              <a:spcAft>
-                <a:spcPts val="0"/>
-              </a:spcAft>
-              <a:buClrTx/>
-              <a:buSzTx/>
-              <a:buFontTx/>
-              <a:buNone/>
-              <a:tabLst/>
-              <a:defRPr/>
-            </a:pPr>
-            <a:r>
-              <a:rPr lang="en-US" sz="1200" kern="1200" dirty="0" smtClean="0">
-                <a:solidFill>
-                  <a:schemeClr val="tx1"/>
-                </a:solidFill>
-                <a:effectLst/>
-                <a:latin typeface="+mn-lt"/>
-                <a:ea typeface="+mn-ea"/>
-                <a:cs typeface="+mn-cs"/>
-              </a:rPr>
-              <a:t>eliminate the </a:t>
-            </a:r>
-            <a:r>
-              <a:rPr lang="en-US" sz="1200" b="1" kern="1200" dirty="0" smtClean="0">
-                <a:solidFill>
-                  <a:schemeClr val="tx1"/>
-                </a:solidFill>
-                <a:effectLst/>
-                <a:latin typeface="+mn-lt"/>
-                <a:ea typeface="+mn-ea"/>
-                <a:cs typeface="+mn-cs"/>
-              </a:rPr>
-              <a:t>green</a:t>
-            </a:r>
-            <a:r>
-              <a:rPr lang="en-US" sz="1200" kern="1200" dirty="0" smtClean="0">
-                <a:solidFill>
-                  <a:schemeClr val="tx1"/>
-                </a:solidFill>
-                <a:effectLst/>
-                <a:latin typeface="+mn-lt"/>
-                <a:ea typeface="+mn-ea"/>
-                <a:cs typeface="+mn-cs"/>
-              </a:rPr>
-              <a:t> colors when the user selects </a:t>
-            </a:r>
-            <a:r>
-              <a:rPr lang="en-US" sz="1200" kern="1200" smtClean="0">
-                <a:solidFill>
-                  <a:schemeClr val="tx1"/>
-                </a:solidFill>
-                <a:effectLst/>
-                <a:latin typeface="+mn-lt"/>
-                <a:ea typeface="+mn-ea"/>
-                <a:cs typeface="+mn-cs"/>
-              </a:rPr>
-              <a:t>Deuteranopia</a:t>
+              <a:t>No green </a:t>
             </a:r>
             <a:endParaRPr lang="en-US" dirty="0"/>
           </a:p>
@@ -1624,7 +1446,7 @@
     </p:spTree>
     <p:extLst>
       <p:ext uri="{BB962C8B-B14F-4D97-AF65-F5344CB8AC3E}">
-        <p14:creationId xmlns:p14="http://schemas.microsoft.com/office/powerpoint/2010/main" val="2478180565"/>
+        <p14:creationId xmlns:p14="http://schemas.microsoft.com/office/powerpoint/2010/main" val="139219676"/>
       </p:ext>
     </p:extLst>
   </p:cSld>
@@ -1680,7 +1502,340 @@
           <a:p>
             <a:r>
               <a:rPr lang="en-US" dirty="0" smtClean="0"/>
-              <a:t>Gray scale</a:t>
+              <a:t>No red </a:t>
+            </a:r>
+          </a:p>
+          <a:p>
+            <a:endParaRPr lang="en-US" dirty="0" smtClean="0"/>
+          </a:p>
+          <a:p>
+            <a:r>
+              <a:rPr lang="en-US" sz="1200" kern="1200" dirty="0" err="1" smtClean="0">
+                <a:solidFill>
+                  <a:schemeClr val="tx1"/>
+                </a:solidFill>
+                <a:effectLst/>
+                <a:latin typeface="+mn-lt"/>
+                <a:ea typeface="+mn-ea"/>
+                <a:cs typeface="+mn-cs"/>
+              </a:rPr>
+              <a:t>Protanopia</a:t>
+            </a:r>
+            <a:r>
+              <a:rPr lang="en-US" sz="1200" kern="1200" dirty="0" smtClean="0">
+                <a:solidFill>
+                  <a:schemeClr val="tx1"/>
+                </a:solidFill>
+                <a:effectLst/>
+                <a:latin typeface="+mn-lt"/>
+                <a:ea typeface="+mn-ea"/>
+                <a:cs typeface="+mn-cs"/>
+              </a:rPr>
+              <a:t> and </a:t>
+            </a:r>
+            <a:r>
+              <a:rPr lang="en-US" sz="1200" kern="1200" dirty="0" err="1" smtClean="0">
+                <a:solidFill>
+                  <a:schemeClr val="tx1"/>
+                </a:solidFill>
+                <a:effectLst/>
+                <a:latin typeface="+mn-lt"/>
+                <a:ea typeface="+mn-ea"/>
+                <a:cs typeface="+mn-cs"/>
+              </a:rPr>
+              <a:t>Deuteranopia</a:t>
+            </a:r>
+            <a:r>
+              <a:rPr lang="en-US" sz="1200" kern="1200" dirty="0" smtClean="0">
+                <a:solidFill>
+                  <a:schemeClr val="tx1"/>
+                </a:solidFill>
+                <a:effectLst/>
+                <a:latin typeface="+mn-lt"/>
+                <a:ea typeface="+mn-ea"/>
+                <a:cs typeface="+mn-cs"/>
+              </a:rPr>
+              <a:t>  characterized by the inability to differentiate </a:t>
+            </a:r>
+            <a:r>
+              <a:rPr lang="en-US" sz="1200" b="1" kern="1200" dirty="0" smtClean="0">
+                <a:solidFill>
+                  <a:schemeClr val="tx1"/>
+                </a:solidFill>
+                <a:effectLst/>
+                <a:latin typeface="+mn-lt"/>
+                <a:ea typeface="+mn-ea"/>
+                <a:cs typeface="+mn-cs"/>
+              </a:rPr>
+              <a:t>red</a:t>
+            </a:r>
+            <a:r>
+              <a:rPr lang="en-US" sz="1200" kern="1200" dirty="0" smtClean="0">
+                <a:solidFill>
+                  <a:schemeClr val="tx1"/>
+                </a:solidFill>
+                <a:effectLst/>
+                <a:latin typeface="+mn-lt"/>
+                <a:ea typeface="+mn-ea"/>
+                <a:cs typeface="+mn-cs"/>
+              </a:rPr>
+              <a:t> and </a:t>
+            </a:r>
+            <a:r>
+              <a:rPr lang="en-US" sz="1200" b="1" kern="1200" dirty="0" smtClean="0">
+                <a:solidFill>
+                  <a:schemeClr val="tx1"/>
+                </a:solidFill>
+                <a:effectLst/>
+                <a:latin typeface="+mn-lt"/>
+                <a:ea typeface="+mn-ea"/>
+                <a:cs typeface="+mn-cs"/>
+              </a:rPr>
+              <a:t>green</a:t>
+            </a:r>
+            <a:r>
+              <a:rPr lang="en-US" sz="1200" kern="1200" dirty="0" smtClean="0">
+                <a:solidFill>
+                  <a:schemeClr val="tx1"/>
+                </a:solidFill>
+                <a:effectLst/>
+                <a:latin typeface="+mn-lt"/>
+                <a:ea typeface="+mn-ea"/>
+                <a:cs typeface="+mn-cs"/>
+              </a:rPr>
+              <a:t> shades</a:t>
+            </a:r>
+            <a:r>
+              <a:rPr lang="en-US" dirty="0" smtClean="0">
+                <a:effectLst/>
+              </a:rPr>
+              <a:t> </a:t>
+            </a:r>
+            <a:endParaRPr lang="en-US" dirty="0" smtClean="0"/>
+          </a:p>
+          <a:p>
+            <a:pPr marL="0" marR="0" indent="0" algn="l" defTabSz="914400" rtl="0" eaLnBrk="1" fontAlgn="auto" latinLnBrk="0" hangingPunct="1">
+              <a:lnSpc>
+                <a:spcPct val="100000"/>
+              </a:lnSpc>
+              <a:spcBef>
+                <a:spcPts val="0"/>
+              </a:spcBef>
+              <a:spcAft>
+                <a:spcPts val="0"/>
+              </a:spcAft>
+              <a:buClrTx/>
+              <a:buSzTx/>
+              <a:buFontTx/>
+              <a:buNone/>
+              <a:tabLst/>
+              <a:defRPr/>
+            </a:pPr>
+            <a:r>
+              <a:rPr lang="en-US" sz="1200" kern="1200" dirty="0" smtClean="0">
+                <a:solidFill>
+                  <a:schemeClr val="tx1"/>
+                </a:solidFill>
+                <a:effectLst/>
+                <a:latin typeface="+mn-lt"/>
+                <a:ea typeface="+mn-ea"/>
+                <a:cs typeface="+mn-cs"/>
+              </a:rPr>
+              <a:t>In order to display a visual difference between </a:t>
+            </a:r>
+            <a:r>
+              <a:rPr lang="en-US" sz="1200" kern="1200" dirty="0" err="1" smtClean="0">
+                <a:solidFill>
+                  <a:schemeClr val="tx1"/>
+                </a:solidFill>
+                <a:effectLst/>
+                <a:latin typeface="+mn-lt"/>
+                <a:ea typeface="+mn-ea"/>
+                <a:cs typeface="+mn-cs"/>
+              </a:rPr>
+              <a:t>Protanopia</a:t>
+            </a:r>
+            <a:r>
+              <a:rPr lang="en-US" sz="1200" kern="1200" dirty="0" smtClean="0">
+                <a:solidFill>
+                  <a:schemeClr val="tx1"/>
+                </a:solidFill>
+                <a:effectLst/>
+                <a:latin typeface="+mn-lt"/>
+                <a:ea typeface="+mn-ea"/>
+                <a:cs typeface="+mn-cs"/>
+              </a:rPr>
+              <a:t> and </a:t>
+            </a:r>
+            <a:r>
+              <a:rPr lang="en-US" sz="1200" kern="1200" dirty="0" err="1" smtClean="0">
+                <a:solidFill>
+                  <a:schemeClr val="tx1"/>
+                </a:solidFill>
+                <a:effectLst/>
+                <a:latin typeface="+mn-lt"/>
+                <a:ea typeface="+mn-ea"/>
+                <a:cs typeface="+mn-cs"/>
+              </a:rPr>
+              <a:t>Deuteranopia</a:t>
+            </a:r>
+            <a:r>
+              <a:rPr lang="en-US" sz="1200" kern="1200" dirty="0" smtClean="0">
+                <a:solidFill>
+                  <a:schemeClr val="tx1"/>
+                </a:solidFill>
+                <a:effectLst/>
+                <a:latin typeface="+mn-lt"/>
+                <a:ea typeface="+mn-ea"/>
+                <a:cs typeface="+mn-cs"/>
+              </a:rPr>
+              <a:t>  options</a:t>
+            </a:r>
+          </a:p>
+          <a:p>
+            <a:pPr marL="0" marR="0" indent="0" algn="l" defTabSz="914400" rtl="0" eaLnBrk="1" fontAlgn="auto" latinLnBrk="0" hangingPunct="1">
+              <a:lnSpc>
+                <a:spcPct val="100000"/>
+              </a:lnSpc>
+              <a:spcBef>
+                <a:spcPts val="0"/>
+              </a:spcBef>
+              <a:spcAft>
+                <a:spcPts val="0"/>
+              </a:spcAft>
+              <a:buClrTx/>
+              <a:buSzTx/>
+              <a:buFontTx/>
+              <a:buNone/>
+              <a:tabLst/>
+              <a:defRPr/>
+            </a:pPr>
+            <a:r>
+              <a:rPr lang="en-US" sz="1200" kern="1200" dirty="0" smtClean="0">
+                <a:solidFill>
+                  <a:schemeClr val="tx1"/>
+                </a:solidFill>
+                <a:effectLst/>
+                <a:latin typeface="+mn-lt"/>
+                <a:ea typeface="+mn-ea"/>
+                <a:cs typeface="+mn-cs"/>
+              </a:rPr>
+              <a:t>eliminate the </a:t>
+            </a:r>
+            <a:r>
+              <a:rPr lang="en-US" sz="1200" b="1" kern="1200" dirty="0" smtClean="0">
+                <a:solidFill>
+                  <a:schemeClr val="tx1"/>
+                </a:solidFill>
+                <a:effectLst/>
+                <a:latin typeface="+mn-lt"/>
+                <a:ea typeface="+mn-ea"/>
+                <a:cs typeface="+mn-cs"/>
+              </a:rPr>
+              <a:t>red</a:t>
+            </a:r>
+            <a:r>
+              <a:rPr lang="en-US" sz="1200" kern="1200" dirty="0" smtClean="0">
+                <a:solidFill>
+                  <a:schemeClr val="tx1"/>
+                </a:solidFill>
+                <a:effectLst/>
+                <a:latin typeface="+mn-lt"/>
+                <a:ea typeface="+mn-ea"/>
+                <a:cs typeface="+mn-cs"/>
+              </a:rPr>
+              <a:t> colors when the user selects </a:t>
+            </a:r>
+            <a:r>
+              <a:rPr lang="en-US" sz="1200" kern="1200" dirty="0" err="1" smtClean="0">
+                <a:solidFill>
+                  <a:schemeClr val="tx1"/>
+                </a:solidFill>
+                <a:effectLst/>
+                <a:latin typeface="+mn-lt"/>
+                <a:ea typeface="+mn-ea"/>
+                <a:cs typeface="+mn-cs"/>
+              </a:rPr>
+              <a:t>Protanopia</a:t>
+            </a:r>
+            <a:r>
+              <a:rPr lang="en-US" sz="1200" kern="1200" dirty="0" smtClean="0">
+                <a:solidFill>
+                  <a:schemeClr val="tx1"/>
+                </a:solidFill>
+                <a:effectLst/>
+                <a:latin typeface="+mn-lt"/>
+                <a:ea typeface="+mn-ea"/>
+                <a:cs typeface="+mn-cs"/>
+              </a:rPr>
+              <a:t>, </a:t>
+            </a:r>
+          </a:p>
+          <a:p>
+            <a:pPr marL="0" marR="0" indent="0" algn="l" defTabSz="914400" rtl="0" eaLnBrk="1" fontAlgn="auto" latinLnBrk="0" hangingPunct="1">
+              <a:lnSpc>
+                <a:spcPct val="100000"/>
+              </a:lnSpc>
+              <a:spcBef>
+                <a:spcPts val="0"/>
+              </a:spcBef>
+              <a:spcAft>
+                <a:spcPts val="0"/>
+              </a:spcAft>
+              <a:buClrTx/>
+              <a:buSzTx/>
+              <a:buFontTx/>
+              <a:buNone/>
+              <a:tabLst/>
+              <a:defRPr/>
+            </a:pPr>
+            <a:r>
+              <a:rPr lang="en-US" sz="1200" kern="1200" dirty="0" smtClean="0">
+                <a:solidFill>
+                  <a:schemeClr val="tx1"/>
+                </a:solidFill>
+                <a:effectLst/>
+                <a:latin typeface="+mn-lt"/>
+                <a:ea typeface="+mn-ea"/>
+                <a:cs typeface="+mn-cs"/>
+              </a:rPr>
+              <a:t>eliminate the </a:t>
+            </a:r>
+            <a:r>
+              <a:rPr lang="en-US" sz="1200" b="1" kern="1200" dirty="0" smtClean="0">
+                <a:solidFill>
+                  <a:schemeClr val="tx1"/>
+                </a:solidFill>
+                <a:effectLst/>
+                <a:latin typeface="+mn-lt"/>
+                <a:ea typeface="+mn-ea"/>
+                <a:cs typeface="+mn-cs"/>
+              </a:rPr>
+              <a:t>green</a:t>
+            </a:r>
+            <a:r>
+              <a:rPr lang="en-US" sz="1200" kern="1200" dirty="0" smtClean="0">
+                <a:solidFill>
+                  <a:schemeClr val="tx1"/>
+                </a:solidFill>
+                <a:effectLst/>
+                <a:latin typeface="+mn-lt"/>
+                <a:ea typeface="+mn-ea"/>
+                <a:cs typeface="+mn-cs"/>
+              </a:rPr>
+              <a:t> colors when the user selects </a:t>
+            </a:r>
+            <a:r>
+              <a:rPr lang="en-US" sz="1200" kern="1200" dirty="0" err="1" smtClean="0">
+                <a:solidFill>
+                  <a:schemeClr val="tx1"/>
+                </a:solidFill>
+                <a:effectLst/>
+                <a:latin typeface="+mn-lt"/>
+                <a:ea typeface="+mn-ea"/>
+                <a:cs typeface="+mn-cs"/>
+              </a:rPr>
+              <a:t>Deuteranopia</a:t>
             </a:r>
             <a:endParaRPr lang="en-US" dirty="0"/>
           </a:p>
@@ -1712,7 +1867,7 @@
     </p:spTree>
     <p:extLst>
       <p:ext uri="{BB962C8B-B14F-4D97-AF65-F5344CB8AC3E}">
-        <p14:creationId xmlns:p14="http://schemas.microsoft.com/office/powerpoint/2010/main" val="3887309954"/>
+        <p14:creationId xmlns:p14="http://schemas.microsoft.com/office/powerpoint/2010/main" val="2478180565"/>
       </p:ext>
     </p:extLst>
   </p:cSld>
@@ -7917,6 +8072,88 @@
           <a:chExt cx="0" cy="0"/>
         </a:xfrm>
       </p:grpSpPr>
+      <p:pic>
+        <p:nvPicPr>
+          <p:cNvPr id="5" name="Picture 4" descr="rubiks.jpg"/>
+          <p:cNvPicPr>
+            <a:picLocks noChangeAspect="1"/>
+          </p:cNvPicPr>
+          <p:nvPr/>
+        </p:nvPicPr>
+        <p:blipFill>
+          <a:blip r:embed="rId2">
+            <a:extLst>
+              <a:ext uri="{28A0092B-C50C-407E-A947-70E740481C1C}">
+                <a14:useLocalDpi xmlns:a14="http://schemas.microsoft.com/office/drawing/2010/main" val="0"/>
+              </a:ext>
+            </a:extLst>
+          </a:blip>
+          <a:stretch>
+            <a:fillRect/>
+          </a:stretch>
+        </p:blipFill>
+        <p:spPr>
+          <a:xfrm>
+            <a:off x="777507" y="1524000"/>
+            <a:ext cx="7566393" cy="5270500"/>
+          </a:xfrm>
+          <a:prstGeom prst="rect">
+            <a:avLst/>
+          </a:prstGeom>
+        </p:spPr>
+      </p:pic>
+      <p:sp>
+        <p:nvSpPr>
+          <p:cNvPr id="7" name="Title 6"/>
+          <p:cNvSpPr>
+            <a:spLocks noGrp="1"/>
+          </p:cNvSpPr>
+          <p:nvPr>
+            <p:ph type="title"/>
+          </p:nvPr>
+        </p:nvSpPr>
+        <p:spPr/>
+        <p:txBody>
+          <a:bodyPr/>
+          <a:lstStyle/>
+          <a:p>
+            <a:r>
+              <a:rPr lang="en-US" dirty="0"/>
+              <a:t>Purposes</a:t>
+            </a:r>
+          </a:p>
+        </p:txBody>
+      </p:sp>
+    </p:spTree>
+    <p:extLst>
+      <p:ext uri="{BB962C8B-B14F-4D97-AF65-F5344CB8AC3E}">
+        <p14:creationId xmlns:p14="http://schemas.microsoft.com/office/powerpoint/2010/main" val="2624806074"/>
+      </p:ext>
+    </p:extLst>
+  </p:cSld>
+  <p:clrMapOvr>
+    <a:masterClrMapping/>
+  </p:clrMapOvr>
+</p:sld>
+</file>
+
+<file path=ppt/slides/slide11.xml><?xml version="1.0" encoding="utf-8"?>
+<p:sld xmlns:a="http://schemas.openxmlformats.org/drawingml/2006/main" xmlns:r="http://schemas.openxmlformats.org/officeDocument/2006/relationships" xmlns:p="http://schemas.openxmlformats.org/presentationml/2006/main">
+  <p:cSld>
+    <p:spTree>
+      <p:nvGrpSpPr>
+        <p:cNvPr id="1" name=""/>
+        <p:cNvGrpSpPr/>
+        <p:nvPr/>
+      </p:nvGrpSpPr>
+      <p:grpSpPr>
+        <a:xfrm>
+          <a:off x="0" y="0"/>
+          <a:ext cx="0" cy="0"/>
+          <a:chOff x="0" y="0"/>
+          <a:chExt cx="0" cy="0"/>
+        </a:xfrm>
+      </p:grpSpPr>
       <p:sp>
         <p:nvSpPr>
           <p:cNvPr id="2" name="Title 1"/>
@@ -7959,7 +8196,7 @@
 </p:sld>
 </file>
 
-<file path=ppt/slides/slide11.xml><?xml version="1.0" encoding="utf-8"?>
+<file path=ppt/slides/slide12.xml><?xml version="1.0" encoding="utf-8"?>
 <p:sld xmlns:a="http://schemas.openxmlformats.org/drawingml/2006/main" xmlns:r="http://schemas.openxmlformats.org/officeDocument/2006/relationships" xmlns:p="http://schemas.openxmlformats.org/presentationml/2006/main">
   <p:cSld>
     <p:spTree>
@@ -8041,7 +8278,7 @@
 </p:sld>
 </file>
 
-<file path=ppt/slides/slide12.xml><?xml version="1.0" encoding="utf-8"?>
+<file path=ppt/slides/slide13.xml><?xml version="1.0" encoding="utf-8"?>
 <p:sld xmlns:a="http://schemas.openxmlformats.org/drawingml/2006/main" xmlns:r="http://schemas.openxmlformats.org/officeDocument/2006/relationships" xmlns:p="http://schemas.openxmlformats.org/presentationml/2006/main">
   <p:cSld>
     <p:spTree>
@@ -8123,7 +8360,7 @@
 </p:sld>
 </file>
 
-<file path=ppt/slides/slide13.xml><?xml version="1.0" encoding="utf-8"?>
+<file path=ppt/slides/slide14.xml><?xml version="1.0" encoding="utf-8"?>
 <p:sld xmlns:a="http://schemas.openxmlformats.org/drawingml/2006/main" xmlns:r="http://schemas.openxmlformats.org/officeDocument/2006/relationships" xmlns:p="http://schemas.openxmlformats.org/presentationml/2006/main">
   <p:cSld>
     <p:spTree>
@@ -8208,7 +8445,7 @@
 </p:sld>
 </file>
 
-<file path=ppt/slides/slide14.xml><?xml version="1.0" encoding="utf-8"?>
+<file path=ppt/slides/slide15.xml><?xml version="1.0" encoding="utf-8"?>
 <p:sld xmlns:a="http://schemas.openxmlformats.org/drawingml/2006/main" xmlns:r="http://schemas.openxmlformats.org/officeDocument/2006/relationships" xmlns:p="http://schemas.openxmlformats.org/presentationml/2006/main">
   <p:cSld>
     <p:spTree>
@@ -8290,7 +8527,7 @@
 </p:sld>
 </file>
 
-<file path=ppt/slides/slide15.xml><?xml version="1.0" encoding="utf-8"?>
+<file path=ppt/slides/slide16.xml><?xml version="1.0" encoding="utf-8"?>
 <p:sld xmlns:a="http://schemas.openxmlformats.org/drawingml/2006/main" xmlns:r="http://schemas.openxmlformats.org/officeDocument/2006/relationships" xmlns:p="http://schemas.openxmlformats.org/presentationml/2006/main">
   <p:cSld>
     <p:spTree>
@@ -8349,7 +8586,7 @@
 </p:sld>
 </file>
 
-<file path=ppt/slides/slide16.xml><?xml version="1.0" encoding="utf-8"?>
+<file path=ppt/slides/slide17.xml><?xml version="1.0" encoding="utf-8"?>
 <p:sld xmlns:a="http://schemas.openxmlformats.org/drawingml/2006/main" xmlns:r="http://schemas.openxmlformats.org/officeDocument/2006/relationships" xmlns:p="http://schemas.openxmlformats.org/presentationml/2006/main">
   <p:cSld>
     <p:spTree>
@@ -8473,7 +8710,7 @@
 </p:sld>
 </file>
 
-<file path=ppt/slides/slide17.xml><?xml version="1.0" encoding="utf-8"?>
+<file path=ppt/slides/slide18.xml><?xml version="1.0" encoding="utf-8"?>
 <p:sld xmlns:a="http://schemas.openxmlformats.org/drawingml/2006/main" xmlns:r="http://schemas.openxmlformats.org/officeDocument/2006/relationships" xmlns:p="http://schemas.openxmlformats.org/presentationml/2006/main">
   <p:cSld>
     <p:spTree>
@@ -8602,7 +8839,7 @@
 </p:sld>
 </file>
 
-<file path=ppt/slides/slide18.xml><?xml version="1.0" encoding="utf-8"?>
+<file path=ppt/slides/slide19.xml><?xml version="1.0" encoding="utf-8"?>
 <p:sld xmlns:a="http://schemas.openxmlformats.org/drawingml/2006/main" xmlns:r="http://schemas.openxmlformats.org/officeDocument/2006/relationships" xmlns:p="http://schemas.openxmlformats.org/presentationml/2006/main">
   <p:cSld>
     <p:spTree>
@@ -8722,135 +8959,6 @@
     <p:extLst>
       <p:ext uri="{BB962C8B-B14F-4D97-AF65-F5344CB8AC3E}">
         <p14:creationId xmlns:p14="http://schemas.microsoft.com/office/powerpoint/2010/main" val="3543694371"/>
-      </p:ext>
-    </p:extLst>
-  </p:cSld>
-  <p:clrMapOvr>
-    <a:masterClrMapping/>
-  </p:clrMapOvr>
-</p:sld>
-</file>
-
-<file path=ppt/slides/slide19.xml><?xml version="1.0" encoding="utf-8"?>
-<p:sld xmlns:a="http://schemas.openxmlformats.org/drawingml/2006/main" xmlns:r="http://schemas.openxmlformats.org/officeDocument/2006/relationships" xmlns:p="http://schemas.openxmlformats.org/presentationml/2006/main">
-  <p:cSld>
-    <p:spTree>
-      <p:nvGrpSpPr>
-        <p:cNvPr id="1" name=""/>
-        <p:cNvGrpSpPr/>
-        <p:nvPr/>
-      </p:nvGrpSpPr>
-      <p:grpSpPr>
-        <a:xfrm>
-          <a:off x="0" y="0"/>
-          <a:ext cx="0" cy="0"/>
-          <a:chOff x="0" y="0"/>
-          <a:chExt cx="0" cy="0"/>
-        </a:xfrm>
-      </p:grpSpPr>
-      <p:sp>
-        <p:nvSpPr>
-          <p:cNvPr id="2" name="Title 1"/>
-          <p:cNvSpPr>
-            <a:spLocks noGrp="1"/>
-          </p:cNvSpPr>
-          <p:nvPr>
-            <p:ph type="title"/>
-          </p:nvPr>
-        </p:nvSpPr>
-        <p:spPr>
-          <a:xfrm>
-            <a:off x="295422" y="452718"/>
-            <a:ext cx="7371470" cy="1400530"/>
-          </a:xfrm>
-        </p:spPr>
-        <p:txBody>
-          <a:bodyPr/>
-          <a:lstStyle/>
-          <a:p>
-            <a:r>
-              <a:rPr lang="en-US" dirty="0" smtClean="0"/>
-              <a:t>Long Wavelength Sensitivity</a:t>
-            </a:r>
-            <a:endParaRPr lang="en-US" dirty="0"/>
-          </a:p>
-        </p:txBody>
-      </p:sp>
-      <p:pic>
-        <p:nvPicPr>
-          <p:cNvPr id="4" name="Content Placeholder 3"/>
-          <p:cNvPicPr>
-            <a:picLocks noGrp="1" noChangeAspect="1"/>
-          </p:cNvPicPr>
-          <p:nvPr>
-            <p:ph idx="1"/>
-          </p:nvPr>
-        </p:nvPicPr>
-        <p:blipFill>
-          <a:blip r:embed="rId3">
-            <a:extLst>
-              <a:ext uri="{28A0092B-C50C-407E-A947-70E740481C1C}">
-                <a14:useLocalDpi xmlns:a14="http://schemas.microsoft.com/office/drawing/2010/main" val="0"/>
-              </a:ext>
-            </a:extLst>
-          </a:blip>
-          <a:stretch>
-            <a:fillRect/>
-          </a:stretch>
-        </p:blipFill>
-        <p:spPr>
-          <a:xfrm>
-            <a:off x="1669229" y="1461794"/>
-            <a:ext cx="5660039" cy="4859468"/>
-          </a:xfrm>
-        </p:spPr>
-      </p:pic>
-      <p:sp>
-        <p:nvSpPr>
-          <p:cNvPr id="5" name="Oval 4"/>
-          <p:cNvSpPr/>
-          <p:nvPr/>
-        </p:nvSpPr>
-        <p:spPr>
-          <a:xfrm>
-            <a:off x="1547639" y="5697605"/>
-            <a:ext cx="1392701" cy="618979"/>
-          </a:xfrm>
-          <a:prstGeom prst="ellipse">
-            <a:avLst/>
-          </a:prstGeom>
-          <a:noFill/>
-          <a:ln w="28575"/>
-        </p:spPr>
-        <p:style>
-          <a:lnRef idx="2">
-            <a:schemeClr val="accent1">
-              <a:shade val="50000"/>
-            </a:schemeClr>
-          </a:lnRef>
-          <a:fillRef idx="1">
-            <a:schemeClr val="accent1"/>
-          </a:fillRef>
-          <a:effectRef idx="0">
-            <a:schemeClr val="accent1"/>
-          </a:effectRef>
-          <a:fontRef idx="minor">
-            <a:schemeClr val="lt1"/>
-          </a:fontRef>
-        </p:style>
-        <p:txBody>
-          <a:bodyPr rtlCol="0" anchor="ctr"/>
-          <a:lstStyle/>
-          <a:p>
-            <a:pPr algn="ctr"/>
-            <a:endParaRPr lang="en-US"/>
-          </a:p>
-        </p:txBody>
-      </p:sp>
-    </p:spTree>
-    <p:extLst>
-      <p:ext uri="{BB962C8B-B14F-4D97-AF65-F5344CB8AC3E}">
-        <p14:creationId xmlns:p14="http://schemas.microsoft.com/office/powerpoint/2010/main" val="3048631153"/>
       </p:ext>
     </p:extLst>
   </p:cSld>
@@ -8981,6 +9089,135 @@
             <p:ph type="title"/>
           </p:nvPr>
         </p:nvSpPr>
+        <p:spPr>
+          <a:xfrm>
+            <a:off x="295422" y="452718"/>
+            <a:ext cx="7371470" cy="1400530"/>
+          </a:xfrm>
+        </p:spPr>
+        <p:txBody>
+          <a:bodyPr/>
+          <a:lstStyle/>
+          <a:p>
+            <a:r>
+              <a:rPr lang="en-US" dirty="0" smtClean="0"/>
+              <a:t>Long Wavelength Sensitivity</a:t>
+            </a:r>
+            <a:endParaRPr lang="en-US" dirty="0"/>
+          </a:p>
+        </p:txBody>
+      </p:sp>
+      <p:pic>
+        <p:nvPicPr>
+          <p:cNvPr id="4" name="Content Placeholder 3"/>
+          <p:cNvPicPr>
+            <a:picLocks noGrp="1" noChangeAspect="1"/>
+          </p:cNvPicPr>
+          <p:nvPr>
+            <p:ph idx="1"/>
+          </p:nvPr>
+        </p:nvPicPr>
+        <p:blipFill>
+          <a:blip r:embed="rId3">
+            <a:extLst>
+              <a:ext uri="{28A0092B-C50C-407E-A947-70E740481C1C}">
+                <a14:useLocalDpi xmlns:a14="http://schemas.microsoft.com/office/drawing/2010/main" val="0"/>
+              </a:ext>
+            </a:extLst>
+          </a:blip>
+          <a:stretch>
+            <a:fillRect/>
+          </a:stretch>
+        </p:blipFill>
+        <p:spPr>
+          <a:xfrm>
+            <a:off x="1669229" y="1461794"/>
+            <a:ext cx="5660039" cy="4859468"/>
+          </a:xfrm>
+        </p:spPr>
+      </p:pic>
+      <p:sp>
+        <p:nvSpPr>
+          <p:cNvPr id="5" name="Oval 4"/>
+          <p:cNvSpPr/>
+          <p:nvPr/>
+        </p:nvSpPr>
+        <p:spPr>
+          <a:xfrm>
+            <a:off x="1547639" y="5697605"/>
+            <a:ext cx="1392701" cy="618979"/>
+          </a:xfrm>
+          <a:prstGeom prst="ellipse">
+            <a:avLst/>
+          </a:prstGeom>
+          <a:noFill/>
+          <a:ln w="28575"/>
+        </p:spPr>
+        <p:style>
+          <a:lnRef idx="2">
+            <a:schemeClr val="accent1">
+              <a:shade val="50000"/>
+            </a:schemeClr>
+          </a:lnRef>
+          <a:fillRef idx="1">
+            <a:schemeClr val="accent1"/>
+          </a:fillRef>
+          <a:effectRef idx="0">
+            <a:schemeClr val="accent1"/>
+          </a:effectRef>
+          <a:fontRef idx="minor">
+            <a:schemeClr val="lt1"/>
+          </a:fontRef>
+        </p:style>
+        <p:txBody>
+          <a:bodyPr rtlCol="0" anchor="ctr"/>
+          <a:lstStyle/>
+          <a:p>
+            <a:pPr algn="ctr"/>
+            <a:endParaRPr lang="en-US"/>
+          </a:p>
+        </p:txBody>
+      </p:sp>
+    </p:spTree>
+    <p:extLst>
+      <p:ext uri="{BB962C8B-B14F-4D97-AF65-F5344CB8AC3E}">
+        <p14:creationId xmlns:p14="http://schemas.microsoft.com/office/powerpoint/2010/main" val="3048631153"/>
+      </p:ext>
+    </p:extLst>
+  </p:cSld>
+  <p:clrMapOvr>
+    <a:masterClrMapping/>
+  </p:clrMapOvr>
+</p:sld>
+</file>
+
+<file path=ppt/slides/slide21.xml><?xml version="1.0" encoding="utf-8"?>
+<p:sld xmlns:a="http://schemas.openxmlformats.org/drawingml/2006/main" xmlns:r="http://schemas.openxmlformats.org/officeDocument/2006/relationships" xmlns:p="http://schemas.openxmlformats.org/presentationml/2006/main">
+  <p:cSld>
+    <p:spTree>
+      <p:nvGrpSpPr>
+        <p:cNvPr id="1" name=""/>
+        <p:cNvGrpSpPr/>
+        <p:nvPr/>
+      </p:nvGrpSpPr>
+      <p:grpSpPr>
+        <a:xfrm>
+          <a:off x="0" y="0"/>
+          <a:ext cx="0" cy="0"/>
+          <a:chOff x="0" y="0"/>
+          <a:chExt cx="0" cy="0"/>
+        </a:xfrm>
+      </p:grpSpPr>
+      <p:sp>
+        <p:nvSpPr>
+          <p:cNvPr id="2" name="Title 1"/>
+          <p:cNvSpPr>
+            <a:spLocks noGrp="1"/>
+          </p:cNvSpPr>
+          <p:nvPr>
+            <p:ph type="title"/>
+          </p:nvPr>
+        </p:nvSpPr>
         <p:spPr/>
         <p:txBody>
           <a:bodyPr/>
@@ -9078,7 +9315,7 @@
 </p:sld>
 </file>
 
-<file path=ppt/slides/slide21.xml><?xml version="1.0" encoding="utf-8"?>
+<file path=ppt/slides/slide22.xml><?xml version="1.0" encoding="utf-8"?>
 <p:sld xmlns:a="http://schemas.openxmlformats.org/drawingml/2006/main" xmlns:r="http://schemas.openxmlformats.org/officeDocument/2006/relationships" xmlns:p="http://schemas.openxmlformats.org/presentationml/2006/main">
   <p:cSld>
     <p:spTree>
@@ -9161,7 +9398,7 @@
 </p:sld>
 </file>
 
-<file path=ppt/slides/slide22.xml><?xml version="1.0" encoding="utf-8"?>
+<file path=ppt/slides/slide23.xml><?xml version="1.0" encoding="utf-8"?>
 <p:sld xmlns:a="http://schemas.openxmlformats.org/drawingml/2006/main" xmlns:r="http://schemas.openxmlformats.org/officeDocument/2006/relationships" xmlns:p="http://schemas.openxmlformats.org/presentationml/2006/main">
   <p:cSld>
     <p:spTree>
@@ -9666,69 +9903,54 @@
           <a:p>
             <a:r>
               <a:rPr lang="en-US" dirty="0" smtClean="0"/>
-              <a:t>Target audience?</a:t>
+              <a:t>Visualized </a:t>
+            </a:r>
+            <a:r>
+              <a:rPr lang="en-US" dirty="0"/>
+              <a:t>satellite </a:t>
+            </a:r>
+            <a:r>
+              <a:rPr lang="en-US" dirty="0" smtClean="0"/>
+              <a:t>data</a:t>
             </a:r>
             <a:endParaRPr lang="en-US" dirty="0"/>
           </a:p>
         </p:txBody>
       </p:sp>
-      <p:sp>
-        <p:nvSpPr>
-          <p:cNvPr id="3" name="Content Placeholder 2"/>
-          <p:cNvSpPr>
-            <a:spLocks noGrp="1"/>
-          </p:cNvSpPr>
+      <p:pic>
+        <p:nvPicPr>
+          <p:cNvPr id="5" name="Content Placeholder 4" descr="m15-162b.jpg"/>
+          <p:cNvPicPr>
+            <a:picLocks noGrp="1" noChangeAspect="1"/>
+          </p:cNvPicPr>
           <p:nvPr>
             <p:ph idx="1"/>
           </p:nvPr>
-        </p:nvSpPr>
-        <p:spPr/>
-        <p:txBody>
-          <a:bodyPr/>
-          <a:lstStyle/>
-          <a:p>
-            <a:r>
-              <a:rPr lang="en-US" dirty="0" smtClean="0"/>
-              <a:t>Colorblind options</a:t>
-            </a:r>
-          </a:p>
-          <a:p>
-            <a:pPr lvl="1"/>
-            <a:r>
-              <a:rPr lang="en-US" dirty="0" smtClean="0"/>
-              <a:t>Colorblind individuals (most positive impact)</a:t>
-            </a:r>
-          </a:p>
-          <a:p>
-            <a:pPr lvl="1"/>
-            <a:r>
-              <a:rPr lang="en-US" dirty="0" smtClean="0"/>
-              <a:t>All Users</a:t>
-            </a:r>
-          </a:p>
-          <a:p>
-            <a:pPr lvl="1"/>
-            <a:endParaRPr lang="en-US" dirty="0" smtClean="0"/>
-          </a:p>
-          <a:p>
-            <a:r>
-              <a:rPr lang="en-US" dirty="0" smtClean="0"/>
-              <a:t>Dynamic color options</a:t>
-            </a:r>
-          </a:p>
-          <a:p>
-            <a:pPr lvl="1"/>
-            <a:r>
-              <a:rPr lang="en-US" dirty="0" smtClean="0"/>
-              <a:t>All Users</a:t>
-            </a:r>
-          </a:p>
-        </p:txBody>
-      </p:sp>
+        </p:nvPicPr>
+        <p:blipFill>
+          <a:blip r:embed="rId3">
+            <a:extLst>
+              <a:ext uri="{28A0092B-C50C-407E-A947-70E740481C1C}">
+                <a14:useLocalDpi xmlns:a14="http://schemas.microsoft.com/office/drawing/2010/main" val="0"/>
+              </a:ext>
+            </a:extLst>
+          </a:blip>
+          <a:srcRect l="11104" r="11104"/>
+          <a:stretch>
+            <a:fillRect/>
+          </a:stretch>
+        </p:blipFill>
+        <p:spPr>
+          <a:xfrm>
+            <a:off x="997030" y="1853249"/>
+            <a:ext cx="7031084" cy="4395158"/>
+          </a:xfrm>
+        </p:spPr>
+      </p:pic>
     </p:spTree>
     <p:extLst>
       <p:ext uri="{BB962C8B-B14F-4D97-AF65-F5344CB8AC3E}">
-        <p14:creationId xmlns:p14="http://schemas.microsoft.com/office/powerpoint/2010/main" val="3169934808"/>
+        <p14:creationId xmlns:p14="http://schemas.microsoft.com/office/powerpoint/2010/main" val="1061362411"/>
       </p:ext>
     </p:extLst>
   </p:cSld>
@@ -9772,7 +9994,7 @@
           <a:p>
             <a:r>
               <a:rPr lang="en-US" dirty="0" smtClean="0"/>
-              <a:t>Purposes</a:t>
+              <a:t>Target audience?</a:t>
             </a:r>
             <a:endParaRPr lang="en-US" dirty="0"/>
           </a:p>
@@ -9795,23 +10017,21 @@
           <a:p>
             <a:r>
               <a:rPr lang="en-US" dirty="0" smtClean="0"/>
-              <a:t>Ability to change the color scheme dynamically </a:t>
-            </a:r>
-          </a:p>
-          <a:p>
-            <a:endParaRPr lang="en-US" dirty="0" smtClean="0"/>
-          </a:p>
-          <a:p>
+              <a:t>Colorblind options</a:t>
+            </a:r>
+          </a:p>
+          <a:p>
+            <a:pPr lvl="1"/>
             <a:r>
               <a:rPr lang="en-US" dirty="0" smtClean="0"/>
-              <a:t>Ability to choose colors that are visually distinct</a:t>
+              <a:t>Colorblind individuals (most positive impact)</a:t>
             </a:r>
           </a:p>
           <a:p>
             <a:pPr lvl="1"/>
             <a:r>
               <a:rPr lang="en-US" dirty="0" smtClean="0"/>
-              <a:t>Certain distance apart</a:t>
+              <a:t>All Users</a:t>
             </a:r>
           </a:p>
           <a:p>
@@ -9821,27 +10041,22 @@
           <a:p>
             <a:r>
               <a:rPr lang="en-US" dirty="0" smtClean="0"/>
-              <a:t>Ability to choose saturated colors</a:t>
-            </a:r>
-          </a:p>
-          <a:p>
-            <a:endParaRPr lang="en-US" dirty="0" smtClean="0"/>
-          </a:p>
-          <a:p>
+              <a:t>Dynamic color options</a:t>
+            </a:r>
+          </a:p>
+          <a:p>
+            <a:pPr lvl="1"/>
             <a:r>
               <a:rPr lang="en-US" dirty="0" smtClean="0"/>
-              <a:t>Unambiguous data interpretation </a:t>
-            </a:r>
-          </a:p>
-          <a:p>
-            <a:endParaRPr lang="en-US" dirty="0"/>
+              <a:t>All Users</a:t>
+            </a:r>
           </a:p>
         </p:txBody>
       </p:sp>
     </p:spTree>
     <p:extLst>
       <p:ext uri="{BB962C8B-B14F-4D97-AF65-F5344CB8AC3E}">
-        <p14:creationId xmlns:p14="http://schemas.microsoft.com/office/powerpoint/2010/main" val="695636417"/>
+        <p14:creationId xmlns:p14="http://schemas.microsoft.com/office/powerpoint/2010/main" val="3169934808"/>
       </p:ext>
     </p:extLst>
   </p:cSld>
@@ -9868,39 +10083,9 @@
           <a:chExt cx="0" cy="0"/>
         </a:xfrm>
       </p:grpSpPr>
-      <p:pic>
-        <p:nvPicPr>
-          <p:cNvPr id="5" name="Picture 4" descr="rubiks.jpg"/>
-          <p:cNvPicPr>
-            <a:picLocks noChangeAspect="1"/>
-          </p:cNvPicPr>
-          <p:nvPr/>
-        </p:nvPicPr>
-        <p:blipFill>
-          <a:blip r:embed="rId2">
-            <a:extLst>
-              <a:ext uri="{28A0092B-C50C-407E-A947-70E740481C1C}">
-                <a14:useLocalDpi xmlns:a14="http://schemas.microsoft.com/office/drawing/2010/main" val="0"/>
-              </a:ext>
-            </a:extLst>
-          </a:blip>
-          <a:stretch>
-            <a:fillRect/>
-          </a:stretch>
-        </p:blipFill>
-        <p:spPr>
-          <a:xfrm>
-            <a:off x="777507" y="1524000"/>
-            <a:ext cx="7566393" cy="5270500"/>
-          </a:xfrm>
-          <a:prstGeom prst="rect">
-            <a:avLst/>
-          </a:prstGeom>
-        </p:spPr>
-      </p:pic>
-      <p:sp>
-        <p:nvSpPr>
-          <p:cNvPr id="7" name="Title 6"/>
+      <p:sp>
+        <p:nvSpPr>
+          <p:cNvPr id="2" name="Title 1"/>
           <p:cNvSpPr>
             <a:spLocks noGrp="1"/>
           </p:cNvSpPr>
@@ -9914,16 +10099,77 @@
           <a:lstStyle/>
           <a:p>
             <a:r>
-              <a:rPr lang="en-US" dirty="0"/>
+              <a:rPr lang="en-US" dirty="0" smtClean="0"/>
               <a:t>Purposes</a:t>
             </a:r>
+            <a:endParaRPr lang="en-US" dirty="0"/>
+          </a:p>
+        </p:txBody>
+      </p:sp>
+      <p:sp>
+        <p:nvSpPr>
+          <p:cNvPr id="3" name="Content Placeholder 2"/>
+          <p:cNvSpPr>
+            <a:spLocks noGrp="1"/>
+          </p:cNvSpPr>
+          <p:nvPr>
+            <p:ph idx="1"/>
+          </p:nvPr>
+        </p:nvSpPr>
+        <p:spPr/>
+        <p:txBody>
+          <a:bodyPr/>
+          <a:lstStyle/>
+          <a:p>
+            <a:r>
+              <a:rPr lang="en-US" dirty="0" smtClean="0"/>
+              <a:t>Ability to change the color scheme dynamically </a:t>
+            </a:r>
+          </a:p>
+          <a:p>
+            <a:endParaRPr lang="en-US" dirty="0" smtClean="0"/>
+          </a:p>
+          <a:p>
+            <a:r>
+              <a:rPr lang="en-US" dirty="0" smtClean="0"/>
+              <a:t>Ability to choose colors that are visually distinct</a:t>
+            </a:r>
+          </a:p>
+          <a:p>
+            <a:pPr lvl="1"/>
+            <a:r>
+              <a:rPr lang="en-US" dirty="0" smtClean="0"/>
+              <a:t>Certain distance apart</a:t>
+            </a:r>
+          </a:p>
+          <a:p>
+            <a:pPr lvl="1"/>
+            <a:endParaRPr lang="en-US" dirty="0" smtClean="0"/>
+          </a:p>
+          <a:p>
+            <a:r>
+              <a:rPr lang="en-US" dirty="0" smtClean="0"/>
+              <a:t>Ability to choose saturated colors</a:t>
+            </a:r>
+          </a:p>
+          <a:p>
+            <a:endParaRPr lang="en-US" dirty="0" smtClean="0"/>
+          </a:p>
+          <a:p>
+            <a:r>
+              <a:rPr lang="en-US" dirty="0" smtClean="0"/>
+              <a:t>Unambiguous data interpretation </a:t>
+            </a:r>
+          </a:p>
+          <a:p>
+            <a:endParaRPr lang="en-US" dirty="0"/>
           </a:p>
         </p:txBody>
       </p:sp>
     </p:spTree>
     <p:extLst>
       <p:ext uri="{BB962C8B-B14F-4D97-AF65-F5344CB8AC3E}">
-        <p14:creationId xmlns:p14="http://schemas.microsoft.com/office/powerpoint/2010/main" val="2624806074"/>
+        <p14:creationId xmlns:p14="http://schemas.microsoft.com/office/powerpoint/2010/main" val="695636417"/>
       </p:ext>
     </p:extLst>
   </p:cSld>
